--- a/SQL Server/SQL_PPT.pptx
+++ b/SQL Server/SQL_PPT.pptx
@@ -4,6 +4,9 @@
   <p:sldMasterIdLst>
     <p:sldMasterId id="2147483660" r:id="rId1"/>
   </p:sldMasterIdLst>
+  <p:notesMasterIdLst>
+    <p:notesMasterId r:id="rId23"/>
+  </p:notesMasterIdLst>
   <p:sldIdLst>
     <p:sldId id="256" r:id="rId2"/>
     <p:sldId id="257" r:id="rId3"/>
@@ -23,6 +26,9 @@
     <p:sldId id="271" r:id="rId17"/>
     <p:sldId id="272" r:id="rId18"/>
     <p:sldId id="273" r:id="rId19"/>
+    <p:sldId id="274" r:id="rId20"/>
+    <p:sldId id="275" r:id="rId21"/>
+    <p:sldId id="276" r:id="rId22"/>
   </p:sldIdLst>
   <p:sldSz cx="12192000" cy="6858000"/>
   <p:notesSz cx="6858000" cy="9144000"/>
@@ -129,6 +135,468 @@
 </p:presentation>
 </file>
 
+<file path=ppt/notesMasters/notesMaster1.xml><?xml version="1.0" encoding="utf-8"?>
+<p:notesMaster xmlns:a="http://schemas.openxmlformats.org/drawingml/2006/main" xmlns:r="http://schemas.openxmlformats.org/officeDocument/2006/relationships" xmlns:p="http://schemas.openxmlformats.org/presentationml/2006/main">
+  <p:cSld>
+    <p:bg>
+      <p:bgRef idx="1001">
+        <a:schemeClr val="bg1"/>
+      </p:bgRef>
+    </p:bg>
+    <p:spTree>
+      <p:nvGrpSpPr>
+        <p:cNvPr id="1" name=""/>
+        <p:cNvGrpSpPr/>
+        <p:nvPr/>
+      </p:nvGrpSpPr>
+      <p:grpSpPr>
+        <a:xfrm>
+          <a:off x="0" y="0"/>
+          <a:ext cx="0" cy="0"/>
+          <a:chOff x="0" y="0"/>
+          <a:chExt cx="0" cy="0"/>
+        </a:xfrm>
+      </p:grpSpPr>
+      <p:sp>
+        <p:nvSpPr>
+          <p:cNvPr id="2" name="Header Placeholder 1"/>
+          <p:cNvSpPr>
+            <a:spLocks noGrp="1"/>
+          </p:cNvSpPr>
+          <p:nvPr>
+            <p:ph type="hdr" sz="quarter"/>
+          </p:nvPr>
+        </p:nvSpPr>
+        <p:spPr>
+          <a:xfrm>
+            <a:off x="0" y="0"/>
+            <a:ext cx="2971800" cy="458788"/>
+          </a:xfrm>
+          <a:prstGeom prst="rect">
+            <a:avLst/>
+          </a:prstGeom>
+        </p:spPr>
+        <p:txBody>
+          <a:bodyPr vert="horz" lIns="91440" tIns="45720" rIns="91440" bIns="45720" rtlCol="0"/>
+          <a:lstStyle>
+            <a:lvl1pPr algn="l">
+              <a:defRPr sz="1200"/>
+            </a:lvl1pPr>
+          </a:lstStyle>
+          <a:p>
+            <a:endParaRPr lang="en-US"/>
+          </a:p>
+        </p:txBody>
+      </p:sp>
+      <p:sp>
+        <p:nvSpPr>
+          <p:cNvPr id="3" name="Date Placeholder 2"/>
+          <p:cNvSpPr>
+            <a:spLocks noGrp="1"/>
+          </p:cNvSpPr>
+          <p:nvPr>
+            <p:ph type="dt" idx="1"/>
+          </p:nvPr>
+        </p:nvSpPr>
+        <p:spPr>
+          <a:xfrm>
+            <a:off x="3884613" y="0"/>
+            <a:ext cx="2971800" cy="458788"/>
+          </a:xfrm>
+          <a:prstGeom prst="rect">
+            <a:avLst/>
+          </a:prstGeom>
+        </p:spPr>
+        <p:txBody>
+          <a:bodyPr vert="horz" lIns="91440" tIns="45720" rIns="91440" bIns="45720" rtlCol="0"/>
+          <a:lstStyle>
+            <a:lvl1pPr algn="r">
+              <a:defRPr sz="1200"/>
+            </a:lvl1pPr>
+          </a:lstStyle>
+          <a:p>
+            <a:fld id="{DBA0418A-0449-40DA-8BF1-1FFFB2B9878B}" type="datetimeFigureOut">
+              <a:rPr lang="en-US" smtClean="0"/>
+              <a:t>5/13/2024</a:t>
+            </a:fld>
+            <a:endParaRPr lang="en-US"/>
+          </a:p>
+        </p:txBody>
+      </p:sp>
+      <p:sp>
+        <p:nvSpPr>
+          <p:cNvPr id="4" name="Slide Image Placeholder 3"/>
+          <p:cNvSpPr>
+            <a:spLocks noGrp="1" noRot="1" noChangeAspect="1"/>
+          </p:cNvSpPr>
+          <p:nvPr>
+            <p:ph type="sldImg" idx="2"/>
+          </p:nvPr>
+        </p:nvSpPr>
+        <p:spPr>
+          <a:xfrm>
+            <a:off x="685800" y="1143000"/>
+            <a:ext cx="5486400" cy="3086100"/>
+          </a:xfrm>
+          <a:prstGeom prst="rect">
+            <a:avLst/>
+          </a:prstGeom>
+          <a:noFill/>
+          <a:ln w="12700">
+            <a:solidFill>
+              <a:prstClr val="black"/>
+            </a:solidFill>
+          </a:ln>
+        </p:spPr>
+        <p:txBody>
+          <a:bodyPr vert="horz" lIns="91440" tIns="45720" rIns="91440" bIns="45720" rtlCol="0" anchor="ctr"/>
+          <a:lstStyle/>
+          <a:p>
+            <a:endParaRPr lang="en-US"/>
+          </a:p>
+        </p:txBody>
+      </p:sp>
+      <p:sp>
+        <p:nvSpPr>
+          <p:cNvPr id="5" name="Notes Placeholder 4"/>
+          <p:cNvSpPr>
+            <a:spLocks noGrp="1"/>
+          </p:cNvSpPr>
+          <p:nvPr>
+            <p:ph type="body" sz="quarter" idx="3"/>
+          </p:nvPr>
+        </p:nvSpPr>
+        <p:spPr>
+          <a:xfrm>
+            <a:off x="685800" y="4400550"/>
+            <a:ext cx="5486400" cy="3600450"/>
+          </a:xfrm>
+          <a:prstGeom prst="rect">
+            <a:avLst/>
+          </a:prstGeom>
+        </p:spPr>
+        <p:txBody>
+          <a:bodyPr vert="horz" lIns="91440" tIns="45720" rIns="91440" bIns="45720" rtlCol="0"/>
+          <a:lstStyle/>
+          <a:p>
+            <a:pPr lvl="0"/>
+            <a:r>
+              <a:rPr lang="en-US" smtClean="0"/>
+              <a:t>Click to edit Master text styles</a:t>
+            </a:r>
+          </a:p>
+          <a:p>
+            <a:pPr lvl="1"/>
+            <a:r>
+              <a:rPr lang="en-US" smtClean="0"/>
+              <a:t>Second level</a:t>
+            </a:r>
+          </a:p>
+          <a:p>
+            <a:pPr lvl="2"/>
+            <a:r>
+              <a:rPr lang="en-US" smtClean="0"/>
+              <a:t>Third level</a:t>
+            </a:r>
+          </a:p>
+          <a:p>
+            <a:pPr lvl="3"/>
+            <a:r>
+              <a:rPr lang="en-US" smtClean="0"/>
+              <a:t>Fourth level</a:t>
+            </a:r>
+          </a:p>
+          <a:p>
+            <a:pPr lvl="4"/>
+            <a:r>
+              <a:rPr lang="en-US" smtClean="0"/>
+              <a:t>Fifth level</a:t>
+            </a:r>
+            <a:endParaRPr lang="en-US"/>
+          </a:p>
+        </p:txBody>
+      </p:sp>
+      <p:sp>
+        <p:nvSpPr>
+          <p:cNvPr id="6" name="Footer Placeholder 5"/>
+          <p:cNvSpPr>
+            <a:spLocks noGrp="1"/>
+          </p:cNvSpPr>
+          <p:nvPr>
+            <p:ph type="ftr" sz="quarter" idx="4"/>
+          </p:nvPr>
+        </p:nvSpPr>
+        <p:spPr>
+          <a:xfrm>
+            <a:off x="0" y="8685213"/>
+            <a:ext cx="2971800" cy="458787"/>
+          </a:xfrm>
+          <a:prstGeom prst="rect">
+            <a:avLst/>
+          </a:prstGeom>
+        </p:spPr>
+        <p:txBody>
+          <a:bodyPr vert="horz" lIns="91440" tIns="45720" rIns="91440" bIns="45720" rtlCol="0" anchor="b"/>
+          <a:lstStyle>
+            <a:lvl1pPr algn="l">
+              <a:defRPr sz="1200"/>
+            </a:lvl1pPr>
+          </a:lstStyle>
+          <a:p>
+            <a:endParaRPr lang="en-US"/>
+          </a:p>
+        </p:txBody>
+      </p:sp>
+      <p:sp>
+        <p:nvSpPr>
+          <p:cNvPr id="7" name="Slide Number Placeholder 6"/>
+          <p:cNvSpPr>
+            <a:spLocks noGrp="1"/>
+          </p:cNvSpPr>
+          <p:nvPr>
+            <p:ph type="sldNum" sz="quarter" idx="5"/>
+          </p:nvPr>
+        </p:nvSpPr>
+        <p:spPr>
+          <a:xfrm>
+            <a:off x="3884613" y="8685213"/>
+            <a:ext cx="2971800" cy="458787"/>
+          </a:xfrm>
+          <a:prstGeom prst="rect">
+            <a:avLst/>
+          </a:prstGeom>
+        </p:spPr>
+        <p:txBody>
+          <a:bodyPr vert="horz" lIns="91440" tIns="45720" rIns="91440" bIns="45720" rtlCol="0" anchor="b"/>
+          <a:lstStyle>
+            <a:lvl1pPr algn="r">
+              <a:defRPr sz="1200"/>
+            </a:lvl1pPr>
+          </a:lstStyle>
+          <a:p>
+            <a:fld id="{AEA5F408-A98E-49EF-A6B1-F4B8C4183207}" type="slidenum">
+              <a:rPr lang="en-US" smtClean="0"/>
+              <a:t>‹#›</a:t>
+            </a:fld>
+            <a:endParaRPr lang="en-US"/>
+          </a:p>
+        </p:txBody>
+      </p:sp>
+    </p:spTree>
+    <p:extLst>
+      <p:ext uri="{BB962C8B-B14F-4D97-AF65-F5344CB8AC3E}">
+        <p14:creationId xmlns:p14="http://schemas.microsoft.com/office/powerpoint/2010/main" val="1089225321"/>
+      </p:ext>
+    </p:extLst>
+  </p:cSld>
+  <p:clrMap bg1="lt1" tx1="dk1" bg2="lt2" tx2="dk2" accent1="accent1" accent2="accent2" accent3="accent3" accent4="accent4" accent5="accent5" accent6="accent6" hlink="hlink" folHlink="folHlink"/>
+  <p:notesStyle>
+    <a:lvl1pPr marL="0" algn="l" defTabSz="914400" rtl="0" eaLnBrk="1" latinLnBrk="0" hangingPunct="1">
+      <a:defRPr sz="1200" kern="1200">
+        <a:solidFill>
+          <a:schemeClr val="tx1"/>
+        </a:solidFill>
+        <a:latin typeface="+mn-lt"/>
+        <a:ea typeface="+mn-ea"/>
+        <a:cs typeface="+mn-cs"/>
+      </a:defRPr>
+    </a:lvl1pPr>
+    <a:lvl2pPr marL="457200" algn="l" defTabSz="914400" rtl="0" eaLnBrk="1" latinLnBrk="0" hangingPunct="1">
+      <a:defRPr sz="1200" kern="1200">
+        <a:solidFill>
+          <a:schemeClr val="tx1"/>
+        </a:solidFill>
+        <a:latin typeface="+mn-lt"/>
+        <a:ea typeface="+mn-ea"/>
+        <a:cs typeface="+mn-cs"/>
+      </a:defRPr>
+    </a:lvl2pPr>
+    <a:lvl3pPr marL="914400" algn="l" defTabSz="914400" rtl="0" eaLnBrk="1" latinLnBrk="0" hangingPunct="1">
+      <a:defRPr sz="1200" kern="1200">
+        <a:solidFill>
+          <a:schemeClr val="tx1"/>
+        </a:solidFill>
+        <a:latin typeface="+mn-lt"/>
+        <a:ea typeface="+mn-ea"/>
+        <a:cs typeface="+mn-cs"/>
+      </a:defRPr>
+    </a:lvl3pPr>
+    <a:lvl4pPr marL="1371600" algn="l" defTabSz="914400" rtl="0" eaLnBrk="1" latinLnBrk="0" hangingPunct="1">
+      <a:defRPr sz="1200" kern="1200">
+        <a:solidFill>
+          <a:schemeClr val="tx1"/>
+        </a:solidFill>
+        <a:latin typeface="+mn-lt"/>
+        <a:ea typeface="+mn-ea"/>
+        <a:cs typeface="+mn-cs"/>
+      </a:defRPr>
+    </a:lvl4pPr>
+    <a:lvl5pPr marL="1828800" algn="l" defTabSz="914400" rtl="0" eaLnBrk="1" latinLnBrk="0" hangingPunct="1">
+      <a:defRPr sz="1200" kern="1200">
+        <a:solidFill>
+          <a:schemeClr val="tx1"/>
+        </a:solidFill>
+        <a:latin typeface="+mn-lt"/>
+        <a:ea typeface="+mn-ea"/>
+        <a:cs typeface="+mn-cs"/>
+      </a:defRPr>
+    </a:lvl5pPr>
+    <a:lvl6pPr marL="2286000" algn="l" defTabSz="914400" rtl="0" eaLnBrk="1" latinLnBrk="0" hangingPunct="1">
+      <a:defRPr sz="1200" kern="1200">
+        <a:solidFill>
+          <a:schemeClr val="tx1"/>
+        </a:solidFill>
+        <a:latin typeface="+mn-lt"/>
+        <a:ea typeface="+mn-ea"/>
+        <a:cs typeface="+mn-cs"/>
+      </a:defRPr>
+    </a:lvl6pPr>
+    <a:lvl7pPr marL="2743200" algn="l" defTabSz="914400" rtl="0" eaLnBrk="1" latinLnBrk="0" hangingPunct="1">
+      <a:defRPr sz="1200" kern="1200">
+        <a:solidFill>
+          <a:schemeClr val="tx1"/>
+        </a:solidFill>
+        <a:latin typeface="+mn-lt"/>
+        <a:ea typeface="+mn-ea"/>
+        <a:cs typeface="+mn-cs"/>
+      </a:defRPr>
+    </a:lvl7pPr>
+    <a:lvl8pPr marL="3200400" algn="l" defTabSz="914400" rtl="0" eaLnBrk="1" latinLnBrk="0" hangingPunct="1">
+      <a:defRPr sz="1200" kern="1200">
+        <a:solidFill>
+          <a:schemeClr val="tx1"/>
+        </a:solidFill>
+        <a:latin typeface="+mn-lt"/>
+        <a:ea typeface="+mn-ea"/>
+        <a:cs typeface="+mn-cs"/>
+      </a:defRPr>
+    </a:lvl8pPr>
+    <a:lvl9pPr marL="3657600" algn="l" defTabSz="914400" rtl="0" eaLnBrk="1" latinLnBrk="0" hangingPunct="1">
+      <a:defRPr sz="1200" kern="1200">
+        <a:solidFill>
+          <a:schemeClr val="tx1"/>
+        </a:solidFill>
+        <a:latin typeface="+mn-lt"/>
+        <a:ea typeface="+mn-ea"/>
+        <a:cs typeface="+mn-cs"/>
+      </a:defRPr>
+    </a:lvl9pPr>
+  </p:notesStyle>
+</p:notesMaster>
+</file>
+
+<file path=ppt/notesSlides/notesSlide1.xml><?xml version="1.0" encoding="utf-8"?>
+<p:notes xmlns:a="http://schemas.openxmlformats.org/drawingml/2006/main" xmlns:r="http://schemas.openxmlformats.org/officeDocument/2006/relationships" xmlns:p="http://schemas.openxmlformats.org/presentationml/2006/main">
+  <p:cSld>
+    <p:spTree>
+      <p:nvGrpSpPr>
+        <p:cNvPr id="1" name=""/>
+        <p:cNvGrpSpPr/>
+        <p:nvPr/>
+      </p:nvGrpSpPr>
+      <p:grpSpPr>
+        <a:xfrm>
+          <a:off x="0" y="0"/>
+          <a:ext cx="0" cy="0"/>
+          <a:chOff x="0" y="0"/>
+          <a:chExt cx="0" cy="0"/>
+        </a:xfrm>
+      </p:grpSpPr>
+      <p:sp>
+        <p:nvSpPr>
+          <p:cNvPr id="2" name="Slide Image Placeholder 1"/>
+          <p:cNvSpPr>
+            <a:spLocks noGrp="1" noRot="1" noChangeAspect="1"/>
+          </p:cNvSpPr>
+          <p:nvPr>
+            <p:ph type="sldImg"/>
+          </p:nvPr>
+        </p:nvSpPr>
+        <p:spPr/>
+      </p:sp>
+      <p:sp>
+        <p:nvSpPr>
+          <p:cNvPr id="3" name="Notes Placeholder 2"/>
+          <p:cNvSpPr>
+            <a:spLocks noGrp="1"/>
+          </p:cNvSpPr>
+          <p:nvPr>
+            <p:ph type="body" idx="1"/>
+          </p:nvPr>
+        </p:nvSpPr>
+        <p:spPr/>
+        <p:txBody>
+          <a:bodyPr/>
+          <a:lstStyle/>
+          <a:p>
+            <a:pPr marL="0" marR="0" indent="0" algn="l" defTabSz="914400" rtl="0" eaLnBrk="1" fontAlgn="auto" latinLnBrk="0" hangingPunct="1">
+              <a:lnSpc>
+                <a:spcPct val="100000"/>
+              </a:lnSpc>
+              <a:spcBef>
+                <a:spcPts val="0"/>
+              </a:spcBef>
+              <a:spcAft>
+                <a:spcPts val="0"/>
+              </a:spcAft>
+              <a:buClrTx/>
+              <a:buSzTx/>
+              <a:buFontTx/>
+              <a:buNone/>
+              <a:tabLst/>
+              <a:defRPr/>
+            </a:pPr>
+            <a:r>
+              <a:rPr lang="en-US" sz="1000" b="1" kern="1200" dirty="0" smtClean="0">
+                <a:solidFill>
+                  <a:schemeClr val="tx1"/>
+                </a:solidFill>
+                <a:effectLst/>
+                <a:latin typeface="+mn-lt"/>
+                <a:ea typeface="+mn-ea"/>
+                <a:cs typeface="+mn-cs"/>
+              </a:rPr>
+              <a:t>There is only one major difference between the functionality of the ROLLUP operator and the CUBE operator. ROLLUP operator generates aggregated results for the selected columns in a hierarchical way. On the other hand, CUBE generates an aggregated result that contains all the possible combinations for the selected columns.</a:t>
+            </a:r>
+          </a:p>
+        </p:txBody>
+      </p:sp>
+      <p:sp>
+        <p:nvSpPr>
+          <p:cNvPr id="4" name="Slide Number Placeholder 3"/>
+          <p:cNvSpPr>
+            <a:spLocks noGrp="1"/>
+          </p:cNvSpPr>
+          <p:nvPr>
+            <p:ph type="sldNum" sz="quarter" idx="10"/>
+          </p:nvPr>
+        </p:nvSpPr>
+        <p:spPr/>
+        <p:txBody>
+          <a:bodyPr/>
+          <a:lstStyle/>
+          <a:p>
+            <a:fld id="{AEA5F408-A98E-49EF-A6B1-F4B8C4183207}" type="slidenum">
+              <a:rPr lang="en-US" smtClean="0"/>
+              <a:t>21</a:t>
+            </a:fld>
+            <a:endParaRPr lang="en-US"/>
+          </a:p>
+        </p:txBody>
+      </p:sp>
+    </p:spTree>
+    <p:extLst>
+      <p:ext uri="{BB962C8B-B14F-4D97-AF65-F5344CB8AC3E}">
+        <p14:creationId xmlns:p14="http://schemas.microsoft.com/office/powerpoint/2010/main" val="2974332607"/>
+      </p:ext>
+    </p:extLst>
+  </p:cSld>
+  <p:clrMapOvr>
+    <a:masterClrMapping/>
+  </p:clrMapOvr>
+</p:notes>
+</file>
+
 <file path=ppt/slideLayouts/slideLayout1.xml><?xml version="1.0" encoding="utf-8"?>
 <p:sldLayout xmlns:a="http://schemas.openxmlformats.org/drawingml/2006/main" xmlns:r="http://schemas.openxmlformats.org/officeDocument/2006/relationships" xmlns:p="http://schemas.openxmlformats.org/presentationml/2006/main" type="title" preserve="1">
   <p:cSld name="Title Slide">
@@ -317,7 +785,7 @@
           <a:p>
             <a:fld id="{E70D5624-0306-44EC-A277-61D715EE2875}" type="datetimeFigureOut">
               <a:rPr lang="en-US" smtClean="0"/>
-              <a:t>5/9/2024</a:t>
+              <a:t>5/13/2024</a:t>
             </a:fld>
             <a:endParaRPr lang="en-US"/>
           </a:p>
@@ -655,7 +1123,7 @@
           <a:p>
             <a:fld id="{E70D5624-0306-44EC-A277-61D715EE2875}" type="datetimeFigureOut">
               <a:rPr lang="en-US" smtClean="0"/>
-              <a:t>5/9/2024</a:t>
+              <a:t>5/13/2024</a:t>
             </a:fld>
             <a:endParaRPr lang="en-US"/>
           </a:p>
@@ -1056,7 +1524,7 @@
           <a:p>
             <a:fld id="{E70D5624-0306-44EC-A277-61D715EE2875}" type="datetimeFigureOut">
               <a:rPr lang="en-US" smtClean="0"/>
-              <a:t>5/9/2024</a:t>
+              <a:t>5/13/2024</a:t>
             </a:fld>
             <a:endParaRPr lang="en-US"/>
           </a:p>
@@ -1392,7 +1860,7 @@
           <a:p>
             <a:fld id="{E70D5624-0306-44EC-A277-61D715EE2875}" type="datetimeFigureOut">
               <a:rPr lang="en-US" smtClean="0"/>
-              <a:t>5/9/2024</a:t>
+              <a:t>5/13/2024</a:t>
             </a:fld>
             <a:endParaRPr lang="en-US"/>
           </a:p>
@@ -1712,7 +2180,7 @@
           <a:p>
             <a:fld id="{E70D5624-0306-44EC-A277-61D715EE2875}" type="datetimeFigureOut">
               <a:rPr lang="en-US" smtClean="0"/>
-              <a:t>5/9/2024</a:t>
+              <a:t>5/13/2024</a:t>
             </a:fld>
             <a:endParaRPr lang="en-US"/>
           </a:p>
@@ -2108,7 +2576,7 @@
           <a:p>
             <a:fld id="{E70D5624-0306-44EC-A277-61D715EE2875}" type="datetimeFigureOut">
               <a:rPr lang="en-US" smtClean="0"/>
-              <a:t>5/9/2024</a:t>
+              <a:t>5/13/2024</a:t>
             </a:fld>
             <a:endParaRPr lang="en-US"/>
           </a:p>
@@ -2365,7 +2833,7 @@
           <a:p>
             <a:fld id="{E70D5624-0306-44EC-A277-61D715EE2875}" type="datetimeFigureOut">
               <a:rPr lang="en-US" smtClean="0"/>
-              <a:t>5/9/2024</a:t>
+              <a:t>5/13/2024</a:t>
             </a:fld>
             <a:endParaRPr lang="en-US"/>
           </a:p>
@@ -2627,7 +3095,7 @@
           <a:p>
             <a:fld id="{E70D5624-0306-44EC-A277-61D715EE2875}" type="datetimeFigureOut">
               <a:rPr lang="en-US" smtClean="0"/>
-              <a:t>5/9/2024</a:t>
+              <a:t>5/13/2024</a:t>
             </a:fld>
             <a:endParaRPr lang="en-US"/>
           </a:p>
@@ -2889,7 +3357,7 @@
           <a:p>
             <a:fld id="{E70D5624-0306-44EC-A277-61D715EE2875}" type="datetimeFigureOut">
               <a:rPr lang="en-US" smtClean="0"/>
-              <a:t>5/9/2024</a:t>
+              <a:t>5/13/2024</a:t>
             </a:fld>
             <a:endParaRPr lang="en-US"/>
           </a:p>
@@ -3218,7 +3686,7 @@
           <a:p>
             <a:fld id="{E70D5624-0306-44EC-A277-61D715EE2875}" type="datetimeFigureOut">
               <a:rPr lang="en-US" smtClean="0"/>
-              <a:t>5/9/2024</a:t>
+              <a:t>5/13/2024</a:t>
             </a:fld>
             <a:endParaRPr lang="en-US"/>
           </a:p>
@@ -3541,7 +4009,7 @@
           <a:p>
             <a:fld id="{E70D5624-0306-44EC-A277-61D715EE2875}" type="datetimeFigureOut">
               <a:rPr lang="en-US" smtClean="0"/>
-              <a:t>5/9/2024</a:t>
+              <a:t>5/13/2024</a:t>
             </a:fld>
             <a:endParaRPr lang="en-US"/>
           </a:p>
@@ -3998,7 +4466,7 @@
           <a:p>
             <a:fld id="{E70D5624-0306-44EC-A277-61D715EE2875}" type="datetimeFigureOut">
               <a:rPr lang="en-US" smtClean="0"/>
-              <a:t>5/9/2024</a:t>
+              <a:t>5/13/2024</a:t>
             </a:fld>
             <a:endParaRPr lang="en-US"/>
           </a:p>
@@ -4203,7 +4671,7 @@
           <a:p>
             <a:fld id="{E70D5624-0306-44EC-A277-61D715EE2875}" type="datetimeFigureOut">
               <a:rPr lang="en-US" smtClean="0"/>
-              <a:t>5/9/2024</a:t>
+              <a:t>5/13/2024</a:t>
             </a:fld>
             <a:endParaRPr lang="en-US"/>
           </a:p>
@@ -4380,7 +4848,7 @@
           <a:p>
             <a:fld id="{E70D5624-0306-44EC-A277-61D715EE2875}" type="datetimeFigureOut">
               <a:rPr lang="en-US" smtClean="0"/>
-              <a:t>5/9/2024</a:t>
+              <a:t>5/13/2024</a:t>
             </a:fld>
             <a:endParaRPr lang="en-US"/>
           </a:p>
@@ -4713,7 +5181,7 @@
           <a:p>
             <a:fld id="{E70D5624-0306-44EC-A277-61D715EE2875}" type="datetimeFigureOut">
               <a:rPr lang="en-US" smtClean="0"/>
-              <a:t>5/9/2024</a:t>
+              <a:t>5/13/2024</a:t>
             </a:fld>
             <a:endParaRPr lang="en-US"/>
           </a:p>
@@ -5058,7 +5526,7 @@
           <a:p>
             <a:fld id="{E70D5624-0306-44EC-A277-61D715EE2875}" type="datetimeFigureOut">
               <a:rPr lang="en-US" smtClean="0"/>
-              <a:t>5/9/2024</a:t>
+              <a:t>5/13/2024</a:t>
             </a:fld>
             <a:endParaRPr lang="en-US"/>
           </a:p>
@@ -7175,7 +7643,7 @@
           <a:p>
             <a:fld id="{E70D5624-0306-44EC-A277-61D715EE2875}" type="datetimeFigureOut">
               <a:rPr lang="en-US" smtClean="0"/>
-              <a:t>5/9/2024</a:t>
+              <a:t>5/13/2024</a:t>
             </a:fld>
             <a:endParaRPr lang="en-US"/>
           </a:p>
@@ -9010,7 +9478,7 @@
         </p:nvSpPr>
         <p:spPr>
           <a:xfrm>
-            <a:off x="1733476" y="4010993"/>
+            <a:off x="1502196" y="4067936"/>
             <a:ext cx="3015426" cy="1384995"/>
           </a:xfrm>
           <a:prstGeom prst="rect">
@@ -18146,7 +18614,7 @@
         <p:spPr>
           <a:xfrm>
             <a:off x="396369" y="3249544"/>
-            <a:ext cx="5744456" cy="1384995"/>
+            <a:ext cx="5744456" cy="1415772"/>
           </a:xfrm>
           <a:prstGeom prst="rect">
             <a:avLst/>
@@ -18177,7 +18645,7 @@
               <a:buChar char="•"/>
             </a:pPr>
             <a:r>
-              <a:rPr lang="en-US" sz="1200" b="1" u="sng" dirty="0">
+              <a:rPr lang="en-US" sz="1400" b="1" u="sng" dirty="0">
                 <a:latin typeface="Cambria" panose="02040503050406030204" pitchFamily="18" charset="0"/>
                 <a:ea typeface="Cambria" panose="02040503050406030204" pitchFamily="18" charset="0"/>
               </a:rPr>
@@ -21197,14 +21665,14 @@
           <p:nvPr>
             <p:extLst>
               <p:ext uri="{D42A27DB-BD31-4B8C-83A1-F6EECF244321}">
-                <p14:modId xmlns:p14="http://schemas.microsoft.com/office/powerpoint/2010/main" val="4117285372"/>
+                <p14:modId xmlns:p14="http://schemas.microsoft.com/office/powerpoint/2010/main" val="4289654873"/>
               </p:ext>
             </p:extLst>
           </p:nvPr>
         </p:nvGraphicFramePr>
         <p:xfrm>
           <a:off x="9227890" y="243391"/>
-          <a:ext cx="2702379" cy="1447751"/>
+          <a:ext cx="2702379" cy="1524617"/>
         </p:xfrm>
         <a:graphic>
           <a:graphicData uri="http://schemas.openxmlformats.org/drawingml/2006/table">
@@ -21226,7 +21694,7 @@
                     <a:p>
                       <a:pPr algn="ctr" fontAlgn="ctr"/>
                       <a:r>
-                        <a:rPr lang="en-US" sz="900" u="none" strike="noStrike" dirty="0">
+                        <a:rPr lang="en-US" sz="900" b="1" u="none" strike="noStrike" dirty="0">
                           <a:effectLst/>
                         </a:rPr>
                         <a:t>NAME</a:t>
@@ -21250,7 +21718,7 @@
                     <a:p>
                       <a:pPr algn="ctr" fontAlgn="ctr"/>
                       <a:r>
-                        <a:rPr lang="en-US" sz="900" u="none" strike="noStrike" dirty="0">
+                        <a:rPr lang="en-US" sz="900" b="1" u="none" strike="noStrike" dirty="0">
                           <a:effectLst/>
                         </a:rPr>
                         <a:t>ROLL_NO</a:t>
@@ -21274,7 +21742,7 @@
                     <a:p>
                       <a:pPr algn="ctr" fontAlgn="ctr"/>
                       <a:r>
-                        <a:rPr lang="en-US" sz="900" u="none" strike="noStrike" dirty="0">
+                        <a:rPr lang="en-US" sz="900" b="1" u="none" strike="noStrike" dirty="0">
                           <a:effectLst/>
                         </a:rPr>
                         <a:t>LOCATION</a:t>
@@ -21298,7 +21766,7 @@
                     <a:p>
                       <a:pPr algn="ctr" fontAlgn="ctr"/>
                       <a:r>
-                        <a:rPr lang="en-US" sz="900" u="none" strike="noStrike" dirty="0">
+                        <a:rPr lang="en-US" sz="900" b="1" u="none" strike="noStrike" dirty="0">
                           <a:effectLst/>
                         </a:rPr>
                         <a:t>PHONE_NUMBER</a:t>
@@ -21512,7 +21980,7 @@
                   <a:tcPr marL="6350" marR="6350" marT="6350" marB="0" anchor="ctr"/>
                 </a:tc>
               </a:tr>
-              <a:tr h="167934">
+              <a:tr h="244800">
                 <a:tc>
                   <a:txBody>
                     <a:bodyPr/>
@@ -23053,31 +23521,21 @@
           <a:lstStyle/>
           <a:p>
             <a:r>
-              <a:rPr lang="en-US" sz="1100" b="1" i="1" u="sng" dirty="0">
+              <a:rPr lang="en-US" sz="1200" b="1" i="1" u="sng" dirty="0">
                 <a:latin typeface="Cambria" panose="02040503050406030204" pitchFamily="18" charset="0"/>
                 <a:ea typeface="Cambria" panose="02040503050406030204" pitchFamily="18" charset="0"/>
               </a:rPr>
               <a:t>1</a:t>
             </a:r>
             <a:r>
-              <a:rPr lang="en-US" sz="1100" b="1" i="1" u="sng" dirty="0" smtClean="0">
+              <a:rPr lang="en-US" sz="1200" b="1" i="1" u="sng" dirty="0" smtClean="0">
                 <a:solidFill>
                   <a:schemeClr val="dk1"/>
                 </a:solidFill>
                 <a:latin typeface="Cambria" panose="02040503050406030204" pitchFamily="18" charset="0"/>
                 <a:ea typeface="Cambria" panose="02040503050406030204" pitchFamily="18" charset="0"/>
               </a:rPr>
-              <a:t>)Mathematical </a:t>
-            </a:r>
-            <a:r>
-              <a:rPr lang="en-US" sz="1100" b="1" i="1" u="sng" dirty="0" smtClean="0">
-                <a:solidFill>
-                  <a:schemeClr val="dk1"/>
-                </a:solidFill>
-                <a:latin typeface="Cambria" panose="02040503050406030204" pitchFamily="18" charset="0"/>
-                <a:ea typeface="Cambria" panose="02040503050406030204" pitchFamily="18" charset="0"/>
-              </a:rPr>
-              <a:t>Functions</a:t>
+              <a:t>)Mathematical Functions</a:t>
             </a:r>
           </a:p>
           <a:p>
@@ -23764,18 +24222,11 @@
           <a:lstStyle/>
           <a:p>
             <a:r>
-              <a:rPr lang="en-US" sz="1100" b="1" i="1" u="sng" dirty="0">
-                <a:latin typeface="Cambria" panose="02040503050406030204" pitchFamily="18" charset="0"/>
-                <a:ea typeface="Cambria" panose="02040503050406030204" pitchFamily="18" charset="0"/>
-              </a:rPr>
-              <a:t>2) String </a:t>
-            </a:r>
-            <a:r>
-              <a:rPr lang="en-US" sz="1100" b="1" i="1" u="sng" dirty="0">
-                <a:latin typeface="Cambria" panose="02040503050406030204" pitchFamily="18" charset="0"/>
-                <a:ea typeface="Cambria" panose="02040503050406030204" pitchFamily="18" charset="0"/>
-              </a:rPr>
-              <a:t>Functions</a:t>
+              <a:rPr lang="en-US" sz="1200" b="1" i="1" u="sng" dirty="0">
+                <a:latin typeface="Cambria" panose="02040503050406030204" pitchFamily="18" charset="0"/>
+                <a:ea typeface="Cambria" panose="02040503050406030204" pitchFamily="18" charset="0"/>
+              </a:rPr>
+              <a:t>2) String Functions</a:t>
             </a:r>
           </a:p>
           <a:p>
@@ -23789,13 +24240,6 @@
               </a:rPr>
               <a:t>Returns the ASCII code value of the leftmost character of the expression</a:t>
             </a:r>
-            <a:endParaRPr lang="en-US" sz="1100" b="1" dirty="0">
-              <a:solidFill>
-                <a:schemeClr val="tx1"/>
-              </a:solidFill>
-              <a:latin typeface="Cambria" panose="02040503050406030204" pitchFamily="18" charset="0"/>
-              <a:ea typeface="Cambria" panose="02040503050406030204" pitchFamily="18" charset="0"/>
-            </a:endParaRPr>
           </a:p>
           <a:p>
             <a:r>
@@ -23864,25 +24308,8 @@
                 <a:latin typeface="Cambria" panose="02040503050406030204" pitchFamily="18" charset="0"/>
                 <a:ea typeface="Cambria" panose="02040503050406030204" pitchFamily="18" charset="0"/>
               </a:rPr>
-              <a:t>Returns the Unicode character with the specified integer code ranging between 0 to 65, 535, as defined by the Unicode standard</a:t>
-            </a:r>
-            <a:r>
-              <a:rPr lang="en-US" sz="1100" b="1" dirty="0">
-                <a:solidFill>
-                  <a:schemeClr val="tx1"/>
-                </a:solidFill>
-                <a:latin typeface="Cambria" panose="02040503050406030204" pitchFamily="18" charset="0"/>
-                <a:ea typeface="Cambria" panose="02040503050406030204" pitchFamily="18" charset="0"/>
-              </a:rPr>
-              <a:t>.</a:t>
-            </a:r>
-            <a:endParaRPr lang="en-US" sz="1100" b="1" dirty="0">
-              <a:solidFill>
-                <a:schemeClr val="tx1"/>
-              </a:solidFill>
-              <a:latin typeface="Cambria" panose="02040503050406030204" pitchFamily="18" charset="0"/>
-              <a:ea typeface="Cambria" panose="02040503050406030204" pitchFamily="18" charset="0"/>
-            </a:endParaRPr>
+              <a:t>Returns the Unicode character with the specified integer code ranging between 0 to 65, 535, as defined by the Unicode standard.</a:t>
+            </a:r>
           </a:p>
           <a:p>
             <a:r>
@@ -24514,10 +24941,2389 @@
           </a:p>
         </p:txBody>
       </p:sp>
+      <p:sp>
+        <p:nvSpPr>
+          <p:cNvPr id="4" name="Rectangle 3"/>
+          <p:cNvSpPr/>
+          <p:nvPr/>
+        </p:nvSpPr>
+        <p:spPr>
+          <a:xfrm>
+            <a:off x="9171214" y="65314"/>
+            <a:ext cx="2928731" cy="5001369"/>
+          </a:xfrm>
+          <a:prstGeom prst="rect">
+            <a:avLst/>
+          </a:prstGeom>
+        </p:spPr>
+        <p:style>
+          <a:lnRef idx="2">
+            <a:schemeClr val="accent1"/>
+          </a:lnRef>
+          <a:fillRef idx="1">
+            <a:schemeClr val="lt1"/>
+          </a:fillRef>
+          <a:effectRef idx="0">
+            <a:schemeClr val="accent1"/>
+          </a:effectRef>
+          <a:fontRef idx="minor">
+            <a:schemeClr val="dk1"/>
+          </a:fontRef>
+        </p:style>
+        <p:txBody>
+          <a:bodyPr wrap="square">
+            <a:spAutoFit/>
+          </a:bodyPr>
+          <a:lstStyle/>
+          <a:p>
+            <a:r>
+              <a:rPr lang="en-US" sz="1100" b="1" dirty="0" smtClean="0">
+                <a:solidFill>
+                  <a:schemeClr val="tx1"/>
+                </a:solidFill>
+                <a:latin typeface="Cambria" panose="02040503050406030204" pitchFamily="18" charset="0"/>
+                <a:ea typeface="Cambria" panose="02040503050406030204" pitchFamily="18" charset="0"/>
+              </a:rPr>
+              <a:t>TRIM </a:t>
+            </a:r>
+            <a:r>
+              <a:rPr lang="en-US" sz="1100" b="1" dirty="0">
+                <a:solidFill>
+                  <a:schemeClr val="tx1"/>
+                </a:solidFill>
+                <a:latin typeface="Cambria" panose="02040503050406030204" pitchFamily="18" charset="0"/>
+                <a:ea typeface="Cambria" panose="02040503050406030204" pitchFamily="18" charset="0"/>
+              </a:rPr>
+              <a:t>function</a:t>
+            </a:r>
+          </a:p>
+          <a:p>
+            <a:r>
+              <a:rPr lang="en-US" sz="1100" b="1" dirty="0" smtClean="0">
+                <a:solidFill>
+                  <a:srgbClr val="FF0000"/>
+                </a:solidFill>
+                <a:latin typeface="Cambria" panose="02040503050406030204" pitchFamily="18" charset="0"/>
+                <a:ea typeface="Cambria" panose="02040503050406030204" pitchFamily="18" charset="0"/>
+              </a:rPr>
+              <a:t>select </a:t>
+            </a:r>
+            <a:r>
+              <a:rPr lang="en-US" sz="1100" b="1" dirty="0">
+                <a:solidFill>
+                  <a:srgbClr val="FF0000"/>
+                </a:solidFill>
+                <a:latin typeface="Cambria" panose="02040503050406030204" pitchFamily="18" charset="0"/>
+                <a:ea typeface="Cambria" panose="02040503050406030204" pitchFamily="18" charset="0"/>
+              </a:rPr>
+              <a:t>LTRIM('      </a:t>
+            </a:r>
+            <a:r>
+              <a:rPr lang="en-US" sz="1100" b="1" dirty="0" err="1">
+                <a:solidFill>
+                  <a:srgbClr val="FF0000"/>
+                </a:solidFill>
+                <a:latin typeface="Cambria" panose="02040503050406030204" pitchFamily="18" charset="0"/>
+                <a:ea typeface="Cambria" panose="02040503050406030204" pitchFamily="18" charset="0"/>
+              </a:rPr>
+              <a:t>tanaji</a:t>
+            </a:r>
+            <a:r>
+              <a:rPr lang="en-US" sz="1100" b="1" dirty="0">
+                <a:solidFill>
+                  <a:srgbClr val="FF0000"/>
+                </a:solidFill>
+                <a:latin typeface="Cambria" panose="02040503050406030204" pitchFamily="18" charset="0"/>
+                <a:ea typeface="Cambria" panose="02040503050406030204" pitchFamily="18" charset="0"/>
+              </a:rPr>
+              <a:t>    ')</a:t>
+            </a:r>
+          </a:p>
+          <a:p>
+            <a:r>
+              <a:rPr lang="en-US" sz="1100" b="1" dirty="0">
+                <a:solidFill>
+                  <a:srgbClr val="FF0000"/>
+                </a:solidFill>
+                <a:latin typeface="Cambria" panose="02040503050406030204" pitchFamily="18" charset="0"/>
+                <a:ea typeface="Cambria" panose="02040503050406030204" pitchFamily="18" charset="0"/>
+              </a:rPr>
+              <a:t>select RTRIM('      </a:t>
+            </a:r>
+            <a:r>
+              <a:rPr lang="en-US" sz="1100" b="1" dirty="0" err="1">
+                <a:solidFill>
+                  <a:srgbClr val="FF0000"/>
+                </a:solidFill>
+                <a:latin typeface="Cambria" panose="02040503050406030204" pitchFamily="18" charset="0"/>
+                <a:ea typeface="Cambria" panose="02040503050406030204" pitchFamily="18" charset="0"/>
+              </a:rPr>
+              <a:t>tanaji</a:t>
+            </a:r>
+            <a:r>
+              <a:rPr lang="en-US" sz="1100" b="1" dirty="0">
+                <a:solidFill>
+                  <a:srgbClr val="FF0000"/>
+                </a:solidFill>
+                <a:latin typeface="Cambria" panose="02040503050406030204" pitchFamily="18" charset="0"/>
+                <a:ea typeface="Cambria" panose="02040503050406030204" pitchFamily="18" charset="0"/>
+              </a:rPr>
+              <a:t>    ')</a:t>
+            </a:r>
+          </a:p>
+          <a:p>
+            <a:r>
+              <a:rPr lang="en-US" sz="1100" b="1" dirty="0">
+                <a:solidFill>
+                  <a:srgbClr val="FF0000"/>
+                </a:solidFill>
+                <a:latin typeface="Cambria" panose="02040503050406030204" pitchFamily="18" charset="0"/>
+                <a:ea typeface="Cambria" panose="02040503050406030204" pitchFamily="18" charset="0"/>
+              </a:rPr>
+              <a:t>select TRIM('      </a:t>
+            </a:r>
+            <a:r>
+              <a:rPr lang="en-US" sz="1100" b="1" dirty="0" err="1">
+                <a:solidFill>
+                  <a:srgbClr val="FF0000"/>
+                </a:solidFill>
+                <a:latin typeface="Cambria" panose="02040503050406030204" pitchFamily="18" charset="0"/>
+                <a:ea typeface="Cambria" panose="02040503050406030204" pitchFamily="18" charset="0"/>
+              </a:rPr>
+              <a:t>tanaji</a:t>
+            </a:r>
+            <a:r>
+              <a:rPr lang="en-US" sz="1100" b="1" dirty="0">
+                <a:solidFill>
+                  <a:srgbClr val="FF0000"/>
+                </a:solidFill>
+                <a:latin typeface="Cambria" panose="02040503050406030204" pitchFamily="18" charset="0"/>
+                <a:ea typeface="Cambria" panose="02040503050406030204" pitchFamily="18" charset="0"/>
+              </a:rPr>
+              <a:t>    ')</a:t>
+            </a:r>
+          </a:p>
+          <a:p>
+            <a:endParaRPr lang="en-US" sz="1100" b="1" dirty="0">
+              <a:solidFill>
+                <a:srgbClr val="FF0000"/>
+              </a:solidFill>
+              <a:latin typeface="Cambria" panose="02040503050406030204" pitchFamily="18" charset="0"/>
+              <a:ea typeface="Cambria" panose="02040503050406030204" pitchFamily="18" charset="0"/>
+            </a:endParaRPr>
+          </a:p>
+          <a:p>
+            <a:r>
+              <a:rPr lang="en-US" sz="1100" b="1" dirty="0">
+                <a:solidFill>
+                  <a:srgbClr val="FF0000"/>
+                </a:solidFill>
+                <a:latin typeface="Cambria" panose="02040503050406030204" pitchFamily="18" charset="0"/>
+                <a:ea typeface="Cambria" panose="02040503050406030204" pitchFamily="18" charset="0"/>
+              </a:rPr>
+              <a:t>select *,LTRIM(RTRIM(</a:t>
+            </a:r>
+            <a:r>
+              <a:rPr lang="en-US" sz="1100" b="1" dirty="0" err="1">
+                <a:solidFill>
+                  <a:srgbClr val="FF0000"/>
+                </a:solidFill>
+                <a:latin typeface="Cambria" panose="02040503050406030204" pitchFamily="18" charset="0"/>
+                <a:ea typeface="Cambria" panose="02040503050406030204" pitchFamily="18" charset="0"/>
+              </a:rPr>
+              <a:t>CName</a:t>
+            </a:r>
+            <a:r>
+              <a:rPr lang="en-US" sz="1100" b="1" dirty="0">
+                <a:solidFill>
+                  <a:srgbClr val="FF0000"/>
+                </a:solidFill>
+                <a:latin typeface="Cambria" panose="02040503050406030204" pitchFamily="18" charset="0"/>
+                <a:ea typeface="Cambria" panose="02040503050406030204" pitchFamily="18" charset="0"/>
+              </a:rPr>
+              <a:t>)) as </a:t>
+            </a:r>
+            <a:r>
+              <a:rPr lang="en-US" sz="1100" b="1" dirty="0" err="1">
+                <a:solidFill>
+                  <a:srgbClr val="FF0000"/>
+                </a:solidFill>
+                <a:latin typeface="Cambria" panose="02040503050406030204" pitchFamily="18" charset="0"/>
+                <a:ea typeface="Cambria" panose="02040503050406030204" pitchFamily="18" charset="0"/>
+              </a:rPr>
+              <a:t>CustomerName</a:t>
+            </a:r>
+            <a:r>
+              <a:rPr lang="en-US" sz="1100" b="1" dirty="0">
+                <a:solidFill>
+                  <a:srgbClr val="FF0000"/>
+                </a:solidFill>
+                <a:latin typeface="Cambria" panose="02040503050406030204" pitchFamily="18" charset="0"/>
+                <a:ea typeface="Cambria" panose="02040503050406030204" pitchFamily="18" charset="0"/>
+              </a:rPr>
+              <a:t>, TRIM(</a:t>
+            </a:r>
+            <a:r>
+              <a:rPr lang="en-US" sz="1100" b="1" dirty="0" err="1">
+                <a:solidFill>
+                  <a:srgbClr val="FF0000"/>
+                </a:solidFill>
+                <a:latin typeface="Cambria" panose="02040503050406030204" pitchFamily="18" charset="0"/>
+                <a:ea typeface="Cambria" panose="02040503050406030204" pitchFamily="18" charset="0"/>
+              </a:rPr>
+              <a:t>Cname</a:t>
+            </a:r>
+            <a:r>
+              <a:rPr lang="en-US" sz="1100" b="1" dirty="0">
+                <a:solidFill>
+                  <a:srgbClr val="FF0000"/>
+                </a:solidFill>
+                <a:latin typeface="Cambria" panose="02040503050406030204" pitchFamily="18" charset="0"/>
+                <a:ea typeface="Cambria" panose="02040503050406030204" pitchFamily="18" charset="0"/>
+              </a:rPr>
+              <a:t>) as </a:t>
+            </a:r>
+            <a:r>
+              <a:rPr lang="en-US" sz="1100" b="1" dirty="0" err="1">
+                <a:solidFill>
+                  <a:srgbClr val="FF0000"/>
+                </a:solidFill>
+                <a:latin typeface="Cambria" panose="02040503050406030204" pitchFamily="18" charset="0"/>
+                <a:ea typeface="Cambria" panose="02040503050406030204" pitchFamily="18" charset="0"/>
+              </a:rPr>
+              <a:t>CustName</a:t>
+            </a:r>
+            <a:r>
+              <a:rPr lang="en-US" sz="1100" b="1" dirty="0">
+                <a:solidFill>
+                  <a:srgbClr val="FF0000"/>
+                </a:solidFill>
+                <a:latin typeface="Cambria" panose="02040503050406030204" pitchFamily="18" charset="0"/>
+                <a:ea typeface="Cambria" panose="02040503050406030204" pitchFamily="18" charset="0"/>
+              </a:rPr>
+              <a:t>  from BANK</a:t>
+            </a:r>
+          </a:p>
+          <a:p>
+            <a:r>
+              <a:rPr lang="en-US" sz="1100" b="1" dirty="0">
+                <a:solidFill>
+                  <a:schemeClr val="tx1"/>
+                </a:solidFill>
+                <a:latin typeface="Cambria" panose="02040503050406030204" pitchFamily="18" charset="0"/>
+                <a:ea typeface="Cambria" panose="02040503050406030204" pitchFamily="18" charset="0"/>
+              </a:rPr>
+              <a:t>Replace function</a:t>
+            </a:r>
+          </a:p>
+          <a:p>
+            <a:r>
+              <a:rPr lang="en-US" sz="1100" b="1" dirty="0">
+                <a:solidFill>
+                  <a:srgbClr val="FF0000"/>
+                </a:solidFill>
+                <a:latin typeface="Cambria" panose="02040503050406030204" pitchFamily="18" charset="0"/>
+                <a:ea typeface="Cambria" panose="02040503050406030204" pitchFamily="18" charset="0"/>
+              </a:rPr>
+              <a:t>select Replace('</a:t>
+            </a:r>
+            <a:r>
+              <a:rPr lang="en-US" sz="1100" b="1" dirty="0" err="1">
+                <a:solidFill>
+                  <a:srgbClr val="FF0000"/>
+                </a:solidFill>
+                <a:latin typeface="Cambria" panose="02040503050406030204" pitchFamily="18" charset="0"/>
+                <a:ea typeface="Cambria" panose="02040503050406030204" pitchFamily="18" charset="0"/>
+              </a:rPr>
+              <a:t>Hello','l','o</a:t>
+            </a:r>
+            <a:r>
+              <a:rPr lang="en-US" sz="1100" b="1" dirty="0">
+                <a:solidFill>
+                  <a:srgbClr val="FF0000"/>
+                </a:solidFill>
+                <a:latin typeface="Cambria" panose="02040503050406030204" pitchFamily="18" charset="0"/>
+                <a:ea typeface="Cambria" panose="02040503050406030204" pitchFamily="18" charset="0"/>
+              </a:rPr>
+              <a:t>')</a:t>
+            </a:r>
+          </a:p>
+          <a:p>
+            <a:endParaRPr lang="en-US" sz="1100" b="1" dirty="0">
+              <a:solidFill>
+                <a:srgbClr val="FF0000"/>
+              </a:solidFill>
+              <a:latin typeface="Cambria" panose="02040503050406030204" pitchFamily="18" charset="0"/>
+              <a:ea typeface="Cambria" panose="02040503050406030204" pitchFamily="18" charset="0"/>
+            </a:endParaRPr>
+          </a:p>
+          <a:p>
+            <a:r>
+              <a:rPr lang="en-US" sz="1100" b="1" dirty="0">
+                <a:solidFill>
+                  <a:srgbClr val="FF0000"/>
+                </a:solidFill>
+                <a:latin typeface="Cambria" panose="02040503050406030204" pitchFamily="18" charset="0"/>
+                <a:ea typeface="Cambria" panose="02040503050406030204" pitchFamily="18" charset="0"/>
+              </a:rPr>
+              <a:t>select *,REPLACE([Name],'</a:t>
+            </a:r>
+            <a:r>
+              <a:rPr lang="en-US" sz="1100" b="1" dirty="0" err="1">
+                <a:solidFill>
+                  <a:srgbClr val="FF0000"/>
+                </a:solidFill>
+                <a:latin typeface="Cambria" panose="02040503050406030204" pitchFamily="18" charset="0"/>
+                <a:ea typeface="Cambria" panose="02040503050406030204" pitchFamily="18" charset="0"/>
+              </a:rPr>
+              <a:t>a','S</a:t>
+            </a:r>
+            <a:r>
+              <a:rPr lang="en-US" sz="1100" b="1" dirty="0">
+                <a:solidFill>
+                  <a:srgbClr val="FF0000"/>
+                </a:solidFill>
+                <a:latin typeface="Cambria" panose="02040503050406030204" pitchFamily="18" charset="0"/>
+                <a:ea typeface="Cambria" panose="02040503050406030204" pitchFamily="18" charset="0"/>
+              </a:rPr>
+              <a:t>') as NewName1 from Student</a:t>
+            </a:r>
+          </a:p>
+          <a:p>
+            <a:r>
+              <a:rPr lang="en-US" sz="1100" b="1" dirty="0">
+                <a:solidFill>
+                  <a:schemeClr val="tx1"/>
+                </a:solidFill>
+                <a:latin typeface="Cambria" panose="02040503050406030204" pitchFamily="18" charset="0"/>
+                <a:ea typeface="Cambria" panose="02040503050406030204" pitchFamily="18" charset="0"/>
+              </a:rPr>
+              <a:t>Replicate</a:t>
+            </a:r>
+          </a:p>
+          <a:p>
+            <a:r>
+              <a:rPr lang="en-US" sz="1100" b="1" dirty="0">
+                <a:solidFill>
+                  <a:srgbClr val="FF0000"/>
+                </a:solidFill>
+                <a:latin typeface="Cambria" panose="02040503050406030204" pitchFamily="18" charset="0"/>
+                <a:ea typeface="Cambria" panose="02040503050406030204" pitchFamily="18" charset="0"/>
+              </a:rPr>
+              <a:t>select REPLICATE('HEL',2</a:t>
+            </a:r>
+            <a:r>
+              <a:rPr lang="en-US" sz="1100" b="1" dirty="0" smtClean="0">
+                <a:solidFill>
+                  <a:srgbClr val="FF0000"/>
+                </a:solidFill>
+                <a:latin typeface="Cambria" panose="02040503050406030204" pitchFamily="18" charset="0"/>
+                <a:ea typeface="Cambria" panose="02040503050406030204" pitchFamily="18" charset="0"/>
+              </a:rPr>
+              <a:t>)</a:t>
+            </a:r>
+            <a:endParaRPr lang="en-US" sz="1100" b="1" dirty="0">
+              <a:solidFill>
+                <a:srgbClr val="FF0000"/>
+              </a:solidFill>
+              <a:latin typeface="Cambria" panose="02040503050406030204" pitchFamily="18" charset="0"/>
+              <a:ea typeface="Cambria" panose="02040503050406030204" pitchFamily="18" charset="0"/>
+            </a:endParaRPr>
+          </a:p>
+          <a:p>
+            <a:r>
+              <a:rPr lang="en-US" sz="1100" b="1" dirty="0">
+                <a:solidFill>
+                  <a:srgbClr val="FF0000"/>
+                </a:solidFill>
+                <a:latin typeface="Cambria" panose="02040503050406030204" pitchFamily="18" charset="0"/>
+                <a:ea typeface="Cambria" panose="02040503050406030204" pitchFamily="18" charset="0"/>
+              </a:rPr>
+              <a:t>select *,REPLICATE([Name],2) as NewName1 from Student </a:t>
+            </a:r>
+          </a:p>
+          <a:p>
+            <a:r>
+              <a:rPr lang="en-US" sz="1100" b="1" dirty="0">
+                <a:solidFill>
+                  <a:schemeClr val="tx1"/>
+                </a:solidFill>
+                <a:latin typeface="Cambria" panose="02040503050406030204" pitchFamily="18" charset="0"/>
+                <a:ea typeface="Cambria" panose="02040503050406030204" pitchFamily="18" charset="0"/>
+              </a:rPr>
+              <a:t>REVERSE Function</a:t>
+            </a:r>
+          </a:p>
+          <a:p>
+            <a:r>
+              <a:rPr lang="en-US" sz="1100" b="1" dirty="0">
+                <a:solidFill>
+                  <a:srgbClr val="FF0000"/>
+                </a:solidFill>
+                <a:latin typeface="Cambria" panose="02040503050406030204" pitchFamily="18" charset="0"/>
+                <a:ea typeface="Cambria" panose="02040503050406030204" pitchFamily="18" charset="0"/>
+              </a:rPr>
+              <a:t>select REVERSE('HELLO')</a:t>
+            </a:r>
+          </a:p>
+          <a:p>
+            <a:endParaRPr lang="en-US" sz="1100" b="1" dirty="0">
+              <a:solidFill>
+                <a:srgbClr val="FF0000"/>
+              </a:solidFill>
+              <a:latin typeface="Cambria" panose="02040503050406030204" pitchFamily="18" charset="0"/>
+              <a:ea typeface="Cambria" panose="02040503050406030204" pitchFamily="18" charset="0"/>
+            </a:endParaRPr>
+          </a:p>
+          <a:p>
+            <a:r>
+              <a:rPr lang="en-US" sz="1100" b="1" dirty="0">
+                <a:solidFill>
+                  <a:srgbClr val="FF0000"/>
+                </a:solidFill>
+                <a:latin typeface="Cambria" panose="02040503050406030204" pitchFamily="18" charset="0"/>
+                <a:ea typeface="Cambria" panose="02040503050406030204" pitchFamily="18" charset="0"/>
+              </a:rPr>
+              <a:t>select *,REVERSE([Name]) as NewName1 from Student  </a:t>
+            </a:r>
+          </a:p>
+          <a:p>
+            <a:r>
+              <a:rPr lang="en-US" sz="1100" b="1" dirty="0">
+                <a:solidFill>
+                  <a:schemeClr val="tx1"/>
+                </a:solidFill>
+                <a:latin typeface="Cambria" panose="02040503050406030204" pitchFamily="18" charset="0"/>
+                <a:ea typeface="Cambria" panose="02040503050406030204" pitchFamily="18" charset="0"/>
+              </a:rPr>
+              <a:t>SPACE function</a:t>
+            </a:r>
+          </a:p>
+          <a:p>
+            <a:r>
+              <a:rPr lang="en-US" sz="1100" b="1" dirty="0">
+                <a:solidFill>
+                  <a:srgbClr val="FF0000"/>
+                </a:solidFill>
+                <a:latin typeface="Cambria" panose="02040503050406030204" pitchFamily="18" charset="0"/>
+                <a:ea typeface="Cambria" panose="02040503050406030204" pitchFamily="18" charset="0"/>
+              </a:rPr>
+              <a:t>select 'HELLO' +SPACE(3)+ 'WORLD</a:t>
+            </a:r>
+            <a:r>
+              <a:rPr lang="en-US" sz="1100" b="1" dirty="0" smtClean="0">
+                <a:solidFill>
+                  <a:srgbClr val="FF0000"/>
+                </a:solidFill>
+                <a:latin typeface="Cambria" panose="02040503050406030204" pitchFamily="18" charset="0"/>
+                <a:ea typeface="Cambria" panose="02040503050406030204" pitchFamily="18" charset="0"/>
+              </a:rPr>
+              <a:t>'</a:t>
+            </a:r>
+            <a:endParaRPr lang="en-US" sz="1100" b="1" dirty="0">
+              <a:solidFill>
+                <a:srgbClr val="FF0000"/>
+              </a:solidFill>
+              <a:latin typeface="Cambria" panose="02040503050406030204" pitchFamily="18" charset="0"/>
+              <a:ea typeface="Cambria" panose="02040503050406030204" pitchFamily="18" charset="0"/>
+            </a:endParaRPr>
+          </a:p>
+          <a:p>
+            <a:r>
+              <a:rPr lang="en-US" sz="1100" b="1" dirty="0">
+                <a:solidFill>
+                  <a:srgbClr val="FF0000"/>
+                </a:solidFill>
+                <a:latin typeface="Cambria" panose="02040503050406030204" pitchFamily="18" charset="0"/>
+                <a:ea typeface="Cambria" panose="02040503050406030204" pitchFamily="18" charset="0"/>
+              </a:rPr>
+              <a:t>select *, ([Name]+space(5)+[Position]) as </a:t>
+            </a:r>
+            <a:r>
+              <a:rPr lang="en-US" sz="1100" b="1" dirty="0" err="1">
+                <a:solidFill>
+                  <a:srgbClr val="FF0000"/>
+                </a:solidFill>
+                <a:latin typeface="Cambria" panose="02040503050406030204" pitchFamily="18" charset="0"/>
+                <a:ea typeface="Cambria" panose="02040503050406030204" pitchFamily="18" charset="0"/>
+              </a:rPr>
+              <a:t>Name_Position</a:t>
+            </a:r>
+            <a:r>
+              <a:rPr lang="en-US" sz="1100" b="1" dirty="0">
+                <a:solidFill>
+                  <a:srgbClr val="FF0000"/>
+                </a:solidFill>
+                <a:latin typeface="Cambria" panose="02040503050406030204" pitchFamily="18" charset="0"/>
+                <a:ea typeface="Cambria" panose="02040503050406030204" pitchFamily="18" charset="0"/>
+              </a:rPr>
+              <a:t> from Employee</a:t>
+            </a:r>
+          </a:p>
+          <a:p>
+            <a:endParaRPr lang="en-US" sz="1100" b="1" dirty="0" smtClean="0">
+              <a:solidFill>
+                <a:srgbClr val="FF0000"/>
+              </a:solidFill>
+              <a:latin typeface="Cambria" panose="02040503050406030204" pitchFamily="18" charset="0"/>
+              <a:ea typeface="Cambria" panose="02040503050406030204" pitchFamily="18" charset="0"/>
+            </a:endParaRPr>
+          </a:p>
+          <a:p>
+            <a:r>
+              <a:rPr lang="en-US" sz="1100" b="1" dirty="0">
+                <a:solidFill>
+                  <a:schemeClr val="tx1"/>
+                </a:solidFill>
+                <a:latin typeface="Cambria" panose="02040503050406030204" pitchFamily="18" charset="0"/>
+                <a:ea typeface="Cambria" panose="02040503050406030204" pitchFamily="18" charset="0"/>
+              </a:rPr>
+              <a:t>Stuff Function</a:t>
+            </a:r>
+          </a:p>
+          <a:p>
+            <a:r>
+              <a:rPr lang="en-US" sz="1100" b="1" dirty="0">
+                <a:solidFill>
+                  <a:srgbClr val="FF0000"/>
+                </a:solidFill>
+                <a:latin typeface="Cambria" panose="02040503050406030204" pitchFamily="18" charset="0"/>
+                <a:ea typeface="Cambria" panose="02040503050406030204" pitchFamily="18" charset="0"/>
+              </a:rPr>
+              <a:t>select STUFF('ABXXCDXX',3,3,'YY')</a:t>
+            </a:r>
+          </a:p>
+        </p:txBody>
+      </p:sp>
     </p:spTree>
     <p:extLst>
       <p:ext uri="{BB962C8B-B14F-4D97-AF65-F5344CB8AC3E}">
         <p14:creationId xmlns:p14="http://schemas.microsoft.com/office/powerpoint/2010/main" val="3519775014"/>
+      </p:ext>
+    </p:extLst>
+  </p:cSld>
+  <p:clrMapOvr>
+    <a:masterClrMapping/>
+  </p:clrMapOvr>
+</p:sld>
+</file>
+
+<file path=ppt/slides/slide19.xml><?xml version="1.0" encoding="utf-8"?>
+<p:sld xmlns:a="http://schemas.openxmlformats.org/drawingml/2006/main" xmlns:r="http://schemas.openxmlformats.org/officeDocument/2006/relationships" xmlns:p="http://schemas.openxmlformats.org/presentationml/2006/main">
+  <p:cSld>
+    <p:spTree>
+      <p:nvGrpSpPr>
+        <p:cNvPr id="1" name=""/>
+        <p:cNvGrpSpPr/>
+        <p:nvPr/>
+      </p:nvGrpSpPr>
+      <p:grpSpPr>
+        <a:xfrm>
+          <a:off x="0" y="0"/>
+          <a:ext cx="0" cy="0"/>
+          <a:chOff x="0" y="0"/>
+          <a:chExt cx="0" cy="0"/>
+        </a:xfrm>
+      </p:grpSpPr>
+      <p:sp>
+        <p:nvSpPr>
+          <p:cNvPr id="6" name="Rectangle 5"/>
+          <p:cNvSpPr/>
+          <p:nvPr/>
+        </p:nvSpPr>
+        <p:spPr>
+          <a:xfrm>
+            <a:off x="288947" y="115812"/>
+            <a:ext cx="2687336" cy="3400931"/>
+          </a:xfrm>
+          <a:prstGeom prst="rect">
+            <a:avLst/>
+          </a:prstGeom>
+        </p:spPr>
+        <p:style>
+          <a:lnRef idx="2">
+            <a:schemeClr val="accent1"/>
+          </a:lnRef>
+          <a:fillRef idx="1">
+            <a:schemeClr val="lt1"/>
+          </a:fillRef>
+          <a:effectRef idx="0">
+            <a:schemeClr val="accent1"/>
+          </a:effectRef>
+          <a:fontRef idx="minor">
+            <a:schemeClr val="dk1"/>
+          </a:fontRef>
+        </p:style>
+        <p:txBody>
+          <a:bodyPr wrap="square">
+            <a:spAutoFit/>
+          </a:bodyPr>
+          <a:lstStyle/>
+          <a:p>
+            <a:r>
+              <a:rPr lang="en-US" sz="1200" b="1" i="1" u="sng" dirty="0">
+                <a:latin typeface="Cambria" panose="02040503050406030204" pitchFamily="18" charset="0"/>
+                <a:ea typeface="Cambria" panose="02040503050406030204" pitchFamily="18" charset="0"/>
+              </a:rPr>
+              <a:t>3</a:t>
+            </a:r>
+            <a:r>
+              <a:rPr lang="en-US" sz="1200" b="1" i="1" u="sng" dirty="0" smtClean="0">
+                <a:latin typeface="Cambria" panose="02040503050406030204" pitchFamily="18" charset="0"/>
+                <a:ea typeface="Cambria" panose="02040503050406030204" pitchFamily="18" charset="0"/>
+              </a:rPr>
+              <a:t>)DATE </a:t>
+            </a:r>
+            <a:r>
+              <a:rPr lang="en-US" sz="1200" b="1" i="1" u="sng" dirty="0">
+                <a:latin typeface="Cambria" panose="02040503050406030204" pitchFamily="18" charset="0"/>
+                <a:ea typeface="Cambria" panose="02040503050406030204" pitchFamily="18" charset="0"/>
+              </a:rPr>
+              <a:t>and TIME functions</a:t>
+            </a:r>
+          </a:p>
+          <a:p>
+            <a:r>
+              <a:rPr lang="en-US" sz="1100" b="1" dirty="0">
+                <a:solidFill>
+                  <a:schemeClr val="tx1"/>
+                </a:solidFill>
+                <a:latin typeface="Cambria" panose="02040503050406030204" pitchFamily="18" charset="0"/>
+                <a:ea typeface="Cambria" panose="02040503050406030204" pitchFamily="18" charset="0"/>
+              </a:rPr>
+              <a:t>GETDATE</a:t>
+            </a:r>
+          </a:p>
+          <a:p>
+            <a:r>
+              <a:rPr lang="en-US" sz="1100" b="1" dirty="0" smtClean="0">
+                <a:solidFill>
+                  <a:srgbClr val="FF0000"/>
+                </a:solidFill>
+                <a:latin typeface="Cambria" panose="02040503050406030204" pitchFamily="18" charset="0"/>
+                <a:ea typeface="Cambria" panose="02040503050406030204" pitchFamily="18" charset="0"/>
+              </a:rPr>
+              <a:t>select </a:t>
+            </a:r>
+            <a:r>
+              <a:rPr lang="en-US" sz="1100" b="1" dirty="0">
+                <a:solidFill>
+                  <a:srgbClr val="FF0000"/>
+                </a:solidFill>
+                <a:latin typeface="Cambria" panose="02040503050406030204" pitchFamily="18" charset="0"/>
+                <a:ea typeface="Cambria" panose="02040503050406030204" pitchFamily="18" charset="0"/>
+              </a:rPr>
+              <a:t>GETDATE() as </a:t>
+            </a:r>
+            <a:r>
+              <a:rPr lang="en-US" sz="1100" b="1" dirty="0" err="1">
+                <a:solidFill>
+                  <a:srgbClr val="FF0000"/>
+                </a:solidFill>
+                <a:latin typeface="Cambria" panose="02040503050406030204" pitchFamily="18" charset="0"/>
+                <a:ea typeface="Cambria" panose="02040503050406030204" pitchFamily="18" charset="0"/>
+              </a:rPr>
+              <a:t>CurrentDate</a:t>
+            </a:r>
+            <a:endParaRPr lang="en-US" sz="1100" b="1" dirty="0">
+              <a:solidFill>
+                <a:srgbClr val="FF0000"/>
+              </a:solidFill>
+              <a:latin typeface="Cambria" panose="02040503050406030204" pitchFamily="18" charset="0"/>
+              <a:ea typeface="Cambria" panose="02040503050406030204" pitchFamily="18" charset="0"/>
+            </a:endParaRPr>
+          </a:p>
+          <a:p>
+            <a:r>
+              <a:rPr lang="en-US" sz="1100" b="1" dirty="0">
+                <a:solidFill>
+                  <a:srgbClr val="FF0000"/>
+                </a:solidFill>
+                <a:latin typeface="Cambria" panose="02040503050406030204" pitchFamily="18" charset="0"/>
+                <a:ea typeface="Cambria" panose="02040503050406030204" pitchFamily="18" charset="0"/>
+              </a:rPr>
+              <a:t>select GETDATE()-1 as </a:t>
+            </a:r>
+            <a:r>
+              <a:rPr lang="en-US" sz="1100" b="1" dirty="0" err="1">
+                <a:solidFill>
+                  <a:srgbClr val="FF0000"/>
+                </a:solidFill>
+                <a:latin typeface="Cambria" panose="02040503050406030204" pitchFamily="18" charset="0"/>
+                <a:ea typeface="Cambria" panose="02040503050406030204" pitchFamily="18" charset="0"/>
+              </a:rPr>
+              <a:t>PreviousDay</a:t>
+            </a:r>
+            <a:endParaRPr lang="en-US" sz="1100" b="1" dirty="0">
+              <a:solidFill>
+                <a:srgbClr val="FF0000"/>
+              </a:solidFill>
+              <a:latin typeface="Cambria" panose="02040503050406030204" pitchFamily="18" charset="0"/>
+              <a:ea typeface="Cambria" panose="02040503050406030204" pitchFamily="18" charset="0"/>
+            </a:endParaRPr>
+          </a:p>
+          <a:p>
+            <a:r>
+              <a:rPr lang="en-US" sz="1100" b="1" dirty="0">
+                <a:solidFill>
+                  <a:srgbClr val="FF0000"/>
+                </a:solidFill>
+                <a:latin typeface="Cambria" panose="02040503050406030204" pitchFamily="18" charset="0"/>
+                <a:ea typeface="Cambria" panose="02040503050406030204" pitchFamily="18" charset="0"/>
+              </a:rPr>
+              <a:t>select GETDATE()+1 as </a:t>
+            </a:r>
+            <a:r>
+              <a:rPr lang="en-US" sz="1100" b="1" dirty="0" err="1">
+                <a:solidFill>
+                  <a:srgbClr val="FF0000"/>
+                </a:solidFill>
+                <a:latin typeface="Cambria" panose="02040503050406030204" pitchFamily="18" charset="0"/>
+                <a:ea typeface="Cambria" panose="02040503050406030204" pitchFamily="18" charset="0"/>
+              </a:rPr>
+              <a:t>NextDay</a:t>
+            </a:r>
+            <a:endParaRPr lang="en-US" sz="1100" b="1" dirty="0">
+              <a:solidFill>
+                <a:srgbClr val="FF0000"/>
+              </a:solidFill>
+              <a:latin typeface="Cambria" panose="02040503050406030204" pitchFamily="18" charset="0"/>
+              <a:ea typeface="Cambria" panose="02040503050406030204" pitchFamily="18" charset="0"/>
+            </a:endParaRPr>
+          </a:p>
+          <a:p>
+            <a:r>
+              <a:rPr lang="en-US" sz="1100" b="1" dirty="0">
+                <a:solidFill>
+                  <a:schemeClr val="tx1"/>
+                </a:solidFill>
+                <a:latin typeface="Cambria" panose="02040503050406030204" pitchFamily="18" charset="0"/>
+                <a:ea typeface="Cambria" panose="02040503050406030204" pitchFamily="18" charset="0"/>
+              </a:rPr>
+              <a:t>DAY</a:t>
+            </a:r>
+          </a:p>
+          <a:p>
+            <a:r>
+              <a:rPr lang="en-US" sz="1100" b="1" dirty="0">
+                <a:solidFill>
+                  <a:srgbClr val="FF0000"/>
+                </a:solidFill>
+                <a:latin typeface="Cambria" panose="02040503050406030204" pitchFamily="18" charset="0"/>
+                <a:ea typeface="Cambria" panose="02040503050406030204" pitchFamily="18" charset="0"/>
+              </a:rPr>
+              <a:t>select DAY(GETDATE())</a:t>
+            </a:r>
+          </a:p>
+          <a:p>
+            <a:r>
+              <a:rPr lang="en-US" sz="1100" b="1" dirty="0">
+                <a:solidFill>
+                  <a:srgbClr val="FF0000"/>
+                </a:solidFill>
+                <a:latin typeface="Cambria" panose="02040503050406030204" pitchFamily="18" charset="0"/>
+                <a:ea typeface="Cambria" panose="02040503050406030204" pitchFamily="18" charset="0"/>
+              </a:rPr>
+              <a:t>select DAY('10/24/78')</a:t>
+            </a:r>
+          </a:p>
+          <a:p>
+            <a:r>
+              <a:rPr lang="en-US" sz="1100" b="1" dirty="0">
+                <a:solidFill>
+                  <a:schemeClr val="tx1"/>
+                </a:solidFill>
+                <a:latin typeface="Cambria" panose="02040503050406030204" pitchFamily="18" charset="0"/>
+                <a:ea typeface="Cambria" panose="02040503050406030204" pitchFamily="18" charset="0"/>
+              </a:rPr>
+              <a:t>MONTH</a:t>
+            </a:r>
+          </a:p>
+          <a:p>
+            <a:r>
+              <a:rPr lang="en-US" sz="1100" b="1" dirty="0">
+                <a:solidFill>
+                  <a:srgbClr val="FF0000"/>
+                </a:solidFill>
+                <a:latin typeface="Cambria" panose="02040503050406030204" pitchFamily="18" charset="0"/>
+                <a:ea typeface="Cambria" panose="02040503050406030204" pitchFamily="18" charset="0"/>
+              </a:rPr>
+              <a:t>select MONTH(GETDATE())</a:t>
+            </a:r>
+          </a:p>
+          <a:p>
+            <a:r>
+              <a:rPr lang="en-US" sz="1100" b="1" dirty="0">
+                <a:solidFill>
+                  <a:srgbClr val="FF0000"/>
+                </a:solidFill>
+                <a:latin typeface="Cambria" panose="02040503050406030204" pitchFamily="18" charset="0"/>
+                <a:ea typeface="Cambria" panose="02040503050406030204" pitchFamily="18" charset="0"/>
+              </a:rPr>
+              <a:t>select MONTH('10/24/78')</a:t>
+            </a:r>
+          </a:p>
+          <a:p>
+            <a:r>
+              <a:rPr lang="en-US" sz="1100" b="1" dirty="0">
+                <a:solidFill>
+                  <a:schemeClr val="tx1"/>
+                </a:solidFill>
+                <a:latin typeface="Cambria" panose="02040503050406030204" pitchFamily="18" charset="0"/>
+                <a:ea typeface="Cambria" panose="02040503050406030204" pitchFamily="18" charset="0"/>
+              </a:rPr>
+              <a:t>YEAR</a:t>
+            </a:r>
+          </a:p>
+          <a:p>
+            <a:r>
+              <a:rPr lang="en-US" sz="1100" b="1" dirty="0">
+                <a:solidFill>
+                  <a:srgbClr val="FF0000"/>
+                </a:solidFill>
+                <a:latin typeface="Cambria" panose="02040503050406030204" pitchFamily="18" charset="0"/>
+                <a:ea typeface="Cambria" panose="02040503050406030204" pitchFamily="18" charset="0"/>
+              </a:rPr>
+              <a:t>select Year(GETDATE())</a:t>
+            </a:r>
+          </a:p>
+          <a:p>
+            <a:r>
+              <a:rPr lang="en-US" sz="1100" b="1" dirty="0">
+                <a:solidFill>
+                  <a:srgbClr val="FF0000"/>
+                </a:solidFill>
+                <a:latin typeface="Cambria" panose="02040503050406030204" pitchFamily="18" charset="0"/>
+                <a:ea typeface="Cambria" panose="02040503050406030204" pitchFamily="18" charset="0"/>
+              </a:rPr>
+              <a:t>select Year('10/24/78')</a:t>
+            </a:r>
+          </a:p>
+          <a:p>
+            <a:r>
+              <a:rPr lang="en-US" sz="1100" b="1" dirty="0">
+                <a:solidFill>
+                  <a:schemeClr val="tx1"/>
+                </a:solidFill>
+                <a:latin typeface="Cambria" panose="02040503050406030204" pitchFamily="18" charset="0"/>
+                <a:ea typeface="Cambria" panose="02040503050406030204" pitchFamily="18" charset="0"/>
+              </a:rPr>
+              <a:t>DATENAME</a:t>
+            </a:r>
+          </a:p>
+          <a:p>
+            <a:r>
+              <a:rPr lang="en-US" sz="1100" b="1" dirty="0">
+                <a:solidFill>
+                  <a:srgbClr val="FF0000"/>
+                </a:solidFill>
+                <a:latin typeface="Cambria" panose="02040503050406030204" pitchFamily="18" charset="0"/>
+                <a:ea typeface="Cambria" panose="02040503050406030204" pitchFamily="18" charset="0"/>
+              </a:rPr>
+              <a:t>select DATENAME (MM,GETDATE())</a:t>
+            </a:r>
+          </a:p>
+          <a:p>
+            <a:r>
+              <a:rPr lang="en-US" sz="1100" b="1" dirty="0">
+                <a:solidFill>
+                  <a:srgbClr val="FF0000"/>
+                </a:solidFill>
+                <a:latin typeface="Cambria" panose="02040503050406030204" pitchFamily="18" charset="0"/>
+                <a:ea typeface="Cambria" panose="02040503050406030204" pitchFamily="18" charset="0"/>
+              </a:rPr>
+              <a:t>select DATENAME (DD,GETDATE())</a:t>
+            </a:r>
+          </a:p>
+          <a:p>
+            <a:r>
+              <a:rPr lang="en-US" sz="1100" b="1" dirty="0">
+                <a:solidFill>
+                  <a:srgbClr val="FF0000"/>
+                </a:solidFill>
+                <a:latin typeface="Cambria" panose="02040503050406030204" pitchFamily="18" charset="0"/>
+                <a:ea typeface="Cambria" panose="02040503050406030204" pitchFamily="18" charset="0"/>
+              </a:rPr>
+              <a:t>select DATENAME(</a:t>
+            </a:r>
+            <a:r>
+              <a:rPr lang="en-US" sz="1100" b="1" dirty="0" err="1">
+                <a:solidFill>
+                  <a:srgbClr val="FF0000"/>
+                </a:solidFill>
+                <a:latin typeface="Cambria" panose="02040503050406030204" pitchFamily="18" charset="0"/>
+                <a:ea typeface="Cambria" panose="02040503050406030204" pitchFamily="18" charset="0"/>
+              </a:rPr>
+              <a:t>dw,GETDATE</a:t>
+            </a:r>
+            <a:r>
+              <a:rPr lang="en-US" sz="1100" b="1" dirty="0">
+                <a:solidFill>
+                  <a:srgbClr val="FF0000"/>
+                </a:solidFill>
+                <a:latin typeface="Cambria" panose="02040503050406030204" pitchFamily="18" charset="0"/>
+                <a:ea typeface="Cambria" panose="02040503050406030204" pitchFamily="18" charset="0"/>
+              </a:rPr>
+              <a:t>())</a:t>
+            </a:r>
+          </a:p>
+          <a:p>
+            <a:endParaRPr lang="en-US" sz="1200" dirty="0">
+              <a:latin typeface="Cambria" panose="02040503050406030204" pitchFamily="18" charset="0"/>
+              <a:ea typeface="Cambria" panose="02040503050406030204" pitchFamily="18" charset="0"/>
+            </a:endParaRPr>
+          </a:p>
+        </p:txBody>
+      </p:sp>
+      <p:sp>
+        <p:nvSpPr>
+          <p:cNvPr id="5" name="Rectangle 4"/>
+          <p:cNvSpPr/>
+          <p:nvPr/>
+        </p:nvSpPr>
+        <p:spPr>
+          <a:xfrm>
+            <a:off x="3094904" y="115812"/>
+            <a:ext cx="4318268" cy="6694140"/>
+          </a:xfrm>
+          <a:prstGeom prst="rect">
+            <a:avLst/>
+          </a:prstGeom>
+        </p:spPr>
+        <p:style>
+          <a:lnRef idx="2">
+            <a:schemeClr val="accent1"/>
+          </a:lnRef>
+          <a:fillRef idx="1">
+            <a:schemeClr val="lt1"/>
+          </a:fillRef>
+          <a:effectRef idx="0">
+            <a:schemeClr val="accent1"/>
+          </a:effectRef>
+          <a:fontRef idx="minor">
+            <a:schemeClr val="dk1"/>
+          </a:fontRef>
+        </p:style>
+        <p:txBody>
+          <a:bodyPr wrap="square">
+            <a:spAutoFit/>
+          </a:bodyPr>
+          <a:lstStyle/>
+          <a:p>
+            <a:r>
+              <a:rPr lang="en-US" sz="1100" b="1" dirty="0">
+                <a:solidFill>
+                  <a:schemeClr val="tx1"/>
+                </a:solidFill>
+                <a:latin typeface="Cambria" panose="02040503050406030204" pitchFamily="18" charset="0"/>
+                <a:ea typeface="Cambria" panose="02040503050406030204" pitchFamily="18" charset="0"/>
+              </a:rPr>
+              <a:t>DATENAME</a:t>
+            </a:r>
+            <a:endParaRPr lang="en-US" sz="1100" b="1" dirty="0" smtClean="0">
+              <a:solidFill>
+                <a:srgbClr val="FF0000"/>
+              </a:solidFill>
+              <a:latin typeface="Cambria" panose="02040503050406030204" pitchFamily="18" charset="0"/>
+              <a:ea typeface="Cambria" panose="02040503050406030204" pitchFamily="18" charset="0"/>
+            </a:endParaRPr>
+          </a:p>
+          <a:p>
+            <a:r>
+              <a:rPr lang="en-US" sz="1100" b="1" dirty="0" smtClean="0">
+                <a:solidFill>
+                  <a:srgbClr val="FF0000"/>
+                </a:solidFill>
+                <a:latin typeface="Cambria" panose="02040503050406030204" pitchFamily="18" charset="0"/>
+                <a:ea typeface="Cambria" panose="02040503050406030204" pitchFamily="18" charset="0"/>
+              </a:rPr>
+              <a:t>select </a:t>
+            </a:r>
+            <a:r>
+              <a:rPr lang="en-US" sz="1100" b="1" dirty="0">
+                <a:solidFill>
+                  <a:srgbClr val="FF0000"/>
+                </a:solidFill>
+                <a:latin typeface="Cambria" panose="02040503050406030204" pitchFamily="18" charset="0"/>
+                <a:ea typeface="Cambria" panose="02040503050406030204" pitchFamily="18" charset="0"/>
+              </a:rPr>
+              <a:t>DATENAME (YY,GETDATE())'year1',DATENAME (YYYY,GETDATE())'year2',DATENAME (QQ,GETDATE())'Quarter1',</a:t>
+            </a:r>
+          </a:p>
+          <a:p>
+            <a:r>
+              <a:rPr lang="en-US" sz="1100" b="1" dirty="0">
+                <a:solidFill>
+                  <a:srgbClr val="FF0000"/>
+                </a:solidFill>
+                <a:latin typeface="Cambria" panose="02040503050406030204" pitchFamily="18" charset="0"/>
+                <a:ea typeface="Cambria" panose="02040503050406030204" pitchFamily="18" charset="0"/>
+              </a:rPr>
+              <a:t>DATENAME (Q,GETDATE())'Quarter2',DATENAME (MM,GETDATE())'Month1',DATENAME (M,GETDATE())'Month2',</a:t>
+            </a:r>
+          </a:p>
+          <a:p>
+            <a:r>
+              <a:rPr lang="en-US" sz="1100" b="1" dirty="0">
+                <a:solidFill>
+                  <a:srgbClr val="FF0000"/>
+                </a:solidFill>
+                <a:latin typeface="Cambria" panose="02040503050406030204" pitchFamily="18" charset="0"/>
+                <a:ea typeface="Cambria" panose="02040503050406030204" pitchFamily="18" charset="0"/>
+              </a:rPr>
+              <a:t>DATENAME (DY,GETDATE())'dayofyear1',DATENAME (</a:t>
+            </a:r>
+            <a:r>
+              <a:rPr lang="en-US" sz="1100" b="1" dirty="0" err="1">
+                <a:solidFill>
+                  <a:srgbClr val="FF0000"/>
+                </a:solidFill>
+                <a:latin typeface="Cambria" panose="02040503050406030204" pitchFamily="18" charset="0"/>
+                <a:ea typeface="Cambria" panose="02040503050406030204" pitchFamily="18" charset="0"/>
+              </a:rPr>
+              <a:t>y,GETDATE</a:t>
+            </a:r>
+            <a:r>
+              <a:rPr lang="en-US" sz="1100" b="1" dirty="0">
+                <a:solidFill>
+                  <a:srgbClr val="FF0000"/>
+                </a:solidFill>
+                <a:latin typeface="Cambria" panose="02040503050406030204" pitchFamily="18" charset="0"/>
+                <a:ea typeface="Cambria" panose="02040503050406030204" pitchFamily="18" charset="0"/>
+              </a:rPr>
+              <a:t>())'dayofyear2',DATENAME (DD,GETDATE())'Day1',</a:t>
+            </a:r>
+          </a:p>
+          <a:p>
+            <a:r>
+              <a:rPr lang="en-US" sz="1100" b="1" dirty="0">
+                <a:solidFill>
+                  <a:srgbClr val="FF0000"/>
+                </a:solidFill>
+                <a:latin typeface="Cambria" panose="02040503050406030204" pitchFamily="18" charset="0"/>
+                <a:ea typeface="Cambria" panose="02040503050406030204" pitchFamily="18" charset="0"/>
+              </a:rPr>
+              <a:t>DATENAME (D,GETDATE())'Day2',DATENAME (WK,GETDATE()) 'Week1',DATENAME (WW,GETDATE())'week2',</a:t>
+            </a:r>
+          </a:p>
+          <a:p>
+            <a:r>
+              <a:rPr lang="en-US" sz="1100" b="1" dirty="0">
+                <a:solidFill>
+                  <a:srgbClr val="FF0000"/>
+                </a:solidFill>
+                <a:latin typeface="Cambria" panose="02040503050406030204" pitchFamily="18" charset="0"/>
+                <a:ea typeface="Cambria" panose="02040503050406030204" pitchFamily="18" charset="0"/>
+              </a:rPr>
+              <a:t>DATENAME (DW,GETDATE()) '</a:t>
+            </a:r>
+            <a:r>
+              <a:rPr lang="en-US" sz="1100" b="1" dirty="0" err="1">
+                <a:solidFill>
+                  <a:srgbClr val="FF0000"/>
+                </a:solidFill>
+                <a:latin typeface="Cambria" panose="02040503050406030204" pitchFamily="18" charset="0"/>
+                <a:ea typeface="Cambria" panose="02040503050406030204" pitchFamily="18" charset="0"/>
+              </a:rPr>
+              <a:t>weekday',DATENAME</a:t>
+            </a:r>
+            <a:r>
+              <a:rPr lang="en-US" sz="1100" b="1" dirty="0">
+                <a:solidFill>
+                  <a:srgbClr val="FF0000"/>
+                </a:solidFill>
+                <a:latin typeface="Cambria" panose="02040503050406030204" pitchFamily="18" charset="0"/>
+                <a:ea typeface="Cambria" panose="02040503050406030204" pitchFamily="18" charset="0"/>
+              </a:rPr>
+              <a:t> (HH,GETDATE())'</a:t>
+            </a:r>
+            <a:r>
+              <a:rPr lang="en-US" sz="1100" b="1" dirty="0" err="1">
+                <a:solidFill>
+                  <a:srgbClr val="FF0000"/>
+                </a:solidFill>
+                <a:latin typeface="Cambria" panose="02040503050406030204" pitchFamily="18" charset="0"/>
+                <a:ea typeface="Cambria" panose="02040503050406030204" pitchFamily="18" charset="0"/>
+              </a:rPr>
+              <a:t>Hour',DATENAME</a:t>
+            </a:r>
+            <a:r>
+              <a:rPr lang="en-US" sz="1100" b="1" dirty="0">
+                <a:solidFill>
+                  <a:srgbClr val="FF0000"/>
+                </a:solidFill>
+                <a:latin typeface="Cambria" panose="02040503050406030204" pitchFamily="18" charset="0"/>
+                <a:ea typeface="Cambria" panose="02040503050406030204" pitchFamily="18" charset="0"/>
+              </a:rPr>
+              <a:t> (MI,GETDATE())'minute1',DATENAME (N,GETDATE())'minute2',</a:t>
+            </a:r>
+          </a:p>
+          <a:p>
+            <a:r>
+              <a:rPr lang="en-US" sz="1100" b="1" dirty="0">
+                <a:solidFill>
+                  <a:srgbClr val="FF0000"/>
+                </a:solidFill>
+                <a:latin typeface="Cambria" panose="02040503050406030204" pitchFamily="18" charset="0"/>
+                <a:ea typeface="Cambria" panose="02040503050406030204" pitchFamily="18" charset="0"/>
+              </a:rPr>
+              <a:t>DATENAME (SS,GETDATE())'second1',DATENAME (S,GETDATE())'second2',DATENAME (MS,GETDATE())'</a:t>
+            </a:r>
+            <a:r>
+              <a:rPr lang="en-US" sz="1100" b="1" dirty="0" err="1">
+                <a:solidFill>
+                  <a:srgbClr val="FF0000"/>
+                </a:solidFill>
+                <a:latin typeface="Cambria" panose="02040503050406030204" pitchFamily="18" charset="0"/>
+                <a:ea typeface="Cambria" panose="02040503050406030204" pitchFamily="18" charset="0"/>
+              </a:rPr>
+              <a:t>Milisecond</a:t>
+            </a:r>
+            <a:r>
+              <a:rPr lang="en-US" sz="1100" b="1" dirty="0" smtClean="0">
+                <a:solidFill>
+                  <a:srgbClr val="FF0000"/>
+                </a:solidFill>
+                <a:latin typeface="Cambria" panose="02040503050406030204" pitchFamily="18" charset="0"/>
+                <a:ea typeface="Cambria" panose="02040503050406030204" pitchFamily="18" charset="0"/>
+              </a:rPr>
+              <a:t>‘</a:t>
+            </a:r>
+          </a:p>
+          <a:p>
+            <a:endParaRPr lang="en-US" sz="1100" b="1" dirty="0">
+              <a:solidFill>
+                <a:srgbClr val="FF0000"/>
+              </a:solidFill>
+              <a:latin typeface="Cambria" panose="02040503050406030204" pitchFamily="18" charset="0"/>
+              <a:ea typeface="Cambria" panose="02040503050406030204" pitchFamily="18" charset="0"/>
+            </a:endParaRPr>
+          </a:p>
+          <a:p>
+            <a:endParaRPr lang="en-US" sz="1100" b="1" dirty="0">
+              <a:solidFill>
+                <a:srgbClr val="FF0000"/>
+              </a:solidFill>
+              <a:latin typeface="Cambria" panose="02040503050406030204" pitchFamily="18" charset="0"/>
+              <a:ea typeface="Cambria" panose="02040503050406030204" pitchFamily="18" charset="0"/>
+            </a:endParaRPr>
+          </a:p>
+          <a:p>
+            <a:r>
+              <a:rPr lang="en-US" sz="1100" b="1" dirty="0" smtClean="0">
+                <a:solidFill>
+                  <a:schemeClr val="tx1"/>
+                </a:solidFill>
+                <a:latin typeface="Cambria" panose="02040503050406030204" pitchFamily="18" charset="0"/>
+                <a:ea typeface="Cambria" panose="02040503050406030204" pitchFamily="18" charset="0"/>
+              </a:rPr>
+              <a:t>DATEPART:-</a:t>
+            </a:r>
+            <a:r>
+              <a:rPr lang="en-US" sz="1100" dirty="0"/>
+              <a:t> </a:t>
+            </a:r>
+            <a:r>
+              <a:rPr lang="en-US" sz="1100" b="1" dirty="0">
+                <a:solidFill>
+                  <a:schemeClr val="tx1"/>
+                </a:solidFill>
+                <a:latin typeface="Cambria" panose="02040503050406030204" pitchFamily="18" charset="0"/>
+                <a:ea typeface="Cambria" panose="02040503050406030204" pitchFamily="18" charset="0"/>
+              </a:rPr>
+              <a:t>This is same as DATENAME function but the only difference is weekday (</a:t>
+            </a:r>
+            <a:r>
+              <a:rPr lang="en-US" sz="1100" b="1" dirty="0" err="1">
+                <a:solidFill>
+                  <a:schemeClr val="tx1"/>
+                </a:solidFill>
+                <a:latin typeface="Cambria" panose="02040503050406030204" pitchFamily="18" charset="0"/>
+                <a:ea typeface="Cambria" panose="02040503050406030204" pitchFamily="18" charset="0"/>
+              </a:rPr>
+              <a:t>dw</a:t>
+            </a:r>
+            <a:r>
+              <a:rPr lang="en-US" sz="1100" b="1" dirty="0">
+                <a:solidFill>
+                  <a:schemeClr val="tx1"/>
+                </a:solidFill>
+                <a:latin typeface="Cambria" panose="02040503050406030204" pitchFamily="18" charset="0"/>
+                <a:ea typeface="Cambria" panose="02040503050406030204" pitchFamily="18" charset="0"/>
+              </a:rPr>
+              <a:t>) of DATEPART function returns a number that corresponds to the day of the week, for example: Sunday = 1, Saturday = 7, where as in the case of DATENAME returns the value in string format that is Sunday, Monday, … Saturday.</a:t>
+            </a:r>
+          </a:p>
+          <a:p>
+            <a:r>
+              <a:rPr lang="en-US" sz="1100" b="1" dirty="0">
+                <a:solidFill>
+                  <a:srgbClr val="FF0000"/>
+                </a:solidFill>
+                <a:latin typeface="Cambria" panose="02040503050406030204" pitchFamily="18" charset="0"/>
+                <a:ea typeface="Cambria" panose="02040503050406030204" pitchFamily="18" charset="0"/>
+              </a:rPr>
+              <a:t>select DATEPART (YY,GETDATE())'year1',DATEPART (YYYY,GETDATE())'year2',DATEPART (QQ,GETDATE())'Quarter1',</a:t>
+            </a:r>
+          </a:p>
+          <a:p>
+            <a:r>
+              <a:rPr lang="en-US" sz="1100" b="1" dirty="0">
+                <a:solidFill>
+                  <a:srgbClr val="FF0000"/>
+                </a:solidFill>
+                <a:latin typeface="Cambria" panose="02040503050406030204" pitchFamily="18" charset="0"/>
+                <a:ea typeface="Cambria" panose="02040503050406030204" pitchFamily="18" charset="0"/>
+              </a:rPr>
+              <a:t>DATEPART (Q,GETDATE())'Quarter2',DATEPART (MM,GETDATE())'Month1',DATEPART (M,GETDATE())'Month2',</a:t>
+            </a:r>
+          </a:p>
+          <a:p>
+            <a:r>
+              <a:rPr lang="en-US" sz="1100" b="1" dirty="0">
+                <a:solidFill>
+                  <a:srgbClr val="FF0000"/>
+                </a:solidFill>
+                <a:latin typeface="Cambria" panose="02040503050406030204" pitchFamily="18" charset="0"/>
+                <a:ea typeface="Cambria" panose="02040503050406030204" pitchFamily="18" charset="0"/>
+              </a:rPr>
+              <a:t>DATEPART (DY,GETDATE())'dayofyear1',DATEPART (</a:t>
+            </a:r>
+            <a:r>
+              <a:rPr lang="en-US" sz="1100" b="1" dirty="0" err="1">
+                <a:solidFill>
+                  <a:srgbClr val="FF0000"/>
+                </a:solidFill>
+                <a:latin typeface="Cambria" panose="02040503050406030204" pitchFamily="18" charset="0"/>
+                <a:ea typeface="Cambria" panose="02040503050406030204" pitchFamily="18" charset="0"/>
+              </a:rPr>
+              <a:t>y,GETDATE</a:t>
+            </a:r>
+            <a:r>
+              <a:rPr lang="en-US" sz="1100" b="1" dirty="0">
+                <a:solidFill>
+                  <a:srgbClr val="FF0000"/>
+                </a:solidFill>
+                <a:latin typeface="Cambria" panose="02040503050406030204" pitchFamily="18" charset="0"/>
+                <a:ea typeface="Cambria" panose="02040503050406030204" pitchFamily="18" charset="0"/>
+              </a:rPr>
+              <a:t>())'dayofyear2',DATEPART (DD,GETDATE())'Day1',</a:t>
+            </a:r>
+          </a:p>
+          <a:p>
+            <a:r>
+              <a:rPr lang="en-US" sz="1100" b="1" dirty="0">
+                <a:solidFill>
+                  <a:srgbClr val="FF0000"/>
+                </a:solidFill>
+                <a:latin typeface="Cambria" panose="02040503050406030204" pitchFamily="18" charset="0"/>
+                <a:ea typeface="Cambria" panose="02040503050406030204" pitchFamily="18" charset="0"/>
+              </a:rPr>
+              <a:t>DATEPART (D,GETDATE())'Day2',DATEPART (WK,GETDATE()) 'Week1',DATEPART (WW,GETDATE())'week2',</a:t>
+            </a:r>
+          </a:p>
+          <a:p>
+            <a:r>
+              <a:rPr lang="en-US" sz="1100" b="1" dirty="0">
+                <a:solidFill>
+                  <a:srgbClr val="FF0000"/>
+                </a:solidFill>
+                <a:latin typeface="Cambria" panose="02040503050406030204" pitchFamily="18" charset="0"/>
+                <a:ea typeface="Cambria" panose="02040503050406030204" pitchFamily="18" charset="0"/>
+              </a:rPr>
+              <a:t>DATEPART (DW,GETDATE()) '</a:t>
+            </a:r>
+            <a:r>
+              <a:rPr lang="en-US" sz="1100" b="1" dirty="0" err="1">
+                <a:solidFill>
+                  <a:srgbClr val="FF0000"/>
+                </a:solidFill>
+                <a:latin typeface="Cambria" panose="02040503050406030204" pitchFamily="18" charset="0"/>
+                <a:ea typeface="Cambria" panose="02040503050406030204" pitchFamily="18" charset="0"/>
+              </a:rPr>
+              <a:t>weekday',DATEPART</a:t>
+            </a:r>
+            <a:r>
+              <a:rPr lang="en-US" sz="1100" b="1" dirty="0">
+                <a:solidFill>
+                  <a:srgbClr val="FF0000"/>
+                </a:solidFill>
+                <a:latin typeface="Cambria" panose="02040503050406030204" pitchFamily="18" charset="0"/>
+                <a:ea typeface="Cambria" panose="02040503050406030204" pitchFamily="18" charset="0"/>
+              </a:rPr>
+              <a:t> (HH,GETDATE())'</a:t>
+            </a:r>
+            <a:r>
+              <a:rPr lang="en-US" sz="1100" b="1" dirty="0" err="1">
+                <a:solidFill>
+                  <a:srgbClr val="FF0000"/>
+                </a:solidFill>
+                <a:latin typeface="Cambria" panose="02040503050406030204" pitchFamily="18" charset="0"/>
+                <a:ea typeface="Cambria" panose="02040503050406030204" pitchFamily="18" charset="0"/>
+              </a:rPr>
+              <a:t>Hour',DATEPART</a:t>
+            </a:r>
+            <a:r>
+              <a:rPr lang="en-US" sz="1100" b="1" dirty="0">
+                <a:solidFill>
+                  <a:srgbClr val="FF0000"/>
+                </a:solidFill>
+                <a:latin typeface="Cambria" panose="02040503050406030204" pitchFamily="18" charset="0"/>
+                <a:ea typeface="Cambria" panose="02040503050406030204" pitchFamily="18" charset="0"/>
+              </a:rPr>
+              <a:t> (MI,GETDATE())'minute1',DATEPART (N,GETDATE())'minute2',</a:t>
+            </a:r>
+          </a:p>
+          <a:p>
+            <a:r>
+              <a:rPr lang="en-US" sz="1100" b="1" dirty="0">
+                <a:solidFill>
+                  <a:srgbClr val="FF0000"/>
+                </a:solidFill>
+                <a:latin typeface="Cambria" panose="02040503050406030204" pitchFamily="18" charset="0"/>
+                <a:ea typeface="Cambria" panose="02040503050406030204" pitchFamily="18" charset="0"/>
+              </a:rPr>
+              <a:t>DATEPART (SS,GETDATE())'second1',DATEPART (S,GETDATE())'second2',DATEPART (MS,GETDATE())'</a:t>
+            </a:r>
+            <a:r>
+              <a:rPr lang="en-US" sz="1100" b="1" dirty="0" err="1">
+                <a:solidFill>
+                  <a:srgbClr val="FF0000"/>
+                </a:solidFill>
+                <a:latin typeface="Cambria" panose="02040503050406030204" pitchFamily="18" charset="0"/>
+                <a:ea typeface="Cambria" panose="02040503050406030204" pitchFamily="18" charset="0"/>
+              </a:rPr>
+              <a:t>Milisecond</a:t>
+            </a:r>
+            <a:r>
+              <a:rPr lang="en-US" sz="1100" b="1" dirty="0">
+                <a:solidFill>
+                  <a:srgbClr val="FF0000"/>
+                </a:solidFill>
+                <a:latin typeface="Cambria" panose="02040503050406030204" pitchFamily="18" charset="0"/>
+                <a:ea typeface="Cambria" panose="02040503050406030204" pitchFamily="18" charset="0"/>
+              </a:rPr>
+              <a:t>'</a:t>
+            </a:r>
+          </a:p>
+        </p:txBody>
+      </p:sp>
+      <p:sp>
+        <p:nvSpPr>
+          <p:cNvPr id="2" name="Rectangle 1"/>
+          <p:cNvSpPr/>
+          <p:nvPr/>
+        </p:nvSpPr>
+        <p:spPr>
+          <a:xfrm>
+            <a:off x="7531793" y="92831"/>
+            <a:ext cx="4245428" cy="5847755"/>
+          </a:xfrm>
+          <a:prstGeom prst="rect">
+            <a:avLst/>
+          </a:prstGeom>
+        </p:spPr>
+        <p:style>
+          <a:lnRef idx="2">
+            <a:schemeClr val="accent1"/>
+          </a:lnRef>
+          <a:fillRef idx="1">
+            <a:schemeClr val="lt1"/>
+          </a:fillRef>
+          <a:effectRef idx="0">
+            <a:schemeClr val="accent1"/>
+          </a:effectRef>
+          <a:fontRef idx="minor">
+            <a:schemeClr val="dk1"/>
+          </a:fontRef>
+        </p:style>
+        <p:txBody>
+          <a:bodyPr wrap="square">
+            <a:spAutoFit/>
+          </a:bodyPr>
+          <a:lstStyle/>
+          <a:p>
+            <a:r>
+              <a:rPr lang="en-US" sz="1100" b="1" dirty="0" smtClean="0">
+                <a:solidFill>
+                  <a:schemeClr val="tx1"/>
+                </a:solidFill>
+                <a:latin typeface="Cambria" panose="02040503050406030204" pitchFamily="18" charset="0"/>
+                <a:ea typeface="Cambria" panose="02040503050406030204" pitchFamily="18" charset="0"/>
+              </a:rPr>
+              <a:t>DATEADD </a:t>
+            </a:r>
+            <a:r>
+              <a:rPr lang="en-US" sz="1100" dirty="0">
+                <a:latin typeface="Cambria" panose="02040503050406030204" pitchFamily="18" charset="0"/>
+                <a:ea typeface="Cambria" panose="02040503050406030204" pitchFamily="18" charset="0"/>
+              </a:rPr>
+              <a:t>Returns a new </a:t>
+            </a:r>
+            <a:r>
+              <a:rPr lang="en-US" sz="1100" dirty="0" err="1">
+                <a:latin typeface="Cambria" panose="02040503050406030204" pitchFamily="18" charset="0"/>
+                <a:ea typeface="Cambria" panose="02040503050406030204" pitchFamily="18" charset="0"/>
+              </a:rPr>
+              <a:t>datetime</a:t>
+            </a:r>
+            <a:r>
+              <a:rPr lang="en-US" sz="1100" dirty="0">
+                <a:latin typeface="Cambria" panose="02040503050406030204" pitchFamily="18" charset="0"/>
+                <a:ea typeface="Cambria" panose="02040503050406030204" pitchFamily="18" charset="0"/>
+              </a:rPr>
+              <a:t> value based on adding an interval to the specified date, </a:t>
+            </a:r>
+            <a:r>
+              <a:rPr lang="en-US" sz="1100" dirty="0" err="1">
+                <a:latin typeface="Cambria" panose="02040503050406030204" pitchFamily="18" charset="0"/>
+                <a:ea typeface="Cambria" panose="02040503050406030204" pitchFamily="18" charset="0"/>
+              </a:rPr>
+              <a:t>datepart</a:t>
+            </a:r>
+            <a:r>
+              <a:rPr lang="en-US" sz="1100" dirty="0">
+                <a:latin typeface="Cambria" panose="02040503050406030204" pitchFamily="18" charset="0"/>
+                <a:ea typeface="Cambria" panose="02040503050406030204" pitchFamily="18" charset="0"/>
+              </a:rPr>
+              <a:t> is the value that has to be added and number is the interval.</a:t>
+            </a:r>
+          </a:p>
+          <a:p>
+            <a:r>
+              <a:rPr lang="en-US" sz="1100" b="1" dirty="0">
+                <a:solidFill>
+                  <a:srgbClr val="FF0000"/>
+                </a:solidFill>
+                <a:latin typeface="Cambria" panose="02040503050406030204" pitchFamily="18" charset="0"/>
+                <a:ea typeface="Cambria" panose="02040503050406030204" pitchFamily="18" charset="0"/>
+              </a:rPr>
+              <a:t>SELECT DATEADD(</a:t>
+            </a:r>
+            <a:r>
+              <a:rPr lang="en-US" sz="1100" b="1" dirty="0" err="1">
+                <a:solidFill>
+                  <a:srgbClr val="FF0000"/>
+                </a:solidFill>
+                <a:latin typeface="Cambria" panose="02040503050406030204" pitchFamily="18" charset="0"/>
+                <a:ea typeface="Cambria" panose="02040503050406030204" pitchFamily="18" charset="0"/>
+              </a:rPr>
+              <a:t>dd</a:t>
+            </a:r>
+            <a:r>
+              <a:rPr lang="en-US" sz="1100" b="1" dirty="0">
+                <a:solidFill>
+                  <a:srgbClr val="FF0000"/>
+                </a:solidFill>
+                <a:latin typeface="Cambria" panose="02040503050406030204" pitchFamily="18" charset="0"/>
+                <a:ea typeface="Cambria" panose="02040503050406030204" pitchFamily="18" charset="0"/>
+              </a:rPr>
+              <a:t>, 30, GETDATE()) --Adds 30 days to GETDATE()</a:t>
+            </a:r>
+          </a:p>
+          <a:p>
+            <a:r>
+              <a:rPr lang="en-US" sz="1100" b="1" dirty="0">
+                <a:solidFill>
+                  <a:srgbClr val="FF0000"/>
+                </a:solidFill>
+                <a:latin typeface="Cambria" panose="02040503050406030204" pitchFamily="18" charset="0"/>
+                <a:ea typeface="Cambria" panose="02040503050406030204" pitchFamily="18" charset="0"/>
+              </a:rPr>
+              <a:t>SELECT DATEADD(mm, 16, GETDATE()) --Adds 16 months to GETDATE</a:t>
+            </a:r>
+            <a:r>
+              <a:rPr lang="en-US" sz="1100" b="1" dirty="0" smtClean="0">
+                <a:solidFill>
+                  <a:srgbClr val="FF0000"/>
+                </a:solidFill>
+                <a:latin typeface="Cambria" panose="02040503050406030204" pitchFamily="18" charset="0"/>
+                <a:ea typeface="Cambria" panose="02040503050406030204" pitchFamily="18" charset="0"/>
+              </a:rPr>
+              <a:t>()</a:t>
+            </a:r>
+          </a:p>
+          <a:p>
+            <a:endParaRPr lang="en-US" sz="1100" b="1" dirty="0">
+              <a:solidFill>
+                <a:srgbClr val="FF0000"/>
+              </a:solidFill>
+              <a:latin typeface="Cambria" panose="02040503050406030204" pitchFamily="18" charset="0"/>
+              <a:ea typeface="Cambria" panose="02040503050406030204" pitchFamily="18" charset="0"/>
+            </a:endParaRPr>
+          </a:p>
+          <a:p>
+            <a:r>
+              <a:rPr lang="en-US" sz="1100" b="1" dirty="0">
+                <a:latin typeface="Cambria" panose="02040503050406030204" pitchFamily="18" charset="0"/>
+                <a:ea typeface="Cambria" panose="02040503050406030204" pitchFamily="18" charset="0"/>
+              </a:rPr>
+              <a:t>-- Tomorrows Date</a:t>
+            </a:r>
+          </a:p>
+          <a:p>
+            <a:r>
+              <a:rPr lang="en-US" sz="1100" b="1" dirty="0">
+                <a:solidFill>
+                  <a:srgbClr val="FF0000"/>
+                </a:solidFill>
+                <a:latin typeface="Cambria" panose="02040503050406030204" pitchFamily="18" charset="0"/>
+                <a:ea typeface="Cambria" panose="02040503050406030204" pitchFamily="18" charset="0"/>
+              </a:rPr>
+              <a:t>SELECT DATEADD (DAY, 1, GETDATE()) AS </a:t>
+            </a:r>
+            <a:r>
+              <a:rPr lang="en-US" sz="1100" b="1" dirty="0" err="1">
+                <a:solidFill>
+                  <a:srgbClr val="FF0000"/>
+                </a:solidFill>
+                <a:latin typeface="Cambria" panose="02040503050406030204" pitchFamily="18" charset="0"/>
+                <a:ea typeface="Cambria" panose="02040503050406030204" pitchFamily="18" charset="0"/>
+              </a:rPr>
+              <a:t>TomorrowDate</a:t>
+            </a:r>
+            <a:r>
+              <a:rPr lang="en-US" sz="1100" b="1" dirty="0">
+                <a:solidFill>
+                  <a:srgbClr val="FF0000"/>
+                </a:solidFill>
+                <a:latin typeface="Cambria" panose="02040503050406030204" pitchFamily="18" charset="0"/>
+                <a:ea typeface="Cambria" panose="02040503050406030204" pitchFamily="18" charset="0"/>
+              </a:rPr>
+              <a:t>;</a:t>
+            </a:r>
+          </a:p>
+          <a:p>
+            <a:r>
+              <a:rPr lang="en-US" sz="1100" b="1" dirty="0">
+                <a:solidFill>
+                  <a:srgbClr val="FF0000"/>
+                </a:solidFill>
+                <a:latin typeface="Cambria" panose="02040503050406030204" pitchFamily="18" charset="0"/>
+                <a:ea typeface="Cambria" panose="02040503050406030204" pitchFamily="18" charset="0"/>
+              </a:rPr>
+              <a:t>SELECT DATEADD (DAY, 1, CAST (GETDATE () AS DATE)) AS </a:t>
+            </a:r>
+            <a:r>
+              <a:rPr lang="en-US" sz="1100" b="1" dirty="0" err="1">
+                <a:solidFill>
+                  <a:srgbClr val="FF0000"/>
+                </a:solidFill>
+                <a:latin typeface="Cambria" panose="02040503050406030204" pitchFamily="18" charset="0"/>
+                <a:ea typeface="Cambria" panose="02040503050406030204" pitchFamily="18" charset="0"/>
+              </a:rPr>
+              <a:t>TomorrowDate</a:t>
+            </a:r>
+            <a:r>
+              <a:rPr lang="en-US" sz="1100" b="1" dirty="0">
+                <a:solidFill>
+                  <a:srgbClr val="FF0000"/>
+                </a:solidFill>
+                <a:latin typeface="Cambria" panose="02040503050406030204" pitchFamily="18" charset="0"/>
+                <a:ea typeface="Cambria" panose="02040503050406030204" pitchFamily="18" charset="0"/>
+              </a:rPr>
+              <a:t>;</a:t>
+            </a:r>
+          </a:p>
+          <a:p>
+            <a:endParaRPr lang="en-US" sz="1100" b="1" dirty="0">
+              <a:solidFill>
+                <a:srgbClr val="FF0000"/>
+              </a:solidFill>
+              <a:latin typeface="Cambria" panose="02040503050406030204" pitchFamily="18" charset="0"/>
+              <a:ea typeface="Cambria" panose="02040503050406030204" pitchFamily="18" charset="0"/>
+            </a:endParaRPr>
+          </a:p>
+          <a:p>
+            <a:r>
+              <a:rPr lang="en-US" sz="1100" b="1" dirty="0">
+                <a:solidFill>
+                  <a:srgbClr val="FF0000"/>
+                </a:solidFill>
+                <a:latin typeface="Cambria" panose="02040503050406030204" pitchFamily="18" charset="0"/>
+                <a:ea typeface="Cambria" panose="02040503050406030204" pitchFamily="18" charset="0"/>
+              </a:rPr>
+              <a:t>DECLARE @Today DATE = GETDATE ();</a:t>
+            </a:r>
+          </a:p>
+          <a:p>
+            <a:r>
+              <a:rPr lang="en-US" sz="1100" b="1" dirty="0">
+                <a:solidFill>
+                  <a:srgbClr val="FF0000"/>
+                </a:solidFill>
+                <a:latin typeface="Cambria" panose="02040503050406030204" pitchFamily="18" charset="0"/>
+                <a:ea typeface="Cambria" panose="02040503050406030204" pitchFamily="18" charset="0"/>
+              </a:rPr>
+              <a:t>SELECT DATEADD (WEEK, -1, @Today) AS </a:t>
+            </a:r>
+            <a:r>
+              <a:rPr lang="en-US" sz="1100" b="1" dirty="0" err="1">
+                <a:solidFill>
+                  <a:srgbClr val="FF0000"/>
+                </a:solidFill>
+                <a:latin typeface="Cambria" panose="02040503050406030204" pitchFamily="18" charset="0"/>
+                <a:ea typeface="Cambria" panose="02040503050406030204" pitchFamily="18" charset="0"/>
+              </a:rPr>
+              <a:t>OneWeekAgo</a:t>
+            </a:r>
+            <a:r>
+              <a:rPr lang="en-US" sz="1100" b="1" dirty="0">
+                <a:solidFill>
+                  <a:srgbClr val="FF0000"/>
+                </a:solidFill>
+                <a:latin typeface="Cambria" panose="02040503050406030204" pitchFamily="18" charset="0"/>
+                <a:ea typeface="Cambria" panose="02040503050406030204" pitchFamily="18" charset="0"/>
+              </a:rPr>
+              <a:t>  --One week ago </a:t>
+            </a:r>
+            <a:r>
+              <a:rPr lang="en-US" sz="1100" b="1" dirty="0" smtClean="0">
+                <a:solidFill>
+                  <a:srgbClr val="FF0000"/>
+                </a:solidFill>
+                <a:latin typeface="Cambria" panose="02040503050406030204" pitchFamily="18" charset="0"/>
+                <a:ea typeface="Cambria" panose="02040503050406030204" pitchFamily="18" charset="0"/>
+              </a:rPr>
+              <a:t>date</a:t>
+            </a:r>
+          </a:p>
+          <a:p>
+            <a:endParaRPr lang="en-US" sz="1100" b="1" dirty="0">
+              <a:solidFill>
+                <a:srgbClr val="FF0000"/>
+              </a:solidFill>
+              <a:latin typeface="Cambria" panose="02040503050406030204" pitchFamily="18" charset="0"/>
+              <a:ea typeface="Cambria" panose="02040503050406030204" pitchFamily="18" charset="0"/>
+            </a:endParaRPr>
+          </a:p>
+          <a:p>
+            <a:r>
+              <a:rPr lang="en-US" sz="1100" b="1" dirty="0" smtClean="0">
+                <a:latin typeface="Cambria" panose="02040503050406030204" pitchFamily="18" charset="0"/>
+                <a:ea typeface="Cambria" panose="02040503050406030204" pitchFamily="18" charset="0"/>
+              </a:rPr>
+              <a:t>-- Using Adventure works database </a:t>
+            </a:r>
+            <a:endParaRPr lang="en-US" sz="1100" b="1" dirty="0">
+              <a:latin typeface="Cambria" panose="02040503050406030204" pitchFamily="18" charset="0"/>
+              <a:ea typeface="Cambria" panose="02040503050406030204" pitchFamily="18" charset="0"/>
+            </a:endParaRPr>
+          </a:p>
+          <a:p>
+            <a:r>
+              <a:rPr lang="en-US" sz="1100" b="1" dirty="0" smtClean="0">
+                <a:solidFill>
+                  <a:srgbClr val="FF0000"/>
+                </a:solidFill>
+                <a:latin typeface="Cambria" panose="02040503050406030204" pitchFamily="18" charset="0"/>
+                <a:ea typeface="Cambria" panose="02040503050406030204" pitchFamily="18" charset="0"/>
+              </a:rPr>
+              <a:t>SELECT</a:t>
+            </a:r>
+            <a:endParaRPr lang="en-US" sz="1100" b="1" dirty="0">
+              <a:solidFill>
+                <a:srgbClr val="FF0000"/>
+              </a:solidFill>
+              <a:latin typeface="Cambria" panose="02040503050406030204" pitchFamily="18" charset="0"/>
+              <a:ea typeface="Cambria" panose="02040503050406030204" pitchFamily="18" charset="0"/>
+            </a:endParaRPr>
+          </a:p>
+          <a:p>
+            <a:r>
+              <a:rPr lang="en-US" sz="1100" b="1" dirty="0">
+                <a:solidFill>
+                  <a:srgbClr val="FF0000"/>
+                </a:solidFill>
+                <a:latin typeface="Cambria" panose="02040503050406030204" pitchFamily="18" charset="0"/>
+                <a:ea typeface="Cambria" panose="02040503050406030204" pitchFamily="18" charset="0"/>
+              </a:rPr>
+              <a:t>    TOP (10) </a:t>
+            </a:r>
+            <a:r>
+              <a:rPr lang="en-US" sz="1100" b="1" dirty="0" err="1">
+                <a:solidFill>
+                  <a:srgbClr val="FF0000"/>
+                </a:solidFill>
+                <a:latin typeface="Cambria" panose="02040503050406030204" pitchFamily="18" charset="0"/>
+                <a:ea typeface="Cambria" panose="02040503050406030204" pitchFamily="18" charset="0"/>
+              </a:rPr>
+              <a:t>SalesOrderDetailID</a:t>
+            </a:r>
+            <a:r>
+              <a:rPr lang="en-US" sz="1100" b="1" dirty="0">
+                <a:solidFill>
+                  <a:srgbClr val="FF0000"/>
+                </a:solidFill>
+                <a:latin typeface="Cambria" panose="02040503050406030204" pitchFamily="18" charset="0"/>
+                <a:ea typeface="Cambria" panose="02040503050406030204" pitchFamily="18" charset="0"/>
+              </a:rPr>
+              <a:t>,</a:t>
+            </a:r>
+          </a:p>
+          <a:p>
+            <a:r>
+              <a:rPr lang="en-US" sz="1100" b="1" dirty="0">
+                <a:solidFill>
+                  <a:srgbClr val="FF0000"/>
+                </a:solidFill>
+                <a:latin typeface="Cambria" panose="02040503050406030204" pitchFamily="18" charset="0"/>
+                <a:ea typeface="Cambria" panose="02040503050406030204" pitchFamily="18" charset="0"/>
+              </a:rPr>
+              <a:t>    </a:t>
+            </a:r>
+            <a:r>
+              <a:rPr lang="en-US" sz="1100" b="1" dirty="0" err="1">
+                <a:solidFill>
+                  <a:srgbClr val="FF0000"/>
+                </a:solidFill>
+                <a:latin typeface="Cambria" panose="02040503050406030204" pitchFamily="18" charset="0"/>
+                <a:ea typeface="Cambria" panose="02040503050406030204" pitchFamily="18" charset="0"/>
+              </a:rPr>
+              <a:t>ModifiedDate</a:t>
+            </a:r>
+            <a:r>
+              <a:rPr lang="en-US" sz="1100" b="1" dirty="0">
+                <a:solidFill>
+                  <a:srgbClr val="FF0000"/>
+                </a:solidFill>
+                <a:latin typeface="Cambria" panose="02040503050406030204" pitchFamily="18" charset="0"/>
+                <a:ea typeface="Cambria" panose="02040503050406030204" pitchFamily="18" charset="0"/>
+              </a:rPr>
+              <a:t>, </a:t>
+            </a:r>
+          </a:p>
+          <a:p>
+            <a:r>
+              <a:rPr lang="en-US" sz="1100" b="1" dirty="0">
+                <a:solidFill>
+                  <a:srgbClr val="FF0000"/>
+                </a:solidFill>
+                <a:latin typeface="Cambria" panose="02040503050406030204" pitchFamily="18" charset="0"/>
+                <a:ea typeface="Cambria" panose="02040503050406030204" pitchFamily="18" charset="0"/>
+              </a:rPr>
+              <a:t>    DATEADD (DAY, </a:t>
+            </a:r>
+            <a:r>
+              <a:rPr lang="en-US" sz="1100" b="1" dirty="0" err="1">
+                <a:solidFill>
+                  <a:srgbClr val="FF0000"/>
+                </a:solidFill>
+                <a:latin typeface="Cambria" panose="02040503050406030204" pitchFamily="18" charset="0"/>
+                <a:ea typeface="Cambria" panose="02040503050406030204" pitchFamily="18" charset="0"/>
+              </a:rPr>
+              <a:t>SalesOrderDetailID</a:t>
+            </a:r>
+            <a:r>
+              <a:rPr lang="en-US" sz="1100" b="1" dirty="0">
+                <a:solidFill>
+                  <a:srgbClr val="FF0000"/>
+                </a:solidFill>
+                <a:latin typeface="Cambria" panose="02040503050406030204" pitchFamily="18" charset="0"/>
+                <a:ea typeface="Cambria" panose="02040503050406030204" pitchFamily="18" charset="0"/>
+              </a:rPr>
+              <a:t>, </a:t>
+            </a:r>
+            <a:r>
+              <a:rPr lang="en-US" sz="1100" b="1" dirty="0" err="1">
+                <a:solidFill>
+                  <a:srgbClr val="FF0000"/>
+                </a:solidFill>
+                <a:latin typeface="Cambria" panose="02040503050406030204" pitchFamily="18" charset="0"/>
+                <a:ea typeface="Cambria" panose="02040503050406030204" pitchFamily="18" charset="0"/>
+              </a:rPr>
+              <a:t>ModifiedDate</a:t>
+            </a:r>
+            <a:r>
+              <a:rPr lang="en-US" sz="1100" b="1" dirty="0">
+                <a:solidFill>
+                  <a:srgbClr val="FF0000"/>
+                </a:solidFill>
+                <a:latin typeface="Cambria" panose="02040503050406030204" pitchFamily="18" charset="0"/>
+                <a:ea typeface="Cambria" panose="02040503050406030204" pitchFamily="18" charset="0"/>
+              </a:rPr>
+              <a:t>) AS </a:t>
+            </a:r>
+            <a:r>
+              <a:rPr lang="en-US" sz="1100" b="1" dirty="0" err="1">
+                <a:solidFill>
+                  <a:srgbClr val="FF0000"/>
+                </a:solidFill>
+                <a:latin typeface="Cambria" panose="02040503050406030204" pitchFamily="18" charset="0"/>
+                <a:ea typeface="Cambria" panose="02040503050406030204" pitchFamily="18" charset="0"/>
+              </a:rPr>
+              <a:t>NewDate</a:t>
+            </a:r>
+            <a:endParaRPr lang="en-US" sz="1100" b="1" dirty="0">
+              <a:solidFill>
+                <a:srgbClr val="FF0000"/>
+              </a:solidFill>
+              <a:latin typeface="Cambria" panose="02040503050406030204" pitchFamily="18" charset="0"/>
+              <a:ea typeface="Cambria" panose="02040503050406030204" pitchFamily="18" charset="0"/>
+            </a:endParaRPr>
+          </a:p>
+          <a:p>
+            <a:r>
+              <a:rPr lang="en-US" sz="1100" b="1" dirty="0">
+                <a:solidFill>
+                  <a:srgbClr val="FF0000"/>
+                </a:solidFill>
+                <a:latin typeface="Cambria" panose="02040503050406030204" pitchFamily="18" charset="0"/>
+                <a:ea typeface="Cambria" panose="02040503050406030204" pitchFamily="18" charset="0"/>
+              </a:rPr>
+              <a:t>FROM </a:t>
+            </a:r>
+            <a:r>
+              <a:rPr lang="en-US" sz="1100" b="1" dirty="0" err="1">
+                <a:solidFill>
+                  <a:srgbClr val="FF0000"/>
+                </a:solidFill>
+                <a:latin typeface="Cambria" panose="02040503050406030204" pitchFamily="18" charset="0"/>
+                <a:ea typeface="Cambria" panose="02040503050406030204" pitchFamily="18" charset="0"/>
+              </a:rPr>
+              <a:t>Sales.SalesOrderDetail</a:t>
+            </a:r>
+            <a:endParaRPr lang="en-US" sz="1100" b="1" dirty="0">
+              <a:solidFill>
+                <a:srgbClr val="FF0000"/>
+              </a:solidFill>
+              <a:latin typeface="Cambria" panose="02040503050406030204" pitchFamily="18" charset="0"/>
+              <a:ea typeface="Cambria" panose="02040503050406030204" pitchFamily="18" charset="0"/>
+            </a:endParaRPr>
+          </a:p>
+          <a:p>
+            <a:r>
+              <a:rPr lang="en-US" sz="1100" b="1" dirty="0">
+                <a:solidFill>
+                  <a:srgbClr val="FF0000"/>
+                </a:solidFill>
+                <a:latin typeface="Cambria" panose="02040503050406030204" pitchFamily="18" charset="0"/>
+                <a:ea typeface="Cambria" panose="02040503050406030204" pitchFamily="18" charset="0"/>
+              </a:rPr>
+              <a:t>ORDER BY </a:t>
+            </a:r>
+            <a:r>
+              <a:rPr lang="en-US" sz="1100" b="1" dirty="0" err="1">
+                <a:solidFill>
+                  <a:srgbClr val="FF0000"/>
+                </a:solidFill>
+                <a:latin typeface="Cambria" panose="02040503050406030204" pitchFamily="18" charset="0"/>
+                <a:ea typeface="Cambria" panose="02040503050406030204" pitchFamily="18" charset="0"/>
+              </a:rPr>
+              <a:t>SalesOrderDetailID</a:t>
+            </a:r>
+            <a:r>
+              <a:rPr lang="en-US" sz="1100" b="1" dirty="0">
+                <a:solidFill>
+                  <a:srgbClr val="FF0000"/>
+                </a:solidFill>
+                <a:latin typeface="Cambria" panose="02040503050406030204" pitchFamily="18" charset="0"/>
+                <a:ea typeface="Cambria" panose="02040503050406030204" pitchFamily="18" charset="0"/>
+              </a:rPr>
+              <a:t> </a:t>
+            </a:r>
+            <a:r>
+              <a:rPr lang="en-US" sz="1100" b="1" dirty="0" smtClean="0">
+                <a:solidFill>
+                  <a:srgbClr val="FF0000"/>
+                </a:solidFill>
+                <a:latin typeface="Cambria" panose="02040503050406030204" pitchFamily="18" charset="0"/>
+                <a:ea typeface="Cambria" panose="02040503050406030204" pitchFamily="18" charset="0"/>
+              </a:rPr>
+              <a:t>ASC</a:t>
+            </a:r>
+          </a:p>
+          <a:p>
+            <a:endParaRPr lang="en-US" sz="1100" b="1" dirty="0">
+              <a:solidFill>
+                <a:srgbClr val="FF0000"/>
+              </a:solidFill>
+              <a:latin typeface="Cambria" panose="02040503050406030204" pitchFamily="18" charset="0"/>
+              <a:ea typeface="Cambria" panose="02040503050406030204" pitchFamily="18" charset="0"/>
+            </a:endParaRPr>
+          </a:p>
+          <a:p>
+            <a:r>
+              <a:rPr lang="en-US" sz="1100" b="1" dirty="0">
+                <a:latin typeface="Cambria" panose="02040503050406030204" pitchFamily="18" charset="0"/>
+                <a:ea typeface="Cambria" panose="02040503050406030204" pitchFamily="18" charset="0"/>
+              </a:rPr>
+              <a:t>-- Count Days starting forgiven Date</a:t>
+            </a:r>
+          </a:p>
+          <a:p>
+            <a:r>
+              <a:rPr lang="en-US" sz="1100" b="1" dirty="0">
+                <a:solidFill>
+                  <a:srgbClr val="FF0000"/>
+                </a:solidFill>
+                <a:latin typeface="Cambria" panose="02040503050406030204" pitchFamily="18" charset="0"/>
+                <a:ea typeface="Cambria" panose="02040503050406030204" pitchFamily="18" charset="0"/>
+              </a:rPr>
+              <a:t>DECLARE @</a:t>
+            </a:r>
+            <a:r>
+              <a:rPr lang="en-US" sz="1100" b="1" dirty="0" err="1">
+                <a:solidFill>
+                  <a:srgbClr val="FF0000"/>
+                </a:solidFill>
+                <a:latin typeface="Cambria" panose="02040503050406030204" pitchFamily="18" charset="0"/>
+                <a:ea typeface="Cambria" panose="02040503050406030204" pitchFamily="18" charset="0"/>
+              </a:rPr>
+              <a:t>DaysYTD</a:t>
+            </a:r>
+            <a:r>
+              <a:rPr lang="en-US" sz="1100" b="1" dirty="0">
+                <a:solidFill>
+                  <a:srgbClr val="FF0000"/>
+                </a:solidFill>
+                <a:latin typeface="Cambria" panose="02040503050406030204" pitchFamily="18" charset="0"/>
+                <a:ea typeface="Cambria" panose="02040503050406030204" pitchFamily="18" charset="0"/>
+              </a:rPr>
+              <a:t> SMALLINT</a:t>
+            </a:r>
+          </a:p>
+          <a:p>
+            <a:r>
+              <a:rPr lang="en-US" sz="1100" b="1" dirty="0">
+                <a:solidFill>
+                  <a:srgbClr val="FF0000"/>
+                </a:solidFill>
+                <a:latin typeface="Cambria" panose="02040503050406030204" pitchFamily="18" charset="0"/>
+                <a:ea typeface="Cambria" panose="02040503050406030204" pitchFamily="18" charset="0"/>
+              </a:rPr>
+              <a:t>SELECT @</a:t>
+            </a:r>
+            <a:r>
+              <a:rPr lang="en-US" sz="1100" b="1" dirty="0" err="1">
+                <a:solidFill>
+                  <a:srgbClr val="FF0000"/>
+                </a:solidFill>
+                <a:latin typeface="Cambria" panose="02040503050406030204" pitchFamily="18" charset="0"/>
+                <a:ea typeface="Cambria" panose="02040503050406030204" pitchFamily="18" charset="0"/>
+              </a:rPr>
+              <a:t>DaysYTD</a:t>
+            </a:r>
+            <a:r>
+              <a:rPr lang="en-US" sz="1100" b="1" dirty="0">
+                <a:solidFill>
+                  <a:srgbClr val="FF0000"/>
+                </a:solidFill>
+                <a:latin typeface="Cambria" panose="02040503050406030204" pitchFamily="18" charset="0"/>
+                <a:ea typeface="Cambria" panose="02040503050406030204" pitchFamily="18" charset="0"/>
+              </a:rPr>
+              <a:t> = DATEDIFF (DAY, '1/1/2023', GETDATE()) + 1 </a:t>
+            </a:r>
+          </a:p>
+          <a:p>
+            <a:r>
+              <a:rPr lang="en-US" sz="1100" b="1" dirty="0">
+                <a:solidFill>
+                  <a:srgbClr val="FF0000"/>
+                </a:solidFill>
+                <a:latin typeface="Cambria" panose="02040503050406030204" pitchFamily="18" charset="0"/>
+                <a:ea typeface="Cambria" panose="02040503050406030204" pitchFamily="18" charset="0"/>
+              </a:rPr>
+              <a:t>SELECT @</a:t>
+            </a:r>
+            <a:r>
+              <a:rPr lang="en-US" sz="1100" b="1" dirty="0" err="1">
+                <a:solidFill>
+                  <a:srgbClr val="FF0000"/>
+                </a:solidFill>
+                <a:latin typeface="Cambria" panose="02040503050406030204" pitchFamily="18" charset="0"/>
+                <a:ea typeface="Cambria" panose="02040503050406030204" pitchFamily="18" charset="0"/>
+              </a:rPr>
+              <a:t>DaysYTD</a:t>
+            </a:r>
+            <a:r>
+              <a:rPr lang="en-US" sz="1100" b="1" dirty="0">
+                <a:solidFill>
+                  <a:srgbClr val="FF0000"/>
+                </a:solidFill>
+                <a:latin typeface="Cambria" panose="02040503050406030204" pitchFamily="18" charset="0"/>
+                <a:ea typeface="Cambria" panose="02040503050406030204" pitchFamily="18" charset="0"/>
+              </a:rPr>
+              <a:t> AS </a:t>
+            </a:r>
+            <a:r>
+              <a:rPr lang="en-US" sz="1100" b="1" dirty="0" err="1" smtClean="0">
+                <a:solidFill>
+                  <a:srgbClr val="FF0000"/>
+                </a:solidFill>
+                <a:latin typeface="Cambria" panose="02040503050406030204" pitchFamily="18" charset="0"/>
+                <a:ea typeface="Cambria" panose="02040503050406030204" pitchFamily="18" charset="0"/>
+              </a:rPr>
+              <a:t>DaysYTD</a:t>
+            </a:r>
+            <a:endParaRPr lang="en-US" sz="1100" b="1" dirty="0" smtClean="0">
+              <a:solidFill>
+                <a:srgbClr val="FF0000"/>
+              </a:solidFill>
+              <a:latin typeface="Cambria" panose="02040503050406030204" pitchFamily="18" charset="0"/>
+              <a:ea typeface="Cambria" panose="02040503050406030204" pitchFamily="18" charset="0"/>
+            </a:endParaRPr>
+          </a:p>
+          <a:p>
+            <a:endParaRPr lang="en-US" sz="1100" b="1" dirty="0">
+              <a:solidFill>
+                <a:srgbClr val="FF0000"/>
+              </a:solidFill>
+              <a:latin typeface="Cambria" panose="02040503050406030204" pitchFamily="18" charset="0"/>
+              <a:ea typeface="Cambria" panose="02040503050406030204" pitchFamily="18" charset="0"/>
+            </a:endParaRPr>
+          </a:p>
+          <a:p>
+            <a:r>
+              <a:rPr lang="en-US" sz="1100" b="1" dirty="0">
+                <a:latin typeface="Cambria" panose="02040503050406030204" pitchFamily="18" charset="0"/>
+                <a:ea typeface="Cambria" panose="02040503050406030204" pitchFamily="18" charset="0"/>
+              </a:rPr>
+              <a:t>-- </a:t>
+            </a:r>
+            <a:r>
+              <a:rPr lang="en-US" sz="1100" b="1" dirty="0" smtClean="0">
+                <a:latin typeface="Cambria" panose="02040503050406030204" pitchFamily="18" charset="0"/>
+                <a:ea typeface="Cambria" panose="02040503050406030204" pitchFamily="18" charset="0"/>
+              </a:rPr>
+              <a:t>Count Day’s of the year starting from1 Jan </a:t>
+            </a:r>
+            <a:endParaRPr lang="en-US" sz="1100" b="1" dirty="0">
+              <a:solidFill>
+                <a:srgbClr val="FF0000"/>
+              </a:solidFill>
+              <a:latin typeface="Cambria" panose="02040503050406030204" pitchFamily="18" charset="0"/>
+              <a:ea typeface="Cambria" panose="02040503050406030204" pitchFamily="18" charset="0"/>
+            </a:endParaRPr>
+          </a:p>
+          <a:p>
+            <a:r>
+              <a:rPr lang="en-US" sz="1100" b="1" dirty="0">
+                <a:solidFill>
+                  <a:srgbClr val="FF0000"/>
+                </a:solidFill>
+                <a:latin typeface="Cambria" panose="02040503050406030204" pitchFamily="18" charset="0"/>
+                <a:ea typeface="Cambria" panose="02040503050406030204" pitchFamily="18" charset="0"/>
+              </a:rPr>
+              <a:t>SELECT DATEPART (DAYOFYEAR, GETDATE ()) AS </a:t>
+            </a:r>
+            <a:r>
+              <a:rPr lang="en-US" sz="1100" b="1" dirty="0" err="1">
+                <a:solidFill>
+                  <a:srgbClr val="FF0000"/>
+                </a:solidFill>
+                <a:latin typeface="Cambria" panose="02040503050406030204" pitchFamily="18" charset="0"/>
+                <a:ea typeface="Cambria" panose="02040503050406030204" pitchFamily="18" charset="0"/>
+              </a:rPr>
+              <a:t>DaysYTD</a:t>
+            </a:r>
+            <a:endParaRPr lang="en-US" sz="1100" b="1" dirty="0">
+              <a:solidFill>
+                <a:srgbClr val="FF0000"/>
+              </a:solidFill>
+              <a:latin typeface="Cambria" panose="02040503050406030204" pitchFamily="18" charset="0"/>
+              <a:ea typeface="Cambria" panose="02040503050406030204" pitchFamily="18" charset="0"/>
+            </a:endParaRPr>
+          </a:p>
+        </p:txBody>
+      </p:sp>
+      <p:sp>
+        <p:nvSpPr>
+          <p:cNvPr id="3" name="Rectangle 2"/>
+          <p:cNvSpPr/>
+          <p:nvPr/>
+        </p:nvSpPr>
+        <p:spPr>
+          <a:xfrm>
+            <a:off x="288947" y="3589581"/>
+            <a:ext cx="2687335" cy="2800767"/>
+          </a:xfrm>
+          <a:prstGeom prst="rect">
+            <a:avLst/>
+          </a:prstGeom>
+        </p:spPr>
+        <p:style>
+          <a:lnRef idx="2">
+            <a:schemeClr val="accent1"/>
+          </a:lnRef>
+          <a:fillRef idx="1">
+            <a:schemeClr val="lt1"/>
+          </a:fillRef>
+          <a:effectRef idx="0">
+            <a:schemeClr val="accent1"/>
+          </a:effectRef>
+          <a:fontRef idx="minor">
+            <a:schemeClr val="dk1"/>
+          </a:fontRef>
+        </p:style>
+        <p:txBody>
+          <a:bodyPr wrap="square">
+            <a:spAutoFit/>
+          </a:bodyPr>
+          <a:lstStyle/>
+          <a:p>
+            <a:r>
+              <a:rPr lang="en-US" sz="1100" b="1" dirty="0">
+                <a:solidFill>
+                  <a:schemeClr val="tx1"/>
+                </a:solidFill>
+                <a:latin typeface="Cambria" panose="02040503050406030204" pitchFamily="18" charset="0"/>
+                <a:ea typeface="Cambria" panose="02040503050406030204" pitchFamily="18" charset="0"/>
+              </a:rPr>
+              <a:t>DATEDIFF:- </a:t>
+            </a:r>
+            <a:r>
+              <a:rPr lang="en-US" sz="1100" dirty="0">
+                <a:latin typeface="Cambria" panose="02040503050406030204" pitchFamily="18" charset="0"/>
+                <a:ea typeface="Cambria" panose="02040503050406030204" pitchFamily="18" charset="0"/>
+              </a:rPr>
+              <a:t>Returns the difference between the start and end dates in the give </a:t>
+            </a:r>
+            <a:r>
+              <a:rPr lang="en-US" sz="1100" dirty="0" err="1">
+                <a:latin typeface="Cambria" panose="02040503050406030204" pitchFamily="18" charset="0"/>
+                <a:ea typeface="Cambria" panose="02040503050406030204" pitchFamily="18" charset="0"/>
+              </a:rPr>
+              <a:t>datepart</a:t>
+            </a:r>
+            <a:r>
+              <a:rPr lang="en-US" sz="1100" dirty="0">
+                <a:latin typeface="Cambria" panose="02040503050406030204" pitchFamily="18" charset="0"/>
+                <a:ea typeface="Cambria" panose="02040503050406030204" pitchFamily="18" charset="0"/>
+              </a:rPr>
+              <a:t> format</a:t>
+            </a:r>
+            <a:r>
+              <a:rPr lang="en-US" sz="1100" dirty="0" smtClean="0">
+                <a:latin typeface="Cambria" panose="02040503050406030204" pitchFamily="18" charset="0"/>
+                <a:ea typeface="Cambria" panose="02040503050406030204" pitchFamily="18" charset="0"/>
+              </a:rPr>
+              <a:t>.</a:t>
+            </a:r>
+            <a:endParaRPr lang="en-US" sz="1100" b="1" dirty="0" smtClean="0">
+              <a:solidFill>
+                <a:srgbClr val="FF0000"/>
+              </a:solidFill>
+              <a:latin typeface="Cambria" panose="02040503050406030204" pitchFamily="18" charset="0"/>
+              <a:ea typeface="Cambria" panose="02040503050406030204" pitchFamily="18" charset="0"/>
+            </a:endParaRPr>
+          </a:p>
+          <a:p>
+            <a:r>
+              <a:rPr lang="en-US" sz="1100" b="1" dirty="0" smtClean="0">
+                <a:solidFill>
+                  <a:srgbClr val="FF0000"/>
+                </a:solidFill>
+                <a:latin typeface="Cambria" panose="02040503050406030204" pitchFamily="18" charset="0"/>
+                <a:ea typeface="Cambria" panose="02040503050406030204" pitchFamily="18" charset="0"/>
+              </a:rPr>
+              <a:t>SELECT </a:t>
+            </a:r>
+            <a:r>
+              <a:rPr lang="en-US" sz="1100" b="1" dirty="0">
+                <a:solidFill>
+                  <a:srgbClr val="FF0000"/>
+                </a:solidFill>
+                <a:latin typeface="Cambria" panose="02040503050406030204" pitchFamily="18" charset="0"/>
+                <a:ea typeface="Cambria" panose="02040503050406030204" pitchFamily="18" charset="0"/>
+              </a:rPr>
+              <a:t>DATEDIFF(</a:t>
+            </a:r>
+            <a:r>
+              <a:rPr lang="en-US" sz="1100" b="1" dirty="0" err="1">
+                <a:solidFill>
+                  <a:srgbClr val="FF0000"/>
+                </a:solidFill>
+                <a:latin typeface="Cambria" panose="02040503050406030204" pitchFamily="18" charset="0"/>
+                <a:ea typeface="Cambria" panose="02040503050406030204" pitchFamily="18" charset="0"/>
+              </a:rPr>
+              <a:t>yy</a:t>
+            </a:r>
+            <a:r>
+              <a:rPr lang="en-US" sz="1100" b="1" dirty="0">
+                <a:solidFill>
+                  <a:srgbClr val="FF0000"/>
+                </a:solidFill>
+                <a:latin typeface="Cambria" panose="02040503050406030204" pitchFamily="18" charset="0"/>
+                <a:ea typeface="Cambria" panose="02040503050406030204" pitchFamily="18" charset="0"/>
+              </a:rPr>
+              <a:t>, '10/24/78', GETDATE())</a:t>
+            </a:r>
+          </a:p>
+          <a:p>
+            <a:endParaRPr lang="en-US" sz="1100" b="1" dirty="0">
+              <a:solidFill>
+                <a:srgbClr val="FF0000"/>
+              </a:solidFill>
+              <a:latin typeface="Cambria" panose="02040503050406030204" pitchFamily="18" charset="0"/>
+              <a:ea typeface="Cambria" panose="02040503050406030204" pitchFamily="18" charset="0"/>
+            </a:endParaRPr>
+          </a:p>
+          <a:p>
+            <a:r>
+              <a:rPr lang="en-US" sz="1100" dirty="0">
+                <a:latin typeface="Cambria" panose="02040503050406030204" pitchFamily="18" charset="0"/>
+                <a:ea typeface="Cambria" panose="02040503050406030204" pitchFamily="18" charset="0"/>
+              </a:rPr>
+              <a:t>Suppose we need to </a:t>
+            </a:r>
+            <a:r>
+              <a:rPr lang="en-US" sz="1100" dirty="0" err="1">
+                <a:latin typeface="Cambria" panose="02040503050406030204" pitchFamily="18" charset="0"/>
+                <a:ea typeface="Cambria" panose="02040503050406030204" pitchFamily="18" charset="0"/>
+              </a:rPr>
+              <a:t>exatrct</a:t>
+            </a:r>
+            <a:r>
+              <a:rPr lang="en-US" sz="1100" dirty="0">
+                <a:latin typeface="Cambria" panose="02040503050406030204" pitchFamily="18" charset="0"/>
+                <a:ea typeface="Cambria" panose="02040503050406030204" pitchFamily="18" charset="0"/>
+              </a:rPr>
+              <a:t> details as per the start and end date </a:t>
+            </a:r>
+            <a:endParaRPr lang="en-US" sz="1100" dirty="0" smtClean="0">
+              <a:latin typeface="Cambria" panose="02040503050406030204" pitchFamily="18" charset="0"/>
+              <a:ea typeface="Cambria" panose="02040503050406030204" pitchFamily="18" charset="0"/>
+            </a:endParaRPr>
+          </a:p>
+          <a:p>
+            <a:r>
+              <a:rPr lang="en-US" sz="1100" b="1" dirty="0">
+                <a:solidFill>
+                  <a:schemeClr val="tx1"/>
+                </a:solidFill>
+                <a:latin typeface="Cambria" panose="02040503050406030204" pitchFamily="18" charset="0"/>
+                <a:ea typeface="Cambria" panose="02040503050406030204" pitchFamily="18" charset="0"/>
+              </a:rPr>
+              <a:t>--Start Date</a:t>
+            </a:r>
+          </a:p>
+          <a:p>
+            <a:r>
+              <a:rPr lang="en-US" sz="1100" b="1" dirty="0">
+                <a:solidFill>
+                  <a:srgbClr val="FF0000"/>
+                </a:solidFill>
+                <a:latin typeface="Cambria" panose="02040503050406030204" pitchFamily="18" charset="0"/>
+                <a:ea typeface="Cambria" panose="02040503050406030204" pitchFamily="18" charset="0"/>
+              </a:rPr>
+              <a:t>SELECT DATEADD(</a:t>
+            </a:r>
+            <a:r>
+              <a:rPr lang="en-US" sz="1100" b="1" dirty="0" err="1">
+                <a:solidFill>
+                  <a:srgbClr val="FF0000"/>
+                </a:solidFill>
+                <a:latin typeface="Cambria" panose="02040503050406030204" pitchFamily="18" charset="0"/>
+                <a:ea typeface="Cambria" panose="02040503050406030204" pitchFamily="18" charset="0"/>
+              </a:rPr>
+              <a:t>dd,DATEDIFF</a:t>
+            </a:r>
+            <a:r>
+              <a:rPr lang="en-US" sz="1100" b="1" dirty="0">
+                <a:solidFill>
+                  <a:srgbClr val="FF0000"/>
+                </a:solidFill>
+                <a:latin typeface="Cambria" panose="02040503050406030204" pitchFamily="18" charset="0"/>
+                <a:ea typeface="Cambria" panose="02040503050406030204" pitchFamily="18" charset="0"/>
+              </a:rPr>
+              <a:t>(dd,0,DATEADD(mm,-3,GETDATE())),0</a:t>
+            </a:r>
+            <a:r>
+              <a:rPr lang="en-US" sz="1100" b="1" dirty="0" smtClean="0">
+                <a:solidFill>
+                  <a:srgbClr val="FF0000"/>
+                </a:solidFill>
+                <a:latin typeface="Cambria" panose="02040503050406030204" pitchFamily="18" charset="0"/>
+                <a:ea typeface="Cambria" panose="02040503050406030204" pitchFamily="18" charset="0"/>
+              </a:rPr>
+              <a:t>)</a:t>
+            </a:r>
+            <a:endParaRPr lang="en-US" sz="1100" b="1" dirty="0">
+              <a:solidFill>
+                <a:srgbClr val="FF0000"/>
+              </a:solidFill>
+              <a:latin typeface="Cambria" panose="02040503050406030204" pitchFamily="18" charset="0"/>
+              <a:ea typeface="Cambria" panose="02040503050406030204" pitchFamily="18" charset="0"/>
+            </a:endParaRPr>
+          </a:p>
+          <a:p>
+            <a:r>
+              <a:rPr lang="en-US" sz="1100" b="1" dirty="0">
+                <a:solidFill>
+                  <a:schemeClr val="tx1"/>
+                </a:solidFill>
+                <a:latin typeface="Cambria" panose="02040503050406030204" pitchFamily="18" charset="0"/>
+                <a:ea typeface="Cambria" panose="02040503050406030204" pitchFamily="18" charset="0"/>
+              </a:rPr>
+              <a:t>--end date</a:t>
+            </a:r>
+          </a:p>
+          <a:p>
+            <a:r>
+              <a:rPr lang="en-US" sz="1100" b="1" dirty="0" smtClean="0">
+                <a:solidFill>
+                  <a:srgbClr val="FF0000"/>
+                </a:solidFill>
+                <a:latin typeface="Cambria" panose="02040503050406030204" pitchFamily="18" charset="0"/>
+                <a:ea typeface="Cambria" panose="02040503050406030204" pitchFamily="18" charset="0"/>
+              </a:rPr>
+              <a:t>SELECT </a:t>
+            </a:r>
+            <a:r>
+              <a:rPr lang="en-US" sz="1100" b="1" dirty="0">
+                <a:solidFill>
+                  <a:srgbClr val="FF0000"/>
+                </a:solidFill>
+                <a:latin typeface="Cambria" panose="02040503050406030204" pitchFamily="18" charset="0"/>
+                <a:ea typeface="Cambria" panose="02040503050406030204" pitchFamily="18" charset="0"/>
+              </a:rPr>
+              <a:t>DATEADD(</a:t>
+            </a:r>
+            <a:r>
+              <a:rPr lang="en-US" sz="1100" b="1" dirty="0" err="1">
+                <a:solidFill>
+                  <a:srgbClr val="FF0000"/>
+                </a:solidFill>
+                <a:latin typeface="Cambria" panose="02040503050406030204" pitchFamily="18" charset="0"/>
+                <a:ea typeface="Cambria" panose="02040503050406030204" pitchFamily="18" charset="0"/>
+              </a:rPr>
+              <a:t>dd,DATEDIFF</a:t>
+            </a:r>
+            <a:r>
+              <a:rPr lang="en-US" sz="1100" b="1" dirty="0">
+                <a:solidFill>
+                  <a:srgbClr val="FF0000"/>
+                </a:solidFill>
+                <a:latin typeface="Cambria" panose="02040503050406030204" pitchFamily="18" charset="0"/>
+                <a:ea typeface="Cambria" panose="02040503050406030204" pitchFamily="18" charset="0"/>
+              </a:rPr>
+              <a:t>(dd,0,GETDATE()),0</a:t>
+            </a:r>
+            <a:r>
+              <a:rPr lang="en-US" sz="1100" b="1" dirty="0" smtClean="0">
+                <a:solidFill>
+                  <a:srgbClr val="FF0000"/>
+                </a:solidFill>
+                <a:latin typeface="Cambria" panose="02040503050406030204" pitchFamily="18" charset="0"/>
+                <a:ea typeface="Cambria" panose="02040503050406030204" pitchFamily="18" charset="0"/>
+              </a:rPr>
+              <a:t>)</a:t>
+            </a:r>
+            <a:endParaRPr lang="en-US" sz="1100" b="1" dirty="0">
+              <a:solidFill>
+                <a:srgbClr val="FF0000"/>
+              </a:solidFill>
+              <a:latin typeface="Cambria" panose="02040503050406030204" pitchFamily="18" charset="0"/>
+              <a:ea typeface="Cambria" panose="02040503050406030204" pitchFamily="18" charset="0"/>
+            </a:endParaRPr>
+          </a:p>
+        </p:txBody>
+      </p:sp>
+    </p:spTree>
+    <p:extLst>
+      <p:ext uri="{BB962C8B-B14F-4D97-AF65-F5344CB8AC3E}">
+        <p14:creationId xmlns:p14="http://schemas.microsoft.com/office/powerpoint/2010/main" val="4245299625"/>
       </p:ext>
     </p:extLst>
   </p:cSld>
@@ -25039,6 +27845,6281 @@
       </p:par>
     </p:tnLst>
   </p:timing>
+</p:sld>
+</file>
+
+<file path=ppt/slides/slide20.xml><?xml version="1.0" encoding="utf-8"?>
+<p:sld xmlns:a="http://schemas.openxmlformats.org/drawingml/2006/main" xmlns:r="http://schemas.openxmlformats.org/officeDocument/2006/relationships" xmlns:p="http://schemas.openxmlformats.org/presentationml/2006/main">
+  <p:cSld>
+    <p:spTree>
+      <p:nvGrpSpPr>
+        <p:cNvPr id="1" name=""/>
+        <p:cNvGrpSpPr/>
+        <p:nvPr/>
+      </p:nvGrpSpPr>
+      <p:grpSpPr>
+        <a:xfrm>
+          <a:off x="0" y="0"/>
+          <a:ext cx="0" cy="0"/>
+          <a:chOff x="0" y="0"/>
+          <a:chExt cx="0" cy="0"/>
+        </a:xfrm>
+      </p:grpSpPr>
+      <p:sp>
+        <p:nvSpPr>
+          <p:cNvPr id="7" name="Rectangle 6"/>
+          <p:cNvSpPr/>
+          <p:nvPr/>
+        </p:nvSpPr>
+        <p:spPr>
+          <a:xfrm>
+            <a:off x="270062" y="74991"/>
+            <a:ext cx="4318268" cy="5524589"/>
+          </a:xfrm>
+          <a:prstGeom prst="rect">
+            <a:avLst/>
+          </a:prstGeom>
+        </p:spPr>
+        <p:style>
+          <a:lnRef idx="2">
+            <a:schemeClr val="accent1"/>
+          </a:lnRef>
+          <a:fillRef idx="1">
+            <a:schemeClr val="lt1"/>
+          </a:fillRef>
+          <a:effectRef idx="0">
+            <a:schemeClr val="accent1"/>
+          </a:effectRef>
+          <a:fontRef idx="minor">
+            <a:schemeClr val="dk1"/>
+          </a:fontRef>
+        </p:style>
+        <p:txBody>
+          <a:bodyPr wrap="square">
+            <a:spAutoFit/>
+          </a:bodyPr>
+          <a:lstStyle/>
+          <a:p>
+            <a:r>
+              <a:rPr lang="en-US" sz="1200" b="1" i="1" u="sng" dirty="0" smtClean="0">
+                <a:latin typeface="Cambria" panose="02040503050406030204" pitchFamily="18" charset="0"/>
+                <a:ea typeface="Cambria" panose="02040503050406030204" pitchFamily="18" charset="0"/>
+              </a:rPr>
+              <a:t>4) Conversion </a:t>
+            </a:r>
+            <a:r>
+              <a:rPr lang="en-US" sz="1200" b="1" i="1" u="sng" dirty="0">
+                <a:latin typeface="Cambria" panose="02040503050406030204" pitchFamily="18" charset="0"/>
+                <a:ea typeface="Cambria" panose="02040503050406030204" pitchFamily="18" charset="0"/>
+              </a:rPr>
+              <a:t>Functions</a:t>
+            </a:r>
+            <a:r>
+              <a:rPr lang="en-US" sz="1100" b="1" dirty="0"/>
+              <a:t>:</a:t>
+            </a:r>
+            <a:r>
+              <a:rPr lang="en-US" sz="1100" dirty="0"/>
+              <a:t> </a:t>
+            </a:r>
+            <a:r>
+              <a:rPr lang="en-US" sz="1100" dirty="0">
+                <a:latin typeface="Cambria" panose="02040503050406030204" pitchFamily="18" charset="0"/>
+                <a:ea typeface="Cambria" panose="02040503050406030204" pitchFamily="18" charset="0"/>
+              </a:rPr>
+              <a:t>Explicitly converts an expression of one data type to another. We has two conversion functions CAST and CONVERT, both provide similar </a:t>
+            </a:r>
+          </a:p>
+          <a:p>
+            <a:endParaRPr lang="en-US" sz="1100" dirty="0"/>
+          </a:p>
+          <a:p>
+            <a:r>
+              <a:rPr lang="en-US" sz="1100" b="1" dirty="0">
+                <a:solidFill>
+                  <a:srgbClr val="FF0000"/>
+                </a:solidFill>
+                <a:latin typeface="Cambria" panose="02040503050406030204" pitchFamily="18" charset="0"/>
+                <a:ea typeface="Cambria" panose="02040503050406030204" pitchFamily="18" charset="0"/>
+              </a:rPr>
+              <a:t>select Cast(10.9776 As INT)   </a:t>
+            </a:r>
+            <a:r>
+              <a:rPr lang="en-US" sz="1100" b="1" dirty="0">
+                <a:latin typeface="Cambria" panose="02040503050406030204" pitchFamily="18" charset="0"/>
+                <a:ea typeface="Cambria" panose="02040503050406030204" pitchFamily="18" charset="0"/>
+              </a:rPr>
+              <a:t>-- Output-10</a:t>
+            </a:r>
+          </a:p>
+          <a:p>
+            <a:r>
+              <a:rPr lang="en-US" sz="1100" b="1" dirty="0">
+                <a:solidFill>
+                  <a:srgbClr val="FF0000"/>
+                </a:solidFill>
+                <a:latin typeface="Cambria" panose="02040503050406030204" pitchFamily="18" charset="0"/>
+                <a:ea typeface="Cambria" panose="02040503050406030204" pitchFamily="18" charset="0"/>
+              </a:rPr>
+              <a:t>select Cast(10.97762424 As Money) </a:t>
+            </a:r>
+            <a:r>
+              <a:rPr lang="en-US" sz="1100" b="1" dirty="0">
+                <a:latin typeface="Cambria" panose="02040503050406030204" pitchFamily="18" charset="0"/>
+                <a:ea typeface="Cambria" panose="02040503050406030204" pitchFamily="18" charset="0"/>
+              </a:rPr>
+              <a:t>-- Output -10.9776</a:t>
+            </a:r>
+          </a:p>
+          <a:p>
+            <a:endParaRPr lang="en-US" sz="1100" b="1" dirty="0">
+              <a:solidFill>
+                <a:srgbClr val="FF0000"/>
+              </a:solidFill>
+              <a:latin typeface="Cambria" panose="02040503050406030204" pitchFamily="18" charset="0"/>
+              <a:ea typeface="Cambria" panose="02040503050406030204" pitchFamily="18" charset="0"/>
+            </a:endParaRPr>
+          </a:p>
+          <a:p>
+            <a:r>
+              <a:rPr lang="en-US" sz="1100" b="1" dirty="0">
+                <a:solidFill>
+                  <a:srgbClr val="FF0000"/>
+                </a:solidFill>
+                <a:latin typeface="Cambria" panose="02040503050406030204" pitchFamily="18" charset="0"/>
+                <a:ea typeface="Cambria" panose="02040503050406030204" pitchFamily="18" charset="0"/>
+              </a:rPr>
+              <a:t>select Convert(INT,10.9776)</a:t>
+            </a:r>
+          </a:p>
+          <a:p>
+            <a:r>
+              <a:rPr lang="en-US" sz="1100" b="1" dirty="0">
+                <a:solidFill>
+                  <a:srgbClr val="FF0000"/>
+                </a:solidFill>
+                <a:latin typeface="Cambria" panose="02040503050406030204" pitchFamily="18" charset="0"/>
+                <a:ea typeface="Cambria" panose="02040503050406030204" pitchFamily="18" charset="0"/>
+              </a:rPr>
+              <a:t>SELECT CONVERT(VARCHAR(50), GETDATE())</a:t>
+            </a:r>
+          </a:p>
+          <a:p>
+            <a:endParaRPr lang="en-US" sz="1100" dirty="0" smtClean="0">
+              <a:latin typeface="Cambria" panose="02040503050406030204" pitchFamily="18" charset="0"/>
+              <a:ea typeface="Cambria" panose="02040503050406030204" pitchFamily="18" charset="0"/>
+            </a:endParaRPr>
+          </a:p>
+          <a:p>
+            <a:r>
+              <a:rPr lang="en-US" sz="1100" b="1" u="sng" dirty="0" smtClean="0">
+                <a:latin typeface="Cambria" panose="02040503050406030204" pitchFamily="18" charset="0"/>
+                <a:ea typeface="Cambria" panose="02040503050406030204" pitchFamily="18" charset="0"/>
+              </a:rPr>
+              <a:t>Date Style</a:t>
+            </a:r>
+            <a:endParaRPr lang="en-US" sz="1100" b="1" u="sng" dirty="0">
+              <a:latin typeface="Cambria" panose="02040503050406030204" pitchFamily="18" charset="0"/>
+              <a:ea typeface="Cambria" panose="02040503050406030204" pitchFamily="18" charset="0"/>
+            </a:endParaRPr>
+          </a:p>
+          <a:p>
+            <a:r>
+              <a:rPr lang="en-US" sz="1100" dirty="0">
+                <a:latin typeface="Cambria" panose="02040503050406030204" pitchFamily="18" charset="0"/>
+                <a:ea typeface="Cambria" panose="02040503050406030204" pitchFamily="18" charset="0"/>
+              </a:rPr>
+              <a:t>Style is an optional parameter that can be used to specify a date format used to convert </a:t>
+            </a:r>
+            <a:r>
+              <a:rPr lang="en-US" sz="1100" b="1" dirty="0" err="1">
+                <a:latin typeface="Cambria" panose="02040503050406030204" pitchFamily="18" charset="0"/>
+                <a:ea typeface="Cambria" panose="02040503050406030204" pitchFamily="18" charset="0"/>
+              </a:rPr>
+              <a:t>datetime</a:t>
+            </a:r>
+            <a:r>
+              <a:rPr lang="en-US" sz="1100" dirty="0">
+                <a:latin typeface="Cambria" panose="02040503050406030204" pitchFamily="18" charset="0"/>
+                <a:ea typeface="Cambria" panose="02040503050406030204" pitchFamily="18" charset="0"/>
+              </a:rPr>
+              <a:t> or </a:t>
+            </a:r>
+            <a:r>
+              <a:rPr lang="en-US" sz="1100" b="1" dirty="0" err="1">
+                <a:latin typeface="Cambria" panose="02040503050406030204" pitchFamily="18" charset="0"/>
+                <a:ea typeface="Cambria" panose="02040503050406030204" pitchFamily="18" charset="0"/>
+              </a:rPr>
+              <a:t>smalldatetime</a:t>
+            </a:r>
+            <a:r>
+              <a:rPr lang="en-US" sz="1100" dirty="0">
+                <a:latin typeface="Cambria" panose="02040503050406030204" pitchFamily="18" charset="0"/>
+                <a:ea typeface="Cambria" panose="02040503050406030204" pitchFamily="18" charset="0"/>
+              </a:rPr>
+              <a:t> data to character. When style is NULL, the result returned is also NULL. </a:t>
+            </a:r>
+          </a:p>
+          <a:p>
+            <a:endParaRPr lang="en-US" sz="1100" dirty="0" smtClean="0"/>
+          </a:p>
+          <a:p>
+            <a:r>
+              <a:rPr lang="en-US" sz="1100" b="1" dirty="0">
+                <a:solidFill>
+                  <a:srgbClr val="FF0000"/>
+                </a:solidFill>
+                <a:latin typeface="Cambria" panose="02040503050406030204" pitchFamily="18" charset="0"/>
+                <a:ea typeface="Cambria" panose="02040503050406030204" pitchFamily="18" charset="0"/>
+              </a:rPr>
+              <a:t>SELECT CONVERT(VARCHAR(50), GETDATE(), 101)</a:t>
+            </a:r>
+          </a:p>
+          <a:p>
+            <a:r>
+              <a:rPr lang="en-US" sz="1100" b="1" dirty="0">
+                <a:solidFill>
+                  <a:srgbClr val="FF0000"/>
+                </a:solidFill>
+                <a:latin typeface="Cambria" panose="02040503050406030204" pitchFamily="18" charset="0"/>
+                <a:ea typeface="Cambria" panose="02040503050406030204" pitchFamily="18" charset="0"/>
+              </a:rPr>
+              <a:t>SELECT CONVERT(VARCHAR(50), GETDATE(), 102)</a:t>
+            </a:r>
+          </a:p>
+          <a:p>
+            <a:endParaRPr lang="en-US" sz="1100" dirty="0"/>
+          </a:p>
+          <a:p>
+            <a:r>
+              <a:rPr lang="en-US" sz="1100" dirty="0">
+                <a:latin typeface="Cambria" panose="02040503050406030204" pitchFamily="18" charset="0"/>
+                <a:ea typeface="Cambria" panose="02040503050406030204" pitchFamily="18" charset="0"/>
+              </a:rPr>
+              <a:t>Each style will give the output of the date in a different format the default style it uses is 100. The style values can be ranging between 100-114, 120, 121, 126, 127, 130 and 131 or 0 to 8, 10, 11, 12 and 14 in this case century part will not returned</a:t>
+            </a:r>
+            <a:r>
+              <a:rPr lang="en-US" sz="1100" dirty="0" smtClean="0">
+                <a:latin typeface="Cambria" panose="02040503050406030204" pitchFamily="18" charset="0"/>
+                <a:ea typeface="Cambria" panose="02040503050406030204" pitchFamily="18" charset="0"/>
+              </a:rPr>
+              <a:t>.</a:t>
+            </a:r>
+          </a:p>
+          <a:p>
+            <a:endParaRPr lang="en-US" sz="1100" dirty="0">
+              <a:latin typeface="Cambria" panose="02040503050406030204" pitchFamily="18" charset="0"/>
+              <a:ea typeface="Cambria" panose="02040503050406030204" pitchFamily="18" charset="0"/>
+            </a:endParaRPr>
+          </a:p>
+          <a:p>
+            <a:r>
+              <a:rPr lang="en-US" sz="1100" b="1" dirty="0">
+                <a:solidFill>
+                  <a:srgbClr val="FF0000"/>
+                </a:solidFill>
+                <a:latin typeface="Cambria" panose="02040503050406030204" pitchFamily="18" charset="0"/>
+                <a:ea typeface="Cambria" panose="02040503050406030204" pitchFamily="18" charset="0"/>
+              </a:rPr>
+              <a:t>SELECT CONVERT(VARCHAR(50), GETDATE(), 1)</a:t>
+            </a:r>
+          </a:p>
+          <a:p>
+            <a:endParaRPr lang="en-US" sz="1100" dirty="0" smtClean="0"/>
+          </a:p>
+          <a:p>
+            <a:r>
+              <a:rPr lang="en-US" sz="1100" b="1" dirty="0" smtClean="0">
+                <a:latin typeface="Cambria" panose="02040503050406030204" pitchFamily="18" charset="0"/>
+                <a:ea typeface="Cambria" panose="02040503050406030204" pitchFamily="18" charset="0"/>
+              </a:rPr>
+              <a:t>Example:- </a:t>
+            </a:r>
+            <a:r>
+              <a:rPr lang="en-US" sz="1100" dirty="0">
+                <a:latin typeface="Cambria" panose="02040503050406030204" pitchFamily="18" charset="0"/>
+                <a:ea typeface="Cambria" panose="02040503050406030204" pitchFamily="18" charset="0"/>
+              </a:rPr>
+              <a:t>Using Adventure Works DW database</a:t>
+            </a:r>
+          </a:p>
+          <a:p>
+            <a:endParaRPr lang="en-US" sz="1100" dirty="0"/>
+          </a:p>
+          <a:p>
+            <a:r>
+              <a:rPr lang="en-US" sz="1100" b="1" dirty="0">
+                <a:solidFill>
+                  <a:srgbClr val="FF0000"/>
+                </a:solidFill>
+                <a:latin typeface="Cambria" panose="02040503050406030204" pitchFamily="18" charset="0"/>
+                <a:ea typeface="Cambria" panose="02040503050406030204" pitchFamily="18" charset="0"/>
+              </a:rPr>
+              <a:t>select *, Cast(</a:t>
+            </a:r>
+            <a:r>
+              <a:rPr lang="en-US" sz="1100" b="1" dirty="0" err="1">
+                <a:solidFill>
+                  <a:srgbClr val="FF0000"/>
+                </a:solidFill>
+                <a:latin typeface="Cambria" panose="02040503050406030204" pitchFamily="18" charset="0"/>
+                <a:ea typeface="Cambria" panose="02040503050406030204" pitchFamily="18" charset="0"/>
+              </a:rPr>
+              <a:t>OrderDate</a:t>
+            </a:r>
+            <a:r>
+              <a:rPr lang="en-US" sz="1100" b="1" dirty="0">
+                <a:solidFill>
+                  <a:srgbClr val="FF0000"/>
+                </a:solidFill>
+                <a:latin typeface="Cambria" panose="02040503050406030204" pitchFamily="18" charset="0"/>
+                <a:ea typeface="Cambria" panose="02040503050406030204" pitchFamily="18" charset="0"/>
+              </a:rPr>
+              <a:t> as DATE) as </a:t>
+            </a:r>
+            <a:r>
+              <a:rPr lang="en-US" sz="1100" b="1" dirty="0" err="1">
+                <a:solidFill>
+                  <a:srgbClr val="FF0000"/>
+                </a:solidFill>
+                <a:latin typeface="Cambria" panose="02040503050406030204" pitchFamily="18" charset="0"/>
+                <a:ea typeface="Cambria" panose="02040503050406030204" pitchFamily="18" charset="0"/>
+              </a:rPr>
+              <a:t>NewOrderDate</a:t>
+            </a:r>
+            <a:endParaRPr lang="en-US" sz="1100" b="1" dirty="0">
+              <a:solidFill>
+                <a:srgbClr val="FF0000"/>
+              </a:solidFill>
+              <a:latin typeface="Cambria" panose="02040503050406030204" pitchFamily="18" charset="0"/>
+              <a:ea typeface="Cambria" panose="02040503050406030204" pitchFamily="18" charset="0"/>
+            </a:endParaRPr>
+          </a:p>
+          <a:p>
+            <a:r>
+              <a:rPr lang="en-US" sz="1100" b="1" dirty="0">
+                <a:solidFill>
+                  <a:srgbClr val="FF0000"/>
+                </a:solidFill>
+                <a:latin typeface="Cambria" panose="02040503050406030204" pitchFamily="18" charset="0"/>
+                <a:ea typeface="Cambria" panose="02040503050406030204" pitchFamily="18" charset="0"/>
+              </a:rPr>
+              <a:t>,Convert(</a:t>
+            </a:r>
+            <a:r>
+              <a:rPr lang="en-US" sz="1100" b="1" dirty="0" err="1">
+                <a:solidFill>
+                  <a:srgbClr val="FF0000"/>
+                </a:solidFill>
+                <a:latin typeface="Cambria" panose="02040503050406030204" pitchFamily="18" charset="0"/>
+                <a:ea typeface="Cambria" panose="02040503050406030204" pitchFamily="18" charset="0"/>
+              </a:rPr>
+              <a:t>varchar</a:t>
+            </a:r>
+            <a:r>
+              <a:rPr lang="en-US" sz="1100" b="1" dirty="0">
+                <a:solidFill>
+                  <a:srgbClr val="FF0000"/>
+                </a:solidFill>
+                <a:latin typeface="Cambria" panose="02040503050406030204" pitchFamily="18" charset="0"/>
+                <a:ea typeface="Cambria" panose="02040503050406030204" pitchFamily="18" charset="0"/>
+              </a:rPr>
+              <a:t>(10),DueDate,126) as </a:t>
+            </a:r>
+            <a:r>
+              <a:rPr lang="en-US" sz="1100" b="1" dirty="0" err="1">
+                <a:solidFill>
+                  <a:srgbClr val="FF0000"/>
+                </a:solidFill>
+                <a:latin typeface="Cambria" panose="02040503050406030204" pitchFamily="18" charset="0"/>
+                <a:ea typeface="Cambria" panose="02040503050406030204" pitchFamily="18" charset="0"/>
+              </a:rPr>
+              <a:t>NewdueDate</a:t>
+            </a:r>
+            <a:r>
+              <a:rPr lang="en-US" sz="1100" b="1" dirty="0">
+                <a:solidFill>
+                  <a:srgbClr val="FF0000"/>
+                </a:solidFill>
+                <a:latin typeface="Cambria" panose="02040503050406030204" pitchFamily="18" charset="0"/>
+                <a:ea typeface="Cambria" panose="02040503050406030204" pitchFamily="18" charset="0"/>
+              </a:rPr>
+              <a:t> </a:t>
+            </a:r>
+          </a:p>
+          <a:p>
+            <a:r>
+              <a:rPr lang="en-US" sz="1100" b="1" dirty="0">
+                <a:solidFill>
+                  <a:srgbClr val="FF0000"/>
+                </a:solidFill>
+                <a:latin typeface="Cambria" panose="02040503050406030204" pitchFamily="18" charset="0"/>
+                <a:ea typeface="Cambria" panose="02040503050406030204" pitchFamily="18" charset="0"/>
+              </a:rPr>
+              <a:t>,Convert(</a:t>
+            </a:r>
+            <a:r>
+              <a:rPr lang="en-US" sz="1100" b="1" dirty="0" err="1">
+                <a:solidFill>
+                  <a:srgbClr val="FF0000"/>
+                </a:solidFill>
+                <a:latin typeface="Cambria" panose="02040503050406030204" pitchFamily="18" charset="0"/>
+                <a:ea typeface="Cambria" panose="02040503050406030204" pitchFamily="18" charset="0"/>
+              </a:rPr>
+              <a:t>varchar</a:t>
+            </a:r>
+            <a:r>
+              <a:rPr lang="en-US" sz="1100" b="1" dirty="0">
+                <a:solidFill>
+                  <a:srgbClr val="FF0000"/>
+                </a:solidFill>
+                <a:latin typeface="Cambria" panose="02040503050406030204" pitchFamily="18" charset="0"/>
+                <a:ea typeface="Cambria" panose="02040503050406030204" pitchFamily="18" charset="0"/>
+              </a:rPr>
+              <a:t>(10),DueDate,103) as NewdueDate1 </a:t>
+            </a:r>
+          </a:p>
+          <a:p>
+            <a:r>
+              <a:rPr lang="en-US" sz="1100" b="1" dirty="0">
+                <a:solidFill>
+                  <a:srgbClr val="FF0000"/>
+                </a:solidFill>
+                <a:latin typeface="Cambria" panose="02040503050406030204" pitchFamily="18" charset="0"/>
+                <a:ea typeface="Cambria" panose="02040503050406030204" pitchFamily="18" charset="0"/>
+              </a:rPr>
+              <a:t>,Convert(</a:t>
+            </a:r>
+            <a:r>
+              <a:rPr lang="en-US" sz="1100" b="1" dirty="0" err="1">
+                <a:solidFill>
+                  <a:srgbClr val="FF0000"/>
+                </a:solidFill>
+                <a:latin typeface="Cambria" panose="02040503050406030204" pitchFamily="18" charset="0"/>
+                <a:ea typeface="Cambria" panose="02040503050406030204" pitchFamily="18" charset="0"/>
+              </a:rPr>
+              <a:t>varchar</a:t>
+            </a:r>
+            <a:r>
+              <a:rPr lang="en-US" sz="1100" b="1" dirty="0">
+                <a:solidFill>
+                  <a:srgbClr val="FF0000"/>
+                </a:solidFill>
+                <a:latin typeface="Cambria" panose="02040503050406030204" pitchFamily="18" charset="0"/>
+                <a:ea typeface="Cambria" panose="02040503050406030204" pitchFamily="18" charset="0"/>
+              </a:rPr>
+              <a:t>(10),ShipDate,12) as </a:t>
+            </a:r>
+            <a:r>
+              <a:rPr lang="en-US" sz="1100" b="1" dirty="0" err="1">
+                <a:solidFill>
+                  <a:srgbClr val="FF0000"/>
+                </a:solidFill>
+                <a:latin typeface="Cambria" panose="02040503050406030204" pitchFamily="18" charset="0"/>
+                <a:ea typeface="Cambria" panose="02040503050406030204" pitchFamily="18" charset="0"/>
+              </a:rPr>
+              <a:t>NewShipDate</a:t>
+            </a:r>
+            <a:endParaRPr lang="en-US" sz="1100" b="1" dirty="0">
+              <a:solidFill>
+                <a:srgbClr val="FF0000"/>
+              </a:solidFill>
+              <a:latin typeface="Cambria" panose="02040503050406030204" pitchFamily="18" charset="0"/>
+              <a:ea typeface="Cambria" panose="02040503050406030204" pitchFamily="18" charset="0"/>
+            </a:endParaRPr>
+          </a:p>
+          <a:p>
+            <a:r>
+              <a:rPr lang="en-US" sz="1100" b="1" dirty="0">
+                <a:solidFill>
+                  <a:srgbClr val="FF0000"/>
+                </a:solidFill>
+                <a:latin typeface="Cambria" panose="02040503050406030204" pitchFamily="18" charset="0"/>
+                <a:ea typeface="Cambria" panose="02040503050406030204" pitchFamily="18" charset="0"/>
+              </a:rPr>
+              <a:t>from </a:t>
+            </a:r>
+            <a:r>
+              <a:rPr lang="en-US" sz="1100" b="1" dirty="0" err="1">
+                <a:solidFill>
+                  <a:srgbClr val="FF0000"/>
+                </a:solidFill>
+                <a:latin typeface="Cambria" panose="02040503050406030204" pitchFamily="18" charset="0"/>
+                <a:ea typeface="Cambria" panose="02040503050406030204" pitchFamily="18" charset="0"/>
+              </a:rPr>
+              <a:t>FactInternetSales</a:t>
+            </a:r>
+            <a:endParaRPr lang="en-US" sz="1100" b="1" dirty="0">
+              <a:solidFill>
+                <a:srgbClr val="FF0000"/>
+              </a:solidFill>
+              <a:latin typeface="Cambria" panose="02040503050406030204" pitchFamily="18" charset="0"/>
+              <a:ea typeface="Cambria" panose="02040503050406030204" pitchFamily="18" charset="0"/>
+            </a:endParaRPr>
+          </a:p>
+        </p:txBody>
+      </p:sp>
+      <p:sp>
+        <p:nvSpPr>
+          <p:cNvPr id="8" name="Rectangle 7"/>
+          <p:cNvSpPr/>
+          <p:nvPr/>
+        </p:nvSpPr>
+        <p:spPr>
+          <a:xfrm>
+            <a:off x="4662768" y="74991"/>
+            <a:ext cx="4318268" cy="6032421"/>
+          </a:xfrm>
+          <a:prstGeom prst="rect">
+            <a:avLst/>
+          </a:prstGeom>
+        </p:spPr>
+        <p:style>
+          <a:lnRef idx="2">
+            <a:schemeClr val="accent1"/>
+          </a:lnRef>
+          <a:fillRef idx="1">
+            <a:schemeClr val="lt1"/>
+          </a:fillRef>
+          <a:effectRef idx="0">
+            <a:schemeClr val="accent1"/>
+          </a:effectRef>
+          <a:fontRef idx="minor">
+            <a:schemeClr val="dk1"/>
+          </a:fontRef>
+        </p:style>
+        <p:txBody>
+          <a:bodyPr wrap="square">
+            <a:spAutoFit/>
+          </a:bodyPr>
+          <a:lstStyle/>
+          <a:p>
+            <a:r>
+              <a:rPr lang="en-US" sz="1200" b="1" i="1" u="sng" dirty="0" smtClean="0">
+                <a:latin typeface="Cambria" panose="02040503050406030204" pitchFamily="18" charset="0"/>
+                <a:ea typeface="Cambria" panose="02040503050406030204" pitchFamily="18" charset="0"/>
+              </a:rPr>
+              <a:t>4) System Function</a:t>
+            </a:r>
+            <a:r>
+              <a:rPr lang="en-US" sz="1100" b="1" dirty="0" smtClean="0"/>
+              <a:t>:</a:t>
+            </a:r>
+            <a:r>
+              <a:rPr lang="en-US" sz="1100" dirty="0" smtClean="0"/>
+              <a:t> </a:t>
+            </a:r>
+          </a:p>
+          <a:p>
+            <a:r>
+              <a:rPr lang="en-US" sz="1100" b="1" dirty="0">
+                <a:latin typeface="Cambria" panose="02040503050406030204" pitchFamily="18" charset="0"/>
+                <a:ea typeface="Cambria" panose="02040503050406030204" pitchFamily="18" charset="0"/>
+              </a:rPr>
+              <a:t>ISNUMERIC</a:t>
+            </a:r>
+          </a:p>
+          <a:p>
+            <a:r>
+              <a:rPr lang="en-US" sz="1100" b="1" dirty="0">
+                <a:solidFill>
+                  <a:srgbClr val="FF0000"/>
+                </a:solidFill>
+                <a:latin typeface="Cambria" panose="02040503050406030204" pitchFamily="18" charset="0"/>
+                <a:ea typeface="Cambria" panose="02040503050406030204" pitchFamily="18" charset="0"/>
+              </a:rPr>
+              <a:t>SELECT ISNUMERIC(100)</a:t>
+            </a:r>
+          </a:p>
+          <a:p>
+            <a:r>
+              <a:rPr lang="en-US" sz="1100" b="1" dirty="0">
+                <a:solidFill>
+                  <a:srgbClr val="FF0000"/>
+                </a:solidFill>
+                <a:latin typeface="Cambria" panose="02040503050406030204" pitchFamily="18" charset="0"/>
+                <a:ea typeface="Cambria" panose="02040503050406030204" pitchFamily="18" charset="0"/>
+              </a:rPr>
+              <a:t>SELECT ISNUMERIC('100')</a:t>
+            </a:r>
+          </a:p>
+          <a:p>
+            <a:r>
+              <a:rPr lang="en-US" sz="1100" b="1" dirty="0">
+                <a:solidFill>
+                  <a:srgbClr val="FF0000"/>
+                </a:solidFill>
+                <a:latin typeface="Cambria" panose="02040503050406030204" pitchFamily="18" charset="0"/>
+                <a:ea typeface="Cambria" panose="02040503050406030204" pitchFamily="18" charset="0"/>
+              </a:rPr>
+              <a:t>SELECT ISNUMERIC('100A')</a:t>
+            </a:r>
+          </a:p>
+          <a:p>
+            <a:r>
+              <a:rPr lang="en-US" sz="1100" b="1" dirty="0">
+                <a:latin typeface="Cambria" panose="02040503050406030204" pitchFamily="18" charset="0"/>
+                <a:ea typeface="Cambria" panose="02040503050406030204" pitchFamily="18" charset="0"/>
+              </a:rPr>
+              <a:t>ISDATE</a:t>
+            </a:r>
+          </a:p>
+          <a:p>
+            <a:r>
+              <a:rPr lang="en-US" sz="1100" b="1" dirty="0">
+                <a:solidFill>
+                  <a:srgbClr val="FF0000"/>
+                </a:solidFill>
+                <a:latin typeface="Cambria" panose="02040503050406030204" pitchFamily="18" charset="0"/>
+                <a:ea typeface="Cambria" panose="02040503050406030204" pitchFamily="18" charset="0"/>
+              </a:rPr>
+              <a:t>SELECT ISDATE('12/21/1998')</a:t>
+            </a:r>
+          </a:p>
+          <a:p>
+            <a:r>
+              <a:rPr lang="en-US" sz="1100" b="1" dirty="0">
+                <a:solidFill>
+                  <a:srgbClr val="FF0000"/>
+                </a:solidFill>
+                <a:latin typeface="Cambria" panose="02040503050406030204" pitchFamily="18" charset="0"/>
+                <a:ea typeface="Cambria" panose="02040503050406030204" pitchFamily="18" charset="0"/>
+              </a:rPr>
+              <a:t>SELECT ISDATE('21/12/1998')</a:t>
+            </a:r>
+          </a:p>
+          <a:p>
+            <a:r>
+              <a:rPr lang="en-US" sz="1100" b="1" dirty="0">
+                <a:latin typeface="Cambria" panose="02040503050406030204" pitchFamily="18" charset="0"/>
+                <a:ea typeface="Cambria" panose="02040503050406030204" pitchFamily="18" charset="0"/>
+              </a:rPr>
+              <a:t>ISNULL</a:t>
+            </a:r>
+          </a:p>
+          <a:p>
+            <a:r>
+              <a:rPr lang="en-US" sz="1100" b="1" dirty="0">
+                <a:solidFill>
+                  <a:srgbClr val="FF0000"/>
+                </a:solidFill>
+                <a:latin typeface="Cambria" panose="02040503050406030204" pitchFamily="18" charset="0"/>
+                <a:ea typeface="Cambria" panose="02040503050406030204" pitchFamily="18" charset="0"/>
+              </a:rPr>
+              <a:t>SELECT ISNULL(100, 200)</a:t>
+            </a:r>
+          </a:p>
+          <a:p>
+            <a:r>
+              <a:rPr lang="en-US" sz="1100" b="1" dirty="0">
+                <a:solidFill>
+                  <a:srgbClr val="FF0000"/>
+                </a:solidFill>
+                <a:latin typeface="Cambria" panose="02040503050406030204" pitchFamily="18" charset="0"/>
+                <a:ea typeface="Cambria" panose="02040503050406030204" pitchFamily="18" charset="0"/>
+              </a:rPr>
+              <a:t>SELECT ISNULL(NULL, 200)</a:t>
+            </a:r>
+          </a:p>
+          <a:p>
+            <a:endParaRPr lang="en-US" sz="1100" b="1" dirty="0">
+              <a:solidFill>
+                <a:srgbClr val="FF0000"/>
+              </a:solidFill>
+              <a:latin typeface="Cambria" panose="02040503050406030204" pitchFamily="18" charset="0"/>
+              <a:ea typeface="Cambria" panose="02040503050406030204" pitchFamily="18" charset="0"/>
+            </a:endParaRPr>
+          </a:p>
+          <a:p>
+            <a:r>
+              <a:rPr lang="en-US" sz="1100" b="1" dirty="0">
+                <a:solidFill>
+                  <a:srgbClr val="FF0000"/>
+                </a:solidFill>
+                <a:latin typeface="Cambria" panose="02040503050406030204" pitchFamily="18" charset="0"/>
+                <a:ea typeface="Cambria" panose="02040503050406030204" pitchFamily="18" charset="0"/>
+              </a:rPr>
+              <a:t>select * from EMP</a:t>
+            </a:r>
+          </a:p>
+          <a:p>
+            <a:r>
+              <a:rPr lang="en-US" sz="1100" b="1" dirty="0">
+                <a:solidFill>
+                  <a:srgbClr val="FF0000"/>
+                </a:solidFill>
+                <a:latin typeface="Cambria" panose="02040503050406030204" pitchFamily="18" charset="0"/>
+                <a:ea typeface="Cambria" panose="02040503050406030204" pitchFamily="18" charset="0"/>
+              </a:rPr>
+              <a:t>SELECT EMPNO, ENAME, SAL, COMM, (SAL + COMM) AS [TOTAL SAL] FROM EMP</a:t>
+            </a:r>
+          </a:p>
+          <a:p>
+            <a:r>
+              <a:rPr lang="en-US" sz="1100" b="1" dirty="0">
+                <a:solidFill>
+                  <a:srgbClr val="FF0000"/>
+                </a:solidFill>
+                <a:latin typeface="Cambria" panose="02040503050406030204" pitchFamily="18" charset="0"/>
+                <a:ea typeface="Cambria" panose="02040503050406030204" pitchFamily="18" charset="0"/>
+              </a:rPr>
+              <a:t>SELECT EMPNO, ENAME, SAL, COMM, (SAL + ISNULL(COMM, 0)) AS [TOTAL SAL] FROM EMP</a:t>
+            </a:r>
+          </a:p>
+          <a:p>
+            <a:endParaRPr lang="en-US" sz="1100" b="1" dirty="0">
+              <a:solidFill>
+                <a:srgbClr val="FF0000"/>
+              </a:solidFill>
+              <a:latin typeface="Cambria" panose="02040503050406030204" pitchFamily="18" charset="0"/>
+              <a:ea typeface="Cambria" panose="02040503050406030204" pitchFamily="18" charset="0"/>
+            </a:endParaRPr>
+          </a:p>
+          <a:p>
+            <a:r>
+              <a:rPr lang="en-US" sz="1100" b="1" dirty="0">
+                <a:latin typeface="Cambria" panose="02040503050406030204" pitchFamily="18" charset="0"/>
+                <a:ea typeface="Cambria" panose="02040503050406030204" pitchFamily="18" charset="0"/>
+              </a:rPr>
+              <a:t>COALEASE</a:t>
+            </a:r>
+          </a:p>
+          <a:p>
+            <a:r>
+              <a:rPr lang="en-US" sz="1100" b="1" dirty="0">
+                <a:solidFill>
+                  <a:srgbClr val="FF0000"/>
+                </a:solidFill>
+                <a:latin typeface="Cambria" panose="02040503050406030204" pitchFamily="18" charset="0"/>
+                <a:ea typeface="Cambria" panose="02040503050406030204" pitchFamily="18" charset="0"/>
+              </a:rPr>
+              <a:t>CREATE TABLE [</a:t>
+            </a:r>
+            <a:r>
+              <a:rPr lang="en-US" sz="1100" b="1" dirty="0" err="1">
+                <a:solidFill>
+                  <a:srgbClr val="FF0000"/>
+                </a:solidFill>
+                <a:latin typeface="Cambria" panose="02040503050406030204" pitchFamily="18" charset="0"/>
+                <a:ea typeface="Cambria" panose="02040503050406030204" pitchFamily="18" charset="0"/>
+              </a:rPr>
+              <a:t>dbo</a:t>
+            </a:r>
+            <a:r>
+              <a:rPr lang="en-US" sz="1100" b="1" dirty="0">
+                <a:solidFill>
+                  <a:srgbClr val="FF0000"/>
+                </a:solidFill>
+                <a:latin typeface="Cambria" panose="02040503050406030204" pitchFamily="18" charset="0"/>
+                <a:ea typeface="Cambria" panose="02040503050406030204" pitchFamily="18" charset="0"/>
+              </a:rPr>
+              <a:t>].[</a:t>
+            </a:r>
+            <a:r>
+              <a:rPr lang="en-US" sz="1100" b="1" dirty="0" err="1">
+                <a:solidFill>
+                  <a:srgbClr val="FF0000"/>
+                </a:solidFill>
+                <a:latin typeface="Cambria" panose="02040503050406030204" pitchFamily="18" charset="0"/>
+                <a:ea typeface="Cambria" panose="02040503050406030204" pitchFamily="18" charset="0"/>
+              </a:rPr>
+              <a:t>Coalease_Fn</a:t>
+            </a:r>
+            <a:r>
+              <a:rPr lang="en-US" sz="1100" b="1" dirty="0">
+                <a:solidFill>
+                  <a:srgbClr val="FF0000"/>
+                </a:solidFill>
+                <a:latin typeface="Cambria" panose="02040503050406030204" pitchFamily="18" charset="0"/>
+                <a:ea typeface="Cambria" panose="02040503050406030204" pitchFamily="18" charset="0"/>
+              </a:rPr>
+              <a:t>](</a:t>
+            </a:r>
+          </a:p>
+          <a:p>
+            <a:r>
+              <a:rPr lang="en-US" sz="1100" b="1" dirty="0">
+                <a:solidFill>
+                  <a:srgbClr val="FF0000"/>
+                </a:solidFill>
+                <a:latin typeface="Cambria" panose="02040503050406030204" pitchFamily="18" charset="0"/>
+                <a:ea typeface="Cambria" panose="02040503050406030204" pitchFamily="18" charset="0"/>
+              </a:rPr>
+              <a:t>[ID] [</a:t>
+            </a:r>
+            <a:r>
+              <a:rPr lang="en-US" sz="1100" b="1" dirty="0" err="1">
+                <a:solidFill>
+                  <a:srgbClr val="FF0000"/>
+                </a:solidFill>
+                <a:latin typeface="Cambria" panose="02040503050406030204" pitchFamily="18" charset="0"/>
+                <a:ea typeface="Cambria" panose="02040503050406030204" pitchFamily="18" charset="0"/>
+              </a:rPr>
+              <a:t>int</a:t>
+            </a:r>
+            <a:r>
+              <a:rPr lang="en-US" sz="1100" b="1" dirty="0">
+                <a:solidFill>
+                  <a:srgbClr val="FF0000"/>
+                </a:solidFill>
+                <a:latin typeface="Cambria" panose="02040503050406030204" pitchFamily="18" charset="0"/>
+                <a:ea typeface="Cambria" panose="02040503050406030204" pitchFamily="18" charset="0"/>
+              </a:rPr>
+              <a:t>] NULL,</a:t>
+            </a:r>
+          </a:p>
+          <a:p>
+            <a:r>
+              <a:rPr lang="en-US" sz="1100" b="1" dirty="0">
+                <a:solidFill>
+                  <a:srgbClr val="FF0000"/>
+                </a:solidFill>
+                <a:latin typeface="Cambria" panose="02040503050406030204" pitchFamily="18" charset="0"/>
+                <a:ea typeface="Cambria" panose="02040503050406030204" pitchFamily="18" charset="0"/>
+              </a:rPr>
+              <a:t>[Name1] [</a:t>
+            </a:r>
+            <a:r>
+              <a:rPr lang="en-US" sz="1100" b="1" dirty="0" err="1">
+                <a:solidFill>
+                  <a:srgbClr val="FF0000"/>
+                </a:solidFill>
+                <a:latin typeface="Cambria" panose="02040503050406030204" pitchFamily="18" charset="0"/>
+                <a:ea typeface="Cambria" panose="02040503050406030204" pitchFamily="18" charset="0"/>
+              </a:rPr>
+              <a:t>varchar</a:t>
+            </a:r>
+            <a:r>
+              <a:rPr lang="en-US" sz="1100" b="1" dirty="0">
+                <a:solidFill>
+                  <a:srgbClr val="FF0000"/>
+                </a:solidFill>
+                <a:latin typeface="Cambria" panose="02040503050406030204" pitchFamily="18" charset="0"/>
+                <a:ea typeface="Cambria" panose="02040503050406030204" pitchFamily="18" charset="0"/>
+              </a:rPr>
+              <a:t>](50) NULL,</a:t>
+            </a:r>
+          </a:p>
+          <a:p>
+            <a:r>
+              <a:rPr lang="en-US" sz="1100" b="1" dirty="0">
+                <a:solidFill>
+                  <a:srgbClr val="FF0000"/>
+                </a:solidFill>
+                <a:latin typeface="Cambria" panose="02040503050406030204" pitchFamily="18" charset="0"/>
+                <a:ea typeface="Cambria" panose="02040503050406030204" pitchFamily="18" charset="0"/>
+              </a:rPr>
+              <a:t>[Name2] [</a:t>
+            </a:r>
+            <a:r>
+              <a:rPr lang="en-US" sz="1100" b="1" dirty="0" err="1">
+                <a:solidFill>
+                  <a:srgbClr val="FF0000"/>
+                </a:solidFill>
+                <a:latin typeface="Cambria" panose="02040503050406030204" pitchFamily="18" charset="0"/>
+                <a:ea typeface="Cambria" panose="02040503050406030204" pitchFamily="18" charset="0"/>
+              </a:rPr>
+              <a:t>varchar</a:t>
+            </a:r>
+            <a:r>
+              <a:rPr lang="en-US" sz="1100" b="1" dirty="0">
+                <a:solidFill>
+                  <a:srgbClr val="FF0000"/>
+                </a:solidFill>
+                <a:latin typeface="Cambria" panose="02040503050406030204" pitchFamily="18" charset="0"/>
+                <a:ea typeface="Cambria" panose="02040503050406030204" pitchFamily="18" charset="0"/>
+              </a:rPr>
+              <a:t>](50) NULL,</a:t>
+            </a:r>
+          </a:p>
+          <a:p>
+            <a:r>
+              <a:rPr lang="en-US" sz="1100" b="1" dirty="0">
+                <a:solidFill>
+                  <a:srgbClr val="FF0000"/>
+                </a:solidFill>
+                <a:latin typeface="Cambria" panose="02040503050406030204" pitchFamily="18" charset="0"/>
+                <a:ea typeface="Cambria" panose="02040503050406030204" pitchFamily="18" charset="0"/>
+              </a:rPr>
+              <a:t>[Name3] [</a:t>
+            </a:r>
+            <a:r>
+              <a:rPr lang="en-US" sz="1100" b="1" dirty="0" err="1">
+                <a:solidFill>
+                  <a:srgbClr val="FF0000"/>
+                </a:solidFill>
+                <a:latin typeface="Cambria" panose="02040503050406030204" pitchFamily="18" charset="0"/>
+                <a:ea typeface="Cambria" panose="02040503050406030204" pitchFamily="18" charset="0"/>
+              </a:rPr>
+              <a:t>varchar</a:t>
+            </a:r>
+            <a:r>
+              <a:rPr lang="en-US" sz="1100" b="1" dirty="0">
+                <a:solidFill>
+                  <a:srgbClr val="FF0000"/>
+                </a:solidFill>
+                <a:latin typeface="Cambria" panose="02040503050406030204" pitchFamily="18" charset="0"/>
+                <a:ea typeface="Cambria" panose="02040503050406030204" pitchFamily="18" charset="0"/>
+              </a:rPr>
+              <a:t>](50) NULL,</a:t>
+            </a:r>
+          </a:p>
+          <a:p>
+            <a:r>
+              <a:rPr lang="en-US" sz="1100" b="1" dirty="0">
+                <a:solidFill>
+                  <a:srgbClr val="FF0000"/>
+                </a:solidFill>
+                <a:latin typeface="Cambria" panose="02040503050406030204" pitchFamily="18" charset="0"/>
+                <a:ea typeface="Cambria" panose="02040503050406030204" pitchFamily="18" charset="0"/>
+              </a:rPr>
+              <a:t>[Name4] [</a:t>
+            </a:r>
+            <a:r>
+              <a:rPr lang="en-US" sz="1100" b="1" dirty="0" err="1">
+                <a:solidFill>
+                  <a:srgbClr val="FF0000"/>
+                </a:solidFill>
+                <a:latin typeface="Cambria" panose="02040503050406030204" pitchFamily="18" charset="0"/>
+                <a:ea typeface="Cambria" panose="02040503050406030204" pitchFamily="18" charset="0"/>
+              </a:rPr>
+              <a:t>varchar</a:t>
+            </a:r>
+            <a:r>
+              <a:rPr lang="en-US" sz="1100" b="1" dirty="0">
+                <a:solidFill>
+                  <a:srgbClr val="FF0000"/>
+                </a:solidFill>
+                <a:latin typeface="Cambria" panose="02040503050406030204" pitchFamily="18" charset="0"/>
+                <a:ea typeface="Cambria" panose="02040503050406030204" pitchFamily="18" charset="0"/>
+              </a:rPr>
+              <a:t>](50) NULL,</a:t>
+            </a:r>
+          </a:p>
+          <a:p>
+            <a:r>
+              <a:rPr lang="en-US" sz="1100" b="1" dirty="0">
+                <a:solidFill>
+                  <a:srgbClr val="FF0000"/>
+                </a:solidFill>
+                <a:latin typeface="Cambria" panose="02040503050406030204" pitchFamily="18" charset="0"/>
+                <a:ea typeface="Cambria" panose="02040503050406030204" pitchFamily="18" charset="0"/>
+              </a:rPr>
+              <a:t>[Name5] [</a:t>
+            </a:r>
+            <a:r>
+              <a:rPr lang="en-US" sz="1100" b="1" dirty="0" err="1">
+                <a:solidFill>
+                  <a:srgbClr val="FF0000"/>
+                </a:solidFill>
+                <a:latin typeface="Cambria" panose="02040503050406030204" pitchFamily="18" charset="0"/>
+                <a:ea typeface="Cambria" panose="02040503050406030204" pitchFamily="18" charset="0"/>
+              </a:rPr>
+              <a:t>varchar</a:t>
+            </a:r>
+            <a:r>
+              <a:rPr lang="en-US" sz="1100" b="1" dirty="0">
+                <a:solidFill>
+                  <a:srgbClr val="FF0000"/>
+                </a:solidFill>
+                <a:latin typeface="Cambria" panose="02040503050406030204" pitchFamily="18" charset="0"/>
+                <a:ea typeface="Cambria" panose="02040503050406030204" pitchFamily="18" charset="0"/>
+              </a:rPr>
+              <a:t>](50) NULL</a:t>
+            </a:r>
+          </a:p>
+          <a:p>
+            <a:r>
+              <a:rPr lang="en-US" sz="1100" b="1" dirty="0">
+                <a:solidFill>
+                  <a:srgbClr val="FF0000"/>
+                </a:solidFill>
+                <a:latin typeface="Cambria" panose="02040503050406030204" pitchFamily="18" charset="0"/>
+                <a:ea typeface="Cambria" panose="02040503050406030204" pitchFamily="18" charset="0"/>
+              </a:rPr>
+              <a:t>) </a:t>
+            </a:r>
+          </a:p>
+          <a:p>
+            <a:endParaRPr lang="en-US" sz="1100" b="1" dirty="0">
+              <a:solidFill>
+                <a:srgbClr val="FF0000"/>
+              </a:solidFill>
+              <a:latin typeface="Cambria" panose="02040503050406030204" pitchFamily="18" charset="0"/>
+              <a:ea typeface="Cambria" panose="02040503050406030204" pitchFamily="18" charset="0"/>
+            </a:endParaRPr>
+          </a:p>
+          <a:p>
+            <a:r>
+              <a:rPr lang="en-US" sz="1100" b="1" dirty="0">
+                <a:latin typeface="Cambria" panose="02040503050406030204" pitchFamily="18" charset="0"/>
+                <a:ea typeface="Cambria" panose="02040503050406030204" pitchFamily="18" charset="0"/>
+              </a:rPr>
+              <a:t>Insert values as per the above table </a:t>
+            </a:r>
+            <a:endParaRPr lang="en-US" sz="1100" b="1" dirty="0" smtClean="0">
+              <a:latin typeface="Cambria" panose="02040503050406030204" pitchFamily="18" charset="0"/>
+              <a:ea typeface="Cambria" panose="02040503050406030204" pitchFamily="18" charset="0"/>
+            </a:endParaRPr>
+          </a:p>
+          <a:p>
+            <a:r>
+              <a:rPr lang="en-US" sz="1100" b="1" dirty="0" smtClean="0">
+                <a:latin typeface="Cambria" panose="02040503050406030204" pitchFamily="18" charset="0"/>
+                <a:ea typeface="Cambria" panose="02040503050406030204" pitchFamily="18" charset="0"/>
+              </a:rPr>
+              <a:t>Query for ISNULL and COALEASE function</a:t>
+            </a:r>
+          </a:p>
+          <a:p>
+            <a:endParaRPr lang="en-US" sz="1100" b="1" dirty="0">
+              <a:latin typeface="Cambria" panose="02040503050406030204" pitchFamily="18" charset="0"/>
+              <a:ea typeface="Cambria" panose="02040503050406030204" pitchFamily="18" charset="0"/>
+            </a:endParaRPr>
+          </a:p>
+          <a:p>
+            <a:r>
+              <a:rPr lang="en-US" sz="1100" b="1" dirty="0">
+                <a:solidFill>
+                  <a:srgbClr val="FF0000"/>
+                </a:solidFill>
+                <a:latin typeface="Cambria" panose="02040503050406030204" pitchFamily="18" charset="0"/>
+                <a:ea typeface="Cambria" panose="02040503050406030204" pitchFamily="18" charset="0"/>
+              </a:rPr>
+              <a:t>select * , COALESCE(Name1,Name2,Name3,Name4,Name4) as </a:t>
+            </a:r>
+            <a:r>
+              <a:rPr lang="en-US" sz="1100" b="1" dirty="0" err="1">
+                <a:solidFill>
+                  <a:srgbClr val="FF0000"/>
+                </a:solidFill>
+                <a:latin typeface="Cambria" panose="02040503050406030204" pitchFamily="18" charset="0"/>
+                <a:ea typeface="Cambria" panose="02040503050406030204" pitchFamily="18" charset="0"/>
+              </a:rPr>
+              <a:t>COALESCEvalue</a:t>
+            </a:r>
+            <a:r>
+              <a:rPr lang="en-US" sz="1100" b="1" dirty="0">
+                <a:solidFill>
+                  <a:srgbClr val="FF0000"/>
+                </a:solidFill>
+                <a:latin typeface="Cambria" panose="02040503050406030204" pitchFamily="18" charset="0"/>
+                <a:ea typeface="Cambria" panose="02040503050406030204" pitchFamily="18" charset="0"/>
+              </a:rPr>
+              <a:t>, </a:t>
+            </a:r>
+          </a:p>
+          <a:p>
+            <a:r>
+              <a:rPr lang="en-US" sz="1100" b="1" dirty="0">
+                <a:solidFill>
+                  <a:srgbClr val="FF0000"/>
+                </a:solidFill>
+                <a:latin typeface="Cambria" panose="02040503050406030204" pitchFamily="18" charset="0"/>
+                <a:ea typeface="Cambria" panose="02040503050406030204" pitchFamily="18" charset="0"/>
+              </a:rPr>
+              <a:t>ISNULL(Name1,Name2) as </a:t>
+            </a:r>
+            <a:r>
+              <a:rPr lang="en-US" sz="1100" b="1" dirty="0" err="1">
+                <a:solidFill>
+                  <a:srgbClr val="FF0000"/>
+                </a:solidFill>
+                <a:latin typeface="Cambria" panose="02040503050406030204" pitchFamily="18" charset="0"/>
+                <a:ea typeface="Cambria" panose="02040503050406030204" pitchFamily="18" charset="0"/>
+              </a:rPr>
+              <a:t>ISNULLValue</a:t>
+            </a:r>
+            <a:endParaRPr lang="en-US" sz="1100" b="1" dirty="0">
+              <a:solidFill>
+                <a:srgbClr val="FF0000"/>
+              </a:solidFill>
+              <a:latin typeface="Cambria" panose="02040503050406030204" pitchFamily="18" charset="0"/>
+              <a:ea typeface="Cambria" panose="02040503050406030204" pitchFamily="18" charset="0"/>
+            </a:endParaRPr>
+          </a:p>
+          <a:p>
+            <a:r>
+              <a:rPr lang="en-US" sz="1100" b="1" dirty="0">
+                <a:solidFill>
+                  <a:srgbClr val="FF0000"/>
+                </a:solidFill>
+                <a:latin typeface="Cambria" panose="02040503050406030204" pitchFamily="18" charset="0"/>
+                <a:ea typeface="Cambria" panose="02040503050406030204" pitchFamily="18" charset="0"/>
+              </a:rPr>
+              <a:t> from [</a:t>
+            </a:r>
+            <a:r>
+              <a:rPr lang="en-US" sz="1100" b="1" dirty="0" err="1">
+                <a:solidFill>
+                  <a:srgbClr val="FF0000"/>
+                </a:solidFill>
+                <a:latin typeface="Cambria" panose="02040503050406030204" pitchFamily="18" charset="0"/>
+                <a:ea typeface="Cambria" panose="02040503050406030204" pitchFamily="18" charset="0"/>
+              </a:rPr>
+              <a:t>dbo</a:t>
+            </a:r>
+            <a:r>
+              <a:rPr lang="en-US" sz="1100" b="1" dirty="0">
+                <a:solidFill>
+                  <a:srgbClr val="FF0000"/>
+                </a:solidFill>
+                <a:latin typeface="Cambria" panose="02040503050406030204" pitchFamily="18" charset="0"/>
+                <a:ea typeface="Cambria" panose="02040503050406030204" pitchFamily="18" charset="0"/>
+              </a:rPr>
+              <a:t>].[</a:t>
+            </a:r>
+            <a:r>
+              <a:rPr lang="en-US" sz="1100" b="1" dirty="0" err="1">
+                <a:solidFill>
+                  <a:srgbClr val="FF0000"/>
+                </a:solidFill>
+                <a:latin typeface="Cambria" panose="02040503050406030204" pitchFamily="18" charset="0"/>
+                <a:ea typeface="Cambria" panose="02040503050406030204" pitchFamily="18" charset="0"/>
+              </a:rPr>
+              <a:t>Coalease_Fn</a:t>
+            </a:r>
+            <a:r>
+              <a:rPr lang="en-US" sz="1100" b="1" dirty="0">
+                <a:solidFill>
+                  <a:srgbClr val="FF0000"/>
+                </a:solidFill>
+                <a:latin typeface="Cambria" panose="02040503050406030204" pitchFamily="18" charset="0"/>
+                <a:ea typeface="Cambria" panose="02040503050406030204" pitchFamily="18" charset="0"/>
+              </a:rPr>
+              <a:t>]</a:t>
+            </a:r>
+          </a:p>
+        </p:txBody>
+      </p:sp>
+      <p:graphicFrame>
+        <p:nvGraphicFramePr>
+          <p:cNvPr id="10" name="Table 9"/>
+          <p:cNvGraphicFramePr>
+            <a:graphicFrameLocks noGrp="1"/>
+          </p:cNvGraphicFramePr>
+          <p:nvPr>
+            <p:extLst>
+              <p:ext uri="{D42A27DB-BD31-4B8C-83A1-F6EECF244321}">
+                <p14:modId xmlns:p14="http://schemas.microsoft.com/office/powerpoint/2010/main" val="3854551049"/>
+              </p:ext>
+            </p:extLst>
+          </p:nvPr>
+        </p:nvGraphicFramePr>
+        <p:xfrm>
+          <a:off x="9069083" y="360741"/>
+          <a:ext cx="3031668" cy="1289050"/>
+        </p:xfrm>
+        <a:graphic>
+          <a:graphicData uri="http://schemas.openxmlformats.org/drawingml/2006/table">
+            <a:tbl>
+              <a:tblPr>
+                <a:tableStyleId>{69C7853C-536D-4A76-A0AE-DD22124D55A5}</a:tableStyleId>
+              </a:tblPr>
+              <a:tblGrid>
+                <a:gridCol w="505278"/>
+                <a:gridCol w="505278"/>
+                <a:gridCol w="505278"/>
+                <a:gridCol w="505278"/>
+                <a:gridCol w="505278"/>
+                <a:gridCol w="505278"/>
+              </a:tblGrid>
+              <a:tr h="184150">
+                <a:tc>
+                  <a:txBody>
+                    <a:bodyPr/>
+                    <a:lstStyle/>
+                    <a:p>
+                      <a:pPr algn="ctr" fontAlgn="b"/>
+                      <a:r>
+                        <a:rPr lang="en-US" sz="1100" b="1" u="none" strike="noStrike" dirty="0">
+                          <a:effectLst/>
+                          <a:latin typeface="Calibri" panose="020F0502020204030204" pitchFamily="34" charset="0"/>
+                          <a:cs typeface="Calibri" panose="020F0502020204030204" pitchFamily="34" charset="0"/>
+                        </a:rPr>
+                        <a:t>ID</a:t>
+                      </a:r>
+                      <a:endParaRPr lang="en-US" sz="1100" b="1" i="0" u="none" strike="noStrike" dirty="0">
+                        <a:solidFill>
+                          <a:srgbClr val="000000"/>
+                        </a:solidFill>
+                        <a:effectLst/>
+                        <a:latin typeface="Calibri" panose="020F0502020204030204" pitchFamily="34" charset="0"/>
+                        <a:cs typeface="Calibri" panose="020F0502020204030204" pitchFamily="34" charset="0"/>
+                      </a:endParaRPr>
+                    </a:p>
+                  </a:txBody>
+                  <a:tcPr marL="6350" marR="6350" marT="6350" marB="0" anchor="b"/>
+                </a:tc>
+                <a:tc>
+                  <a:txBody>
+                    <a:bodyPr/>
+                    <a:lstStyle/>
+                    <a:p>
+                      <a:pPr algn="ctr" fontAlgn="b"/>
+                      <a:r>
+                        <a:rPr lang="en-US" sz="1100" b="1" u="none" strike="noStrike">
+                          <a:effectLst/>
+                          <a:latin typeface="Calibri" panose="020F0502020204030204" pitchFamily="34" charset="0"/>
+                          <a:cs typeface="Calibri" panose="020F0502020204030204" pitchFamily="34" charset="0"/>
+                        </a:rPr>
+                        <a:t>Name1</a:t>
+                      </a:r>
+                      <a:endParaRPr lang="en-US" sz="1100" b="1" i="0" u="none" strike="noStrike">
+                        <a:solidFill>
+                          <a:srgbClr val="000000"/>
+                        </a:solidFill>
+                        <a:effectLst/>
+                        <a:latin typeface="Calibri" panose="020F0502020204030204" pitchFamily="34" charset="0"/>
+                        <a:cs typeface="Calibri" panose="020F0502020204030204" pitchFamily="34" charset="0"/>
+                      </a:endParaRPr>
+                    </a:p>
+                  </a:txBody>
+                  <a:tcPr marL="6350" marR="6350" marT="6350" marB="0" anchor="b"/>
+                </a:tc>
+                <a:tc>
+                  <a:txBody>
+                    <a:bodyPr/>
+                    <a:lstStyle/>
+                    <a:p>
+                      <a:pPr algn="ctr" fontAlgn="b"/>
+                      <a:r>
+                        <a:rPr lang="en-US" sz="1100" b="1" u="none" strike="noStrike" dirty="0">
+                          <a:effectLst/>
+                          <a:latin typeface="Calibri" panose="020F0502020204030204" pitchFamily="34" charset="0"/>
+                          <a:cs typeface="Calibri" panose="020F0502020204030204" pitchFamily="34" charset="0"/>
+                        </a:rPr>
+                        <a:t>Name2</a:t>
+                      </a:r>
+                      <a:endParaRPr lang="en-US" sz="1100" b="1" i="0" u="none" strike="noStrike" dirty="0">
+                        <a:solidFill>
+                          <a:srgbClr val="000000"/>
+                        </a:solidFill>
+                        <a:effectLst/>
+                        <a:latin typeface="Calibri" panose="020F0502020204030204" pitchFamily="34" charset="0"/>
+                        <a:cs typeface="Calibri" panose="020F0502020204030204" pitchFamily="34" charset="0"/>
+                      </a:endParaRPr>
+                    </a:p>
+                  </a:txBody>
+                  <a:tcPr marL="6350" marR="6350" marT="6350" marB="0" anchor="b"/>
+                </a:tc>
+                <a:tc>
+                  <a:txBody>
+                    <a:bodyPr/>
+                    <a:lstStyle/>
+                    <a:p>
+                      <a:pPr algn="ctr" fontAlgn="b"/>
+                      <a:r>
+                        <a:rPr lang="en-US" sz="1100" b="1" u="none" strike="noStrike" dirty="0">
+                          <a:effectLst/>
+                          <a:latin typeface="Calibri" panose="020F0502020204030204" pitchFamily="34" charset="0"/>
+                          <a:cs typeface="Calibri" panose="020F0502020204030204" pitchFamily="34" charset="0"/>
+                        </a:rPr>
+                        <a:t>Name3</a:t>
+                      </a:r>
+                      <a:endParaRPr lang="en-US" sz="1100" b="1" i="0" u="none" strike="noStrike" dirty="0">
+                        <a:solidFill>
+                          <a:srgbClr val="000000"/>
+                        </a:solidFill>
+                        <a:effectLst/>
+                        <a:latin typeface="Calibri" panose="020F0502020204030204" pitchFamily="34" charset="0"/>
+                        <a:cs typeface="Calibri" panose="020F0502020204030204" pitchFamily="34" charset="0"/>
+                      </a:endParaRPr>
+                    </a:p>
+                  </a:txBody>
+                  <a:tcPr marL="6350" marR="6350" marT="6350" marB="0" anchor="b"/>
+                </a:tc>
+                <a:tc>
+                  <a:txBody>
+                    <a:bodyPr/>
+                    <a:lstStyle/>
+                    <a:p>
+                      <a:pPr algn="ctr" fontAlgn="b"/>
+                      <a:r>
+                        <a:rPr lang="en-US" sz="1100" b="1" u="none" strike="noStrike" dirty="0">
+                          <a:effectLst/>
+                          <a:latin typeface="Calibri" panose="020F0502020204030204" pitchFamily="34" charset="0"/>
+                          <a:cs typeface="Calibri" panose="020F0502020204030204" pitchFamily="34" charset="0"/>
+                        </a:rPr>
+                        <a:t>Name4</a:t>
+                      </a:r>
+                      <a:endParaRPr lang="en-US" sz="1100" b="1" i="0" u="none" strike="noStrike" dirty="0">
+                        <a:solidFill>
+                          <a:srgbClr val="000000"/>
+                        </a:solidFill>
+                        <a:effectLst/>
+                        <a:latin typeface="Calibri" panose="020F0502020204030204" pitchFamily="34" charset="0"/>
+                        <a:cs typeface="Calibri" panose="020F0502020204030204" pitchFamily="34" charset="0"/>
+                      </a:endParaRPr>
+                    </a:p>
+                  </a:txBody>
+                  <a:tcPr marL="6350" marR="6350" marT="6350" marB="0" anchor="b"/>
+                </a:tc>
+                <a:tc>
+                  <a:txBody>
+                    <a:bodyPr/>
+                    <a:lstStyle/>
+                    <a:p>
+                      <a:pPr algn="ctr" fontAlgn="b"/>
+                      <a:r>
+                        <a:rPr lang="en-US" sz="1100" b="1" u="none" strike="noStrike" dirty="0">
+                          <a:effectLst/>
+                          <a:latin typeface="Calibri" panose="020F0502020204030204" pitchFamily="34" charset="0"/>
+                          <a:cs typeface="Calibri" panose="020F0502020204030204" pitchFamily="34" charset="0"/>
+                        </a:rPr>
+                        <a:t>Name5</a:t>
+                      </a:r>
+                      <a:endParaRPr lang="en-US" sz="1100" b="1" i="0" u="none" strike="noStrike" dirty="0">
+                        <a:solidFill>
+                          <a:srgbClr val="000000"/>
+                        </a:solidFill>
+                        <a:effectLst/>
+                        <a:latin typeface="Calibri" panose="020F0502020204030204" pitchFamily="34" charset="0"/>
+                        <a:cs typeface="Calibri" panose="020F0502020204030204" pitchFamily="34" charset="0"/>
+                      </a:endParaRPr>
+                    </a:p>
+                  </a:txBody>
+                  <a:tcPr marL="6350" marR="6350" marT="6350" marB="0" anchor="b"/>
+                </a:tc>
+              </a:tr>
+              <a:tr h="184150">
+                <a:tc>
+                  <a:txBody>
+                    <a:bodyPr/>
+                    <a:lstStyle/>
+                    <a:p>
+                      <a:pPr algn="ctr" fontAlgn="b"/>
+                      <a:r>
+                        <a:rPr lang="en-US" sz="1100" u="none" strike="noStrike" dirty="0">
+                          <a:effectLst/>
+                          <a:latin typeface="Calibri" panose="020F0502020204030204" pitchFamily="34" charset="0"/>
+                          <a:cs typeface="Calibri" panose="020F0502020204030204" pitchFamily="34" charset="0"/>
+                        </a:rPr>
+                        <a:t>1</a:t>
+                      </a:r>
+                      <a:endParaRPr lang="en-US" sz="1100" b="0" i="0" u="none" strike="noStrike" dirty="0">
+                        <a:solidFill>
+                          <a:srgbClr val="000000"/>
+                        </a:solidFill>
+                        <a:effectLst/>
+                        <a:latin typeface="Calibri" panose="020F0502020204030204" pitchFamily="34" charset="0"/>
+                        <a:cs typeface="Calibri" panose="020F0502020204030204" pitchFamily="34" charset="0"/>
+                      </a:endParaRPr>
+                    </a:p>
+                  </a:txBody>
+                  <a:tcPr marL="6350" marR="6350" marT="6350" marB="0" anchor="b"/>
+                </a:tc>
+                <a:tc>
+                  <a:txBody>
+                    <a:bodyPr/>
+                    <a:lstStyle/>
+                    <a:p>
+                      <a:pPr algn="ctr" fontAlgn="b"/>
+                      <a:r>
+                        <a:rPr lang="en-US" sz="1100" u="none" strike="noStrike" dirty="0">
+                          <a:effectLst/>
+                          <a:latin typeface="Calibri" panose="020F0502020204030204" pitchFamily="34" charset="0"/>
+                          <a:cs typeface="Calibri" panose="020F0502020204030204" pitchFamily="34" charset="0"/>
+                        </a:rPr>
+                        <a:t>A</a:t>
+                      </a:r>
+                      <a:endParaRPr lang="en-US" sz="1100" b="0" i="0" u="none" strike="noStrike" dirty="0">
+                        <a:solidFill>
+                          <a:srgbClr val="000000"/>
+                        </a:solidFill>
+                        <a:effectLst/>
+                        <a:latin typeface="Calibri" panose="020F0502020204030204" pitchFamily="34" charset="0"/>
+                        <a:cs typeface="Calibri" panose="020F0502020204030204" pitchFamily="34" charset="0"/>
+                      </a:endParaRPr>
+                    </a:p>
+                  </a:txBody>
+                  <a:tcPr marL="6350" marR="6350" marT="6350" marB="0" anchor="b"/>
+                </a:tc>
+                <a:tc>
+                  <a:txBody>
+                    <a:bodyPr/>
+                    <a:lstStyle/>
+                    <a:p>
+                      <a:pPr algn="ctr" fontAlgn="b"/>
+                      <a:r>
+                        <a:rPr lang="en-US" sz="1100" u="none" strike="noStrike" dirty="0">
+                          <a:effectLst/>
+                          <a:latin typeface="Calibri" panose="020F0502020204030204" pitchFamily="34" charset="0"/>
+                          <a:cs typeface="Calibri" panose="020F0502020204030204" pitchFamily="34" charset="0"/>
+                        </a:rPr>
+                        <a:t>NULL</a:t>
+                      </a:r>
+                      <a:endParaRPr lang="en-US" sz="1100" b="0" i="0" u="none" strike="noStrike" dirty="0">
+                        <a:solidFill>
+                          <a:srgbClr val="000000"/>
+                        </a:solidFill>
+                        <a:effectLst/>
+                        <a:latin typeface="Calibri" panose="020F0502020204030204" pitchFamily="34" charset="0"/>
+                        <a:cs typeface="Calibri" panose="020F0502020204030204" pitchFamily="34" charset="0"/>
+                      </a:endParaRPr>
+                    </a:p>
+                  </a:txBody>
+                  <a:tcPr marL="6350" marR="6350" marT="6350" marB="0" anchor="b"/>
+                </a:tc>
+                <a:tc>
+                  <a:txBody>
+                    <a:bodyPr/>
+                    <a:lstStyle/>
+                    <a:p>
+                      <a:pPr algn="ctr" fontAlgn="b"/>
+                      <a:r>
+                        <a:rPr lang="en-US" sz="1100" u="none" strike="noStrike">
+                          <a:effectLst/>
+                          <a:latin typeface="Calibri" panose="020F0502020204030204" pitchFamily="34" charset="0"/>
+                          <a:cs typeface="Calibri" panose="020F0502020204030204" pitchFamily="34" charset="0"/>
+                        </a:rPr>
+                        <a:t>B</a:t>
+                      </a:r>
+                      <a:endParaRPr lang="en-US" sz="1100" b="0" i="0" u="none" strike="noStrike">
+                        <a:solidFill>
+                          <a:srgbClr val="000000"/>
+                        </a:solidFill>
+                        <a:effectLst/>
+                        <a:latin typeface="Calibri" panose="020F0502020204030204" pitchFamily="34" charset="0"/>
+                        <a:cs typeface="Calibri" panose="020F0502020204030204" pitchFamily="34" charset="0"/>
+                      </a:endParaRPr>
+                    </a:p>
+                  </a:txBody>
+                  <a:tcPr marL="6350" marR="6350" marT="6350" marB="0" anchor="b"/>
+                </a:tc>
+                <a:tc>
+                  <a:txBody>
+                    <a:bodyPr/>
+                    <a:lstStyle/>
+                    <a:p>
+                      <a:pPr algn="ctr" fontAlgn="b"/>
+                      <a:r>
+                        <a:rPr lang="en-US" sz="1100" u="none" strike="noStrike">
+                          <a:effectLst/>
+                          <a:latin typeface="Calibri" panose="020F0502020204030204" pitchFamily="34" charset="0"/>
+                          <a:cs typeface="Calibri" panose="020F0502020204030204" pitchFamily="34" charset="0"/>
+                        </a:rPr>
+                        <a:t>C</a:t>
+                      </a:r>
+                      <a:endParaRPr lang="en-US" sz="1100" b="0" i="0" u="none" strike="noStrike">
+                        <a:solidFill>
+                          <a:srgbClr val="000000"/>
+                        </a:solidFill>
+                        <a:effectLst/>
+                        <a:latin typeface="Calibri" panose="020F0502020204030204" pitchFamily="34" charset="0"/>
+                        <a:cs typeface="Calibri" panose="020F0502020204030204" pitchFamily="34" charset="0"/>
+                      </a:endParaRPr>
+                    </a:p>
+                  </a:txBody>
+                  <a:tcPr marL="6350" marR="6350" marT="6350" marB="0" anchor="b"/>
+                </a:tc>
+                <a:tc>
+                  <a:txBody>
+                    <a:bodyPr/>
+                    <a:lstStyle/>
+                    <a:p>
+                      <a:pPr algn="ctr" fontAlgn="b"/>
+                      <a:r>
+                        <a:rPr lang="en-US" sz="1100" u="none" strike="noStrike">
+                          <a:effectLst/>
+                          <a:latin typeface="Calibri" panose="020F0502020204030204" pitchFamily="34" charset="0"/>
+                          <a:cs typeface="Calibri" panose="020F0502020204030204" pitchFamily="34" charset="0"/>
+                        </a:rPr>
+                        <a:t>NULL</a:t>
+                      </a:r>
+                      <a:endParaRPr lang="en-US" sz="1100" b="0" i="0" u="none" strike="noStrike">
+                        <a:solidFill>
+                          <a:srgbClr val="000000"/>
+                        </a:solidFill>
+                        <a:effectLst/>
+                        <a:latin typeface="Calibri" panose="020F0502020204030204" pitchFamily="34" charset="0"/>
+                        <a:cs typeface="Calibri" panose="020F0502020204030204" pitchFamily="34" charset="0"/>
+                      </a:endParaRPr>
+                    </a:p>
+                  </a:txBody>
+                  <a:tcPr marL="6350" marR="6350" marT="6350" marB="0" anchor="b"/>
+                </a:tc>
+              </a:tr>
+              <a:tr h="184150">
+                <a:tc>
+                  <a:txBody>
+                    <a:bodyPr/>
+                    <a:lstStyle/>
+                    <a:p>
+                      <a:pPr algn="ctr" fontAlgn="b"/>
+                      <a:r>
+                        <a:rPr lang="en-US" sz="1100" u="none" strike="noStrike">
+                          <a:effectLst/>
+                          <a:latin typeface="Calibri" panose="020F0502020204030204" pitchFamily="34" charset="0"/>
+                          <a:cs typeface="Calibri" panose="020F0502020204030204" pitchFamily="34" charset="0"/>
+                        </a:rPr>
+                        <a:t>2</a:t>
+                      </a:r>
+                      <a:endParaRPr lang="en-US" sz="1100" b="0" i="0" u="none" strike="noStrike">
+                        <a:solidFill>
+                          <a:srgbClr val="000000"/>
+                        </a:solidFill>
+                        <a:effectLst/>
+                        <a:latin typeface="Calibri" panose="020F0502020204030204" pitchFamily="34" charset="0"/>
+                        <a:cs typeface="Calibri" panose="020F0502020204030204" pitchFamily="34" charset="0"/>
+                      </a:endParaRPr>
+                    </a:p>
+                  </a:txBody>
+                  <a:tcPr marL="6350" marR="6350" marT="6350" marB="0" anchor="b"/>
+                </a:tc>
+                <a:tc>
+                  <a:txBody>
+                    <a:bodyPr/>
+                    <a:lstStyle/>
+                    <a:p>
+                      <a:pPr algn="ctr" fontAlgn="b"/>
+                      <a:r>
+                        <a:rPr lang="en-US" sz="1100" u="none" strike="noStrike">
+                          <a:effectLst/>
+                          <a:latin typeface="Calibri" panose="020F0502020204030204" pitchFamily="34" charset="0"/>
+                          <a:cs typeface="Calibri" panose="020F0502020204030204" pitchFamily="34" charset="0"/>
+                        </a:rPr>
+                        <a:t>NULL</a:t>
+                      </a:r>
+                      <a:endParaRPr lang="en-US" sz="1100" b="0" i="0" u="none" strike="noStrike">
+                        <a:solidFill>
+                          <a:srgbClr val="000000"/>
+                        </a:solidFill>
+                        <a:effectLst/>
+                        <a:latin typeface="Calibri" panose="020F0502020204030204" pitchFamily="34" charset="0"/>
+                        <a:cs typeface="Calibri" panose="020F0502020204030204" pitchFamily="34" charset="0"/>
+                      </a:endParaRPr>
+                    </a:p>
+                  </a:txBody>
+                  <a:tcPr marL="6350" marR="6350" marT="6350" marB="0" anchor="b"/>
+                </a:tc>
+                <a:tc>
+                  <a:txBody>
+                    <a:bodyPr/>
+                    <a:lstStyle/>
+                    <a:p>
+                      <a:pPr algn="ctr" fontAlgn="b"/>
+                      <a:r>
+                        <a:rPr lang="en-US" sz="1100" u="none" strike="noStrike">
+                          <a:effectLst/>
+                          <a:latin typeface="Calibri" panose="020F0502020204030204" pitchFamily="34" charset="0"/>
+                          <a:cs typeface="Calibri" panose="020F0502020204030204" pitchFamily="34" charset="0"/>
+                        </a:rPr>
+                        <a:t>NULL</a:t>
+                      </a:r>
+                      <a:endParaRPr lang="en-US" sz="1100" b="0" i="0" u="none" strike="noStrike">
+                        <a:solidFill>
+                          <a:srgbClr val="000000"/>
+                        </a:solidFill>
+                        <a:effectLst/>
+                        <a:latin typeface="Calibri" panose="020F0502020204030204" pitchFamily="34" charset="0"/>
+                        <a:cs typeface="Calibri" panose="020F0502020204030204" pitchFamily="34" charset="0"/>
+                      </a:endParaRPr>
+                    </a:p>
+                  </a:txBody>
+                  <a:tcPr marL="6350" marR="6350" marT="6350" marB="0" anchor="b"/>
+                </a:tc>
+                <a:tc>
+                  <a:txBody>
+                    <a:bodyPr/>
+                    <a:lstStyle/>
+                    <a:p>
+                      <a:pPr algn="ctr" fontAlgn="b"/>
+                      <a:r>
+                        <a:rPr lang="en-US" sz="1100" u="none" strike="noStrike">
+                          <a:effectLst/>
+                          <a:latin typeface="Calibri" panose="020F0502020204030204" pitchFamily="34" charset="0"/>
+                          <a:cs typeface="Calibri" panose="020F0502020204030204" pitchFamily="34" charset="0"/>
+                        </a:rPr>
+                        <a:t>C</a:t>
+                      </a:r>
+                      <a:endParaRPr lang="en-US" sz="1100" b="0" i="0" u="none" strike="noStrike">
+                        <a:solidFill>
+                          <a:srgbClr val="000000"/>
+                        </a:solidFill>
+                        <a:effectLst/>
+                        <a:latin typeface="Calibri" panose="020F0502020204030204" pitchFamily="34" charset="0"/>
+                        <a:cs typeface="Calibri" panose="020F0502020204030204" pitchFamily="34" charset="0"/>
+                      </a:endParaRPr>
+                    </a:p>
+                  </a:txBody>
+                  <a:tcPr marL="6350" marR="6350" marT="6350" marB="0" anchor="b"/>
+                </a:tc>
+                <a:tc>
+                  <a:txBody>
+                    <a:bodyPr/>
+                    <a:lstStyle/>
+                    <a:p>
+                      <a:pPr algn="ctr" fontAlgn="b"/>
+                      <a:r>
+                        <a:rPr lang="en-US" sz="1100" u="none" strike="noStrike">
+                          <a:effectLst/>
+                          <a:latin typeface="Calibri" panose="020F0502020204030204" pitchFamily="34" charset="0"/>
+                          <a:cs typeface="Calibri" panose="020F0502020204030204" pitchFamily="34" charset="0"/>
+                        </a:rPr>
+                        <a:t>D</a:t>
+                      </a:r>
+                      <a:endParaRPr lang="en-US" sz="1100" b="0" i="0" u="none" strike="noStrike">
+                        <a:solidFill>
+                          <a:srgbClr val="000000"/>
+                        </a:solidFill>
+                        <a:effectLst/>
+                        <a:latin typeface="Calibri" panose="020F0502020204030204" pitchFamily="34" charset="0"/>
+                        <a:cs typeface="Calibri" panose="020F0502020204030204" pitchFamily="34" charset="0"/>
+                      </a:endParaRPr>
+                    </a:p>
+                  </a:txBody>
+                  <a:tcPr marL="6350" marR="6350" marT="6350" marB="0" anchor="b"/>
+                </a:tc>
+                <a:tc>
+                  <a:txBody>
+                    <a:bodyPr/>
+                    <a:lstStyle/>
+                    <a:p>
+                      <a:pPr algn="ctr" fontAlgn="b"/>
+                      <a:r>
+                        <a:rPr lang="en-US" sz="1100" u="none" strike="noStrike">
+                          <a:effectLst/>
+                          <a:latin typeface="Calibri" panose="020F0502020204030204" pitchFamily="34" charset="0"/>
+                          <a:cs typeface="Calibri" panose="020F0502020204030204" pitchFamily="34" charset="0"/>
+                        </a:rPr>
+                        <a:t>E</a:t>
+                      </a:r>
+                      <a:endParaRPr lang="en-US" sz="1100" b="0" i="0" u="none" strike="noStrike">
+                        <a:solidFill>
+                          <a:srgbClr val="000000"/>
+                        </a:solidFill>
+                        <a:effectLst/>
+                        <a:latin typeface="Calibri" panose="020F0502020204030204" pitchFamily="34" charset="0"/>
+                        <a:cs typeface="Calibri" panose="020F0502020204030204" pitchFamily="34" charset="0"/>
+                      </a:endParaRPr>
+                    </a:p>
+                  </a:txBody>
+                  <a:tcPr marL="6350" marR="6350" marT="6350" marB="0" anchor="b"/>
+                </a:tc>
+              </a:tr>
+              <a:tr h="184150">
+                <a:tc>
+                  <a:txBody>
+                    <a:bodyPr/>
+                    <a:lstStyle/>
+                    <a:p>
+                      <a:pPr algn="ctr" fontAlgn="b"/>
+                      <a:r>
+                        <a:rPr lang="en-US" sz="1100" u="none" strike="noStrike">
+                          <a:effectLst/>
+                          <a:latin typeface="Calibri" panose="020F0502020204030204" pitchFamily="34" charset="0"/>
+                          <a:cs typeface="Calibri" panose="020F0502020204030204" pitchFamily="34" charset="0"/>
+                        </a:rPr>
+                        <a:t>3</a:t>
+                      </a:r>
+                      <a:endParaRPr lang="en-US" sz="1100" b="0" i="0" u="none" strike="noStrike">
+                        <a:solidFill>
+                          <a:srgbClr val="000000"/>
+                        </a:solidFill>
+                        <a:effectLst/>
+                        <a:latin typeface="Calibri" panose="020F0502020204030204" pitchFamily="34" charset="0"/>
+                        <a:cs typeface="Calibri" panose="020F0502020204030204" pitchFamily="34" charset="0"/>
+                      </a:endParaRPr>
+                    </a:p>
+                  </a:txBody>
+                  <a:tcPr marL="6350" marR="6350" marT="6350" marB="0" anchor="b"/>
+                </a:tc>
+                <a:tc>
+                  <a:txBody>
+                    <a:bodyPr/>
+                    <a:lstStyle/>
+                    <a:p>
+                      <a:pPr algn="ctr" fontAlgn="b"/>
+                      <a:r>
+                        <a:rPr lang="en-US" sz="1100" u="none" strike="noStrike">
+                          <a:effectLst/>
+                          <a:latin typeface="Calibri" panose="020F0502020204030204" pitchFamily="34" charset="0"/>
+                          <a:cs typeface="Calibri" panose="020F0502020204030204" pitchFamily="34" charset="0"/>
+                        </a:rPr>
+                        <a:t>NULL</a:t>
+                      </a:r>
+                      <a:endParaRPr lang="en-US" sz="1100" b="0" i="0" u="none" strike="noStrike">
+                        <a:solidFill>
+                          <a:srgbClr val="000000"/>
+                        </a:solidFill>
+                        <a:effectLst/>
+                        <a:latin typeface="Calibri" panose="020F0502020204030204" pitchFamily="34" charset="0"/>
+                        <a:cs typeface="Calibri" panose="020F0502020204030204" pitchFamily="34" charset="0"/>
+                      </a:endParaRPr>
+                    </a:p>
+                  </a:txBody>
+                  <a:tcPr marL="6350" marR="6350" marT="6350" marB="0" anchor="b"/>
+                </a:tc>
+                <a:tc>
+                  <a:txBody>
+                    <a:bodyPr/>
+                    <a:lstStyle/>
+                    <a:p>
+                      <a:pPr algn="ctr" fontAlgn="b"/>
+                      <a:r>
+                        <a:rPr lang="en-US" sz="1100" u="none" strike="noStrike">
+                          <a:effectLst/>
+                          <a:latin typeface="Calibri" panose="020F0502020204030204" pitchFamily="34" charset="0"/>
+                          <a:cs typeface="Calibri" panose="020F0502020204030204" pitchFamily="34" charset="0"/>
+                        </a:rPr>
+                        <a:t>D</a:t>
+                      </a:r>
+                      <a:endParaRPr lang="en-US" sz="1100" b="0" i="0" u="none" strike="noStrike">
+                        <a:solidFill>
+                          <a:srgbClr val="000000"/>
+                        </a:solidFill>
+                        <a:effectLst/>
+                        <a:latin typeface="Calibri" panose="020F0502020204030204" pitchFamily="34" charset="0"/>
+                        <a:cs typeface="Calibri" panose="020F0502020204030204" pitchFamily="34" charset="0"/>
+                      </a:endParaRPr>
+                    </a:p>
+                  </a:txBody>
+                  <a:tcPr marL="6350" marR="6350" marT="6350" marB="0" anchor="b"/>
+                </a:tc>
+                <a:tc>
+                  <a:txBody>
+                    <a:bodyPr/>
+                    <a:lstStyle/>
+                    <a:p>
+                      <a:pPr algn="ctr" fontAlgn="b"/>
+                      <a:r>
+                        <a:rPr lang="en-US" sz="1100" u="none" strike="noStrike">
+                          <a:effectLst/>
+                          <a:latin typeface="Calibri" panose="020F0502020204030204" pitchFamily="34" charset="0"/>
+                          <a:cs typeface="Calibri" panose="020F0502020204030204" pitchFamily="34" charset="0"/>
+                        </a:rPr>
+                        <a:t>F</a:t>
+                      </a:r>
+                      <a:endParaRPr lang="en-US" sz="1100" b="0" i="0" u="none" strike="noStrike">
+                        <a:solidFill>
+                          <a:srgbClr val="000000"/>
+                        </a:solidFill>
+                        <a:effectLst/>
+                        <a:latin typeface="Calibri" panose="020F0502020204030204" pitchFamily="34" charset="0"/>
+                        <a:cs typeface="Calibri" panose="020F0502020204030204" pitchFamily="34" charset="0"/>
+                      </a:endParaRPr>
+                    </a:p>
+                  </a:txBody>
+                  <a:tcPr marL="6350" marR="6350" marT="6350" marB="0" anchor="b"/>
+                </a:tc>
+                <a:tc>
+                  <a:txBody>
+                    <a:bodyPr/>
+                    <a:lstStyle/>
+                    <a:p>
+                      <a:pPr algn="ctr" fontAlgn="b"/>
+                      <a:r>
+                        <a:rPr lang="en-US" sz="1100" u="none" strike="noStrike">
+                          <a:effectLst/>
+                          <a:latin typeface="Calibri" panose="020F0502020204030204" pitchFamily="34" charset="0"/>
+                          <a:cs typeface="Calibri" panose="020F0502020204030204" pitchFamily="34" charset="0"/>
+                        </a:rPr>
+                        <a:t>NULL</a:t>
+                      </a:r>
+                      <a:endParaRPr lang="en-US" sz="1100" b="0" i="0" u="none" strike="noStrike">
+                        <a:solidFill>
+                          <a:srgbClr val="000000"/>
+                        </a:solidFill>
+                        <a:effectLst/>
+                        <a:latin typeface="Calibri" panose="020F0502020204030204" pitchFamily="34" charset="0"/>
+                        <a:cs typeface="Calibri" panose="020F0502020204030204" pitchFamily="34" charset="0"/>
+                      </a:endParaRPr>
+                    </a:p>
+                  </a:txBody>
+                  <a:tcPr marL="6350" marR="6350" marT="6350" marB="0" anchor="b"/>
+                </a:tc>
+                <a:tc>
+                  <a:txBody>
+                    <a:bodyPr/>
+                    <a:lstStyle/>
+                    <a:p>
+                      <a:pPr algn="ctr" fontAlgn="b"/>
+                      <a:r>
+                        <a:rPr lang="en-US" sz="1100" u="none" strike="noStrike">
+                          <a:effectLst/>
+                          <a:latin typeface="Calibri" panose="020F0502020204030204" pitchFamily="34" charset="0"/>
+                          <a:cs typeface="Calibri" panose="020F0502020204030204" pitchFamily="34" charset="0"/>
+                        </a:rPr>
+                        <a:t>V</a:t>
+                      </a:r>
+                      <a:endParaRPr lang="en-US" sz="1100" b="0" i="0" u="none" strike="noStrike">
+                        <a:solidFill>
+                          <a:srgbClr val="000000"/>
+                        </a:solidFill>
+                        <a:effectLst/>
+                        <a:latin typeface="Calibri" panose="020F0502020204030204" pitchFamily="34" charset="0"/>
+                        <a:cs typeface="Calibri" panose="020F0502020204030204" pitchFamily="34" charset="0"/>
+                      </a:endParaRPr>
+                    </a:p>
+                  </a:txBody>
+                  <a:tcPr marL="6350" marR="6350" marT="6350" marB="0" anchor="b"/>
+                </a:tc>
+              </a:tr>
+              <a:tr h="184150">
+                <a:tc>
+                  <a:txBody>
+                    <a:bodyPr/>
+                    <a:lstStyle/>
+                    <a:p>
+                      <a:pPr algn="ctr" fontAlgn="b"/>
+                      <a:r>
+                        <a:rPr lang="en-US" sz="1100" u="none" strike="noStrike">
+                          <a:effectLst/>
+                          <a:latin typeface="Calibri" panose="020F0502020204030204" pitchFamily="34" charset="0"/>
+                          <a:cs typeface="Calibri" panose="020F0502020204030204" pitchFamily="34" charset="0"/>
+                        </a:rPr>
+                        <a:t>4</a:t>
+                      </a:r>
+                      <a:endParaRPr lang="en-US" sz="1100" b="0" i="0" u="none" strike="noStrike">
+                        <a:solidFill>
+                          <a:srgbClr val="000000"/>
+                        </a:solidFill>
+                        <a:effectLst/>
+                        <a:latin typeface="Calibri" panose="020F0502020204030204" pitchFamily="34" charset="0"/>
+                        <a:cs typeface="Calibri" panose="020F0502020204030204" pitchFamily="34" charset="0"/>
+                      </a:endParaRPr>
+                    </a:p>
+                  </a:txBody>
+                  <a:tcPr marL="6350" marR="6350" marT="6350" marB="0" anchor="b"/>
+                </a:tc>
+                <a:tc>
+                  <a:txBody>
+                    <a:bodyPr/>
+                    <a:lstStyle/>
+                    <a:p>
+                      <a:pPr algn="ctr" fontAlgn="b"/>
+                      <a:r>
+                        <a:rPr lang="en-US" sz="1100" u="none" strike="noStrike">
+                          <a:effectLst/>
+                          <a:latin typeface="Calibri" panose="020F0502020204030204" pitchFamily="34" charset="0"/>
+                          <a:cs typeface="Calibri" panose="020F0502020204030204" pitchFamily="34" charset="0"/>
+                        </a:rPr>
+                        <a:t>NULL</a:t>
+                      </a:r>
+                      <a:endParaRPr lang="en-US" sz="1100" b="0" i="0" u="none" strike="noStrike">
+                        <a:solidFill>
+                          <a:srgbClr val="000000"/>
+                        </a:solidFill>
+                        <a:effectLst/>
+                        <a:latin typeface="Calibri" panose="020F0502020204030204" pitchFamily="34" charset="0"/>
+                        <a:cs typeface="Calibri" panose="020F0502020204030204" pitchFamily="34" charset="0"/>
+                      </a:endParaRPr>
+                    </a:p>
+                  </a:txBody>
+                  <a:tcPr marL="6350" marR="6350" marT="6350" marB="0" anchor="b"/>
+                </a:tc>
+                <a:tc>
+                  <a:txBody>
+                    <a:bodyPr/>
+                    <a:lstStyle/>
+                    <a:p>
+                      <a:pPr algn="ctr" fontAlgn="b"/>
+                      <a:r>
+                        <a:rPr lang="en-US" sz="1100" u="none" strike="noStrike">
+                          <a:effectLst/>
+                          <a:latin typeface="Calibri" panose="020F0502020204030204" pitchFamily="34" charset="0"/>
+                          <a:cs typeface="Calibri" panose="020F0502020204030204" pitchFamily="34" charset="0"/>
+                        </a:rPr>
+                        <a:t>NULL</a:t>
+                      </a:r>
+                      <a:endParaRPr lang="en-US" sz="1100" b="0" i="0" u="none" strike="noStrike">
+                        <a:solidFill>
+                          <a:srgbClr val="000000"/>
+                        </a:solidFill>
+                        <a:effectLst/>
+                        <a:latin typeface="Calibri" panose="020F0502020204030204" pitchFamily="34" charset="0"/>
+                        <a:cs typeface="Calibri" panose="020F0502020204030204" pitchFamily="34" charset="0"/>
+                      </a:endParaRPr>
+                    </a:p>
+                  </a:txBody>
+                  <a:tcPr marL="6350" marR="6350" marT="6350" marB="0" anchor="b"/>
+                </a:tc>
+                <a:tc>
+                  <a:txBody>
+                    <a:bodyPr/>
+                    <a:lstStyle/>
+                    <a:p>
+                      <a:pPr algn="ctr" fontAlgn="b"/>
+                      <a:r>
+                        <a:rPr lang="en-US" sz="1100" u="none" strike="noStrike">
+                          <a:effectLst/>
+                          <a:latin typeface="Calibri" panose="020F0502020204030204" pitchFamily="34" charset="0"/>
+                          <a:cs typeface="Calibri" panose="020F0502020204030204" pitchFamily="34" charset="0"/>
+                        </a:rPr>
+                        <a:t>NULL</a:t>
+                      </a:r>
+                      <a:endParaRPr lang="en-US" sz="1100" b="0" i="0" u="none" strike="noStrike">
+                        <a:solidFill>
+                          <a:srgbClr val="000000"/>
+                        </a:solidFill>
+                        <a:effectLst/>
+                        <a:latin typeface="Calibri" panose="020F0502020204030204" pitchFamily="34" charset="0"/>
+                        <a:cs typeface="Calibri" panose="020F0502020204030204" pitchFamily="34" charset="0"/>
+                      </a:endParaRPr>
+                    </a:p>
+                  </a:txBody>
+                  <a:tcPr marL="6350" marR="6350" marT="6350" marB="0" anchor="b"/>
+                </a:tc>
+                <a:tc>
+                  <a:txBody>
+                    <a:bodyPr/>
+                    <a:lstStyle/>
+                    <a:p>
+                      <a:pPr algn="ctr" fontAlgn="b"/>
+                      <a:r>
+                        <a:rPr lang="en-US" sz="1100" u="none" strike="noStrike">
+                          <a:effectLst/>
+                          <a:latin typeface="Calibri" panose="020F0502020204030204" pitchFamily="34" charset="0"/>
+                          <a:cs typeface="Calibri" panose="020F0502020204030204" pitchFamily="34" charset="0"/>
+                        </a:rPr>
+                        <a:t>D</a:t>
+                      </a:r>
+                      <a:endParaRPr lang="en-US" sz="1100" b="0" i="0" u="none" strike="noStrike">
+                        <a:solidFill>
+                          <a:srgbClr val="000000"/>
+                        </a:solidFill>
+                        <a:effectLst/>
+                        <a:latin typeface="Calibri" panose="020F0502020204030204" pitchFamily="34" charset="0"/>
+                        <a:cs typeface="Calibri" panose="020F0502020204030204" pitchFamily="34" charset="0"/>
+                      </a:endParaRPr>
+                    </a:p>
+                  </a:txBody>
+                  <a:tcPr marL="6350" marR="6350" marT="6350" marB="0" anchor="b"/>
+                </a:tc>
+                <a:tc>
+                  <a:txBody>
+                    <a:bodyPr/>
+                    <a:lstStyle/>
+                    <a:p>
+                      <a:pPr algn="ctr" fontAlgn="b"/>
+                      <a:r>
+                        <a:rPr lang="en-US" sz="1100" u="none" strike="noStrike">
+                          <a:effectLst/>
+                          <a:latin typeface="Calibri" panose="020F0502020204030204" pitchFamily="34" charset="0"/>
+                          <a:cs typeface="Calibri" panose="020F0502020204030204" pitchFamily="34" charset="0"/>
+                        </a:rPr>
+                        <a:t>R</a:t>
+                      </a:r>
+                      <a:endParaRPr lang="en-US" sz="1100" b="0" i="0" u="none" strike="noStrike">
+                        <a:solidFill>
+                          <a:srgbClr val="000000"/>
+                        </a:solidFill>
+                        <a:effectLst/>
+                        <a:latin typeface="Calibri" panose="020F0502020204030204" pitchFamily="34" charset="0"/>
+                        <a:cs typeface="Calibri" panose="020F0502020204030204" pitchFamily="34" charset="0"/>
+                      </a:endParaRPr>
+                    </a:p>
+                  </a:txBody>
+                  <a:tcPr marL="6350" marR="6350" marT="6350" marB="0" anchor="b"/>
+                </a:tc>
+              </a:tr>
+              <a:tr h="184150">
+                <a:tc>
+                  <a:txBody>
+                    <a:bodyPr/>
+                    <a:lstStyle/>
+                    <a:p>
+                      <a:pPr algn="ctr" fontAlgn="b"/>
+                      <a:r>
+                        <a:rPr lang="en-US" sz="1100" u="none" strike="noStrike">
+                          <a:effectLst/>
+                          <a:latin typeface="Calibri" panose="020F0502020204030204" pitchFamily="34" charset="0"/>
+                          <a:cs typeface="Calibri" panose="020F0502020204030204" pitchFamily="34" charset="0"/>
+                        </a:rPr>
+                        <a:t>5</a:t>
+                      </a:r>
+                      <a:endParaRPr lang="en-US" sz="1100" b="0" i="0" u="none" strike="noStrike">
+                        <a:solidFill>
+                          <a:srgbClr val="000000"/>
+                        </a:solidFill>
+                        <a:effectLst/>
+                        <a:latin typeface="Calibri" panose="020F0502020204030204" pitchFamily="34" charset="0"/>
+                        <a:cs typeface="Calibri" panose="020F0502020204030204" pitchFamily="34" charset="0"/>
+                      </a:endParaRPr>
+                    </a:p>
+                  </a:txBody>
+                  <a:tcPr marL="6350" marR="6350" marT="6350" marB="0" anchor="b"/>
+                </a:tc>
+                <a:tc>
+                  <a:txBody>
+                    <a:bodyPr/>
+                    <a:lstStyle/>
+                    <a:p>
+                      <a:pPr algn="ctr" fontAlgn="b"/>
+                      <a:r>
+                        <a:rPr lang="en-US" sz="1100" u="none" strike="noStrike">
+                          <a:effectLst/>
+                          <a:latin typeface="Calibri" panose="020F0502020204030204" pitchFamily="34" charset="0"/>
+                          <a:cs typeface="Calibri" panose="020F0502020204030204" pitchFamily="34" charset="0"/>
+                        </a:rPr>
+                        <a:t>NULL</a:t>
+                      </a:r>
+                      <a:endParaRPr lang="en-US" sz="1100" b="0" i="0" u="none" strike="noStrike">
+                        <a:solidFill>
+                          <a:srgbClr val="000000"/>
+                        </a:solidFill>
+                        <a:effectLst/>
+                        <a:latin typeface="Calibri" panose="020F0502020204030204" pitchFamily="34" charset="0"/>
+                        <a:cs typeface="Calibri" panose="020F0502020204030204" pitchFamily="34" charset="0"/>
+                      </a:endParaRPr>
+                    </a:p>
+                  </a:txBody>
+                  <a:tcPr marL="6350" marR="6350" marT="6350" marB="0" anchor="b"/>
+                </a:tc>
+                <a:tc>
+                  <a:txBody>
+                    <a:bodyPr/>
+                    <a:lstStyle/>
+                    <a:p>
+                      <a:pPr algn="ctr" fontAlgn="b"/>
+                      <a:r>
+                        <a:rPr lang="en-US" sz="1100" u="none" strike="noStrike">
+                          <a:effectLst/>
+                          <a:latin typeface="Calibri" panose="020F0502020204030204" pitchFamily="34" charset="0"/>
+                          <a:cs typeface="Calibri" panose="020F0502020204030204" pitchFamily="34" charset="0"/>
+                        </a:rPr>
+                        <a:t>NULL</a:t>
+                      </a:r>
+                      <a:endParaRPr lang="en-US" sz="1100" b="0" i="0" u="none" strike="noStrike">
+                        <a:solidFill>
+                          <a:srgbClr val="000000"/>
+                        </a:solidFill>
+                        <a:effectLst/>
+                        <a:latin typeface="Calibri" panose="020F0502020204030204" pitchFamily="34" charset="0"/>
+                        <a:cs typeface="Calibri" panose="020F0502020204030204" pitchFamily="34" charset="0"/>
+                      </a:endParaRPr>
+                    </a:p>
+                  </a:txBody>
+                  <a:tcPr marL="6350" marR="6350" marT="6350" marB="0" anchor="b"/>
+                </a:tc>
+                <a:tc>
+                  <a:txBody>
+                    <a:bodyPr/>
+                    <a:lstStyle/>
+                    <a:p>
+                      <a:pPr algn="ctr" fontAlgn="b"/>
+                      <a:r>
+                        <a:rPr lang="en-US" sz="1100" u="none" strike="noStrike">
+                          <a:effectLst/>
+                          <a:latin typeface="Calibri" panose="020F0502020204030204" pitchFamily="34" charset="0"/>
+                          <a:cs typeface="Calibri" panose="020F0502020204030204" pitchFamily="34" charset="0"/>
+                        </a:rPr>
+                        <a:t>NULL</a:t>
+                      </a:r>
+                      <a:endParaRPr lang="en-US" sz="1100" b="0" i="0" u="none" strike="noStrike">
+                        <a:solidFill>
+                          <a:srgbClr val="000000"/>
+                        </a:solidFill>
+                        <a:effectLst/>
+                        <a:latin typeface="Calibri" panose="020F0502020204030204" pitchFamily="34" charset="0"/>
+                        <a:cs typeface="Calibri" panose="020F0502020204030204" pitchFamily="34" charset="0"/>
+                      </a:endParaRPr>
+                    </a:p>
+                  </a:txBody>
+                  <a:tcPr marL="6350" marR="6350" marT="6350" marB="0" anchor="b"/>
+                </a:tc>
+                <a:tc>
+                  <a:txBody>
+                    <a:bodyPr/>
+                    <a:lstStyle/>
+                    <a:p>
+                      <a:pPr algn="ctr" fontAlgn="b"/>
+                      <a:r>
+                        <a:rPr lang="en-US" sz="1100" u="none" strike="noStrike">
+                          <a:effectLst/>
+                          <a:latin typeface="Calibri" panose="020F0502020204030204" pitchFamily="34" charset="0"/>
+                          <a:cs typeface="Calibri" panose="020F0502020204030204" pitchFamily="34" charset="0"/>
+                        </a:rPr>
+                        <a:t>NULL</a:t>
+                      </a:r>
+                      <a:endParaRPr lang="en-US" sz="1100" b="0" i="0" u="none" strike="noStrike">
+                        <a:solidFill>
+                          <a:srgbClr val="000000"/>
+                        </a:solidFill>
+                        <a:effectLst/>
+                        <a:latin typeface="Calibri" panose="020F0502020204030204" pitchFamily="34" charset="0"/>
+                        <a:cs typeface="Calibri" panose="020F0502020204030204" pitchFamily="34" charset="0"/>
+                      </a:endParaRPr>
+                    </a:p>
+                  </a:txBody>
+                  <a:tcPr marL="6350" marR="6350" marT="6350" marB="0" anchor="b"/>
+                </a:tc>
+                <a:tc>
+                  <a:txBody>
+                    <a:bodyPr/>
+                    <a:lstStyle/>
+                    <a:p>
+                      <a:pPr algn="ctr" fontAlgn="b"/>
+                      <a:r>
+                        <a:rPr lang="en-US" sz="1100" u="none" strike="noStrike">
+                          <a:effectLst/>
+                          <a:latin typeface="Calibri" panose="020F0502020204030204" pitchFamily="34" charset="0"/>
+                          <a:cs typeface="Calibri" panose="020F0502020204030204" pitchFamily="34" charset="0"/>
+                        </a:rPr>
+                        <a:t>A</a:t>
+                      </a:r>
+                      <a:endParaRPr lang="en-US" sz="1100" b="0" i="0" u="none" strike="noStrike">
+                        <a:solidFill>
+                          <a:srgbClr val="000000"/>
+                        </a:solidFill>
+                        <a:effectLst/>
+                        <a:latin typeface="Calibri" panose="020F0502020204030204" pitchFamily="34" charset="0"/>
+                        <a:cs typeface="Calibri" panose="020F0502020204030204" pitchFamily="34" charset="0"/>
+                      </a:endParaRPr>
+                    </a:p>
+                  </a:txBody>
+                  <a:tcPr marL="6350" marR="6350" marT="6350" marB="0" anchor="b"/>
+                </a:tc>
+              </a:tr>
+              <a:tr h="184150">
+                <a:tc>
+                  <a:txBody>
+                    <a:bodyPr/>
+                    <a:lstStyle/>
+                    <a:p>
+                      <a:pPr algn="ctr" fontAlgn="b"/>
+                      <a:r>
+                        <a:rPr lang="en-US" sz="1100" u="none" strike="noStrike">
+                          <a:effectLst/>
+                          <a:latin typeface="Calibri" panose="020F0502020204030204" pitchFamily="34" charset="0"/>
+                          <a:cs typeface="Calibri" panose="020F0502020204030204" pitchFamily="34" charset="0"/>
+                        </a:rPr>
+                        <a:t>6</a:t>
+                      </a:r>
+                      <a:endParaRPr lang="en-US" sz="1100" b="0" i="0" u="none" strike="noStrike">
+                        <a:solidFill>
+                          <a:srgbClr val="000000"/>
+                        </a:solidFill>
+                        <a:effectLst/>
+                        <a:latin typeface="Calibri" panose="020F0502020204030204" pitchFamily="34" charset="0"/>
+                        <a:cs typeface="Calibri" panose="020F0502020204030204" pitchFamily="34" charset="0"/>
+                      </a:endParaRPr>
+                    </a:p>
+                  </a:txBody>
+                  <a:tcPr marL="6350" marR="6350" marT="6350" marB="0" anchor="b"/>
+                </a:tc>
+                <a:tc>
+                  <a:txBody>
+                    <a:bodyPr/>
+                    <a:lstStyle/>
+                    <a:p>
+                      <a:pPr algn="ctr" fontAlgn="b"/>
+                      <a:r>
+                        <a:rPr lang="en-US" sz="1100" u="none" strike="noStrike">
+                          <a:effectLst/>
+                          <a:latin typeface="Calibri" panose="020F0502020204030204" pitchFamily="34" charset="0"/>
+                          <a:cs typeface="Calibri" panose="020F0502020204030204" pitchFamily="34" charset="0"/>
+                        </a:rPr>
+                        <a:t>NULL</a:t>
+                      </a:r>
+                      <a:endParaRPr lang="en-US" sz="1100" b="0" i="0" u="none" strike="noStrike">
+                        <a:solidFill>
+                          <a:srgbClr val="000000"/>
+                        </a:solidFill>
+                        <a:effectLst/>
+                        <a:latin typeface="Calibri" panose="020F0502020204030204" pitchFamily="34" charset="0"/>
+                        <a:cs typeface="Calibri" panose="020F0502020204030204" pitchFamily="34" charset="0"/>
+                      </a:endParaRPr>
+                    </a:p>
+                  </a:txBody>
+                  <a:tcPr marL="6350" marR="6350" marT="6350" marB="0" anchor="b"/>
+                </a:tc>
+                <a:tc>
+                  <a:txBody>
+                    <a:bodyPr/>
+                    <a:lstStyle/>
+                    <a:p>
+                      <a:pPr algn="ctr" fontAlgn="b"/>
+                      <a:r>
+                        <a:rPr lang="en-US" sz="1100" u="none" strike="noStrike">
+                          <a:effectLst/>
+                          <a:latin typeface="Calibri" panose="020F0502020204030204" pitchFamily="34" charset="0"/>
+                          <a:cs typeface="Calibri" panose="020F0502020204030204" pitchFamily="34" charset="0"/>
+                        </a:rPr>
+                        <a:t>A</a:t>
+                      </a:r>
+                      <a:endParaRPr lang="en-US" sz="1100" b="0" i="0" u="none" strike="noStrike">
+                        <a:solidFill>
+                          <a:srgbClr val="000000"/>
+                        </a:solidFill>
+                        <a:effectLst/>
+                        <a:latin typeface="Calibri" panose="020F0502020204030204" pitchFamily="34" charset="0"/>
+                        <a:cs typeface="Calibri" panose="020F0502020204030204" pitchFamily="34" charset="0"/>
+                      </a:endParaRPr>
+                    </a:p>
+                  </a:txBody>
+                  <a:tcPr marL="6350" marR="6350" marT="6350" marB="0" anchor="b"/>
+                </a:tc>
+                <a:tc>
+                  <a:txBody>
+                    <a:bodyPr/>
+                    <a:lstStyle/>
+                    <a:p>
+                      <a:pPr algn="ctr" fontAlgn="b"/>
+                      <a:r>
+                        <a:rPr lang="en-US" sz="1100" u="none" strike="noStrike" dirty="0">
+                          <a:effectLst/>
+                          <a:latin typeface="Calibri" panose="020F0502020204030204" pitchFamily="34" charset="0"/>
+                          <a:cs typeface="Calibri" panose="020F0502020204030204" pitchFamily="34" charset="0"/>
+                        </a:rPr>
+                        <a:t>NULL</a:t>
+                      </a:r>
+                      <a:endParaRPr lang="en-US" sz="1100" b="0" i="0" u="none" strike="noStrike" dirty="0">
+                        <a:solidFill>
+                          <a:srgbClr val="000000"/>
+                        </a:solidFill>
+                        <a:effectLst/>
+                        <a:latin typeface="Calibri" panose="020F0502020204030204" pitchFamily="34" charset="0"/>
+                        <a:cs typeface="Calibri" panose="020F0502020204030204" pitchFamily="34" charset="0"/>
+                      </a:endParaRPr>
+                    </a:p>
+                  </a:txBody>
+                  <a:tcPr marL="6350" marR="6350" marT="6350" marB="0" anchor="b"/>
+                </a:tc>
+                <a:tc>
+                  <a:txBody>
+                    <a:bodyPr/>
+                    <a:lstStyle/>
+                    <a:p>
+                      <a:pPr algn="ctr" fontAlgn="b"/>
+                      <a:r>
+                        <a:rPr lang="en-US" sz="1100" u="none" strike="noStrike">
+                          <a:effectLst/>
+                          <a:latin typeface="Calibri" panose="020F0502020204030204" pitchFamily="34" charset="0"/>
+                          <a:cs typeface="Calibri" panose="020F0502020204030204" pitchFamily="34" charset="0"/>
+                        </a:rPr>
+                        <a:t>NULL</a:t>
+                      </a:r>
+                      <a:endParaRPr lang="en-US" sz="1100" b="0" i="0" u="none" strike="noStrike">
+                        <a:solidFill>
+                          <a:srgbClr val="000000"/>
+                        </a:solidFill>
+                        <a:effectLst/>
+                        <a:latin typeface="Calibri" panose="020F0502020204030204" pitchFamily="34" charset="0"/>
+                        <a:cs typeface="Calibri" panose="020F0502020204030204" pitchFamily="34" charset="0"/>
+                      </a:endParaRPr>
+                    </a:p>
+                  </a:txBody>
+                  <a:tcPr marL="6350" marR="6350" marT="6350" marB="0" anchor="b"/>
+                </a:tc>
+                <a:tc>
+                  <a:txBody>
+                    <a:bodyPr/>
+                    <a:lstStyle/>
+                    <a:p>
+                      <a:pPr algn="ctr" fontAlgn="b"/>
+                      <a:r>
+                        <a:rPr lang="en-US" sz="1100" u="none" strike="noStrike" dirty="0">
+                          <a:effectLst/>
+                          <a:latin typeface="Calibri" panose="020F0502020204030204" pitchFamily="34" charset="0"/>
+                          <a:cs typeface="Calibri" panose="020F0502020204030204" pitchFamily="34" charset="0"/>
+                        </a:rPr>
+                        <a:t>V</a:t>
+                      </a:r>
+                      <a:endParaRPr lang="en-US" sz="1100" b="0" i="0" u="none" strike="noStrike" dirty="0">
+                        <a:solidFill>
+                          <a:srgbClr val="000000"/>
+                        </a:solidFill>
+                        <a:effectLst/>
+                        <a:latin typeface="Calibri" panose="020F0502020204030204" pitchFamily="34" charset="0"/>
+                        <a:cs typeface="Calibri" panose="020F0502020204030204" pitchFamily="34" charset="0"/>
+                      </a:endParaRPr>
+                    </a:p>
+                  </a:txBody>
+                  <a:tcPr marL="6350" marR="6350" marT="6350" marB="0" anchor="b"/>
+                </a:tc>
+              </a:tr>
+            </a:tbl>
+          </a:graphicData>
+        </a:graphic>
+      </p:graphicFrame>
+      <p:sp>
+        <p:nvSpPr>
+          <p:cNvPr id="11" name="Rectangle 10"/>
+          <p:cNvSpPr/>
+          <p:nvPr/>
+        </p:nvSpPr>
+        <p:spPr>
+          <a:xfrm>
+            <a:off x="9066659" y="1768609"/>
+            <a:ext cx="3049840" cy="4832092"/>
+          </a:xfrm>
+          <a:prstGeom prst="rect">
+            <a:avLst/>
+          </a:prstGeom>
+        </p:spPr>
+        <p:style>
+          <a:lnRef idx="2">
+            <a:schemeClr val="accent1"/>
+          </a:lnRef>
+          <a:fillRef idx="1">
+            <a:schemeClr val="lt1"/>
+          </a:fillRef>
+          <a:effectRef idx="0">
+            <a:schemeClr val="accent1"/>
+          </a:effectRef>
+          <a:fontRef idx="minor">
+            <a:schemeClr val="dk1"/>
+          </a:fontRef>
+        </p:style>
+        <p:txBody>
+          <a:bodyPr wrap="square">
+            <a:spAutoFit/>
+          </a:bodyPr>
+          <a:lstStyle/>
+          <a:p>
+            <a:r>
+              <a:rPr lang="en-US" sz="1100" dirty="0" smtClean="0">
+                <a:latin typeface="Cambria" panose="02040503050406030204" pitchFamily="18" charset="0"/>
+                <a:ea typeface="Cambria" panose="02040503050406030204" pitchFamily="18" charset="0"/>
+              </a:rPr>
+              <a:t>Returns </a:t>
+            </a:r>
+            <a:r>
+              <a:rPr lang="en-US" sz="1100" dirty="0">
+                <a:latin typeface="Cambria" panose="02040503050406030204" pitchFamily="18" charset="0"/>
+                <a:ea typeface="Cambria" panose="02040503050406030204" pitchFamily="18" charset="0"/>
+              </a:rPr>
+              <a:t>the number of bytes used to represent any expression</a:t>
+            </a:r>
+          </a:p>
+          <a:p>
+            <a:r>
+              <a:rPr lang="en-US" sz="1100" b="1" dirty="0" smtClean="0">
+                <a:solidFill>
+                  <a:srgbClr val="FF0000"/>
+                </a:solidFill>
+                <a:latin typeface="Cambria" panose="02040503050406030204" pitchFamily="18" charset="0"/>
+                <a:ea typeface="Cambria" panose="02040503050406030204" pitchFamily="18" charset="0"/>
+              </a:rPr>
+              <a:t>select </a:t>
+            </a:r>
+            <a:r>
+              <a:rPr lang="en-US" sz="1100" b="1" dirty="0">
+                <a:solidFill>
+                  <a:srgbClr val="FF0000"/>
+                </a:solidFill>
+                <a:latin typeface="Cambria" panose="02040503050406030204" pitchFamily="18" charset="0"/>
+                <a:ea typeface="Cambria" panose="02040503050406030204" pitchFamily="18" charset="0"/>
+              </a:rPr>
+              <a:t>DATALENGTH(1000)</a:t>
+            </a:r>
+          </a:p>
+          <a:p>
+            <a:r>
+              <a:rPr lang="en-US" sz="1100" b="1" dirty="0">
+                <a:solidFill>
+                  <a:srgbClr val="FF0000"/>
+                </a:solidFill>
+                <a:latin typeface="Cambria" panose="02040503050406030204" pitchFamily="18" charset="0"/>
+                <a:ea typeface="Cambria" panose="02040503050406030204" pitchFamily="18" charset="0"/>
+              </a:rPr>
+              <a:t>select DATALENGTH('</a:t>
+            </a:r>
+            <a:r>
+              <a:rPr lang="en-US" sz="1100" b="1" dirty="0" err="1">
+                <a:solidFill>
+                  <a:srgbClr val="FF0000"/>
+                </a:solidFill>
+                <a:latin typeface="Cambria" panose="02040503050406030204" pitchFamily="18" charset="0"/>
+                <a:ea typeface="Cambria" panose="02040503050406030204" pitchFamily="18" charset="0"/>
+              </a:rPr>
+              <a:t>Tanaji</a:t>
+            </a:r>
+            <a:r>
+              <a:rPr lang="en-US" sz="1100" b="1" dirty="0">
+                <a:solidFill>
+                  <a:srgbClr val="FF0000"/>
+                </a:solidFill>
+                <a:latin typeface="Cambria" panose="02040503050406030204" pitchFamily="18" charset="0"/>
+                <a:ea typeface="Cambria" panose="02040503050406030204" pitchFamily="18" charset="0"/>
+              </a:rPr>
+              <a:t>')</a:t>
+            </a:r>
+          </a:p>
+          <a:p>
+            <a:endParaRPr lang="en-US" sz="1100" dirty="0" smtClean="0">
+              <a:latin typeface="Cambria" panose="02040503050406030204" pitchFamily="18" charset="0"/>
+              <a:ea typeface="Cambria" panose="02040503050406030204" pitchFamily="18" charset="0"/>
+            </a:endParaRPr>
+          </a:p>
+          <a:p>
+            <a:r>
+              <a:rPr lang="en-US" sz="1100" dirty="0" smtClean="0">
+                <a:latin typeface="Cambria" panose="02040503050406030204" pitchFamily="18" charset="0"/>
+                <a:ea typeface="Cambria" panose="02040503050406030204" pitchFamily="18" charset="0"/>
+              </a:rPr>
+              <a:t>Returns </a:t>
+            </a:r>
+            <a:r>
+              <a:rPr lang="en-US" sz="1100" dirty="0">
+                <a:latin typeface="Cambria" panose="02040503050406030204" pitchFamily="18" charset="0"/>
+                <a:ea typeface="Cambria" panose="02040503050406030204" pitchFamily="18" charset="0"/>
+              </a:rPr>
+              <a:t>the name of the workstation.</a:t>
+            </a:r>
+          </a:p>
+          <a:p>
+            <a:r>
+              <a:rPr lang="en-US" sz="1100" b="1" dirty="0">
+                <a:solidFill>
+                  <a:srgbClr val="FF0000"/>
+                </a:solidFill>
+                <a:latin typeface="Cambria" panose="02040503050406030204" pitchFamily="18" charset="0"/>
+                <a:ea typeface="Cambria" panose="02040503050406030204" pitchFamily="18" charset="0"/>
+              </a:rPr>
+              <a:t>select HOST_NAME()</a:t>
+            </a:r>
+          </a:p>
+          <a:p>
+            <a:r>
+              <a:rPr lang="en-US" sz="1100" b="1" dirty="0">
+                <a:solidFill>
+                  <a:srgbClr val="FF0000"/>
+                </a:solidFill>
+                <a:latin typeface="Cambria" panose="02040503050406030204" pitchFamily="18" charset="0"/>
+                <a:ea typeface="Cambria" panose="02040503050406030204" pitchFamily="18" charset="0"/>
+              </a:rPr>
+              <a:t>select * from </a:t>
+            </a:r>
+            <a:r>
+              <a:rPr lang="en-US" sz="1100" b="1" dirty="0" smtClean="0">
+                <a:solidFill>
+                  <a:srgbClr val="FF0000"/>
+                </a:solidFill>
+                <a:latin typeface="Cambria" panose="02040503050406030204" pitchFamily="18" charset="0"/>
+                <a:ea typeface="Cambria" panose="02040503050406030204" pitchFamily="18" charset="0"/>
+              </a:rPr>
+              <a:t>BANK</a:t>
+            </a:r>
+          </a:p>
+          <a:p>
+            <a:endParaRPr lang="en-US" sz="1100" dirty="0" smtClean="0">
+              <a:latin typeface="Cambria" panose="02040503050406030204" pitchFamily="18" charset="0"/>
+              <a:ea typeface="Cambria" panose="02040503050406030204" pitchFamily="18" charset="0"/>
+            </a:endParaRPr>
+          </a:p>
+          <a:p>
+            <a:r>
+              <a:rPr lang="en-US" sz="1100" dirty="0" smtClean="0">
+                <a:latin typeface="Cambria" panose="02040503050406030204" pitchFamily="18" charset="0"/>
+                <a:ea typeface="Cambria" panose="02040503050406030204" pitchFamily="18" charset="0"/>
+              </a:rPr>
+              <a:t>Returns </a:t>
+            </a:r>
+            <a:r>
+              <a:rPr lang="en-US" sz="1100" dirty="0">
+                <a:latin typeface="Cambria" panose="02040503050406030204" pitchFamily="18" charset="0"/>
+                <a:ea typeface="Cambria" panose="02040503050406030204" pitchFamily="18" charset="0"/>
+              </a:rPr>
+              <a:t>the last identity value generated for a specified table by the identity function.</a:t>
+            </a:r>
+          </a:p>
+          <a:p>
+            <a:r>
+              <a:rPr lang="en-US" sz="1100" b="1" dirty="0">
+                <a:solidFill>
+                  <a:srgbClr val="FF0000"/>
+                </a:solidFill>
+                <a:latin typeface="Cambria" panose="02040503050406030204" pitchFamily="18" charset="0"/>
+                <a:ea typeface="Cambria" panose="02040503050406030204" pitchFamily="18" charset="0"/>
+              </a:rPr>
+              <a:t>select IDENT_CURRENT('BANK</a:t>
+            </a:r>
+            <a:r>
+              <a:rPr lang="en-US" sz="1100" b="1" dirty="0" smtClean="0">
+                <a:solidFill>
+                  <a:srgbClr val="FF0000"/>
+                </a:solidFill>
+                <a:latin typeface="Cambria" panose="02040503050406030204" pitchFamily="18" charset="0"/>
+                <a:ea typeface="Cambria" panose="02040503050406030204" pitchFamily="18" charset="0"/>
+              </a:rPr>
+              <a:t>')</a:t>
+            </a:r>
+            <a:endParaRPr lang="en-US" sz="1100" dirty="0" smtClean="0">
+              <a:latin typeface="Cambria" panose="02040503050406030204" pitchFamily="18" charset="0"/>
+              <a:ea typeface="Cambria" panose="02040503050406030204" pitchFamily="18" charset="0"/>
+            </a:endParaRPr>
+          </a:p>
+          <a:p>
+            <a:r>
+              <a:rPr lang="en-US" sz="1100" dirty="0" smtClean="0">
+                <a:latin typeface="Cambria" panose="02040503050406030204" pitchFamily="18" charset="0"/>
+                <a:ea typeface="Cambria" panose="02040503050406030204" pitchFamily="18" charset="0"/>
+              </a:rPr>
+              <a:t>Returns </a:t>
+            </a:r>
+            <a:r>
+              <a:rPr lang="en-US" sz="1100" dirty="0">
+                <a:latin typeface="Cambria" panose="02040503050406030204" pitchFamily="18" charset="0"/>
+                <a:ea typeface="Cambria" panose="02040503050406030204" pitchFamily="18" charset="0"/>
+              </a:rPr>
+              <a:t>the seed value that was specified when the identity function in a table was created.</a:t>
+            </a:r>
+          </a:p>
+          <a:p>
+            <a:r>
+              <a:rPr lang="en-US" sz="1100" b="1" dirty="0">
+                <a:solidFill>
+                  <a:srgbClr val="FF0000"/>
+                </a:solidFill>
+                <a:latin typeface="Cambria" panose="02040503050406030204" pitchFamily="18" charset="0"/>
+                <a:ea typeface="Cambria" panose="02040503050406030204" pitchFamily="18" charset="0"/>
+              </a:rPr>
+              <a:t>select IDENT_SEED('BANK</a:t>
+            </a:r>
+            <a:r>
+              <a:rPr lang="en-US" sz="1100" b="1" dirty="0" smtClean="0">
+                <a:solidFill>
+                  <a:srgbClr val="FF0000"/>
+                </a:solidFill>
+                <a:latin typeface="Cambria" panose="02040503050406030204" pitchFamily="18" charset="0"/>
+                <a:ea typeface="Cambria" panose="02040503050406030204" pitchFamily="18" charset="0"/>
+              </a:rPr>
+              <a:t>')</a:t>
+            </a:r>
+            <a:endParaRPr lang="en-US" sz="1100" dirty="0" smtClean="0">
+              <a:latin typeface="Cambria" panose="02040503050406030204" pitchFamily="18" charset="0"/>
+              <a:ea typeface="Cambria" panose="02040503050406030204" pitchFamily="18" charset="0"/>
+            </a:endParaRPr>
+          </a:p>
+          <a:p>
+            <a:r>
+              <a:rPr lang="en-US" sz="1100" dirty="0" smtClean="0">
+                <a:latin typeface="Cambria" panose="02040503050406030204" pitchFamily="18" charset="0"/>
+                <a:ea typeface="Cambria" panose="02040503050406030204" pitchFamily="18" charset="0"/>
+              </a:rPr>
+              <a:t>Returns </a:t>
+            </a:r>
+            <a:r>
+              <a:rPr lang="en-US" sz="1100" dirty="0">
+                <a:latin typeface="Cambria" panose="02040503050406030204" pitchFamily="18" charset="0"/>
+                <a:ea typeface="Cambria" panose="02040503050406030204" pitchFamily="18" charset="0"/>
+              </a:rPr>
+              <a:t>the increment value that was specified when the identity function in a table was created.</a:t>
+            </a:r>
+          </a:p>
+          <a:p>
+            <a:r>
+              <a:rPr lang="en-US" sz="1100" b="1" dirty="0">
+                <a:solidFill>
+                  <a:srgbClr val="FF0000"/>
+                </a:solidFill>
+                <a:latin typeface="Cambria" panose="02040503050406030204" pitchFamily="18" charset="0"/>
+                <a:ea typeface="Cambria" panose="02040503050406030204" pitchFamily="18" charset="0"/>
+              </a:rPr>
+              <a:t>select IDENT_INCR('BANK')</a:t>
+            </a:r>
+          </a:p>
+          <a:p>
+            <a:endParaRPr lang="en-US" sz="1100" dirty="0" smtClean="0">
+              <a:latin typeface="Cambria" panose="02040503050406030204" pitchFamily="18" charset="0"/>
+              <a:ea typeface="Cambria" panose="02040503050406030204" pitchFamily="18" charset="0"/>
+            </a:endParaRPr>
+          </a:p>
+          <a:p>
+            <a:r>
+              <a:rPr lang="en-US" sz="1100" dirty="0" smtClean="0">
+                <a:latin typeface="Cambria" panose="02040503050406030204" pitchFamily="18" charset="0"/>
+                <a:ea typeface="Cambria" panose="02040503050406030204" pitchFamily="18" charset="0"/>
+              </a:rPr>
+              <a:t>Creates </a:t>
+            </a:r>
+            <a:r>
+              <a:rPr lang="en-US" sz="1100" dirty="0">
+                <a:latin typeface="Cambria" panose="02040503050406030204" pitchFamily="18" charset="0"/>
+                <a:ea typeface="Cambria" panose="02040503050406030204" pitchFamily="18" charset="0"/>
+              </a:rPr>
+              <a:t>a unique value of type </a:t>
+            </a:r>
+            <a:r>
+              <a:rPr lang="en-US" sz="1100" dirty="0" err="1">
+                <a:latin typeface="Cambria" panose="02040503050406030204" pitchFamily="18" charset="0"/>
+                <a:ea typeface="Cambria" panose="02040503050406030204" pitchFamily="18" charset="0"/>
+              </a:rPr>
+              <a:t>uniqueidentifier</a:t>
+            </a:r>
+            <a:r>
+              <a:rPr lang="en-US" sz="1100" dirty="0">
+                <a:latin typeface="Cambria" panose="02040503050406030204" pitchFamily="18" charset="0"/>
+                <a:ea typeface="Cambria" panose="02040503050406030204" pitchFamily="18" charset="0"/>
+              </a:rPr>
+              <a:t>.</a:t>
+            </a:r>
+          </a:p>
+          <a:p>
+            <a:r>
+              <a:rPr lang="en-US" sz="1100" b="1" dirty="0">
+                <a:solidFill>
+                  <a:srgbClr val="FF0000"/>
+                </a:solidFill>
+                <a:latin typeface="Cambria" panose="02040503050406030204" pitchFamily="18" charset="0"/>
+                <a:ea typeface="Cambria" panose="02040503050406030204" pitchFamily="18" charset="0"/>
+              </a:rPr>
+              <a:t>select NEWID()</a:t>
+            </a:r>
+          </a:p>
+          <a:p>
+            <a:endParaRPr lang="en-US" sz="1100" dirty="0" smtClean="0">
+              <a:latin typeface="Cambria" panose="02040503050406030204" pitchFamily="18" charset="0"/>
+              <a:ea typeface="Cambria" panose="02040503050406030204" pitchFamily="18" charset="0"/>
+            </a:endParaRPr>
+          </a:p>
+          <a:p>
+            <a:r>
+              <a:rPr lang="en-US" sz="1100" dirty="0" smtClean="0">
+                <a:latin typeface="Cambria" panose="02040503050406030204" pitchFamily="18" charset="0"/>
+                <a:ea typeface="Cambria" panose="02040503050406030204" pitchFamily="18" charset="0"/>
+              </a:rPr>
+              <a:t>Returns </a:t>
+            </a:r>
+            <a:r>
+              <a:rPr lang="en-US" sz="1100" dirty="0">
+                <a:latin typeface="Cambria" panose="02040503050406030204" pitchFamily="18" charset="0"/>
+                <a:ea typeface="Cambria" panose="02040503050406030204" pitchFamily="18" charset="0"/>
+              </a:rPr>
+              <a:t>the first expression if the two expressions are not equivalent. If the expressions are equivalent, returns a null value.</a:t>
+            </a:r>
+          </a:p>
+          <a:p>
+            <a:r>
+              <a:rPr lang="en-US" sz="1100" b="1" dirty="0">
+                <a:solidFill>
+                  <a:srgbClr val="FF0000"/>
+                </a:solidFill>
+                <a:latin typeface="Cambria" panose="02040503050406030204" pitchFamily="18" charset="0"/>
+                <a:ea typeface="Cambria" panose="02040503050406030204" pitchFamily="18" charset="0"/>
+              </a:rPr>
+              <a:t>select NULLIF(100,200)</a:t>
+            </a:r>
+          </a:p>
+          <a:p>
+            <a:r>
+              <a:rPr lang="en-US" sz="1100" b="1" dirty="0">
+                <a:solidFill>
+                  <a:srgbClr val="FF0000"/>
+                </a:solidFill>
+                <a:latin typeface="Cambria" panose="02040503050406030204" pitchFamily="18" charset="0"/>
+                <a:ea typeface="Cambria" panose="02040503050406030204" pitchFamily="18" charset="0"/>
+              </a:rPr>
+              <a:t>select NULLIF(100,100)</a:t>
+            </a:r>
+          </a:p>
+        </p:txBody>
+      </p:sp>
+    </p:spTree>
+    <p:extLst>
+      <p:ext uri="{BB962C8B-B14F-4D97-AF65-F5344CB8AC3E}">
+        <p14:creationId xmlns:p14="http://schemas.microsoft.com/office/powerpoint/2010/main" val="673604402"/>
+      </p:ext>
+    </p:extLst>
+  </p:cSld>
+  <p:clrMapOvr>
+    <a:masterClrMapping/>
+  </p:clrMapOvr>
+</p:sld>
+</file>
+
+<file path=ppt/slides/slide21.xml><?xml version="1.0" encoding="utf-8"?>
+<p:sld xmlns:a="http://schemas.openxmlformats.org/drawingml/2006/main" xmlns:r="http://schemas.openxmlformats.org/officeDocument/2006/relationships" xmlns:p="http://schemas.openxmlformats.org/presentationml/2006/main">
+  <p:cSld>
+    <p:spTree>
+      <p:nvGrpSpPr>
+        <p:cNvPr id="1" name=""/>
+        <p:cNvGrpSpPr/>
+        <p:nvPr/>
+      </p:nvGrpSpPr>
+      <p:grpSpPr>
+        <a:xfrm>
+          <a:off x="0" y="0"/>
+          <a:ext cx="0" cy="0"/>
+          <a:chOff x="0" y="0"/>
+          <a:chExt cx="0" cy="0"/>
+        </a:xfrm>
+      </p:grpSpPr>
+      <p:sp>
+        <p:nvSpPr>
+          <p:cNvPr id="6" name="Rectangle 5"/>
+          <p:cNvSpPr/>
+          <p:nvPr/>
+        </p:nvSpPr>
+        <p:spPr>
+          <a:xfrm>
+            <a:off x="261703" y="82092"/>
+            <a:ext cx="3795947" cy="6740307"/>
+          </a:xfrm>
+          <a:prstGeom prst="rect">
+            <a:avLst/>
+          </a:prstGeom>
+        </p:spPr>
+        <p:style>
+          <a:lnRef idx="2">
+            <a:schemeClr val="accent1"/>
+          </a:lnRef>
+          <a:fillRef idx="1">
+            <a:schemeClr val="lt1"/>
+          </a:fillRef>
+          <a:effectRef idx="0">
+            <a:schemeClr val="accent1"/>
+          </a:effectRef>
+          <a:fontRef idx="minor">
+            <a:schemeClr val="dk1"/>
+          </a:fontRef>
+        </p:style>
+        <p:txBody>
+          <a:bodyPr wrap="square">
+            <a:spAutoFit/>
+          </a:bodyPr>
+          <a:lstStyle/>
+          <a:p>
+            <a:r>
+              <a:rPr lang="en-US" sz="1400" b="1" u="sng" dirty="0" smtClean="0">
+                <a:latin typeface="Cambria" panose="02040503050406030204" pitchFamily="18" charset="0"/>
+                <a:ea typeface="Cambria" panose="02040503050406030204" pitchFamily="18" charset="0"/>
+              </a:rPr>
+              <a:t>Aggregate functions </a:t>
+            </a:r>
+            <a:r>
+              <a:rPr lang="en-US" sz="1400" b="1" dirty="0" smtClean="0">
+                <a:latin typeface="Cambria" panose="02040503050406030204" pitchFamily="18" charset="0"/>
+                <a:ea typeface="Cambria" panose="02040503050406030204" pitchFamily="18" charset="0"/>
+              </a:rPr>
+              <a:t>:- </a:t>
+            </a:r>
+            <a:r>
+              <a:rPr lang="en-US" sz="1100" dirty="0">
+                <a:latin typeface="Cambria" panose="02040503050406030204" pitchFamily="18" charset="0"/>
+                <a:ea typeface="Cambria" panose="02040503050406030204" pitchFamily="18" charset="0"/>
+              </a:rPr>
+              <a:t>It is used to summarize data, by combining multiple values to form a single result.</a:t>
+            </a:r>
+          </a:p>
+          <a:p>
+            <a:r>
+              <a:rPr lang="en-US" sz="1100" dirty="0">
+                <a:latin typeface="Cambria" panose="02040503050406030204" pitchFamily="18" charset="0"/>
+                <a:ea typeface="Cambria" panose="02040503050406030204" pitchFamily="18" charset="0"/>
+              </a:rPr>
+              <a:t>SQL Aggregate functions are mostly used with the GROUP BY clause of the SELECT statement</a:t>
+            </a:r>
+            <a:r>
+              <a:rPr lang="en-US" sz="1100" dirty="0" smtClean="0">
+                <a:latin typeface="Cambria" panose="02040503050406030204" pitchFamily="18" charset="0"/>
+                <a:ea typeface="Cambria" panose="02040503050406030204" pitchFamily="18" charset="0"/>
+              </a:rPr>
+              <a:t>.</a:t>
+            </a:r>
+            <a:endParaRPr lang="en-US" sz="1100" dirty="0"/>
+          </a:p>
+          <a:p>
+            <a:pPr fontAlgn="base"/>
+            <a:r>
+              <a:rPr lang="en-US" sz="1100" dirty="0" smtClean="0">
+                <a:latin typeface="Cambria" panose="02040503050406030204" pitchFamily="18" charset="0"/>
+                <a:ea typeface="Cambria" panose="02040503050406030204" pitchFamily="18" charset="0"/>
+              </a:rPr>
+              <a:t>1) Count</a:t>
+            </a:r>
+            <a:r>
+              <a:rPr lang="en-US" sz="1100" dirty="0">
+                <a:latin typeface="Cambria" panose="02040503050406030204" pitchFamily="18" charset="0"/>
+                <a:ea typeface="Cambria" panose="02040503050406030204" pitchFamily="18" charset="0"/>
+              </a:rPr>
+              <a:t>()</a:t>
+            </a:r>
+          </a:p>
+          <a:p>
+            <a:pPr fontAlgn="base"/>
+            <a:r>
+              <a:rPr lang="en-US" sz="1100" dirty="0" smtClean="0">
+                <a:latin typeface="Cambria" panose="02040503050406030204" pitchFamily="18" charset="0"/>
+                <a:ea typeface="Cambria" panose="02040503050406030204" pitchFamily="18" charset="0"/>
+              </a:rPr>
+              <a:t>2) Sum</a:t>
+            </a:r>
+            <a:r>
+              <a:rPr lang="en-US" sz="1100" dirty="0">
+                <a:latin typeface="Cambria" panose="02040503050406030204" pitchFamily="18" charset="0"/>
+                <a:ea typeface="Cambria" panose="02040503050406030204" pitchFamily="18" charset="0"/>
+              </a:rPr>
+              <a:t>()</a:t>
+            </a:r>
+          </a:p>
+          <a:p>
+            <a:pPr fontAlgn="base"/>
+            <a:r>
+              <a:rPr lang="en-US" sz="1100" dirty="0" smtClean="0">
+                <a:latin typeface="Cambria" panose="02040503050406030204" pitchFamily="18" charset="0"/>
+                <a:ea typeface="Cambria" panose="02040503050406030204" pitchFamily="18" charset="0"/>
+              </a:rPr>
+              <a:t>3) </a:t>
+            </a:r>
+            <a:r>
+              <a:rPr lang="en-US" sz="1100" dirty="0" err="1" smtClean="0">
+                <a:latin typeface="Cambria" panose="02040503050406030204" pitchFamily="18" charset="0"/>
+                <a:ea typeface="Cambria" panose="02040503050406030204" pitchFamily="18" charset="0"/>
+              </a:rPr>
+              <a:t>Avg</a:t>
+            </a:r>
+            <a:r>
+              <a:rPr lang="en-US" sz="1100" dirty="0">
+                <a:latin typeface="Cambria" panose="02040503050406030204" pitchFamily="18" charset="0"/>
+                <a:ea typeface="Cambria" panose="02040503050406030204" pitchFamily="18" charset="0"/>
+              </a:rPr>
+              <a:t>()</a:t>
+            </a:r>
+          </a:p>
+          <a:p>
+            <a:pPr fontAlgn="base"/>
+            <a:r>
+              <a:rPr lang="en-US" sz="1100" dirty="0" smtClean="0">
+                <a:latin typeface="Cambria" panose="02040503050406030204" pitchFamily="18" charset="0"/>
+                <a:ea typeface="Cambria" panose="02040503050406030204" pitchFamily="18" charset="0"/>
+              </a:rPr>
+              <a:t>4) Min</a:t>
+            </a:r>
+            <a:r>
+              <a:rPr lang="en-US" sz="1100" dirty="0">
+                <a:latin typeface="Cambria" panose="02040503050406030204" pitchFamily="18" charset="0"/>
+                <a:ea typeface="Cambria" panose="02040503050406030204" pitchFamily="18" charset="0"/>
+              </a:rPr>
+              <a:t>()</a:t>
+            </a:r>
+          </a:p>
+          <a:p>
+            <a:pPr fontAlgn="base"/>
+            <a:r>
+              <a:rPr lang="en-US" sz="1100" dirty="0" smtClean="0">
+                <a:latin typeface="Cambria" panose="02040503050406030204" pitchFamily="18" charset="0"/>
+                <a:ea typeface="Cambria" panose="02040503050406030204" pitchFamily="18" charset="0"/>
+              </a:rPr>
+              <a:t>5) Max</a:t>
+            </a:r>
+            <a:r>
+              <a:rPr lang="en-US" sz="1100" dirty="0">
+                <a:latin typeface="Cambria" panose="02040503050406030204" pitchFamily="18" charset="0"/>
+                <a:ea typeface="Cambria" panose="02040503050406030204" pitchFamily="18" charset="0"/>
+              </a:rPr>
+              <a:t>()</a:t>
+            </a:r>
+          </a:p>
+          <a:p>
+            <a:endParaRPr lang="en-US" sz="1100" dirty="0" smtClean="0">
+              <a:latin typeface="Cambria" panose="02040503050406030204" pitchFamily="18" charset="0"/>
+              <a:ea typeface="Cambria" panose="02040503050406030204" pitchFamily="18" charset="0"/>
+            </a:endParaRPr>
+          </a:p>
+          <a:p>
+            <a:pPr fontAlgn="base"/>
+            <a:r>
+              <a:rPr lang="en-US" sz="1100" b="1" dirty="0">
+                <a:solidFill>
+                  <a:srgbClr val="FF0000"/>
+                </a:solidFill>
+                <a:latin typeface="Cambria" panose="02040503050406030204" pitchFamily="18" charset="0"/>
+                <a:ea typeface="Cambria" panose="02040503050406030204" pitchFamily="18" charset="0"/>
+              </a:rPr>
+              <a:t>select Count(*) from </a:t>
+            </a:r>
+            <a:r>
+              <a:rPr lang="en-US" sz="1100" b="1" dirty="0" smtClean="0">
+                <a:solidFill>
+                  <a:srgbClr val="FF0000"/>
+                </a:solidFill>
+                <a:latin typeface="Cambria" panose="02040503050406030204" pitchFamily="18" charset="0"/>
+                <a:ea typeface="Cambria" panose="02040503050406030204" pitchFamily="18" charset="0"/>
+              </a:rPr>
+              <a:t>EMP</a:t>
+            </a:r>
+          </a:p>
+          <a:p>
+            <a:pPr fontAlgn="base"/>
+            <a:r>
+              <a:rPr lang="en-US" sz="1100" b="1" dirty="0">
+                <a:latin typeface="Cambria" panose="02040503050406030204" pitchFamily="18" charset="0"/>
+                <a:ea typeface="Cambria" panose="02040503050406030204" pitchFamily="18" charset="0"/>
+              </a:rPr>
+              <a:t>--Using Where clause</a:t>
+            </a:r>
+          </a:p>
+          <a:p>
+            <a:pPr fontAlgn="base"/>
+            <a:r>
+              <a:rPr lang="en-US" sz="1100" b="1" dirty="0">
+                <a:solidFill>
+                  <a:srgbClr val="FF0000"/>
+                </a:solidFill>
+                <a:latin typeface="Cambria" panose="02040503050406030204" pitchFamily="18" charset="0"/>
+                <a:ea typeface="Cambria" panose="02040503050406030204" pitchFamily="18" charset="0"/>
+              </a:rPr>
+              <a:t>select Count(*) from EMP where Job='Manager'</a:t>
+            </a:r>
+          </a:p>
+          <a:p>
+            <a:pPr fontAlgn="base"/>
+            <a:r>
+              <a:rPr lang="en-US" sz="1100" b="1" dirty="0">
+                <a:solidFill>
+                  <a:srgbClr val="FF0000"/>
+                </a:solidFill>
+                <a:latin typeface="Cambria" panose="02040503050406030204" pitchFamily="18" charset="0"/>
+                <a:ea typeface="Cambria" panose="02040503050406030204" pitchFamily="18" charset="0"/>
+              </a:rPr>
+              <a:t>select </a:t>
+            </a:r>
+            <a:r>
+              <a:rPr lang="en-US" sz="1100" b="1" dirty="0" smtClean="0">
+                <a:solidFill>
+                  <a:srgbClr val="FF0000"/>
+                </a:solidFill>
+                <a:latin typeface="Cambria" panose="02040503050406030204" pitchFamily="18" charset="0"/>
+                <a:ea typeface="Cambria" panose="02040503050406030204" pitchFamily="18" charset="0"/>
+              </a:rPr>
+              <a:t>SUM(</a:t>
+            </a:r>
+            <a:r>
+              <a:rPr lang="en-US" sz="1100" b="1" dirty="0">
+                <a:solidFill>
+                  <a:srgbClr val="FF0000"/>
+                </a:solidFill>
+                <a:latin typeface="Cambria" panose="02040503050406030204" pitchFamily="18" charset="0"/>
+                <a:ea typeface="Cambria" panose="02040503050406030204" pitchFamily="18" charset="0"/>
+              </a:rPr>
+              <a:t>S</a:t>
+            </a:r>
+            <a:r>
+              <a:rPr lang="en-US" sz="1100" b="1" dirty="0" smtClean="0">
+                <a:solidFill>
+                  <a:srgbClr val="FF0000"/>
+                </a:solidFill>
+                <a:latin typeface="Cambria" panose="02040503050406030204" pitchFamily="18" charset="0"/>
+                <a:ea typeface="Cambria" panose="02040503050406030204" pitchFamily="18" charset="0"/>
+              </a:rPr>
+              <a:t>al</a:t>
+            </a:r>
+            <a:r>
+              <a:rPr lang="en-US" sz="1100" b="1" dirty="0">
+                <a:solidFill>
+                  <a:srgbClr val="FF0000"/>
+                </a:solidFill>
+                <a:latin typeface="Cambria" panose="02040503050406030204" pitchFamily="18" charset="0"/>
+                <a:ea typeface="Cambria" panose="02040503050406030204" pitchFamily="18" charset="0"/>
+              </a:rPr>
+              <a:t>) from EMP</a:t>
+            </a:r>
+          </a:p>
+          <a:p>
+            <a:pPr fontAlgn="base"/>
+            <a:r>
+              <a:rPr lang="en-US" sz="1100" b="1" dirty="0">
+                <a:solidFill>
+                  <a:srgbClr val="FF0000"/>
+                </a:solidFill>
+                <a:latin typeface="Cambria" panose="02040503050406030204" pitchFamily="18" charset="0"/>
+                <a:ea typeface="Cambria" panose="02040503050406030204" pitchFamily="18" charset="0"/>
+              </a:rPr>
+              <a:t>select AVG(Sal) from EMP</a:t>
+            </a:r>
+          </a:p>
+          <a:p>
+            <a:pPr fontAlgn="base"/>
+            <a:r>
+              <a:rPr lang="en-US" sz="1100" b="1" dirty="0">
+                <a:solidFill>
+                  <a:srgbClr val="FF0000"/>
+                </a:solidFill>
+                <a:latin typeface="Cambria" panose="02040503050406030204" pitchFamily="18" charset="0"/>
+                <a:ea typeface="Cambria" panose="02040503050406030204" pitchFamily="18" charset="0"/>
+              </a:rPr>
+              <a:t>select MIN(Sal) from EMP</a:t>
+            </a:r>
+          </a:p>
+          <a:p>
+            <a:pPr fontAlgn="base"/>
+            <a:r>
+              <a:rPr lang="en-US" sz="1100" b="1" dirty="0">
+                <a:solidFill>
+                  <a:srgbClr val="FF0000"/>
+                </a:solidFill>
+                <a:latin typeface="Cambria" panose="02040503050406030204" pitchFamily="18" charset="0"/>
+                <a:ea typeface="Cambria" panose="02040503050406030204" pitchFamily="18" charset="0"/>
+              </a:rPr>
+              <a:t>select MAX(Sal) from EMP</a:t>
+            </a:r>
+          </a:p>
+          <a:p>
+            <a:pPr fontAlgn="base"/>
+            <a:endParaRPr lang="en-US" sz="1100" dirty="0">
+              <a:latin typeface="Cambria" panose="02040503050406030204" pitchFamily="18" charset="0"/>
+              <a:ea typeface="Cambria" panose="02040503050406030204" pitchFamily="18" charset="0"/>
+            </a:endParaRPr>
+          </a:p>
+          <a:p>
+            <a:pPr fontAlgn="base"/>
+            <a:r>
+              <a:rPr lang="en-US" sz="1100" b="1" dirty="0">
+                <a:solidFill>
+                  <a:srgbClr val="FF0000"/>
+                </a:solidFill>
+                <a:latin typeface="Cambria" panose="02040503050406030204" pitchFamily="18" charset="0"/>
+                <a:ea typeface="Cambria" panose="02040503050406030204" pitchFamily="18" charset="0"/>
+              </a:rPr>
+              <a:t>select *from Employee</a:t>
+            </a:r>
+          </a:p>
+          <a:p>
+            <a:pPr fontAlgn="base"/>
+            <a:r>
+              <a:rPr lang="en-US" sz="1100" b="1" dirty="0" smtClean="0">
+                <a:latin typeface="Cambria" panose="02040503050406030204" pitchFamily="18" charset="0"/>
+                <a:ea typeface="Cambria" panose="02040503050406030204" pitchFamily="18" charset="0"/>
+              </a:rPr>
+              <a:t>--Using </a:t>
+            </a:r>
+            <a:r>
+              <a:rPr lang="en-US" sz="1100" b="1" dirty="0">
+                <a:latin typeface="Cambria" panose="02040503050406030204" pitchFamily="18" charset="0"/>
+                <a:ea typeface="Cambria" panose="02040503050406030204" pitchFamily="18" charset="0"/>
+              </a:rPr>
+              <a:t>Group by clause</a:t>
+            </a:r>
+          </a:p>
+          <a:p>
+            <a:pPr fontAlgn="base"/>
+            <a:r>
+              <a:rPr lang="en-US" sz="1100" b="1" dirty="0">
+                <a:solidFill>
+                  <a:srgbClr val="FF0000"/>
+                </a:solidFill>
+                <a:latin typeface="Cambria" panose="02040503050406030204" pitchFamily="18" charset="0"/>
+                <a:ea typeface="Cambria" panose="02040503050406030204" pitchFamily="18" charset="0"/>
+              </a:rPr>
+              <a:t>select </a:t>
+            </a:r>
+            <a:r>
+              <a:rPr lang="en-US" sz="1100" b="1" dirty="0" err="1">
+                <a:solidFill>
+                  <a:srgbClr val="FF0000"/>
+                </a:solidFill>
+                <a:latin typeface="Cambria" panose="02040503050406030204" pitchFamily="18" charset="0"/>
+                <a:ea typeface="Cambria" panose="02040503050406030204" pitchFamily="18" charset="0"/>
+              </a:rPr>
+              <a:t>Gender,Count</a:t>
+            </a:r>
+            <a:r>
+              <a:rPr lang="en-US" sz="1100" b="1" dirty="0">
+                <a:solidFill>
+                  <a:srgbClr val="FF0000"/>
+                </a:solidFill>
+                <a:latin typeface="Cambria" panose="02040503050406030204" pitchFamily="18" charset="0"/>
+                <a:ea typeface="Cambria" panose="02040503050406030204" pitchFamily="18" charset="0"/>
+              </a:rPr>
+              <a:t>(1) as </a:t>
+            </a:r>
+            <a:r>
+              <a:rPr lang="en-US" sz="1100" b="1" dirty="0" err="1">
+                <a:solidFill>
+                  <a:srgbClr val="FF0000"/>
+                </a:solidFill>
+                <a:latin typeface="Cambria" panose="02040503050406030204" pitchFamily="18" charset="0"/>
+                <a:ea typeface="Cambria" panose="02040503050406030204" pitchFamily="18" charset="0"/>
+              </a:rPr>
+              <a:t>Gender_Count</a:t>
+            </a:r>
+            <a:r>
+              <a:rPr lang="en-US" sz="1100" b="1" dirty="0">
+                <a:solidFill>
+                  <a:srgbClr val="FF0000"/>
+                </a:solidFill>
+                <a:latin typeface="Cambria" panose="02040503050406030204" pitchFamily="18" charset="0"/>
+                <a:ea typeface="Cambria" panose="02040503050406030204" pitchFamily="18" charset="0"/>
+              </a:rPr>
+              <a:t> from Employee</a:t>
+            </a:r>
+          </a:p>
+          <a:p>
+            <a:pPr fontAlgn="base"/>
+            <a:r>
+              <a:rPr lang="en-US" sz="1100" b="1" dirty="0">
+                <a:solidFill>
+                  <a:srgbClr val="FF0000"/>
+                </a:solidFill>
+                <a:latin typeface="Cambria" panose="02040503050406030204" pitchFamily="18" charset="0"/>
+                <a:ea typeface="Cambria" panose="02040503050406030204" pitchFamily="18" charset="0"/>
+              </a:rPr>
+              <a:t>Group by Gender</a:t>
+            </a:r>
+          </a:p>
+          <a:p>
+            <a:pPr fontAlgn="base"/>
+            <a:endParaRPr lang="en-US" sz="1100" b="1" dirty="0">
+              <a:solidFill>
+                <a:srgbClr val="FF0000"/>
+              </a:solidFill>
+              <a:latin typeface="Cambria" panose="02040503050406030204" pitchFamily="18" charset="0"/>
+              <a:ea typeface="Cambria" panose="02040503050406030204" pitchFamily="18" charset="0"/>
+            </a:endParaRPr>
+          </a:p>
+          <a:p>
+            <a:pPr fontAlgn="base"/>
+            <a:r>
+              <a:rPr lang="en-US" sz="1100" b="1" dirty="0">
+                <a:solidFill>
+                  <a:srgbClr val="FF0000"/>
+                </a:solidFill>
+                <a:latin typeface="Cambria" panose="02040503050406030204" pitchFamily="18" charset="0"/>
+                <a:ea typeface="Cambria" panose="02040503050406030204" pitchFamily="18" charset="0"/>
+              </a:rPr>
+              <a:t>select </a:t>
+            </a:r>
+            <a:r>
+              <a:rPr lang="en-US" sz="1100" b="1" dirty="0" err="1">
+                <a:solidFill>
+                  <a:srgbClr val="FF0000"/>
+                </a:solidFill>
+                <a:latin typeface="Cambria" panose="02040503050406030204" pitchFamily="18" charset="0"/>
+                <a:ea typeface="Cambria" panose="02040503050406030204" pitchFamily="18" charset="0"/>
+              </a:rPr>
+              <a:t>Position,SUM</a:t>
+            </a:r>
+            <a:r>
+              <a:rPr lang="en-US" sz="1100" b="1" dirty="0">
+                <a:solidFill>
+                  <a:srgbClr val="FF0000"/>
+                </a:solidFill>
+                <a:latin typeface="Cambria" panose="02040503050406030204" pitchFamily="18" charset="0"/>
+                <a:ea typeface="Cambria" panose="02040503050406030204" pitchFamily="18" charset="0"/>
+              </a:rPr>
+              <a:t>(Salary) as </a:t>
+            </a:r>
+            <a:r>
+              <a:rPr lang="en-US" sz="1100" b="1" dirty="0" err="1">
+                <a:solidFill>
+                  <a:srgbClr val="FF0000"/>
+                </a:solidFill>
+                <a:latin typeface="Cambria" panose="02040503050406030204" pitchFamily="18" charset="0"/>
+                <a:ea typeface="Cambria" panose="02040503050406030204" pitchFamily="18" charset="0"/>
+              </a:rPr>
+              <a:t>Total_Salary</a:t>
+            </a:r>
+            <a:r>
+              <a:rPr lang="en-US" sz="1100" b="1" dirty="0">
+                <a:solidFill>
+                  <a:srgbClr val="FF0000"/>
+                </a:solidFill>
+                <a:latin typeface="Cambria" panose="02040503050406030204" pitchFamily="18" charset="0"/>
+                <a:ea typeface="Cambria" panose="02040503050406030204" pitchFamily="18" charset="0"/>
+              </a:rPr>
+              <a:t> from Employee</a:t>
+            </a:r>
+          </a:p>
+          <a:p>
+            <a:pPr fontAlgn="base"/>
+            <a:r>
+              <a:rPr lang="en-US" sz="1100" b="1" dirty="0">
+                <a:solidFill>
+                  <a:srgbClr val="FF0000"/>
+                </a:solidFill>
+                <a:latin typeface="Cambria" panose="02040503050406030204" pitchFamily="18" charset="0"/>
+                <a:ea typeface="Cambria" panose="02040503050406030204" pitchFamily="18" charset="0"/>
+              </a:rPr>
+              <a:t>Group by Position</a:t>
+            </a:r>
+          </a:p>
+          <a:p>
+            <a:pPr fontAlgn="base"/>
+            <a:endParaRPr lang="en-US" sz="1100" dirty="0">
+              <a:latin typeface="Cambria" panose="02040503050406030204" pitchFamily="18" charset="0"/>
+              <a:ea typeface="Cambria" panose="02040503050406030204" pitchFamily="18" charset="0"/>
+            </a:endParaRPr>
+          </a:p>
+          <a:p>
+            <a:pPr fontAlgn="base"/>
+            <a:r>
+              <a:rPr lang="en-US" sz="1100" b="1" dirty="0">
+                <a:solidFill>
+                  <a:srgbClr val="FF0000"/>
+                </a:solidFill>
+                <a:latin typeface="Cambria" panose="02040503050406030204" pitchFamily="18" charset="0"/>
+                <a:ea typeface="Cambria" panose="02040503050406030204" pitchFamily="18" charset="0"/>
+              </a:rPr>
+              <a:t>select </a:t>
+            </a:r>
+            <a:r>
+              <a:rPr lang="en-US" sz="1100" b="1" dirty="0" err="1">
+                <a:solidFill>
+                  <a:srgbClr val="FF0000"/>
+                </a:solidFill>
+                <a:latin typeface="Cambria" panose="02040503050406030204" pitchFamily="18" charset="0"/>
+                <a:ea typeface="Cambria" panose="02040503050406030204" pitchFamily="18" charset="0"/>
+              </a:rPr>
+              <a:t>Position,Avg</a:t>
+            </a:r>
+            <a:r>
+              <a:rPr lang="en-US" sz="1100" b="1" dirty="0">
+                <a:solidFill>
+                  <a:srgbClr val="FF0000"/>
+                </a:solidFill>
+                <a:latin typeface="Cambria" panose="02040503050406030204" pitchFamily="18" charset="0"/>
+                <a:ea typeface="Cambria" panose="02040503050406030204" pitchFamily="18" charset="0"/>
+              </a:rPr>
+              <a:t>(Salary) as </a:t>
+            </a:r>
+            <a:r>
+              <a:rPr lang="en-US" sz="1100" b="1" dirty="0" err="1">
+                <a:solidFill>
+                  <a:srgbClr val="FF0000"/>
+                </a:solidFill>
+                <a:latin typeface="Cambria" panose="02040503050406030204" pitchFamily="18" charset="0"/>
+                <a:ea typeface="Cambria" panose="02040503050406030204" pitchFamily="18" charset="0"/>
+              </a:rPr>
+              <a:t>Total_Salary</a:t>
+            </a:r>
+            <a:r>
+              <a:rPr lang="en-US" sz="1100" b="1" dirty="0">
+                <a:solidFill>
+                  <a:srgbClr val="FF0000"/>
+                </a:solidFill>
+                <a:latin typeface="Cambria" panose="02040503050406030204" pitchFamily="18" charset="0"/>
+                <a:ea typeface="Cambria" panose="02040503050406030204" pitchFamily="18" charset="0"/>
+              </a:rPr>
+              <a:t> from Employee</a:t>
+            </a:r>
+          </a:p>
+          <a:p>
+            <a:pPr fontAlgn="base"/>
+            <a:r>
+              <a:rPr lang="en-US" sz="1100" b="1" dirty="0">
+                <a:solidFill>
+                  <a:srgbClr val="FF0000"/>
+                </a:solidFill>
+                <a:latin typeface="Cambria" panose="02040503050406030204" pitchFamily="18" charset="0"/>
+                <a:ea typeface="Cambria" panose="02040503050406030204" pitchFamily="18" charset="0"/>
+              </a:rPr>
+              <a:t>Group by Position</a:t>
+            </a:r>
+          </a:p>
+          <a:p>
+            <a:pPr fontAlgn="base"/>
+            <a:endParaRPr lang="en-US" sz="1100" b="1" dirty="0">
+              <a:solidFill>
+                <a:srgbClr val="FF0000"/>
+              </a:solidFill>
+              <a:latin typeface="Cambria" panose="02040503050406030204" pitchFamily="18" charset="0"/>
+              <a:ea typeface="Cambria" panose="02040503050406030204" pitchFamily="18" charset="0"/>
+            </a:endParaRPr>
+          </a:p>
+          <a:p>
+            <a:pPr fontAlgn="base"/>
+            <a:r>
+              <a:rPr lang="en-US" sz="1100" b="1" dirty="0">
+                <a:solidFill>
+                  <a:srgbClr val="FF0000"/>
+                </a:solidFill>
+                <a:latin typeface="Cambria" panose="02040503050406030204" pitchFamily="18" charset="0"/>
+                <a:ea typeface="Cambria" panose="02040503050406030204" pitchFamily="18" charset="0"/>
+              </a:rPr>
+              <a:t>select </a:t>
+            </a:r>
+            <a:r>
+              <a:rPr lang="en-US" sz="1100" b="1" dirty="0" err="1">
+                <a:solidFill>
+                  <a:srgbClr val="FF0000"/>
+                </a:solidFill>
+                <a:latin typeface="Cambria" panose="02040503050406030204" pitchFamily="18" charset="0"/>
+                <a:ea typeface="Cambria" panose="02040503050406030204" pitchFamily="18" charset="0"/>
+              </a:rPr>
+              <a:t>Position,Min</a:t>
+            </a:r>
+            <a:r>
+              <a:rPr lang="en-US" sz="1100" b="1" dirty="0">
+                <a:solidFill>
+                  <a:srgbClr val="FF0000"/>
+                </a:solidFill>
+                <a:latin typeface="Cambria" panose="02040503050406030204" pitchFamily="18" charset="0"/>
+                <a:ea typeface="Cambria" panose="02040503050406030204" pitchFamily="18" charset="0"/>
+              </a:rPr>
+              <a:t>(Salary) as </a:t>
+            </a:r>
+            <a:r>
+              <a:rPr lang="en-US" sz="1100" b="1" dirty="0" err="1">
+                <a:solidFill>
+                  <a:srgbClr val="FF0000"/>
+                </a:solidFill>
+                <a:latin typeface="Cambria" panose="02040503050406030204" pitchFamily="18" charset="0"/>
+                <a:ea typeface="Cambria" panose="02040503050406030204" pitchFamily="18" charset="0"/>
+              </a:rPr>
+              <a:t>Total_Salary</a:t>
+            </a:r>
+            <a:r>
+              <a:rPr lang="en-US" sz="1100" b="1" dirty="0">
+                <a:solidFill>
+                  <a:srgbClr val="FF0000"/>
+                </a:solidFill>
+                <a:latin typeface="Cambria" panose="02040503050406030204" pitchFamily="18" charset="0"/>
+                <a:ea typeface="Cambria" panose="02040503050406030204" pitchFamily="18" charset="0"/>
+              </a:rPr>
+              <a:t> from Employee</a:t>
+            </a:r>
+          </a:p>
+          <a:p>
+            <a:pPr fontAlgn="base"/>
+            <a:r>
+              <a:rPr lang="en-US" sz="1100" b="1" dirty="0">
+                <a:solidFill>
+                  <a:srgbClr val="FF0000"/>
+                </a:solidFill>
+                <a:latin typeface="Cambria" panose="02040503050406030204" pitchFamily="18" charset="0"/>
+                <a:ea typeface="Cambria" panose="02040503050406030204" pitchFamily="18" charset="0"/>
+              </a:rPr>
+              <a:t>Group by Position</a:t>
+            </a:r>
+          </a:p>
+          <a:p>
+            <a:pPr fontAlgn="base"/>
+            <a:endParaRPr lang="en-US" sz="1100" dirty="0">
+              <a:latin typeface="Cambria" panose="02040503050406030204" pitchFamily="18" charset="0"/>
+              <a:ea typeface="Cambria" panose="02040503050406030204" pitchFamily="18" charset="0"/>
+            </a:endParaRPr>
+          </a:p>
+          <a:p>
+            <a:pPr fontAlgn="base"/>
+            <a:r>
+              <a:rPr lang="en-US" sz="1100" b="1" dirty="0">
+                <a:latin typeface="Cambria" panose="02040503050406030204" pitchFamily="18" charset="0"/>
+                <a:ea typeface="Cambria" panose="02040503050406030204" pitchFamily="18" charset="0"/>
+              </a:rPr>
+              <a:t>-- </a:t>
+            </a:r>
+            <a:r>
+              <a:rPr lang="en-US" sz="1100" b="1" dirty="0" smtClean="0">
+                <a:latin typeface="Cambria" panose="02040503050406030204" pitchFamily="18" charset="0"/>
+                <a:ea typeface="Cambria" panose="02040503050406030204" pitchFamily="18" charset="0"/>
+              </a:rPr>
+              <a:t>U</a:t>
+            </a:r>
+            <a:r>
+              <a:rPr lang="en-US" sz="1100" b="1" dirty="0">
+                <a:latin typeface="Cambria" panose="02040503050406030204" pitchFamily="18" charset="0"/>
+                <a:ea typeface="Cambria" panose="02040503050406030204" pitchFamily="18" charset="0"/>
+              </a:rPr>
+              <a:t>s</a:t>
+            </a:r>
+            <a:r>
+              <a:rPr lang="en-US" sz="1100" b="1" dirty="0" smtClean="0">
+                <a:latin typeface="Cambria" panose="02040503050406030204" pitchFamily="18" charset="0"/>
+                <a:ea typeface="Cambria" panose="02040503050406030204" pitchFamily="18" charset="0"/>
+              </a:rPr>
+              <a:t>ing </a:t>
+            </a:r>
+            <a:r>
+              <a:rPr lang="en-US" sz="1100" b="1" dirty="0">
+                <a:latin typeface="Cambria" panose="02040503050406030204" pitchFamily="18" charset="0"/>
+                <a:ea typeface="Cambria" panose="02040503050406030204" pitchFamily="18" charset="0"/>
+              </a:rPr>
+              <a:t>Adventure works database</a:t>
+            </a:r>
+          </a:p>
+          <a:p>
+            <a:pPr fontAlgn="base"/>
+            <a:r>
+              <a:rPr lang="en-US" sz="1100" b="1" dirty="0">
+                <a:solidFill>
+                  <a:srgbClr val="FF0000"/>
+                </a:solidFill>
+                <a:latin typeface="Cambria" panose="02040503050406030204" pitchFamily="18" charset="0"/>
+                <a:ea typeface="Cambria" panose="02040503050406030204" pitchFamily="18" charset="0"/>
+              </a:rPr>
+              <a:t>select </a:t>
+            </a:r>
+            <a:r>
+              <a:rPr lang="en-US" sz="1100" b="1" dirty="0" err="1">
+                <a:solidFill>
+                  <a:srgbClr val="FF0000"/>
+                </a:solidFill>
+                <a:latin typeface="Cambria" panose="02040503050406030204" pitchFamily="18" charset="0"/>
+                <a:ea typeface="Cambria" panose="02040503050406030204" pitchFamily="18" charset="0"/>
+              </a:rPr>
+              <a:t>JobTitle,MaritalStatus,Count</a:t>
+            </a:r>
+            <a:r>
+              <a:rPr lang="en-US" sz="1100" b="1" dirty="0">
+                <a:solidFill>
+                  <a:srgbClr val="FF0000"/>
+                </a:solidFill>
+                <a:latin typeface="Cambria" panose="02040503050406030204" pitchFamily="18" charset="0"/>
+                <a:ea typeface="Cambria" panose="02040503050406030204" pitchFamily="18" charset="0"/>
+              </a:rPr>
+              <a:t>(1) as '</a:t>
+            </a:r>
+            <a:r>
+              <a:rPr lang="en-US" sz="1100" b="1" dirty="0" err="1">
+                <a:solidFill>
+                  <a:srgbClr val="FF0000"/>
+                </a:solidFill>
+                <a:latin typeface="Cambria" panose="02040503050406030204" pitchFamily="18" charset="0"/>
+                <a:ea typeface="Cambria" panose="02040503050406030204" pitchFamily="18" charset="0"/>
+              </a:rPr>
+              <a:t>EmployeeCount</a:t>
+            </a:r>
+            <a:r>
+              <a:rPr lang="en-US" sz="1100" b="1" dirty="0">
+                <a:solidFill>
+                  <a:srgbClr val="FF0000"/>
+                </a:solidFill>
+                <a:latin typeface="Cambria" panose="02040503050406030204" pitchFamily="18" charset="0"/>
+                <a:ea typeface="Cambria" panose="02040503050406030204" pitchFamily="18" charset="0"/>
+              </a:rPr>
+              <a:t>' from [</a:t>
+            </a:r>
+            <a:r>
+              <a:rPr lang="en-US" sz="1100" b="1" dirty="0" err="1">
+                <a:solidFill>
+                  <a:srgbClr val="FF0000"/>
+                </a:solidFill>
+                <a:latin typeface="Cambria" panose="02040503050406030204" pitchFamily="18" charset="0"/>
+                <a:ea typeface="Cambria" panose="02040503050406030204" pitchFamily="18" charset="0"/>
+              </a:rPr>
+              <a:t>HumanResources</a:t>
+            </a:r>
+            <a:r>
+              <a:rPr lang="en-US" sz="1100" b="1" dirty="0">
+                <a:solidFill>
+                  <a:srgbClr val="FF0000"/>
+                </a:solidFill>
+                <a:latin typeface="Cambria" panose="02040503050406030204" pitchFamily="18" charset="0"/>
+                <a:ea typeface="Cambria" panose="02040503050406030204" pitchFamily="18" charset="0"/>
+              </a:rPr>
+              <a:t>].[Employee]</a:t>
+            </a:r>
+          </a:p>
+          <a:p>
+            <a:pPr fontAlgn="base"/>
+            <a:r>
+              <a:rPr lang="en-US" sz="1100" b="1" dirty="0">
+                <a:solidFill>
+                  <a:srgbClr val="FF0000"/>
+                </a:solidFill>
+                <a:latin typeface="Cambria" panose="02040503050406030204" pitchFamily="18" charset="0"/>
+                <a:ea typeface="Cambria" panose="02040503050406030204" pitchFamily="18" charset="0"/>
+              </a:rPr>
+              <a:t>Group by </a:t>
+            </a:r>
+            <a:r>
+              <a:rPr lang="en-US" sz="1100" b="1" dirty="0" err="1">
+                <a:solidFill>
+                  <a:srgbClr val="FF0000"/>
+                </a:solidFill>
+                <a:latin typeface="Cambria" panose="02040503050406030204" pitchFamily="18" charset="0"/>
+                <a:ea typeface="Cambria" panose="02040503050406030204" pitchFamily="18" charset="0"/>
+              </a:rPr>
+              <a:t>JobTitle,MaritalStatus</a:t>
+            </a:r>
+            <a:endParaRPr lang="en-US" sz="1100" b="1" dirty="0">
+              <a:solidFill>
+                <a:srgbClr val="FF0000"/>
+              </a:solidFill>
+              <a:latin typeface="Cambria" panose="02040503050406030204" pitchFamily="18" charset="0"/>
+              <a:ea typeface="Cambria" panose="02040503050406030204" pitchFamily="18" charset="0"/>
+            </a:endParaRPr>
+          </a:p>
+        </p:txBody>
+      </p:sp>
+      <p:sp>
+        <p:nvSpPr>
+          <p:cNvPr id="9" name="Rectangle 8"/>
+          <p:cNvSpPr/>
+          <p:nvPr/>
+        </p:nvSpPr>
+        <p:spPr>
+          <a:xfrm>
+            <a:off x="4123415" y="82092"/>
+            <a:ext cx="4253143" cy="6571030"/>
+          </a:xfrm>
+          <a:prstGeom prst="rect">
+            <a:avLst/>
+          </a:prstGeom>
+        </p:spPr>
+        <p:style>
+          <a:lnRef idx="2">
+            <a:schemeClr val="accent1"/>
+          </a:lnRef>
+          <a:fillRef idx="1">
+            <a:schemeClr val="lt1"/>
+          </a:fillRef>
+          <a:effectRef idx="0">
+            <a:schemeClr val="accent1"/>
+          </a:effectRef>
+          <a:fontRef idx="minor">
+            <a:schemeClr val="dk1"/>
+          </a:fontRef>
+        </p:style>
+        <p:txBody>
+          <a:bodyPr wrap="square">
+            <a:spAutoFit/>
+          </a:bodyPr>
+          <a:lstStyle/>
+          <a:p>
+            <a:r>
+              <a:rPr lang="en-US" sz="1400" b="1" u="sng" dirty="0" smtClean="0">
+                <a:latin typeface="Cambria" panose="02040503050406030204" pitchFamily="18" charset="0"/>
+                <a:ea typeface="Cambria" panose="02040503050406030204" pitchFamily="18" charset="0"/>
+              </a:rPr>
+              <a:t>Roll UP and CUBE</a:t>
+            </a:r>
+            <a:r>
+              <a:rPr lang="en-US" sz="1400" b="1" dirty="0" smtClean="0">
+                <a:latin typeface="Cambria" panose="02040503050406030204" pitchFamily="18" charset="0"/>
+                <a:ea typeface="Cambria" panose="02040503050406030204" pitchFamily="18" charset="0"/>
+              </a:rPr>
+              <a:t>:-</a:t>
+            </a:r>
+          </a:p>
+          <a:p>
+            <a:r>
+              <a:rPr lang="en-US" sz="1100" dirty="0">
+                <a:latin typeface="Cambria" panose="02040503050406030204" pitchFamily="18" charset="0"/>
+                <a:ea typeface="Cambria" panose="02040503050406030204" pitchFamily="18" charset="0"/>
+              </a:rPr>
+              <a:t>ROLLUP and CUBE are simple extensions to the SELECT statement's GROUP BY clause. ROLLUP creates subtotals at any level of aggregation needed, from the most detailed up to a grand total</a:t>
+            </a:r>
+            <a:r>
+              <a:rPr lang="en-US" sz="1100" dirty="0" smtClean="0">
+                <a:latin typeface="Cambria" panose="02040503050406030204" pitchFamily="18" charset="0"/>
+                <a:ea typeface="Cambria" panose="02040503050406030204" pitchFamily="18" charset="0"/>
+              </a:rPr>
+              <a:t>.</a:t>
+            </a:r>
+          </a:p>
+          <a:p>
+            <a:endParaRPr lang="en-US" sz="1100" dirty="0">
+              <a:latin typeface="Cambria" panose="02040503050406030204" pitchFamily="18" charset="0"/>
+              <a:ea typeface="Cambria" panose="02040503050406030204" pitchFamily="18" charset="0"/>
+            </a:endParaRPr>
+          </a:p>
+          <a:p>
+            <a:pPr fontAlgn="base"/>
+            <a:r>
+              <a:rPr lang="en-US" sz="1100" b="1" dirty="0">
+                <a:solidFill>
+                  <a:srgbClr val="FF0000"/>
+                </a:solidFill>
+                <a:latin typeface="Cambria" panose="02040503050406030204" pitchFamily="18" charset="0"/>
+                <a:ea typeface="Cambria" panose="02040503050406030204" pitchFamily="18" charset="0"/>
+              </a:rPr>
+              <a:t>CREATE TABLE [</a:t>
+            </a:r>
+            <a:r>
+              <a:rPr lang="en-US" sz="1100" b="1" dirty="0" err="1">
+                <a:solidFill>
+                  <a:srgbClr val="FF0000"/>
+                </a:solidFill>
+                <a:latin typeface="Cambria" panose="02040503050406030204" pitchFamily="18" charset="0"/>
+                <a:ea typeface="Cambria" panose="02040503050406030204" pitchFamily="18" charset="0"/>
+              </a:rPr>
+              <a:t>dbo</a:t>
+            </a:r>
+            <a:r>
+              <a:rPr lang="en-US" sz="1100" b="1" dirty="0">
+                <a:solidFill>
+                  <a:srgbClr val="FF0000"/>
+                </a:solidFill>
+                <a:latin typeface="Cambria" panose="02040503050406030204" pitchFamily="18" charset="0"/>
+                <a:ea typeface="Cambria" panose="02040503050406030204" pitchFamily="18" charset="0"/>
+              </a:rPr>
+              <a:t>].[</a:t>
+            </a:r>
+            <a:r>
+              <a:rPr lang="en-US" sz="1100" b="1" dirty="0" err="1">
+                <a:solidFill>
+                  <a:srgbClr val="FF0000"/>
+                </a:solidFill>
+                <a:latin typeface="Cambria" panose="02040503050406030204" pitchFamily="18" charset="0"/>
+                <a:ea typeface="Cambria" panose="02040503050406030204" pitchFamily="18" charset="0"/>
+              </a:rPr>
+              <a:t>Employee_RQ</a:t>
+            </a:r>
+            <a:r>
+              <a:rPr lang="en-US" sz="1100" b="1" dirty="0">
+                <a:solidFill>
+                  <a:srgbClr val="FF0000"/>
+                </a:solidFill>
+                <a:latin typeface="Cambria" panose="02040503050406030204" pitchFamily="18" charset="0"/>
+                <a:ea typeface="Cambria" panose="02040503050406030204" pitchFamily="18" charset="0"/>
+              </a:rPr>
+              <a:t>](</a:t>
+            </a:r>
+          </a:p>
+          <a:p>
+            <a:pPr fontAlgn="base"/>
+            <a:r>
+              <a:rPr lang="en-US" sz="1100" b="1" dirty="0">
+                <a:solidFill>
+                  <a:srgbClr val="FF0000"/>
+                </a:solidFill>
+                <a:latin typeface="Cambria" panose="02040503050406030204" pitchFamily="18" charset="0"/>
+                <a:ea typeface="Cambria" panose="02040503050406030204" pitchFamily="18" charset="0"/>
+              </a:rPr>
+              <a:t>[ID] [</a:t>
+            </a:r>
+            <a:r>
+              <a:rPr lang="en-US" sz="1100" b="1" dirty="0" err="1">
+                <a:solidFill>
+                  <a:srgbClr val="FF0000"/>
+                </a:solidFill>
+                <a:latin typeface="Cambria" panose="02040503050406030204" pitchFamily="18" charset="0"/>
+                <a:ea typeface="Cambria" panose="02040503050406030204" pitchFamily="18" charset="0"/>
+              </a:rPr>
+              <a:t>int</a:t>
+            </a:r>
+            <a:r>
+              <a:rPr lang="en-US" sz="1100" b="1" dirty="0">
+                <a:solidFill>
+                  <a:srgbClr val="FF0000"/>
+                </a:solidFill>
+                <a:latin typeface="Cambria" panose="02040503050406030204" pitchFamily="18" charset="0"/>
+                <a:ea typeface="Cambria" panose="02040503050406030204" pitchFamily="18" charset="0"/>
+              </a:rPr>
+              <a:t>] NOT NULL,</a:t>
+            </a:r>
+          </a:p>
+          <a:p>
+            <a:pPr fontAlgn="base"/>
+            <a:r>
+              <a:rPr lang="en-US" sz="1100" b="1" dirty="0">
+                <a:solidFill>
+                  <a:srgbClr val="FF0000"/>
+                </a:solidFill>
+                <a:latin typeface="Cambria" panose="02040503050406030204" pitchFamily="18" charset="0"/>
+                <a:ea typeface="Cambria" panose="02040503050406030204" pitchFamily="18" charset="0"/>
+              </a:rPr>
+              <a:t>[name] [</a:t>
+            </a:r>
+            <a:r>
+              <a:rPr lang="en-US" sz="1100" b="1" dirty="0" err="1">
+                <a:solidFill>
+                  <a:srgbClr val="FF0000"/>
+                </a:solidFill>
+                <a:latin typeface="Cambria" panose="02040503050406030204" pitchFamily="18" charset="0"/>
+                <a:ea typeface="Cambria" panose="02040503050406030204" pitchFamily="18" charset="0"/>
+              </a:rPr>
+              <a:t>varchar</a:t>
+            </a:r>
+            <a:r>
+              <a:rPr lang="en-US" sz="1100" b="1" dirty="0">
+                <a:solidFill>
+                  <a:srgbClr val="FF0000"/>
+                </a:solidFill>
+                <a:latin typeface="Cambria" panose="02040503050406030204" pitchFamily="18" charset="0"/>
+                <a:ea typeface="Cambria" panose="02040503050406030204" pitchFamily="18" charset="0"/>
+              </a:rPr>
+              <a:t>](50) NOT NULL,</a:t>
+            </a:r>
+          </a:p>
+          <a:p>
+            <a:pPr fontAlgn="base"/>
+            <a:r>
+              <a:rPr lang="en-US" sz="1100" b="1" dirty="0">
+                <a:solidFill>
+                  <a:srgbClr val="FF0000"/>
+                </a:solidFill>
+                <a:latin typeface="Cambria" panose="02040503050406030204" pitchFamily="18" charset="0"/>
+                <a:ea typeface="Cambria" panose="02040503050406030204" pitchFamily="18" charset="0"/>
+              </a:rPr>
+              <a:t>[Gender] [</a:t>
+            </a:r>
+            <a:r>
+              <a:rPr lang="en-US" sz="1100" b="1" dirty="0" err="1">
+                <a:solidFill>
+                  <a:srgbClr val="FF0000"/>
+                </a:solidFill>
+                <a:latin typeface="Cambria" panose="02040503050406030204" pitchFamily="18" charset="0"/>
+                <a:ea typeface="Cambria" panose="02040503050406030204" pitchFamily="18" charset="0"/>
+              </a:rPr>
+              <a:t>varchar</a:t>
+            </a:r>
+            <a:r>
+              <a:rPr lang="en-US" sz="1100" b="1" dirty="0">
+                <a:solidFill>
+                  <a:srgbClr val="FF0000"/>
+                </a:solidFill>
+                <a:latin typeface="Cambria" panose="02040503050406030204" pitchFamily="18" charset="0"/>
+                <a:ea typeface="Cambria" panose="02040503050406030204" pitchFamily="18" charset="0"/>
+              </a:rPr>
+              <a:t>](50) NOT NULL,</a:t>
+            </a:r>
+          </a:p>
+          <a:p>
+            <a:pPr fontAlgn="base"/>
+            <a:r>
+              <a:rPr lang="en-US" sz="1100" b="1" dirty="0">
+                <a:solidFill>
+                  <a:srgbClr val="FF0000"/>
+                </a:solidFill>
+                <a:latin typeface="Cambria" panose="02040503050406030204" pitchFamily="18" charset="0"/>
+                <a:ea typeface="Cambria" panose="02040503050406030204" pitchFamily="18" charset="0"/>
+              </a:rPr>
+              <a:t>[Salary] [</a:t>
+            </a:r>
+            <a:r>
+              <a:rPr lang="en-US" sz="1100" b="1" dirty="0" err="1">
+                <a:solidFill>
+                  <a:srgbClr val="FF0000"/>
+                </a:solidFill>
+                <a:latin typeface="Cambria" panose="02040503050406030204" pitchFamily="18" charset="0"/>
+                <a:ea typeface="Cambria" panose="02040503050406030204" pitchFamily="18" charset="0"/>
+              </a:rPr>
+              <a:t>int</a:t>
+            </a:r>
+            <a:r>
+              <a:rPr lang="en-US" sz="1100" b="1" dirty="0">
+                <a:solidFill>
+                  <a:srgbClr val="FF0000"/>
+                </a:solidFill>
+                <a:latin typeface="Cambria" panose="02040503050406030204" pitchFamily="18" charset="0"/>
+                <a:ea typeface="Cambria" panose="02040503050406030204" pitchFamily="18" charset="0"/>
+              </a:rPr>
+              <a:t>] NOT NULL,</a:t>
+            </a:r>
+          </a:p>
+          <a:p>
+            <a:pPr fontAlgn="base"/>
+            <a:r>
+              <a:rPr lang="en-US" sz="1100" b="1" dirty="0">
+                <a:solidFill>
+                  <a:srgbClr val="FF0000"/>
+                </a:solidFill>
+                <a:latin typeface="Cambria" panose="02040503050406030204" pitchFamily="18" charset="0"/>
+                <a:ea typeface="Cambria" panose="02040503050406030204" pitchFamily="18" charset="0"/>
+              </a:rPr>
+              <a:t>[department] [</a:t>
+            </a:r>
+            <a:r>
+              <a:rPr lang="en-US" sz="1100" b="1" dirty="0" err="1">
+                <a:solidFill>
+                  <a:srgbClr val="FF0000"/>
+                </a:solidFill>
+                <a:latin typeface="Cambria" panose="02040503050406030204" pitchFamily="18" charset="0"/>
+                <a:ea typeface="Cambria" panose="02040503050406030204" pitchFamily="18" charset="0"/>
+              </a:rPr>
+              <a:t>varchar</a:t>
+            </a:r>
+            <a:r>
+              <a:rPr lang="en-US" sz="1100" b="1" dirty="0">
+                <a:solidFill>
+                  <a:srgbClr val="FF0000"/>
+                </a:solidFill>
+                <a:latin typeface="Cambria" panose="02040503050406030204" pitchFamily="18" charset="0"/>
+                <a:ea typeface="Cambria" panose="02040503050406030204" pitchFamily="18" charset="0"/>
+              </a:rPr>
+              <a:t>](50) NOT NULL,</a:t>
+            </a:r>
+          </a:p>
+          <a:p>
+            <a:pPr fontAlgn="base"/>
+            <a:r>
+              <a:rPr lang="en-US" sz="1100" b="1" dirty="0" smtClean="0">
+                <a:solidFill>
+                  <a:srgbClr val="FF0000"/>
+                </a:solidFill>
+                <a:latin typeface="Cambria" panose="02040503050406030204" pitchFamily="18" charset="0"/>
+                <a:ea typeface="Cambria" panose="02040503050406030204" pitchFamily="18" charset="0"/>
+              </a:rPr>
+              <a:t>)</a:t>
+            </a:r>
+          </a:p>
+          <a:p>
+            <a:pPr fontAlgn="base"/>
+            <a:endParaRPr lang="en-US" sz="1100" b="1" dirty="0">
+              <a:solidFill>
+                <a:srgbClr val="FF0000"/>
+              </a:solidFill>
+              <a:latin typeface="Cambria" panose="02040503050406030204" pitchFamily="18" charset="0"/>
+              <a:ea typeface="Cambria" panose="02040503050406030204" pitchFamily="18" charset="0"/>
+            </a:endParaRPr>
+          </a:p>
+          <a:p>
+            <a:pPr fontAlgn="base"/>
+            <a:r>
+              <a:rPr lang="en-US" sz="1100" b="1" dirty="0">
+                <a:latin typeface="Cambria" panose="02040503050406030204" pitchFamily="18" charset="0"/>
+                <a:ea typeface="Cambria" panose="02040503050406030204" pitchFamily="18" charset="0"/>
+              </a:rPr>
+              <a:t>Insert values as per this </a:t>
+            </a:r>
+            <a:r>
+              <a:rPr lang="en-US" sz="1100" b="1" dirty="0" smtClean="0">
+                <a:latin typeface="Cambria" panose="02040503050406030204" pitchFamily="18" charset="0"/>
+                <a:ea typeface="Cambria" panose="02040503050406030204" pitchFamily="18" charset="0"/>
+              </a:rPr>
+              <a:t>table</a:t>
+            </a:r>
+          </a:p>
+          <a:p>
+            <a:pPr fontAlgn="base"/>
+            <a:r>
+              <a:rPr lang="en-US" sz="1100" b="1" dirty="0" smtClean="0">
+                <a:latin typeface="Cambria" panose="02040503050406030204" pitchFamily="18" charset="0"/>
+                <a:ea typeface="Cambria" panose="02040503050406030204" pitchFamily="18" charset="0"/>
+              </a:rPr>
+              <a:t>Simple Group by clause</a:t>
+            </a:r>
+            <a:endParaRPr lang="en-US" sz="1100" b="1" dirty="0">
+              <a:latin typeface="Cambria" panose="02040503050406030204" pitchFamily="18" charset="0"/>
+              <a:ea typeface="Cambria" panose="02040503050406030204" pitchFamily="18" charset="0"/>
+            </a:endParaRPr>
+          </a:p>
+          <a:p>
+            <a:pPr fontAlgn="base"/>
+            <a:r>
+              <a:rPr lang="en-US" sz="1100" b="1" dirty="0">
+                <a:solidFill>
+                  <a:srgbClr val="FF0000"/>
+                </a:solidFill>
+                <a:latin typeface="Cambria" panose="02040503050406030204" pitchFamily="18" charset="0"/>
+                <a:ea typeface="Cambria" panose="02040503050406030204" pitchFamily="18" charset="0"/>
+              </a:rPr>
+              <a:t>SELECT department, sum(salary) as </a:t>
+            </a:r>
+            <a:r>
+              <a:rPr lang="en-US" sz="1100" b="1" dirty="0" err="1">
+                <a:solidFill>
+                  <a:srgbClr val="FF0000"/>
+                </a:solidFill>
+                <a:latin typeface="Cambria" panose="02040503050406030204" pitchFamily="18" charset="0"/>
+                <a:ea typeface="Cambria" panose="02040503050406030204" pitchFamily="18" charset="0"/>
+              </a:rPr>
+              <a:t>Salary_Sum</a:t>
+            </a:r>
+            <a:endParaRPr lang="en-US" sz="1100" b="1" dirty="0">
+              <a:solidFill>
+                <a:srgbClr val="FF0000"/>
+              </a:solidFill>
+              <a:latin typeface="Cambria" panose="02040503050406030204" pitchFamily="18" charset="0"/>
+              <a:ea typeface="Cambria" panose="02040503050406030204" pitchFamily="18" charset="0"/>
+            </a:endParaRPr>
+          </a:p>
+          <a:p>
+            <a:pPr fontAlgn="base"/>
+            <a:r>
+              <a:rPr lang="en-US" sz="1100" b="1" dirty="0">
+                <a:solidFill>
+                  <a:srgbClr val="FF0000"/>
+                </a:solidFill>
+                <a:latin typeface="Cambria" panose="02040503050406030204" pitchFamily="18" charset="0"/>
+                <a:ea typeface="Cambria" panose="02040503050406030204" pitchFamily="18" charset="0"/>
+              </a:rPr>
+              <a:t>  FROM employee</a:t>
+            </a:r>
+          </a:p>
+          <a:p>
+            <a:pPr fontAlgn="base"/>
+            <a:r>
+              <a:rPr lang="en-US" sz="1100" b="1" dirty="0">
+                <a:solidFill>
+                  <a:srgbClr val="FF0000"/>
+                </a:solidFill>
+                <a:latin typeface="Cambria" panose="02040503050406030204" pitchFamily="18" charset="0"/>
+                <a:ea typeface="Cambria" panose="02040503050406030204" pitchFamily="18" charset="0"/>
+              </a:rPr>
+              <a:t>  GROUP BY department</a:t>
+            </a:r>
+          </a:p>
+          <a:p>
+            <a:pPr lvl="0"/>
+            <a:r>
+              <a:rPr lang="en-US" sz="1100" b="1" dirty="0">
+                <a:latin typeface="Cambria" panose="02040503050406030204" pitchFamily="18" charset="0"/>
+                <a:ea typeface="Cambria" panose="02040503050406030204" pitchFamily="18" charset="0"/>
+              </a:rPr>
+              <a:t> Rollup operator:-</a:t>
+            </a:r>
+          </a:p>
+          <a:p>
+            <a:r>
+              <a:rPr lang="en-US" sz="1100" b="1" dirty="0">
+                <a:solidFill>
+                  <a:srgbClr val="FF0000"/>
+                </a:solidFill>
+                <a:latin typeface="Cambria" panose="02040503050406030204" pitchFamily="18" charset="0"/>
+                <a:ea typeface="Cambria" panose="02040503050406030204" pitchFamily="18" charset="0"/>
+              </a:rPr>
+              <a:t>SELECT coalesce (department, 'All Departments') AS Department,</a:t>
+            </a:r>
+          </a:p>
+          <a:p>
+            <a:r>
+              <a:rPr lang="en-US" sz="1100" b="1" dirty="0">
+                <a:solidFill>
+                  <a:srgbClr val="FF0000"/>
+                </a:solidFill>
+                <a:latin typeface="Cambria" panose="02040503050406030204" pitchFamily="18" charset="0"/>
+                <a:ea typeface="Cambria" panose="02040503050406030204" pitchFamily="18" charset="0"/>
+              </a:rPr>
+              <a:t>  sum(salary) as </a:t>
+            </a:r>
+            <a:r>
+              <a:rPr lang="en-US" sz="1100" b="1" dirty="0" err="1">
+                <a:solidFill>
+                  <a:srgbClr val="FF0000"/>
+                </a:solidFill>
+                <a:latin typeface="Cambria" panose="02040503050406030204" pitchFamily="18" charset="0"/>
+                <a:ea typeface="Cambria" panose="02040503050406030204" pitchFamily="18" charset="0"/>
+              </a:rPr>
+              <a:t>Salary_Sum</a:t>
+            </a:r>
+            <a:endParaRPr lang="en-US" sz="1100" b="1" dirty="0">
+              <a:solidFill>
+                <a:srgbClr val="FF0000"/>
+              </a:solidFill>
+              <a:latin typeface="Cambria" panose="02040503050406030204" pitchFamily="18" charset="0"/>
+              <a:ea typeface="Cambria" panose="02040503050406030204" pitchFamily="18" charset="0"/>
+            </a:endParaRPr>
+          </a:p>
+          <a:p>
+            <a:r>
+              <a:rPr lang="en-US" sz="1100" b="1" dirty="0">
+                <a:solidFill>
+                  <a:srgbClr val="FF0000"/>
+                </a:solidFill>
+                <a:latin typeface="Cambria" panose="02040503050406030204" pitchFamily="18" charset="0"/>
+                <a:ea typeface="Cambria" panose="02040503050406030204" pitchFamily="18" charset="0"/>
+              </a:rPr>
+              <a:t>  FROM employee</a:t>
+            </a:r>
+          </a:p>
+          <a:p>
+            <a:r>
+              <a:rPr lang="en-US" sz="1100" b="1" dirty="0">
+                <a:solidFill>
+                  <a:srgbClr val="FF0000"/>
+                </a:solidFill>
+                <a:latin typeface="Cambria" panose="02040503050406030204" pitchFamily="18" charset="0"/>
+                <a:ea typeface="Cambria" panose="02040503050406030204" pitchFamily="18" charset="0"/>
+              </a:rPr>
+              <a:t>  GROUP BY ROLLUP (department)</a:t>
+            </a:r>
+          </a:p>
+          <a:p>
+            <a:pPr fontAlgn="base"/>
+            <a:endParaRPr lang="en-US" sz="1100" b="1" dirty="0" smtClean="0">
+              <a:latin typeface="Cambria" panose="02040503050406030204" pitchFamily="18" charset="0"/>
+              <a:ea typeface="Cambria" panose="02040503050406030204" pitchFamily="18" charset="0"/>
+            </a:endParaRPr>
+          </a:p>
+          <a:p>
+            <a:r>
+              <a:rPr lang="en-US" sz="1100" b="1" dirty="0">
+                <a:solidFill>
+                  <a:srgbClr val="FF0000"/>
+                </a:solidFill>
+                <a:latin typeface="Cambria" panose="02040503050406030204" pitchFamily="18" charset="0"/>
+                <a:ea typeface="Cambria" panose="02040503050406030204" pitchFamily="18" charset="0"/>
+              </a:rPr>
+              <a:t> SELECT</a:t>
+            </a:r>
+          </a:p>
+          <a:p>
+            <a:r>
+              <a:rPr lang="en-US" sz="1100" b="1" dirty="0">
+                <a:solidFill>
+                  <a:srgbClr val="FF0000"/>
+                </a:solidFill>
+                <a:latin typeface="Cambria" panose="02040503050406030204" pitchFamily="18" charset="0"/>
+                <a:ea typeface="Cambria" panose="02040503050406030204" pitchFamily="18" charset="0"/>
+              </a:rPr>
+              <a:t>  coalesce (department, 'All Departments') AS Department,</a:t>
+            </a:r>
+          </a:p>
+          <a:p>
+            <a:r>
+              <a:rPr lang="en-US" sz="1100" b="1" dirty="0">
+                <a:solidFill>
+                  <a:srgbClr val="FF0000"/>
+                </a:solidFill>
+                <a:latin typeface="Cambria" panose="02040503050406030204" pitchFamily="18" charset="0"/>
+                <a:ea typeface="Cambria" panose="02040503050406030204" pitchFamily="18" charset="0"/>
+              </a:rPr>
+              <a:t>  coalesce (</a:t>
+            </a:r>
+            <a:r>
+              <a:rPr lang="en-US" sz="1100" b="1" dirty="0" err="1">
+                <a:solidFill>
+                  <a:srgbClr val="FF0000"/>
+                </a:solidFill>
+                <a:latin typeface="Cambria" panose="02040503050406030204" pitchFamily="18" charset="0"/>
+                <a:ea typeface="Cambria" panose="02040503050406030204" pitchFamily="18" charset="0"/>
+              </a:rPr>
+              <a:t>gender,'All</a:t>
+            </a:r>
+            <a:r>
+              <a:rPr lang="en-US" sz="1100" b="1" dirty="0">
+                <a:solidFill>
+                  <a:srgbClr val="FF0000"/>
+                </a:solidFill>
+                <a:latin typeface="Cambria" panose="02040503050406030204" pitchFamily="18" charset="0"/>
+                <a:ea typeface="Cambria" panose="02040503050406030204" pitchFamily="18" charset="0"/>
+              </a:rPr>
+              <a:t> Genders') AS Gender,</a:t>
+            </a:r>
+          </a:p>
+          <a:p>
+            <a:r>
+              <a:rPr lang="en-US" sz="1100" b="1" dirty="0">
+                <a:solidFill>
+                  <a:srgbClr val="FF0000"/>
+                </a:solidFill>
+                <a:latin typeface="Cambria" panose="02040503050406030204" pitchFamily="18" charset="0"/>
+                <a:ea typeface="Cambria" panose="02040503050406030204" pitchFamily="18" charset="0"/>
+              </a:rPr>
+              <a:t>  sum(salary) as </a:t>
+            </a:r>
+            <a:r>
+              <a:rPr lang="en-US" sz="1100" b="1" dirty="0" err="1">
+                <a:solidFill>
+                  <a:srgbClr val="FF0000"/>
+                </a:solidFill>
+                <a:latin typeface="Cambria" panose="02040503050406030204" pitchFamily="18" charset="0"/>
+                <a:ea typeface="Cambria" panose="02040503050406030204" pitchFamily="18" charset="0"/>
+              </a:rPr>
+              <a:t>Salary_Sum</a:t>
+            </a:r>
+            <a:endParaRPr lang="en-US" sz="1100" b="1" dirty="0">
+              <a:solidFill>
+                <a:srgbClr val="FF0000"/>
+              </a:solidFill>
+              <a:latin typeface="Cambria" panose="02040503050406030204" pitchFamily="18" charset="0"/>
+              <a:ea typeface="Cambria" panose="02040503050406030204" pitchFamily="18" charset="0"/>
+            </a:endParaRPr>
+          </a:p>
+          <a:p>
+            <a:r>
+              <a:rPr lang="en-US" sz="1100" b="1" dirty="0">
+                <a:solidFill>
+                  <a:srgbClr val="FF0000"/>
+                </a:solidFill>
+                <a:latin typeface="Cambria" panose="02040503050406030204" pitchFamily="18" charset="0"/>
+                <a:ea typeface="Cambria" panose="02040503050406030204" pitchFamily="18" charset="0"/>
+              </a:rPr>
+              <a:t>  FROM employee</a:t>
+            </a:r>
+          </a:p>
+          <a:p>
+            <a:r>
+              <a:rPr lang="en-US" sz="1100" b="1" dirty="0">
+                <a:solidFill>
+                  <a:srgbClr val="FF0000"/>
+                </a:solidFill>
+                <a:latin typeface="Cambria" panose="02040503050406030204" pitchFamily="18" charset="0"/>
+                <a:ea typeface="Cambria" panose="02040503050406030204" pitchFamily="18" charset="0"/>
+              </a:rPr>
+              <a:t>  GROUP BY ROLLUP (department, gender</a:t>
+            </a:r>
+            <a:r>
+              <a:rPr lang="en-US" sz="1100" b="1" dirty="0" smtClean="0">
+                <a:solidFill>
+                  <a:srgbClr val="FF0000"/>
+                </a:solidFill>
+                <a:latin typeface="Cambria" panose="02040503050406030204" pitchFamily="18" charset="0"/>
+                <a:ea typeface="Cambria" panose="02040503050406030204" pitchFamily="18" charset="0"/>
+              </a:rPr>
+              <a:t>)</a:t>
+            </a:r>
+          </a:p>
+          <a:p>
+            <a:pPr lvl="0"/>
+            <a:r>
+              <a:rPr lang="en-US" sz="1100" b="1" dirty="0">
+                <a:latin typeface="Cambria" panose="02040503050406030204" pitchFamily="18" charset="0"/>
+                <a:ea typeface="Cambria" panose="02040503050406030204" pitchFamily="18" charset="0"/>
+              </a:rPr>
+              <a:t> CUBE operator:-</a:t>
+            </a:r>
+          </a:p>
+          <a:p>
+            <a:r>
+              <a:rPr lang="en-US" sz="1100" b="1" dirty="0" smtClean="0">
+                <a:solidFill>
+                  <a:srgbClr val="FF0000"/>
+                </a:solidFill>
+                <a:latin typeface="Cambria" panose="02040503050406030204" pitchFamily="18" charset="0"/>
+                <a:ea typeface="Cambria" panose="02040503050406030204" pitchFamily="18" charset="0"/>
+              </a:rPr>
+              <a:t>SELECT</a:t>
+            </a:r>
+            <a:endParaRPr lang="en-US" sz="1100" b="1" dirty="0">
+              <a:solidFill>
+                <a:srgbClr val="FF0000"/>
+              </a:solidFill>
+              <a:latin typeface="Cambria" panose="02040503050406030204" pitchFamily="18" charset="0"/>
+              <a:ea typeface="Cambria" panose="02040503050406030204" pitchFamily="18" charset="0"/>
+            </a:endParaRPr>
+          </a:p>
+          <a:p>
+            <a:r>
+              <a:rPr lang="en-US" sz="1100" b="1" dirty="0">
+                <a:solidFill>
+                  <a:srgbClr val="FF0000"/>
+                </a:solidFill>
+                <a:latin typeface="Cambria" panose="02040503050406030204" pitchFamily="18" charset="0"/>
+                <a:ea typeface="Cambria" panose="02040503050406030204" pitchFamily="18" charset="0"/>
+              </a:rPr>
+              <a:t>  coalesce (department, 'All Departments') AS Department,</a:t>
+            </a:r>
+          </a:p>
+          <a:p>
+            <a:r>
+              <a:rPr lang="en-US" sz="1100" b="1" dirty="0">
+                <a:solidFill>
+                  <a:srgbClr val="FF0000"/>
+                </a:solidFill>
+                <a:latin typeface="Cambria" panose="02040503050406030204" pitchFamily="18" charset="0"/>
+                <a:ea typeface="Cambria" panose="02040503050406030204" pitchFamily="18" charset="0"/>
+              </a:rPr>
+              <a:t>  coalesce (</a:t>
+            </a:r>
+            <a:r>
+              <a:rPr lang="en-US" sz="1100" b="1" dirty="0" err="1">
+                <a:solidFill>
+                  <a:srgbClr val="FF0000"/>
+                </a:solidFill>
+                <a:latin typeface="Cambria" panose="02040503050406030204" pitchFamily="18" charset="0"/>
+                <a:ea typeface="Cambria" panose="02040503050406030204" pitchFamily="18" charset="0"/>
+              </a:rPr>
+              <a:t>gender,'All</a:t>
+            </a:r>
+            <a:r>
+              <a:rPr lang="en-US" sz="1100" b="1" dirty="0">
+                <a:solidFill>
+                  <a:srgbClr val="FF0000"/>
+                </a:solidFill>
+                <a:latin typeface="Cambria" panose="02040503050406030204" pitchFamily="18" charset="0"/>
+                <a:ea typeface="Cambria" panose="02040503050406030204" pitchFamily="18" charset="0"/>
+              </a:rPr>
+              <a:t> Genders') AS Gender,</a:t>
+            </a:r>
+          </a:p>
+          <a:p>
+            <a:r>
+              <a:rPr lang="en-US" sz="1100" b="1" dirty="0">
+                <a:solidFill>
+                  <a:srgbClr val="FF0000"/>
+                </a:solidFill>
+                <a:latin typeface="Cambria" panose="02040503050406030204" pitchFamily="18" charset="0"/>
+                <a:ea typeface="Cambria" panose="02040503050406030204" pitchFamily="18" charset="0"/>
+              </a:rPr>
+              <a:t>  sum(salary) as </a:t>
+            </a:r>
+            <a:r>
+              <a:rPr lang="en-US" sz="1100" b="1" dirty="0" err="1">
+                <a:solidFill>
+                  <a:srgbClr val="FF0000"/>
+                </a:solidFill>
+                <a:latin typeface="Cambria" panose="02040503050406030204" pitchFamily="18" charset="0"/>
+                <a:ea typeface="Cambria" panose="02040503050406030204" pitchFamily="18" charset="0"/>
+              </a:rPr>
+              <a:t>Salary_Sum</a:t>
+            </a:r>
+            <a:endParaRPr lang="en-US" sz="1100" b="1" dirty="0">
+              <a:solidFill>
+                <a:srgbClr val="FF0000"/>
+              </a:solidFill>
+              <a:latin typeface="Cambria" panose="02040503050406030204" pitchFamily="18" charset="0"/>
+              <a:ea typeface="Cambria" panose="02040503050406030204" pitchFamily="18" charset="0"/>
+            </a:endParaRPr>
+          </a:p>
+          <a:p>
+            <a:r>
+              <a:rPr lang="en-US" sz="1100" b="1" dirty="0">
+                <a:solidFill>
+                  <a:srgbClr val="FF0000"/>
+                </a:solidFill>
+                <a:latin typeface="Cambria" panose="02040503050406030204" pitchFamily="18" charset="0"/>
+                <a:ea typeface="Cambria" panose="02040503050406030204" pitchFamily="18" charset="0"/>
+              </a:rPr>
+              <a:t>  FROM employee</a:t>
+            </a:r>
+          </a:p>
+          <a:p>
+            <a:r>
+              <a:rPr lang="en-US" sz="1100" b="1" dirty="0">
+                <a:solidFill>
+                  <a:srgbClr val="FF0000"/>
+                </a:solidFill>
+                <a:latin typeface="Cambria" panose="02040503050406030204" pitchFamily="18" charset="0"/>
+                <a:ea typeface="Cambria" panose="02040503050406030204" pitchFamily="18" charset="0"/>
+              </a:rPr>
+              <a:t>  GROUP BY CUBE (department, </a:t>
+            </a:r>
+            <a:r>
+              <a:rPr lang="en-US" sz="1100" b="1" dirty="0" smtClean="0">
+                <a:solidFill>
+                  <a:srgbClr val="FF0000"/>
+                </a:solidFill>
+                <a:latin typeface="Cambria" panose="02040503050406030204" pitchFamily="18" charset="0"/>
+                <a:ea typeface="Cambria" panose="02040503050406030204" pitchFamily="18" charset="0"/>
+              </a:rPr>
+              <a:t>gender</a:t>
+            </a:r>
+            <a:r>
+              <a:rPr lang="en-US" sz="1100" b="1" dirty="0">
+                <a:solidFill>
+                  <a:srgbClr val="FF0000"/>
+                </a:solidFill>
+                <a:latin typeface="Cambria" panose="02040503050406030204" pitchFamily="18" charset="0"/>
+                <a:ea typeface="Cambria" panose="02040503050406030204" pitchFamily="18" charset="0"/>
+              </a:rPr>
+              <a:t>)</a:t>
+            </a:r>
+          </a:p>
+        </p:txBody>
+      </p:sp>
+      <p:graphicFrame>
+        <p:nvGraphicFramePr>
+          <p:cNvPr id="2" name="Table 1"/>
+          <p:cNvGraphicFramePr>
+            <a:graphicFrameLocks noGrp="1"/>
+          </p:cNvGraphicFramePr>
+          <p:nvPr>
+            <p:extLst>
+              <p:ext uri="{D42A27DB-BD31-4B8C-83A1-F6EECF244321}">
+                <p14:modId xmlns:p14="http://schemas.microsoft.com/office/powerpoint/2010/main" val="2014211396"/>
+              </p:ext>
+            </p:extLst>
+          </p:nvPr>
+        </p:nvGraphicFramePr>
+        <p:xfrm>
+          <a:off x="8817429" y="16778"/>
+          <a:ext cx="3118757" cy="2946400"/>
+        </p:xfrm>
+        <a:graphic>
+          <a:graphicData uri="http://schemas.openxmlformats.org/drawingml/2006/table">
+            <a:tbl>
+              <a:tblPr>
+                <a:tableStyleId>{69C7853C-536D-4A76-A0AE-DD22124D55A5}</a:tableStyleId>
+              </a:tblPr>
+              <a:tblGrid>
+                <a:gridCol w="609600"/>
+                <a:gridCol w="609600"/>
+                <a:gridCol w="609600"/>
+                <a:gridCol w="440871"/>
+                <a:gridCol w="849086"/>
+              </a:tblGrid>
+              <a:tr h="184150">
+                <a:tc>
+                  <a:txBody>
+                    <a:bodyPr/>
+                    <a:lstStyle/>
+                    <a:p>
+                      <a:pPr algn="ctr" fontAlgn="b"/>
+                      <a:r>
+                        <a:rPr lang="en-US" sz="1100" b="1" u="none" strike="noStrike" dirty="0">
+                          <a:effectLst/>
+                        </a:rPr>
+                        <a:t>ID</a:t>
+                      </a:r>
+                      <a:endParaRPr lang="en-US" sz="1100" b="1" i="0" u="none" strike="noStrike" dirty="0">
+                        <a:solidFill>
+                          <a:srgbClr val="000000"/>
+                        </a:solidFill>
+                        <a:effectLst/>
+                        <a:latin typeface="Calibri" panose="020F0502020204030204" pitchFamily="34" charset="0"/>
+                      </a:endParaRPr>
+                    </a:p>
+                  </a:txBody>
+                  <a:tcPr marL="6350" marR="6350" marT="6350" marB="0" anchor="b"/>
+                </a:tc>
+                <a:tc>
+                  <a:txBody>
+                    <a:bodyPr/>
+                    <a:lstStyle/>
+                    <a:p>
+                      <a:pPr algn="ctr" fontAlgn="b"/>
+                      <a:r>
+                        <a:rPr lang="en-US" sz="1100" b="1" u="none" strike="noStrike" dirty="0">
+                          <a:effectLst/>
+                        </a:rPr>
+                        <a:t>name</a:t>
+                      </a:r>
+                      <a:endParaRPr lang="en-US" sz="1100" b="1" i="0" u="none" strike="noStrike" dirty="0">
+                        <a:solidFill>
+                          <a:srgbClr val="000000"/>
+                        </a:solidFill>
+                        <a:effectLst/>
+                        <a:latin typeface="Calibri" panose="020F0502020204030204" pitchFamily="34" charset="0"/>
+                      </a:endParaRPr>
+                    </a:p>
+                  </a:txBody>
+                  <a:tcPr marL="6350" marR="6350" marT="6350" marB="0" anchor="b"/>
+                </a:tc>
+                <a:tc>
+                  <a:txBody>
+                    <a:bodyPr/>
+                    <a:lstStyle/>
+                    <a:p>
+                      <a:pPr algn="ctr" fontAlgn="b"/>
+                      <a:r>
+                        <a:rPr lang="en-US" sz="1100" b="1" u="none" strike="noStrike" dirty="0">
+                          <a:effectLst/>
+                        </a:rPr>
+                        <a:t>Gender</a:t>
+                      </a:r>
+                      <a:endParaRPr lang="en-US" sz="1100" b="1" i="0" u="none" strike="noStrike" dirty="0">
+                        <a:solidFill>
+                          <a:srgbClr val="000000"/>
+                        </a:solidFill>
+                        <a:effectLst/>
+                        <a:latin typeface="Calibri" panose="020F0502020204030204" pitchFamily="34" charset="0"/>
+                      </a:endParaRPr>
+                    </a:p>
+                  </a:txBody>
+                  <a:tcPr marL="6350" marR="6350" marT="6350" marB="0" anchor="b"/>
+                </a:tc>
+                <a:tc>
+                  <a:txBody>
+                    <a:bodyPr/>
+                    <a:lstStyle/>
+                    <a:p>
+                      <a:pPr algn="ctr" fontAlgn="b"/>
+                      <a:r>
+                        <a:rPr lang="en-US" sz="1100" b="1" u="none" strike="noStrike" dirty="0">
+                          <a:effectLst/>
+                        </a:rPr>
+                        <a:t>Salary</a:t>
+                      </a:r>
+                      <a:endParaRPr lang="en-US" sz="1100" b="1" i="0" u="none" strike="noStrike" dirty="0">
+                        <a:solidFill>
+                          <a:srgbClr val="000000"/>
+                        </a:solidFill>
+                        <a:effectLst/>
+                        <a:latin typeface="Calibri" panose="020F0502020204030204" pitchFamily="34" charset="0"/>
+                      </a:endParaRPr>
+                    </a:p>
+                  </a:txBody>
+                  <a:tcPr marL="6350" marR="6350" marT="6350" marB="0" anchor="b"/>
+                </a:tc>
+                <a:tc>
+                  <a:txBody>
+                    <a:bodyPr/>
+                    <a:lstStyle/>
+                    <a:p>
+                      <a:pPr algn="ctr" fontAlgn="b"/>
+                      <a:r>
+                        <a:rPr lang="en-US" sz="1100" b="1" u="none" strike="noStrike" dirty="0">
+                          <a:effectLst/>
+                        </a:rPr>
+                        <a:t>department</a:t>
+                      </a:r>
+                      <a:endParaRPr lang="en-US" sz="1100" b="1" i="0" u="none" strike="noStrike" dirty="0">
+                        <a:solidFill>
+                          <a:srgbClr val="000000"/>
+                        </a:solidFill>
+                        <a:effectLst/>
+                        <a:latin typeface="Calibri" panose="020F0502020204030204" pitchFamily="34" charset="0"/>
+                      </a:endParaRPr>
+                    </a:p>
+                  </a:txBody>
+                  <a:tcPr marL="6350" marR="6350" marT="6350" marB="0" anchor="b"/>
+                </a:tc>
+              </a:tr>
+              <a:tr h="184150">
+                <a:tc>
+                  <a:txBody>
+                    <a:bodyPr/>
+                    <a:lstStyle/>
+                    <a:p>
+                      <a:pPr algn="ctr" fontAlgn="b"/>
+                      <a:r>
+                        <a:rPr lang="en-US" sz="1100" u="none" strike="noStrike">
+                          <a:effectLst/>
+                        </a:rPr>
+                        <a:t>1</a:t>
+                      </a:r>
+                      <a:endParaRPr lang="en-US" sz="1100" b="0" i="0" u="none" strike="noStrike">
+                        <a:solidFill>
+                          <a:srgbClr val="000000"/>
+                        </a:solidFill>
+                        <a:effectLst/>
+                        <a:latin typeface="Calibri" panose="020F0502020204030204" pitchFamily="34" charset="0"/>
+                      </a:endParaRPr>
+                    </a:p>
+                  </a:txBody>
+                  <a:tcPr marL="6350" marR="6350" marT="6350" marB="0" anchor="b"/>
+                </a:tc>
+                <a:tc>
+                  <a:txBody>
+                    <a:bodyPr/>
+                    <a:lstStyle/>
+                    <a:p>
+                      <a:pPr algn="ctr" fontAlgn="b"/>
+                      <a:r>
+                        <a:rPr lang="en-US" sz="1100" u="none" strike="noStrike">
+                          <a:effectLst/>
+                        </a:rPr>
+                        <a:t>David</a:t>
+                      </a:r>
+                      <a:endParaRPr lang="en-US" sz="1100" b="0" i="0" u="none" strike="noStrike">
+                        <a:solidFill>
+                          <a:srgbClr val="000000"/>
+                        </a:solidFill>
+                        <a:effectLst/>
+                        <a:latin typeface="Calibri" panose="020F0502020204030204" pitchFamily="34" charset="0"/>
+                      </a:endParaRPr>
+                    </a:p>
+                  </a:txBody>
+                  <a:tcPr marL="6350" marR="6350" marT="6350" marB="0" anchor="b"/>
+                </a:tc>
+                <a:tc>
+                  <a:txBody>
+                    <a:bodyPr/>
+                    <a:lstStyle/>
+                    <a:p>
+                      <a:pPr algn="ctr" fontAlgn="b"/>
+                      <a:r>
+                        <a:rPr lang="en-US" sz="1100" u="none" strike="noStrike">
+                          <a:effectLst/>
+                        </a:rPr>
+                        <a:t>Male</a:t>
+                      </a:r>
+                      <a:endParaRPr lang="en-US" sz="1100" b="0" i="0" u="none" strike="noStrike">
+                        <a:solidFill>
+                          <a:srgbClr val="000000"/>
+                        </a:solidFill>
+                        <a:effectLst/>
+                        <a:latin typeface="Calibri" panose="020F0502020204030204" pitchFamily="34" charset="0"/>
+                      </a:endParaRPr>
+                    </a:p>
+                  </a:txBody>
+                  <a:tcPr marL="6350" marR="6350" marT="6350" marB="0" anchor="b"/>
+                </a:tc>
+                <a:tc>
+                  <a:txBody>
+                    <a:bodyPr/>
+                    <a:lstStyle/>
+                    <a:p>
+                      <a:pPr algn="ctr" fontAlgn="b"/>
+                      <a:r>
+                        <a:rPr lang="en-US" sz="1100" u="none" strike="noStrike">
+                          <a:effectLst/>
+                        </a:rPr>
+                        <a:t>5000</a:t>
+                      </a:r>
+                      <a:endParaRPr lang="en-US" sz="1100" b="0" i="0" u="none" strike="noStrike">
+                        <a:solidFill>
+                          <a:srgbClr val="000000"/>
+                        </a:solidFill>
+                        <a:effectLst/>
+                        <a:latin typeface="Calibri" panose="020F0502020204030204" pitchFamily="34" charset="0"/>
+                      </a:endParaRPr>
+                    </a:p>
+                  </a:txBody>
+                  <a:tcPr marL="6350" marR="6350" marT="6350" marB="0" anchor="b"/>
+                </a:tc>
+                <a:tc>
+                  <a:txBody>
+                    <a:bodyPr/>
+                    <a:lstStyle/>
+                    <a:p>
+                      <a:pPr algn="ctr" fontAlgn="b"/>
+                      <a:r>
+                        <a:rPr lang="en-US" sz="1100" u="none" strike="noStrike">
+                          <a:effectLst/>
+                        </a:rPr>
+                        <a:t>Sales</a:t>
+                      </a:r>
+                      <a:endParaRPr lang="en-US" sz="1100" b="0" i="0" u="none" strike="noStrike">
+                        <a:solidFill>
+                          <a:srgbClr val="000000"/>
+                        </a:solidFill>
+                        <a:effectLst/>
+                        <a:latin typeface="Calibri" panose="020F0502020204030204" pitchFamily="34" charset="0"/>
+                      </a:endParaRPr>
+                    </a:p>
+                  </a:txBody>
+                  <a:tcPr marL="6350" marR="6350" marT="6350" marB="0" anchor="b"/>
+                </a:tc>
+              </a:tr>
+              <a:tr h="184150">
+                <a:tc>
+                  <a:txBody>
+                    <a:bodyPr/>
+                    <a:lstStyle/>
+                    <a:p>
+                      <a:pPr algn="ctr" fontAlgn="b"/>
+                      <a:r>
+                        <a:rPr lang="en-US" sz="1100" u="none" strike="noStrike">
+                          <a:effectLst/>
+                        </a:rPr>
+                        <a:t>2</a:t>
+                      </a:r>
+                      <a:endParaRPr lang="en-US" sz="1100" b="0" i="0" u="none" strike="noStrike">
+                        <a:solidFill>
+                          <a:srgbClr val="000000"/>
+                        </a:solidFill>
+                        <a:effectLst/>
+                        <a:latin typeface="Calibri" panose="020F0502020204030204" pitchFamily="34" charset="0"/>
+                      </a:endParaRPr>
+                    </a:p>
+                  </a:txBody>
+                  <a:tcPr marL="6350" marR="6350" marT="6350" marB="0" anchor="b"/>
+                </a:tc>
+                <a:tc>
+                  <a:txBody>
+                    <a:bodyPr/>
+                    <a:lstStyle/>
+                    <a:p>
+                      <a:pPr algn="ctr" fontAlgn="b"/>
+                      <a:r>
+                        <a:rPr lang="en-US" sz="1100" u="none" strike="noStrike">
+                          <a:effectLst/>
+                        </a:rPr>
+                        <a:t>Jim</a:t>
+                      </a:r>
+                      <a:endParaRPr lang="en-US" sz="1100" b="0" i="0" u="none" strike="noStrike">
+                        <a:solidFill>
+                          <a:srgbClr val="000000"/>
+                        </a:solidFill>
+                        <a:effectLst/>
+                        <a:latin typeface="Calibri" panose="020F0502020204030204" pitchFamily="34" charset="0"/>
+                      </a:endParaRPr>
+                    </a:p>
+                  </a:txBody>
+                  <a:tcPr marL="6350" marR="6350" marT="6350" marB="0" anchor="b"/>
+                </a:tc>
+                <a:tc>
+                  <a:txBody>
+                    <a:bodyPr/>
+                    <a:lstStyle/>
+                    <a:p>
+                      <a:pPr algn="ctr" fontAlgn="b"/>
+                      <a:r>
+                        <a:rPr lang="en-US" sz="1100" u="none" strike="noStrike">
+                          <a:effectLst/>
+                        </a:rPr>
+                        <a:t>Female</a:t>
+                      </a:r>
+                      <a:endParaRPr lang="en-US" sz="1100" b="0" i="0" u="none" strike="noStrike">
+                        <a:solidFill>
+                          <a:srgbClr val="000000"/>
+                        </a:solidFill>
+                        <a:effectLst/>
+                        <a:latin typeface="Calibri" panose="020F0502020204030204" pitchFamily="34" charset="0"/>
+                      </a:endParaRPr>
+                    </a:p>
+                  </a:txBody>
+                  <a:tcPr marL="6350" marR="6350" marT="6350" marB="0" anchor="b"/>
+                </a:tc>
+                <a:tc>
+                  <a:txBody>
+                    <a:bodyPr/>
+                    <a:lstStyle/>
+                    <a:p>
+                      <a:pPr algn="ctr" fontAlgn="b"/>
+                      <a:r>
+                        <a:rPr lang="en-US" sz="1100" u="none" strike="noStrike">
+                          <a:effectLst/>
+                        </a:rPr>
+                        <a:t>6000</a:t>
+                      </a:r>
+                      <a:endParaRPr lang="en-US" sz="1100" b="0" i="0" u="none" strike="noStrike">
+                        <a:solidFill>
+                          <a:srgbClr val="000000"/>
+                        </a:solidFill>
+                        <a:effectLst/>
+                        <a:latin typeface="Calibri" panose="020F0502020204030204" pitchFamily="34" charset="0"/>
+                      </a:endParaRPr>
+                    </a:p>
+                  </a:txBody>
+                  <a:tcPr marL="6350" marR="6350" marT="6350" marB="0" anchor="b"/>
+                </a:tc>
+                <a:tc>
+                  <a:txBody>
+                    <a:bodyPr/>
+                    <a:lstStyle/>
+                    <a:p>
+                      <a:pPr algn="ctr" fontAlgn="b"/>
+                      <a:r>
+                        <a:rPr lang="en-US" sz="1100" u="none" strike="noStrike">
+                          <a:effectLst/>
+                        </a:rPr>
+                        <a:t>HR</a:t>
+                      </a:r>
+                      <a:endParaRPr lang="en-US" sz="1100" b="0" i="0" u="none" strike="noStrike">
+                        <a:solidFill>
+                          <a:srgbClr val="000000"/>
+                        </a:solidFill>
+                        <a:effectLst/>
+                        <a:latin typeface="Calibri" panose="020F0502020204030204" pitchFamily="34" charset="0"/>
+                      </a:endParaRPr>
+                    </a:p>
+                  </a:txBody>
+                  <a:tcPr marL="6350" marR="6350" marT="6350" marB="0" anchor="b"/>
+                </a:tc>
+              </a:tr>
+              <a:tr h="184150">
+                <a:tc>
+                  <a:txBody>
+                    <a:bodyPr/>
+                    <a:lstStyle/>
+                    <a:p>
+                      <a:pPr algn="ctr" fontAlgn="b"/>
+                      <a:r>
+                        <a:rPr lang="en-US" sz="1100" u="none" strike="noStrike">
+                          <a:effectLst/>
+                        </a:rPr>
+                        <a:t>3</a:t>
+                      </a:r>
+                      <a:endParaRPr lang="en-US" sz="1100" b="0" i="0" u="none" strike="noStrike">
+                        <a:solidFill>
+                          <a:srgbClr val="000000"/>
+                        </a:solidFill>
+                        <a:effectLst/>
+                        <a:latin typeface="Calibri" panose="020F0502020204030204" pitchFamily="34" charset="0"/>
+                      </a:endParaRPr>
+                    </a:p>
+                  </a:txBody>
+                  <a:tcPr marL="6350" marR="6350" marT="6350" marB="0" anchor="b"/>
+                </a:tc>
+                <a:tc>
+                  <a:txBody>
+                    <a:bodyPr/>
+                    <a:lstStyle/>
+                    <a:p>
+                      <a:pPr algn="ctr" fontAlgn="b"/>
+                      <a:r>
+                        <a:rPr lang="en-US" sz="1100" u="none" strike="noStrike">
+                          <a:effectLst/>
+                        </a:rPr>
+                        <a:t>Kate</a:t>
+                      </a:r>
+                      <a:endParaRPr lang="en-US" sz="1100" b="0" i="0" u="none" strike="noStrike">
+                        <a:solidFill>
+                          <a:srgbClr val="000000"/>
+                        </a:solidFill>
+                        <a:effectLst/>
+                        <a:latin typeface="Calibri" panose="020F0502020204030204" pitchFamily="34" charset="0"/>
+                      </a:endParaRPr>
+                    </a:p>
+                  </a:txBody>
+                  <a:tcPr marL="6350" marR="6350" marT="6350" marB="0" anchor="b"/>
+                </a:tc>
+                <a:tc>
+                  <a:txBody>
+                    <a:bodyPr/>
+                    <a:lstStyle/>
+                    <a:p>
+                      <a:pPr algn="ctr" fontAlgn="b"/>
+                      <a:r>
+                        <a:rPr lang="en-US" sz="1100" u="none" strike="noStrike">
+                          <a:effectLst/>
+                        </a:rPr>
+                        <a:t>Female</a:t>
+                      </a:r>
+                      <a:endParaRPr lang="en-US" sz="1100" b="0" i="0" u="none" strike="noStrike">
+                        <a:solidFill>
+                          <a:srgbClr val="000000"/>
+                        </a:solidFill>
+                        <a:effectLst/>
+                        <a:latin typeface="Calibri" panose="020F0502020204030204" pitchFamily="34" charset="0"/>
+                      </a:endParaRPr>
+                    </a:p>
+                  </a:txBody>
+                  <a:tcPr marL="6350" marR="6350" marT="6350" marB="0" anchor="b"/>
+                </a:tc>
+                <a:tc>
+                  <a:txBody>
+                    <a:bodyPr/>
+                    <a:lstStyle/>
+                    <a:p>
+                      <a:pPr algn="ctr" fontAlgn="b"/>
+                      <a:r>
+                        <a:rPr lang="en-US" sz="1100" u="none" strike="noStrike">
+                          <a:effectLst/>
+                        </a:rPr>
+                        <a:t>7500</a:t>
+                      </a:r>
+                      <a:endParaRPr lang="en-US" sz="1100" b="0" i="0" u="none" strike="noStrike">
+                        <a:solidFill>
+                          <a:srgbClr val="000000"/>
+                        </a:solidFill>
+                        <a:effectLst/>
+                        <a:latin typeface="Calibri" panose="020F0502020204030204" pitchFamily="34" charset="0"/>
+                      </a:endParaRPr>
+                    </a:p>
+                  </a:txBody>
+                  <a:tcPr marL="6350" marR="6350" marT="6350" marB="0" anchor="b"/>
+                </a:tc>
+                <a:tc>
+                  <a:txBody>
+                    <a:bodyPr/>
+                    <a:lstStyle/>
+                    <a:p>
+                      <a:pPr algn="ctr" fontAlgn="b"/>
+                      <a:r>
+                        <a:rPr lang="en-US" sz="1100" u="none" strike="noStrike">
+                          <a:effectLst/>
+                        </a:rPr>
+                        <a:t>IT</a:t>
+                      </a:r>
+                      <a:endParaRPr lang="en-US" sz="1100" b="0" i="0" u="none" strike="noStrike">
+                        <a:solidFill>
+                          <a:srgbClr val="000000"/>
+                        </a:solidFill>
+                        <a:effectLst/>
+                        <a:latin typeface="Calibri" panose="020F0502020204030204" pitchFamily="34" charset="0"/>
+                      </a:endParaRPr>
+                    </a:p>
+                  </a:txBody>
+                  <a:tcPr marL="6350" marR="6350" marT="6350" marB="0" anchor="b"/>
+                </a:tc>
+              </a:tr>
+              <a:tr h="184150">
+                <a:tc>
+                  <a:txBody>
+                    <a:bodyPr/>
+                    <a:lstStyle/>
+                    <a:p>
+                      <a:pPr algn="ctr" fontAlgn="b"/>
+                      <a:r>
+                        <a:rPr lang="en-US" sz="1100" u="none" strike="noStrike">
+                          <a:effectLst/>
+                        </a:rPr>
+                        <a:t>4</a:t>
+                      </a:r>
+                      <a:endParaRPr lang="en-US" sz="1100" b="0" i="0" u="none" strike="noStrike">
+                        <a:solidFill>
+                          <a:srgbClr val="000000"/>
+                        </a:solidFill>
+                        <a:effectLst/>
+                        <a:latin typeface="Calibri" panose="020F0502020204030204" pitchFamily="34" charset="0"/>
+                      </a:endParaRPr>
+                    </a:p>
+                  </a:txBody>
+                  <a:tcPr marL="6350" marR="6350" marT="6350" marB="0" anchor="b"/>
+                </a:tc>
+                <a:tc>
+                  <a:txBody>
+                    <a:bodyPr/>
+                    <a:lstStyle/>
+                    <a:p>
+                      <a:pPr algn="ctr" fontAlgn="b"/>
+                      <a:r>
+                        <a:rPr lang="en-US" sz="1100" u="none" strike="noStrike">
+                          <a:effectLst/>
+                        </a:rPr>
+                        <a:t>Will</a:t>
+                      </a:r>
+                      <a:endParaRPr lang="en-US" sz="1100" b="0" i="0" u="none" strike="noStrike">
+                        <a:solidFill>
+                          <a:srgbClr val="000000"/>
+                        </a:solidFill>
+                        <a:effectLst/>
+                        <a:latin typeface="Calibri" panose="020F0502020204030204" pitchFamily="34" charset="0"/>
+                      </a:endParaRPr>
+                    </a:p>
+                  </a:txBody>
+                  <a:tcPr marL="6350" marR="6350" marT="6350" marB="0" anchor="b"/>
+                </a:tc>
+                <a:tc>
+                  <a:txBody>
+                    <a:bodyPr/>
+                    <a:lstStyle/>
+                    <a:p>
+                      <a:pPr algn="ctr" fontAlgn="b"/>
+                      <a:r>
+                        <a:rPr lang="en-US" sz="1100" u="none" strike="noStrike">
+                          <a:effectLst/>
+                        </a:rPr>
+                        <a:t>Male</a:t>
+                      </a:r>
+                      <a:endParaRPr lang="en-US" sz="1100" b="0" i="0" u="none" strike="noStrike">
+                        <a:solidFill>
+                          <a:srgbClr val="000000"/>
+                        </a:solidFill>
+                        <a:effectLst/>
+                        <a:latin typeface="Calibri" panose="020F0502020204030204" pitchFamily="34" charset="0"/>
+                      </a:endParaRPr>
+                    </a:p>
+                  </a:txBody>
+                  <a:tcPr marL="6350" marR="6350" marT="6350" marB="0" anchor="b"/>
+                </a:tc>
+                <a:tc>
+                  <a:txBody>
+                    <a:bodyPr/>
+                    <a:lstStyle/>
+                    <a:p>
+                      <a:pPr algn="ctr" fontAlgn="b"/>
+                      <a:r>
+                        <a:rPr lang="en-US" sz="1100" u="none" strike="noStrike">
+                          <a:effectLst/>
+                        </a:rPr>
+                        <a:t>6500</a:t>
+                      </a:r>
+                      <a:endParaRPr lang="en-US" sz="1100" b="0" i="0" u="none" strike="noStrike">
+                        <a:solidFill>
+                          <a:srgbClr val="000000"/>
+                        </a:solidFill>
+                        <a:effectLst/>
+                        <a:latin typeface="Calibri" panose="020F0502020204030204" pitchFamily="34" charset="0"/>
+                      </a:endParaRPr>
+                    </a:p>
+                  </a:txBody>
+                  <a:tcPr marL="6350" marR="6350" marT="6350" marB="0" anchor="b"/>
+                </a:tc>
+                <a:tc>
+                  <a:txBody>
+                    <a:bodyPr/>
+                    <a:lstStyle/>
+                    <a:p>
+                      <a:pPr algn="ctr" fontAlgn="b"/>
+                      <a:r>
+                        <a:rPr lang="en-US" sz="1100" u="none" strike="noStrike">
+                          <a:effectLst/>
+                        </a:rPr>
+                        <a:t>Marketing</a:t>
+                      </a:r>
+                      <a:endParaRPr lang="en-US" sz="1100" b="0" i="0" u="none" strike="noStrike">
+                        <a:solidFill>
+                          <a:srgbClr val="000000"/>
+                        </a:solidFill>
+                        <a:effectLst/>
+                        <a:latin typeface="Calibri" panose="020F0502020204030204" pitchFamily="34" charset="0"/>
+                      </a:endParaRPr>
+                    </a:p>
+                  </a:txBody>
+                  <a:tcPr marL="6350" marR="6350" marT="6350" marB="0" anchor="b"/>
+                </a:tc>
+              </a:tr>
+              <a:tr h="184150">
+                <a:tc>
+                  <a:txBody>
+                    <a:bodyPr/>
+                    <a:lstStyle/>
+                    <a:p>
+                      <a:pPr algn="ctr" fontAlgn="b"/>
+                      <a:r>
+                        <a:rPr lang="en-US" sz="1100" u="none" strike="noStrike">
+                          <a:effectLst/>
+                        </a:rPr>
+                        <a:t>5</a:t>
+                      </a:r>
+                      <a:endParaRPr lang="en-US" sz="1100" b="0" i="0" u="none" strike="noStrike">
+                        <a:solidFill>
+                          <a:srgbClr val="000000"/>
+                        </a:solidFill>
+                        <a:effectLst/>
+                        <a:latin typeface="Calibri" panose="020F0502020204030204" pitchFamily="34" charset="0"/>
+                      </a:endParaRPr>
+                    </a:p>
+                  </a:txBody>
+                  <a:tcPr marL="6350" marR="6350" marT="6350" marB="0" anchor="b"/>
+                </a:tc>
+                <a:tc>
+                  <a:txBody>
+                    <a:bodyPr/>
+                    <a:lstStyle/>
+                    <a:p>
+                      <a:pPr algn="ctr" fontAlgn="b"/>
+                      <a:r>
+                        <a:rPr lang="en-US" sz="1100" u="none" strike="noStrike">
+                          <a:effectLst/>
+                        </a:rPr>
+                        <a:t>Shane</a:t>
+                      </a:r>
+                      <a:endParaRPr lang="en-US" sz="1100" b="0" i="0" u="none" strike="noStrike">
+                        <a:solidFill>
+                          <a:srgbClr val="000000"/>
+                        </a:solidFill>
+                        <a:effectLst/>
+                        <a:latin typeface="Calibri" panose="020F0502020204030204" pitchFamily="34" charset="0"/>
+                      </a:endParaRPr>
+                    </a:p>
+                  </a:txBody>
+                  <a:tcPr marL="6350" marR="6350" marT="6350" marB="0" anchor="b"/>
+                </a:tc>
+                <a:tc>
+                  <a:txBody>
+                    <a:bodyPr/>
+                    <a:lstStyle/>
+                    <a:p>
+                      <a:pPr algn="ctr" fontAlgn="b"/>
+                      <a:r>
+                        <a:rPr lang="en-US" sz="1100" u="none" strike="noStrike">
+                          <a:effectLst/>
+                        </a:rPr>
+                        <a:t>Female</a:t>
+                      </a:r>
+                      <a:endParaRPr lang="en-US" sz="1100" b="0" i="0" u="none" strike="noStrike">
+                        <a:solidFill>
+                          <a:srgbClr val="000000"/>
+                        </a:solidFill>
+                        <a:effectLst/>
+                        <a:latin typeface="Calibri" panose="020F0502020204030204" pitchFamily="34" charset="0"/>
+                      </a:endParaRPr>
+                    </a:p>
+                  </a:txBody>
+                  <a:tcPr marL="6350" marR="6350" marT="6350" marB="0" anchor="b"/>
+                </a:tc>
+                <a:tc>
+                  <a:txBody>
+                    <a:bodyPr/>
+                    <a:lstStyle/>
+                    <a:p>
+                      <a:pPr algn="ctr" fontAlgn="b"/>
+                      <a:r>
+                        <a:rPr lang="en-US" sz="1100" u="none" strike="noStrike">
+                          <a:effectLst/>
+                        </a:rPr>
+                        <a:t>5500</a:t>
+                      </a:r>
+                      <a:endParaRPr lang="en-US" sz="1100" b="0" i="0" u="none" strike="noStrike">
+                        <a:solidFill>
+                          <a:srgbClr val="000000"/>
+                        </a:solidFill>
+                        <a:effectLst/>
+                        <a:latin typeface="Calibri" panose="020F0502020204030204" pitchFamily="34" charset="0"/>
+                      </a:endParaRPr>
+                    </a:p>
+                  </a:txBody>
+                  <a:tcPr marL="6350" marR="6350" marT="6350" marB="0" anchor="b"/>
+                </a:tc>
+                <a:tc>
+                  <a:txBody>
+                    <a:bodyPr/>
+                    <a:lstStyle/>
+                    <a:p>
+                      <a:pPr algn="ctr" fontAlgn="b"/>
+                      <a:r>
+                        <a:rPr lang="en-US" sz="1100" u="none" strike="noStrike">
+                          <a:effectLst/>
+                        </a:rPr>
+                        <a:t>Finance</a:t>
+                      </a:r>
+                      <a:endParaRPr lang="en-US" sz="1100" b="0" i="0" u="none" strike="noStrike">
+                        <a:solidFill>
+                          <a:srgbClr val="000000"/>
+                        </a:solidFill>
+                        <a:effectLst/>
+                        <a:latin typeface="Calibri" panose="020F0502020204030204" pitchFamily="34" charset="0"/>
+                      </a:endParaRPr>
+                    </a:p>
+                  </a:txBody>
+                  <a:tcPr marL="6350" marR="6350" marT="6350" marB="0" anchor="b"/>
+                </a:tc>
+              </a:tr>
+              <a:tr h="184150">
+                <a:tc>
+                  <a:txBody>
+                    <a:bodyPr/>
+                    <a:lstStyle/>
+                    <a:p>
+                      <a:pPr algn="ctr" fontAlgn="b"/>
+                      <a:r>
+                        <a:rPr lang="en-US" sz="1100" u="none" strike="noStrike">
+                          <a:effectLst/>
+                        </a:rPr>
+                        <a:t>6</a:t>
+                      </a:r>
+                      <a:endParaRPr lang="en-US" sz="1100" b="0" i="0" u="none" strike="noStrike">
+                        <a:solidFill>
+                          <a:srgbClr val="000000"/>
+                        </a:solidFill>
+                        <a:effectLst/>
+                        <a:latin typeface="Calibri" panose="020F0502020204030204" pitchFamily="34" charset="0"/>
+                      </a:endParaRPr>
+                    </a:p>
+                  </a:txBody>
+                  <a:tcPr marL="6350" marR="6350" marT="6350" marB="0" anchor="b"/>
+                </a:tc>
+                <a:tc>
+                  <a:txBody>
+                    <a:bodyPr/>
+                    <a:lstStyle/>
+                    <a:p>
+                      <a:pPr algn="ctr" fontAlgn="b"/>
+                      <a:r>
+                        <a:rPr lang="en-US" sz="1100" u="none" strike="noStrike">
+                          <a:effectLst/>
+                        </a:rPr>
+                        <a:t>Shed</a:t>
+                      </a:r>
+                      <a:endParaRPr lang="en-US" sz="1100" b="0" i="0" u="none" strike="noStrike">
+                        <a:solidFill>
+                          <a:srgbClr val="000000"/>
+                        </a:solidFill>
+                        <a:effectLst/>
+                        <a:latin typeface="Calibri" panose="020F0502020204030204" pitchFamily="34" charset="0"/>
+                      </a:endParaRPr>
+                    </a:p>
+                  </a:txBody>
+                  <a:tcPr marL="6350" marR="6350" marT="6350" marB="0" anchor="b"/>
+                </a:tc>
+                <a:tc>
+                  <a:txBody>
+                    <a:bodyPr/>
+                    <a:lstStyle/>
+                    <a:p>
+                      <a:pPr algn="ctr" fontAlgn="b"/>
+                      <a:r>
+                        <a:rPr lang="en-US" sz="1100" u="none" strike="noStrike">
+                          <a:effectLst/>
+                        </a:rPr>
+                        <a:t>Male</a:t>
+                      </a:r>
+                      <a:endParaRPr lang="en-US" sz="1100" b="0" i="0" u="none" strike="noStrike">
+                        <a:solidFill>
+                          <a:srgbClr val="000000"/>
+                        </a:solidFill>
+                        <a:effectLst/>
+                        <a:latin typeface="Calibri" panose="020F0502020204030204" pitchFamily="34" charset="0"/>
+                      </a:endParaRPr>
+                    </a:p>
+                  </a:txBody>
+                  <a:tcPr marL="6350" marR="6350" marT="6350" marB="0" anchor="b"/>
+                </a:tc>
+                <a:tc>
+                  <a:txBody>
+                    <a:bodyPr/>
+                    <a:lstStyle/>
+                    <a:p>
+                      <a:pPr algn="ctr" fontAlgn="b"/>
+                      <a:r>
+                        <a:rPr lang="en-US" sz="1100" u="none" strike="noStrike">
+                          <a:effectLst/>
+                        </a:rPr>
+                        <a:t>8000</a:t>
+                      </a:r>
+                      <a:endParaRPr lang="en-US" sz="1100" b="0" i="0" u="none" strike="noStrike">
+                        <a:solidFill>
+                          <a:srgbClr val="000000"/>
+                        </a:solidFill>
+                        <a:effectLst/>
+                        <a:latin typeface="Calibri" panose="020F0502020204030204" pitchFamily="34" charset="0"/>
+                      </a:endParaRPr>
+                    </a:p>
+                  </a:txBody>
+                  <a:tcPr marL="6350" marR="6350" marT="6350" marB="0" anchor="b"/>
+                </a:tc>
+                <a:tc>
+                  <a:txBody>
+                    <a:bodyPr/>
+                    <a:lstStyle/>
+                    <a:p>
+                      <a:pPr algn="ctr" fontAlgn="b"/>
+                      <a:r>
+                        <a:rPr lang="en-US" sz="1100" u="none" strike="noStrike">
+                          <a:effectLst/>
+                        </a:rPr>
+                        <a:t>Sales</a:t>
+                      </a:r>
+                      <a:endParaRPr lang="en-US" sz="1100" b="0" i="0" u="none" strike="noStrike">
+                        <a:solidFill>
+                          <a:srgbClr val="000000"/>
+                        </a:solidFill>
+                        <a:effectLst/>
+                        <a:latin typeface="Calibri" panose="020F0502020204030204" pitchFamily="34" charset="0"/>
+                      </a:endParaRPr>
+                    </a:p>
+                  </a:txBody>
+                  <a:tcPr marL="6350" marR="6350" marT="6350" marB="0" anchor="b"/>
+                </a:tc>
+              </a:tr>
+              <a:tr h="184150">
+                <a:tc>
+                  <a:txBody>
+                    <a:bodyPr/>
+                    <a:lstStyle/>
+                    <a:p>
+                      <a:pPr algn="ctr" fontAlgn="b"/>
+                      <a:r>
+                        <a:rPr lang="en-US" sz="1100" u="none" strike="noStrike">
+                          <a:effectLst/>
+                        </a:rPr>
+                        <a:t>7</a:t>
+                      </a:r>
+                      <a:endParaRPr lang="en-US" sz="1100" b="0" i="0" u="none" strike="noStrike">
+                        <a:solidFill>
+                          <a:srgbClr val="000000"/>
+                        </a:solidFill>
+                        <a:effectLst/>
+                        <a:latin typeface="Calibri" panose="020F0502020204030204" pitchFamily="34" charset="0"/>
+                      </a:endParaRPr>
+                    </a:p>
+                  </a:txBody>
+                  <a:tcPr marL="6350" marR="6350" marT="6350" marB="0" anchor="b"/>
+                </a:tc>
+                <a:tc>
+                  <a:txBody>
+                    <a:bodyPr/>
+                    <a:lstStyle/>
+                    <a:p>
+                      <a:pPr algn="ctr" fontAlgn="b"/>
+                      <a:r>
+                        <a:rPr lang="en-US" sz="1100" u="none" strike="noStrike">
+                          <a:effectLst/>
+                        </a:rPr>
+                        <a:t>Vik</a:t>
+                      </a:r>
+                      <a:endParaRPr lang="en-US" sz="1100" b="0" i="0" u="none" strike="noStrike">
+                        <a:solidFill>
+                          <a:srgbClr val="000000"/>
+                        </a:solidFill>
+                        <a:effectLst/>
+                        <a:latin typeface="Calibri" panose="020F0502020204030204" pitchFamily="34" charset="0"/>
+                      </a:endParaRPr>
+                    </a:p>
+                  </a:txBody>
+                  <a:tcPr marL="6350" marR="6350" marT="6350" marB="0" anchor="b"/>
+                </a:tc>
+                <a:tc>
+                  <a:txBody>
+                    <a:bodyPr/>
+                    <a:lstStyle/>
+                    <a:p>
+                      <a:pPr algn="ctr" fontAlgn="b"/>
+                      <a:r>
+                        <a:rPr lang="en-US" sz="1100" u="none" strike="noStrike">
+                          <a:effectLst/>
+                        </a:rPr>
+                        <a:t>Male</a:t>
+                      </a:r>
+                      <a:endParaRPr lang="en-US" sz="1100" b="0" i="0" u="none" strike="noStrike">
+                        <a:solidFill>
+                          <a:srgbClr val="000000"/>
+                        </a:solidFill>
+                        <a:effectLst/>
+                        <a:latin typeface="Calibri" panose="020F0502020204030204" pitchFamily="34" charset="0"/>
+                      </a:endParaRPr>
+                    </a:p>
+                  </a:txBody>
+                  <a:tcPr marL="6350" marR="6350" marT="6350" marB="0" anchor="b"/>
+                </a:tc>
+                <a:tc>
+                  <a:txBody>
+                    <a:bodyPr/>
+                    <a:lstStyle/>
+                    <a:p>
+                      <a:pPr algn="ctr" fontAlgn="b"/>
+                      <a:r>
+                        <a:rPr lang="en-US" sz="1100" u="none" strike="noStrike">
+                          <a:effectLst/>
+                        </a:rPr>
+                        <a:t>7200</a:t>
+                      </a:r>
+                      <a:endParaRPr lang="en-US" sz="1100" b="0" i="0" u="none" strike="noStrike">
+                        <a:solidFill>
+                          <a:srgbClr val="000000"/>
+                        </a:solidFill>
+                        <a:effectLst/>
+                        <a:latin typeface="Calibri" panose="020F0502020204030204" pitchFamily="34" charset="0"/>
+                      </a:endParaRPr>
+                    </a:p>
+                  </a:txBody>
+                  <a:tcPr marL="6350" marR="6350" marT="6350" marB="0" anchor="b"/>
+                </a:tc>
+                <a:tc>
+                  <a:txBody>
+                    <a:bodyPr/>
+                    <a:lstStyle/>
+                    <a:p>
+                      <a:pPr algn="ctr" fontAlgn="b"/>
+                      <a:r>
+                        <a:rPr lang="en-US" sz="1100" u="none" strike="noStrike">
+                          <a:effectLst/>
+                        </a:rPr>
+                        <a:t>HR</a:t>
+                      </a:r>
+                      <a:endParaRPr lang="en-US" sz="1100" b="0" i="0" u="none" strike="noStrike">
+                        <a:solidFill>
+                          <a:srgbClr val="000000"/>
+                        </a:solidFill>
+                        <a:effectLst/>
+                        <a:latin typeface="Calibri" panose="020F0502020204030204" pitchFamily="34" charset="0"/>
+                      </a:endParaRPr>
+                    </a:p>
+                  </a:txBody>
+                  <a:tcPr marL="6350" marR="6350" marT="6350" marB="0" anchor="b"/>
+                </a:tc>
+              </a:tr>
+              <a:tr h="184150">
+                <a:tc>
+                  <a:txBody>
+                    <a:bodyPr/>
+                    <a:lstStyle/>
+                    <a:p>
+                      <a:pPr algn="ctr" fontAlgn="b"/>
+                      <a:r>
+                        <a:rPr lang="en-US" sz="1100" u="none" strike="noStrike">
+                          <a:effectLst/>
+                        </a:rPr>
+                        <a:t>8</a:t>
+                      </a:r>
+                      <a:endParaRPr lang="en-US" sz="1100" b="0" i="0" u="none" strike="noStrike">
+                        <a:solidFill>
+                          <a:srgbClr val="000000"/>
+                        </a:solidFill>
+                        <a:effectLst/>
+                        <a:latin typeface="Calibri" panose="020F0502020204030204" pitchFamily="34" charset="0"/>
+                      </a:endParaRPr>
+                    </a:p>
+                  </a:txBody>
+                  <a:tcPr marL="6350" marR="6350" marT="6350" marB="0" anchor="b"/>
+                </a:tc>
+                <a:tc>
+                  <a:txBody>
+                    <a:bodyPr/>
+                    <a:lstStyle/>
+                    <a:p>
+                      <a:pPr algn="ctr" fontAlgn="b"/>
+                      <a:r>
+                        <a:rPr lang="en-US" sz="1100" u="none" strike="noStrike">
+                          <a:effectLst/>
+                        </a:rPr>
+                        <a:t>Vince</a:t>
+                      </a:r>
+                      <a:endParaRPr lang="en-US" sz="1100" b="0" i="0" u="none" strike="noStrike">
+                        <a:solidFill>
+                          <a:srgbClr val="000000"/>
+                        </a:solidFill>
+                        <a:effectLst/>
+                        <a:latin typeface="Calibri" panose="020F0502020204030204" pitchFamily="34" charset="0"/>
+                      </a:endParaRPr>
+                    </a:p>
+                  </a:txBody>
+                  <a:tcPr marL="6350" marR="6350" marT="6350" marB="0" anchor="b"/>
+                </a:tc>
+                <a:tc>
+                  <a:txBody>
+                    <a:bodyPr/>
+                    <a:lstStyle/>
+                    <a:p>
+                      <a:pPr algn="ctr" fontAlgn="b"/>
+                      <a:r>
+                        <a:rPr lang="en-US" sz="1100" u="none" strike="noStrike">
+                          <a:effectLst/>
+                        </a:rPr>
+                        <a:t>Female</a:t>
+                      </a:r>
+                      <a:endParaRPr lang="en-US" sz="1100" b="0" i="0" u="none" strike="noStrike">
+                        <a:solidFill>
+                          <a:srgbClr val="000000"/>
+                        </a:solidFill>
+                        <a:effectLst/>
+                        <a:latin typeface="Calibri" panose="020F0502020204030204" pitchFamily="34" charset="0"/>
+                      </a:endParaRPr>
+                    </a:p>
+                  </a:txBody>
+                  <a:tcPr marL="6350" marR="6350" marT="6350" marB="0" anchor="b"/>
+                </a:tc>
+                <a:tc>
+                  <a:txBody>
+                    <a:bodyPr/>
+                    <a:lstStyle/>
+                    <a:p>
+                      <a:pPr algn="ctr" fontAlgn="b"/>
+                      <a:r>
+                        <a:rPr lang="en-US" sz="1100" u="none" strike="noStrike">
+                          <a:effectLst/>
+                        </a:rPr>
+                        <a:t>6600</a:t>
+                      </a:r>
+                      <a:endParaRPr lang="en-US" sz="1100" b="0" i="0" u="none" strike="noStrike">
+                        <a:solidFill>
+                          <a:srgbClr val="000000"/>
+                        </a:solidFill>
+                        <a:effectLst/>
+                        <a:latin typeface="Calibri" panose="020F0502020204030204" pitchFamily="34" charset="0"/>
+                      </a:endParaRPr>
+                    </a:p>
+                  </a:txBody>
+                  <a:tcPr marL="6350" marR="6350" marT="6350" marB="0" anchor="b"/>
+                </a:tc>
+                <a:tc>
+                  <a:txBody>
+                    <a:bodyPr/>
+                    <a:lstStyle/>
+                    <a:p>
+                      <a:pPr algn="ctr" fontAlgn="b"/>
+                      <a:r>
+                        <a:rPr lang="en-US" sz="1100" u="none" strike="noStrike">
+                          <a:effectLst/>
+                        </a:rPr>
+                        <a:t>IT</a:t>
+                      </a:r>
+                      <a:endParaRPr lang="en-US" sz="1100" b="0" i="0" u="none" strike="noStrike">
+                        <a:solidFill>
+                          <a:srgbClr val="000000"/>
+                        </a:solidFill>
+                        <a:effectLst/>
+                        <a:latin typeface="Calibri" panose="020F0502020204030204" pitchFamily="34" charset="0"/>
+                      </a:endParaRPr>
+                    </a:p>
+                  </a:txBody>
+                  <a:tcPr marL="6350" marR="6350" marT="6350" marB="0" anchor="b"/>
+                </a:tc>
+              </a:tr>
+              <a:tr h="184150">
+                <a:tc>
+                  <a:txBody>
+                    <a:bodyPr/>
+                    <a:lstStyle/>
+                    <a:p>
+                      <a:pPr algn="ctr" fontAlgn="b"/>
+                      <a:r>
+                        <a:rPr lang="en-US" sz="1100" u="none" strike="noStrike">
+                          <a:effectLst/>
+                        </a:rPr>
+                        <a:t>9</a:t>
+                      </a:r>
+                      <a:endParaRPr lang="en-US" sz="1100" b="0" i="0" u="none" strike="noStrike">
+                        <a:solidFill>
+                          <a:srgbClr val="000000"/>
+                        </a:solidFill>
+                        <a:effectLst/>
+                        <a:latin typeface="Calibri" panose="020F0502020204030204" pitchFamily="34" charset="0"/>
+                      </a:endParaRPr>
+                    </a:p>
+                  </a:txBody>
+                  <a:tcPr marL="6350" marR="6350" marT="6350" marB="0" anchor="b"/>
+                </a:tc>
+                <a:tc>
+                  <a:txBody>
+                    <a:bodyPr/>
+                    <a:lstStyle/>
+                    <a:p>
+                      <a:pPr algn="ctr" fontAlgn="b"/>
+                      <a:r>
+                        <a:rPr lang="en-US" sz="1100" u="none" strike="noStrike">
+                          <a:effectLst/>
+                        </a:rPr>
+                        <a:t>Jane</a:t>
+                      </a:r>
+                      <a:endParaRPr lang="en-US" sz="1100" b="0" i="0" u="none" strike="noStrike">
+                        <a:solidFill>
+                          <a:srgbClr val="000000"/>
+                        </a:solidFill>
+                        <a:effectLst/>
+                        <a:latin typeface="Calibri" panose="020F0502020204030204" pitchFamily="34" charset="0"/>
+                      </a:endParaRPr>
+                    </a:p>
+                  </a:txBody>
+                  <a:tcPr marL="6350" marR="6350" marT="6350" marB="0" anchor="b"/>
+                </a:tc>
+                <a:tc>
+                  <a:txBody>
+                    <a:bodyPr/>
+                    <a:lstStyle/>
+                    <a:p>
+                      <a:pPr algn="ctr" fontAlgn="b"/>
+                      <a:r>
+                        <a:rPr lang="en-US" sz="1100" u="none" strike="noStrike">
+                          <a:effectLst/>
+                        </a:rPr>
+                        <a:t>Female</a:t>
+                      </a:r>
+                      <a:endParaRPr lang="en-US" sz="1100" b="0" i="0" u="none" strike="noStrike">
+                        <a:solidFill>
+                          <a:srgbClr val="000000"/>
+                        </a:solidFill>
+                        <a:effectLst/>
+                        <a:latin typeface="Calibri" panose="020F0502020204030204" pitchFamily="34" charset="0"/>
+                      </a:endParaRPr>
+                    </a:p>
+                  </a:txBody>
+                  <a:tcPr marL="6350" marR="6350" marT="6350" marB="0" anchor="b"/>
+                </a:tc>
+                <a:tc>
+                  <a:txBody>
+                    <a:bodyPr/>
+                    <a:lstStyle/>
+                    <a:p>
+                      <a:pPr algn="ctr" fontAlgn="b"/>
+                      <a:r>
+                        <a:rPr lang="en-US" sz="1100" u="none" strike="noStrike">
+                          <a:effectLst/>
+                        </a:rPr>
+                        <a:t>5400</a:t>
+                      </a:r>
+                      <a:endParaRPr lang="en-US" sz="1100" b="0" i="0" u="none" strike="noStrike">
+                        <a:solidFill>
+                          <a:srgbClr val="000000"/>
+                        </a:solidFill>
+                        <a:effectLst/>
+                        <a:latin typeface="Calibri" panose="020F0502020204030204" pitchFamily="34" charset="0"/>
+                      </a:endParaRPr>
+                    </a:p>
+                  </a:txBody>
+                  <a:tcPr marL="6350" marR="6350" marT="6350" marB="0" anchor="b"/>
+                </a:tc>
+                <a:tc>
+                  <a:txBody>
+                    <a:bodyPr/>
+                    <a:lstStyle/>
+                    <a:p>
+                      <a:pPr algn="ctr" fontAlgn="b"/>
+                      <a:r>
+                        <a:rPr lang="en-US" sz="1100" u="none" strike="noStrike">
+                          <a:effectLst/>
+                        </a:rPr>
+                        <a:t>Marketing</a:t>
+                      </a:r>
+                      <a:endParaRPr lang="en-US" sz="1100" b="0" i="0" u="none" strike="noStrike">
+                        <a:solidFill>
+                          <a:srgbClr val="000000"/>
+                        </a:solidFill>
+                        <a:effectLst/>
+                        <a:latin typeface="Calibri" panose="020F0502020204030204" pitchFamily="34" charset="0"/>
+                      </a:endParaRPr>
+                    </a:p>
+                  </a:txBody>
+                  <a:tcPr marL="6350" marR="6350" marT="6350" marB="0" anchor="b"/>
+                </a:tc>
+              </a:tr>
+              <a:tr h="184150">
+                <a:tc>
+                  <a:txBody>
+                    <a:bodyPr/>
+                    <a:lstStyle/>
+                    <a:p>
+                      <a:pPr algn="ctr" fontAlgn="b"/>
+                      <a:r>
+                        <a:rPr lang="en-US" sz="1100" u="none" strike="noStrike">
+                          <a:effectLst/>
+                        </a:rPr>
+                        <a:t>10</a:t>
+                      </a:r>
+                      <a:endParaRPr lang="en-US" sz="1100" b="0" i="0" u="none" strike="noStrike">
+                        <a:solidFill>
+                          <a:srgbClr val="000000"/>
+                        </a:solidFill>
+                        <a:effectLst/>
+                        <a:latin typeface="Calibri" panose="020F0502020204030204" pitchFamily="34" charset="0"/>
+                      </a:endParaRPr>
+                    </a:p>
+                  </a:txBody>
+                  <a:tcPr marL="6350" marR="6350" marT="6350" marB="0" anchor="b"/>
+                </a:tc>
+                <a:tc>
+                  <a:txBody>
+                    <a:bodyPr/>
+                    <a:lstStyle/>
+                    <a:p>
+                      <a:pPr algn="ctr" fontAlgn="b"/>
+                      <a:r>
+                        <a:rPr lang="en-US" sz="1100" u="none" strike="noStrike">
+                          <a:effectLst/>
+                        </a:rPr>
+                        <a:t>Laura</a:t>
+                      </a:r>
+                      <a:endParaRPr lang="en-US" sz="1100" b="0" i="0" u="none" strike="noStrike">
+                        <a:solidFill>
+                          <a:srgbClr val="000000"/>
+                        </a:solidFill>
+                        <a:effectLst/>
+                        <a:latin typeface="Calibri" panose="020F0502020204030204" pitchFamily="34" charset="0"/>
+                      </a:endParaRPr>
+                    </a:p>
+                  </a:txBody>
+                  <a:tcPr marL="6350" marR="6350" marT="6350" marB="0" anchor="b"/>
+                </a:tc>
+                <a:tc>
+                  <a:txBody>
+                    <a:bodyPr/>
+                    <a:lstStyle/>
+                    <a:p>
+                      <a:pPr algn="ctr" fontAlgn="b"/>
+                      <a:r>
+                        <a:rPr lang="en-US" sz="1100" u="none" strike="noStrike">
+                          <a:effectLst/>
+                        </a:rPr>
+                        <a:t>Female</a:t>
+                      </a:r>
+                      <a:endParaRPr lang="en-US" sz="1100" b="0" i="0" u="none" strike="noStrike">
+                        <a:solidFill>
+                          <a:srgbClr val="000000"/>
+                        </a:solidFill>
+                        <a:effectLst/>
+                        <a:latin typeface="Calibri" panose="020F0502020204030204" pitchFamily="34" charset="0"/>
+                      </a:endParaRPr>
+                    </a:p>
+                  </a:txBody>
+                  <a:tcPr marL="6350" marR="6350" marT="6350" marB="0" anchor="b"/>
+                </a:tc>
+                <a:tc>
+                  <a:txBody>
+                    <a:bodyPr/>
+                    <a:lstStyle/>
+                    <a:p>
+                      <a:pPr algn="ctr" fontAlgn="b"/>
+                      <a:r>
+                        <a:rPr lang="en-US" sz="1100" u="none" strike="noStrike">
+                          <a:effectLst/>
+                        </a:rPr>
+                        <a:t>6300</a:t>
+                      </a:r>
+                      <a:endParaRPr lang="en-US" sz="1100" b="0" i="0" u="none" strike="noStrike">
+                        <a:solidFill>
+                          <a:srgbClr val="000000"/>
+                        </a:solidFill>
+                        <a:effectLst/>
+                        <a:latin typeface="Calibri" panose="020F0502020204030204" pitchFamily="34" charset="0"/>
+                      </a:endParaRPr>
+                    </a:p>
+                  </a:txBody>
+                  <a:tcPr marL="6350" marR="6350" marT="6350" marB="0" anchor="b"/>
+                </a:tc>
+                <a:tc>
+                  <a:txBody>
+                    <a:bodyPr/>
+                    <a:lstStyle/>
+                    <a:p>
+                      <a:pPr algn="ctr" fontAlgn="b"/>
+                      <a:r>
+                        <a:rPr lang="en-US" sz="1100" u="none" strike="noStrike">
+                          <a:effectLst/>
+                        </a:rPr>
+                        <a:t>Finance</a:t>
+                      </a:r>
+                      <a:endParaRPr lang="en-US" sz="1100" b="0" i="0" u="none" strike="noStrike">
+                        <a:solidFill>
+                          <a:srgbClr val="000000"/>
+                        </a:solidFill>
+                        <a:effectLst/>
+                        <a:latin typeface="Calibri" panose="020F0502020204030204" pitchFamily="34" charset="0"/>
+                      </a:endParaRPr>
+                    </a:p>
+                  </a:txBody>
+                  <a:tcPr marL="6350" marR="6350" marT="6350" marB="0" anchor="b"/>
+                </a:tc>
+              </a:tr>
+              <a:tr h="184150">
+                <a:tc>
+                  <a:txBody>
+                    <a:bodyPr/>
+                    <a:lstStyle/>
+                    <a:p>
+                      <a:pPr algn="ctr" fontAlgn="b"/>
+                      <a:r>
+                        <a:rPr lang="en-US" sz="1100" u="none" strike="noStrike">
+                          <a:effectLst/>
+                        </a:rPr>
+                        <a:t>11</a:t>
+                      </a:r>
+                      <a:endParaRPr lang="en-US" sz="1100" b="0" i="0" u="none" strike="noStrike">
+                        <a:solidFill>
+                          <a:srgbClr val="000000"/>
+                        </a:solidFill>
+                        <a:effectLst/>
+                        <a:latin typeface="Calibri" panose="020F0502020204030204" pitchFamily="34" charset="0"/>
+                      </a:endParaRPr>
+                    </a:p>
+                  </a:txBody>
+                  <a:tcPr marL="6350" marR="6350" marT="6350" marB="0" anchor="b"/>
+                </a:tc>
+                <a:tc>
+                  <a:txBody>
+                    <a:bodyPr/>
+                    <a:lstStyle/>
+                    <a:p>
+                      <a:pPr algn="ctr" fontAlgn="b"/>
+                      <a:r>
+                        <a:rPr lang="en-US" sz="1100" u="none" strike="noStrike">
+                          <a:effectLst/>
+                        </a:rPr>
+                        <a:t>Mac</a:t>
+                      </a:r>
+                      <a:endParaRPr lang="en-US" sz="1100" b="0" i="0" u="none" strike="noStrike">
+                        <a:solidFill>
+                          <a:srgbClr val="000000"/>
+                        </a:solidFill>
+                        <a:effectLst/>
+                        <a:latin typeface="Calibri" panose="020F0502020204030204" pitchFamily="34" charset="0"/>
+                      </a:endParaRPr>
+                    </a:p>
+                  </a:txBody>
+                  <a:tcPr marL="6350" marR="6350" marT="6350" marB="0" anchor="b"/>
+                </a:tc>
+                <a:tc>
+                  <a:txBody>
+                    <a:bodyPr/>
+                    <a:lstStyle/>
+                    <a:p>
+                      <a:pPr algn="ctr" fontAlgn="b"/>
+                      <a:r>
+                        <a:rPr lang="en-US" sz="1100" u="none" strike="noStrike">
+                          <a:effectLst/>
+                        </a:rPr>
+                        <a:t>Male</a:t>
+                      </a:r>
+                      <a:endParaRPr lang="en-US" sz="1100" b="0" i="0" u="none" strike="noStrike">
+                        <a:solidFill>
+                          <a:srgbClr val="000000"/>
+                        </a:solidFill>
+                        <a:effectLst/>
+                        <a:latin typeface="Calibri" panose="020F0502020204030204" pitchFamily="34" charset="0"/>
+                      </a:endParaRPr>
+                    </a:p>
+                  </a:txBody>
+                  <a:tcPr marL="6350" marR="6350" marT="6350" marB="0" anchor="b"/>
+                </a:tc>
+                <a:tc>
+                  <a:txBody>
+                    <a:bodyPr/>
+                    <a:lstStyle/>
+                    <a:p>
+                      <a:pPr algn="ctr" fontAlgn="b"/>
+                      <a:r>
+                        <a:rPr lang="en-US" sz="1100" u="none" strike="noStrike">
+                          <a:effectLst/>
+                        </a:rPr>
+                        <a:t>5700</a:t>
+                      </a:r>
+                      <a:endParaRPr lang="en-US" sz="1100" b="0" i="0" u="none" strike="noStrike">
+                        <a:solidFill>
+                          <a:srgbClr val="000000"/>
+                        </a:solidFill>
+                        <a:effectLst/>
+                        <a:latin typeface="Calibri" panose="020F0502020204030204" pitchFamily="34" charset="0"/>
+                      </a:endParaRPr>
+                    </a:p>
+                  </a:txBody>
+                  <a:tcPr marL="6350" marR="6350" marT="6350" marB="0" anchor="b"/>
+                </a:tc>
+                <a:tc>
+                  <a:txBody>
+                    <a:bodyPr/>
+                    <a:lstStyle/>
+                    <a:p>
+                      <a:pPr algn="ctr" fontAlgn="b"/>
+                      <a:r>
+                        <a:rPr lang="en-US" sz="1100" u="none" strike="noStrike">
+                          <a:effectLst/>
+                        </a:rPr>
+                        <a:t>Sales</a:t>
+                      </a:r>
+                      <a:endParaRPr lang="en-US" sz="1100" b="0" i="0" u="none" strike="noStrike">
+                        <a:solidFill>
+                          <a:srgbClr val="000000"/>
+                        </a:solidFill>
+                        <a:effectLst/>
+                        <a:latin typeface="Calibri" panose="020F0502020204030204" pitchFamily="34" charset="0"/>
+                      </a:endParaRPr>
+                    </a:p>
+                  </a:txBody>
+                  <a:tcPr marL="6350" marR="6350" marT="6350" marB="0" anchor="b"/>
+                </a:tc>
+              </a:tr>
+              <a:tr h="184150">
+                <a:tc>
+                  <a:txBody>
+                    <a:bodyPr/>
+                    <a:lstStyle/>
+                    <a:p>
+                      <a:pPr algn="ctr" fontAlgn="b"/>
+                      <a:r>
+                        <a:rPr lang="en-US" sz="1100" u="none" strike="noStrike">
+                          <a:effectLst/>
+                        </a:rPr>
+                        <a:t>12</a:t>
+                      </a:r>
+                      <a:endParaRPr lang="en-US" sz="1100" b="0" i="0" u="none" strike="noStrike">
+                        <a:solidFill>
+                          <a:srgbClr val="000000"/>
+                        </a:solidFill>
+                        <a:effectLst/>
+                        <a:latin typeface="Calibri" panose="020F0502020204030204" pitchFamily="34" charset="0"/>
+                      </a:endParaRPr>
+                    </a:p>
+                  </a:txBody>
+                  <a:tcPr marL="6350" marR="6350" marT="6350" marB="0" anchor="b"/>
+                </a:tc>
+                <a:tc>
+                  <a:txBody>
+                    <a:bodyPr/>
+                    <a:lstStyle/>
+                    <a:p>
+                      <a:pPr algn="ctr" fontAlgn="b"/>
+                      <a:r>
+                        <a:rPr lang="en-US" sz="1100" u="none" strike="noStrike">
+                          <a:effectLst/>
+                        </a:rPr>
+                        <a:t>Pat</a:t>
+                      </a:r>
+                      <a:endParaRPr lang="en-US" sz="1100" b="0" i="0" u="none" strike="noStrike">
+                        <a:solidFill>
+                          <a:srgbClr val="000000"/>
+                        </a:solidFill>
+                        <a:effectLst/>
+                        <a:latin typeface="Calibri" panose="020F0502020204030204" pitchFamily="34" charset="0"/>
+                      </a:endParaRPr>
+                    </a:p>
+                  </a:txBody>
+                  <a:tcPr marL="6350" marR="6350" marT="6350" marB="0" anchor="b"/>
+                </a:tc>
+                <a:tc>
+                  <a:txBody>
+                    <a:bodyPr/>
+                    <a:lstStyle/>
+                    <a:p>
+                      <a:pPr algn="ctr" fontAlgn="b"/>
+                      <a:r>
+                        <a:rPr lang="en-US" sz="1100" u="none" strike="noStrike">
+                          <a:effectLst/>
+                        </a:rPr>
+                        <a:t>Male</a:t>
+                      </a:r>
+                      <a:endParaRPr lang="en-US" sz="1100" b="0" i="0" u="none" strike="noStrike">
+                        <a:solidFill>
+                          <a:srgbClr val="000000"/>
+                        </a:solidFill>
+                        <a:effectLst/>
+                        <a:latin typeface="Calibri" panose="020F0502020204030204" pitchFamily="34" charset="0"/>
+                      </a:endParaRPr>
+                    </a:p>
+                  </a:txBody>
+                  <a:tcPr marL="6350" marR="6350" marT="6350" marB="0" anchor="b"/>
+                </a:tc>
+                <a:tc>
+                  <a:txBody>
+                    <a:bodyPr/>
+                    <a:lstStyle/>
+                    <a:p>
+                      <a:pPr algn="ctr" fontAlgn="b"/>
+                      <a:r>
+                        <a:rPr lang="en-US" sz="1100" u="none" strike="noStrike" dirty="0">
+                          <a:effectLst/>
+                        </a:rPr>
+                        <a:t>7000</a:t>
+                      </a:r>
+                      <a:endParaRPr lang="en-US" sz="1100" b="0" i="0" u="none" strike="noStrike" dirty="0">
+                        <a:solidFill>
+                          <a:srgbClr val="000000"/>
+                        </a:solidFill>
+                        <a:effectLst/>
+                        <a:latin typeface="Calibri" panose="020F0502020204030204" pitchFamily="34" charset="0"/>
+                      </a:endParaRPr>
+                    </a:p>
+                  </a:txBody>
+                  <a:tcPr marL="6350" marR="6350" marT="6350" marB="0" anchor="b"/>
+                </a:tc>
+                <a:tc>
+                  <a:txBody>
+                    <a:bodyPr/>
+                    <a:lstStyle/>
+                    <a:p>
+                      <a:pPr algn="ctr" fontAlgn="b"/>
+                      <a:r>
+                        <a:rPr lang="en-US" sz="1100" u="none" strike="noStrike">
+                          <a:effectLst/>
+                        </a:rPr>
+                        <a:t>HR</a:t>
+                      </a:r>
+                      <a:endParaRPr lang="en-US" sz="1100" b="0" i="0" u="none" strike="noStrike">
+                        <a:solidFill>
+                          <a:srgbClr val="000000"/>
+                        </a:solidFill>
+                        <a:effectLst/>
+                        <a:latin typeface="Calibri" panose="020F0502020204030204" pitchFamily="34" charset="0"/>
+                      </a:endParaRPr>
+                    </a:p>
+                  </a:txBody>
+                  <a:tcPr marL="6350" marR="6350" marT="6350" marB="0" anchor="b"/>
+                </a:tc>
+              </a:tr>
+              <a:tr h="184150">
+                <a:tc>
+                  <a:txBody>
+                    <a:bodyPr/>
+                    <a:lstStyle/>
+                    <a:p>
+                      <a:pPr algn="ctr" fontAlgn="b"/>
+                      <a:r>
+                        <a:rPr lang="en-US" sz="1100" u="none" strike="noStrike">
+                          <a:effectLst/>
+                        </a:rPr>
+                        <a:t>13</a:t>
+                      </a:r>
+                      <a:endParaRPr lang="en-US" sz="1100" b="0" i="0" u="none" strike="noStrike">
+                        <a:solidFill>
+                          <a:srgbClr val="000000"/>
+                        </a:solidFill>
+                        <a:effectLst/>
+                        <a:latin typeface="Calibri" panose="020F0502020204030204" pitchFamily="34" charset="0"/>
+                      </a:endParaRPr>
+                    </a:p>
+                  </a:txBody>
+                  <a:tcPr marL="6350" marR="6350" marT="6350" marB="0" anchor="b"/>
+                </a:tc>
+                <a:tc>
+                  <a:txBody>
+                    <a:bodyPr/>
+                    <a:lstStyle/>
+                    <a:p>
+                      <a:pPr algn="ctr" fontAlgn="b"/>
+                      <a:r>
+                        <a:rPr lang="en-US" sz="1100" u="none" strike="noStrike">
+                          <a:effectLst/>
+                        </a:rPr>
+                        <a:t>Julie</a:t>
+                      </a:r>
+                      <a:endParaRPr lang="en-US" sz="1100" b="0" i="0" u="none" strike="noStrike">
+                        <a:solidFill>
+                          <a:srgbClr val="000000"/>
+                        </a:solidFill>
+                        <a:effectLst/>
+                        <a:latin typeface="Calibri" panose="020F0502020204030204" pitchFamily="34" charset="0"/>
+                      </a:endParaRPr>
+                    </a:p>
+                  </a:txBody>
+                  <a:tcPr marL="6350" marR="6350" marT="6350" marB="0" anchor="b"/>
+                </a:tc>
+                <a:tc>
+                  <a:txBody>
+                    <a:bodyPr/>
+                    <a:lstStyle/>
+                    <a:p>
+                      <a:pPr algn="ctr" fontAlgn="b"/>
+                      <a:r>
+                        <a:rPr lang="en-US" sz="1100" u="none" strike="noStrike">
+                          <a:effectLst/>
+                        </a:rPr>
+                        <a:t>Female</a:t>
+                      </a:r>
+                      <a:endParaRPr lang="en-US" sz="1100" b="0" i="0" u="none" strike="noStrike">
+                        <a:solidFill>
+                          <a:srgbClr val="000000"/>
+                        </a:solidFill>
+                        <a:effectLst/>
+                        <a:latin typeface="Calibri" panose="020F0502020204030204" pitchFamily="34" charset="0"/>
+                      </a:endParaRPr>
+                    </a:p>
+                  </a:txBody>
+                  <a:tcPr marL="6350" marR="6350" marT="6350" marB="0" anchor="b"/>
+                </a:tc>
+                <a:tc>
+                  <a:txBody>
+                    <a:bodyPr/>
+                    <a:lstStyle/>
+                    <a:p>
+                      <a:pPr algn="ctr" fontAlgn="b"/>
+                      <a:r>
+                        <a:rPr lang="en-US" sz="1100" u="none" strike="noStrike">
+                          <a:effectLst/>
+                        </a:rPr>
+                        <a:t>7100</a:t>
+                      </a:r>
+                      <a:endParaRPr lang="en-US" sz="1100" b="0" i="0" u="none" strike="noStrike">
+                        <a:solidFill>
+                          <a:srgbClr val="000000"/>
+                        </a:solidFill>
+                        <a:effectLst/>
+                        <a:latin typeface="Calibri" panose="020F0502020204030204" pitchFamily="34" charset="0"/>
+                      </a:endParaRPr>
+                    </a:p>
+                  </a:txBody>
+                  <a:tcPr marL="6350" marR="6350" marT="6350" marB="0" anchor="b"/>
+                </a:tc>
+                <a:tc>
+                  <a:txBody>
+                    <a:bodyPr/>
+                    <a:lstStyle/>
+                    <a:p>
+                      <a:pPr algn="ctr" fontAlgn="b"/>
+                      <a:r>
+                        <a:rPr lang="en-US" sz="1100" u="none" strike="noStrike">
+                          <a:effectLst/>
+                        </a:rPr>
+                        <a:t>IT</a:t>
+                      </a:r>
+                      <a:endParaRPr lang="en-US" sz="1100" b="0" i="0" u="none" strike="noStrike">
+                        <a:solidFill>
+                          <a:srgbClr val="000000"/>
+                        </a:solidFill>
+                        <a:effectLst/>
+                        <a:latin typeface="Calibri" panose="020F0502020204030204" pitchFamily="34" charset="0"/>
+                      </a:endParaRPr>
+                    </a:p>
+                  </a:txBody>
+                  <a:tcPr marL="6350" marR="6350" marT="6350" marB="0" anchor="b"/>
+                </a:tc>
+              </a:tr>
+              <a:tr h="184150">
+                <a:tc>
+                  <a:txBody>
+                    <a:bodyPr/>
+                    <a:lstStyle/>
+                    <a:p>
+                      <a:pPr algn="ctr" fontAlgn="b"/>
+                      <a:r>
+                        <a:rPr lang="en-US" sz="1100" u="none" strike="noStrike">
+                          <a:effectLst/>
+                        </a:rPr>
+                        <a:t>14</a:t>
+                      </a:r>
+                      <a:endParaRPr lang="en-US" sz="1100" b="0" i="0" u="none" strike="noStrike">
+                        <a:solidFill>
+                          <a:srgbClr val="000000"/>
+                        </a:solidFill>
+                        <a:effectLst/>
+                        <a:latin typeface="Calibri" panose="020F0502020204030204" pitchFamily="34" charset="0"/>
+                      </a:endParaRPr>
+                    </a:p>
+                  </a:txBody>
+                  <a:tcPr marL="6350" marR="6350" marT="6350" marB="0" anchor="b"/>
+                </a:tc>
+                <a:tc>
+                  <a:txBody>
+                    <a:bodyPr/>
+                    <a:lstStyle/>
+                    <a:p>
+                      <a:pPr algn="ctr" fontAlgn="b"/>
+                      <a:r>
+                        <a:rPr lang="en-US" sz="1100" u="none" strike="noStrike">
+                          <a:effectLst/>
+                        </a:rPr>
+                        <a:t>Elice</a:t>
+                      </a:r>
+                      <a:endParaRPr lang="en-US" sz="1100" b="0" i="0" u="none" strike="noStrike">
+                        <a:solidFill>
+                          <a:srgbClr val="000000"/>
+                        </a:solidFill>
+                        <a:effectLst/>
+                        <a:latin typeface="Calibri" panose="020F0502020204030204" pitchFamily="34" charset="0"/>
+                      </a:endParaRPr>
+                    </a:p>
+                  </a:txBody>
+                  <a:tcPr marL="6350" marR="6350" marT="6350" marB="0" anchor="b"/>
+                </a:tc>
+                <a:tc>
+                  <a:txBody>
+                    <a:bodyPr/>
+                    <a:lstStyle/>
+                    <a:p>
+                      <a:pPr algn="ctr" fontAlgn="b"/>
+                      <a:r>
+                        <a:rPr lang="en-US" sz="1100" u="none" strike="noStrike">
+                          <a:effectLst/>
+                        </a:rPr>
+                        <a:t>Female</a:t>
+                      </a:r>
+                      <a:endParaRPr lang="en-US" sz="1100" b="0" i="0" u="none" strike="noStrike">
+                        <a:solidFill>
+                          <a:srgbClr val="000000"/>
+                        </a:solidFill>
+                        <a:effectLst/>
+                        <a:latin typeface="Calibri" panose="020F0502020204030204" pitchFamily="34" charset="0"/>
+                      </a:endParaRPr>
+                    </a:p>
+                  </a:txBody>
+                  <a:tcPr marL="6350" marR="6350" marT="6350" marB="0" anchor="b"/>
+                </a:tc>
+                <a:tc>
+                  <a:txBody>
+                    <a:bodyPr/>
+                    <a:lstStyle/>
+                    <a:p>
+                      <a:pPr algn="ctr" fontAlgn="b"/>
+                      <a:r>
+                        <a:rPr lang="en-US" sz="1100" u="none" strike="noStrike">
+                          <a:effectLst/>
+                        </a:rPr>
+                        <a:t>6800</a:t>
+                      </a:r>
+                      <a:endParaRPr lang="en-US" sz="1100" b="0" i="0" u="none" strike="noStrike">
+                        <a:solidFill>
+                          <a:srgbClr val="000000"/>
+                        </a:solidFill>
+                        <a:effectLst/>
+                        <a:latin typeface="Calibri" panose="020F0502020204030204" pitchFamily="34" charset="0"/>
+                      </a:endParaRPr>
+                    </a:p>
+                  </a:txBody>
+                  <a:tcPr marL="6350" marR="6350" marT="6350" marB="0" anchor="b"/>
+                </a:tc>
+                <a:tc>
+                  <a:txBody>
+                    <a:bodyPr/>
+                    <a:lstStyle/>
+                    <a:p>
+                      <a:pPr algn="ctr" fontAlgn="b"/>
+                      <a:r>
+                        <a:rPr lang="en-US" sz="1100" u="none" strike="noStrike">
+                          <a:effectLst/>
+                        </a:rPr>
+                        <a:t>Marketing</a:t>
+                      </a:r>
+                      <a:endParaRPr lang="en-US" sz="1100" b="0" i="0" u="none" strike="noStrike">
+                        <a:solidFill>
+                          <a:srgbClr val="000000"/>
+                        </a:solidFill>
+                        <a:effectLst/>
+                        <a:latin typeface="Calibri" panose="020F0502020204030204" pitchFamily="34" charset="0"/>
+                      </a:endParaRPr>
+                    </a:p>
+                  </a:txBody>
+                  <a:tcPr marL="6350" marR="6350" marT="6350" marB="0" anchor="b"/>
+                </a:tc>
+              </a:tr>
+              <a:tr h="184150">
+                <a:tc>
+                  <a:txBody>
+                    <a:bodyPr/>
+                    <a:lstStyle/>
+                    <a:p>
+                      <a:pPr algn="ctr" fontAlgn="b"/>
+                      <a:r>
+                        <a:rPr lang="en-US" sz="1100" u="none" strike="noStrike">
+                          <a:effectLst/>
+                        </a:rPr>
+                        <a:t>15</a:t>
+                      </a:r>
+                      <a:endParaRPr lang="en-US" sz="1100" b="0" i="0" u="none" strike="noStrike">
+                        <a:solidFill>
+                          <a:srgbClr val="000000"/>
+                        </a:solidFill>
+                        <a:effectLst/>
+                        <a:latin typeface="Calibri" panose="020F0502020204030204" pitchFamily="34" charset="0"/>
+                      </a:endParaRPr>
+                    </a:p>
+                  </a:txBody>
+                  <a:tcPr marL="6350" marR="6350" marT="6350" marB="0" anchor="b"/>
+                </a:tc>
+                <a:tc>
+                  <a:txBody>
+                    <a:bodyPr/>
+                    <a:lstStyle/>
+                    <a:p>
+                      <a:pPr algn="ctr" fontAlgn="b"/>
+                      <a:r>
+                        <a:rPr lang="en-US" sz="1100" u="none" strike="noStrike">
+                          <a:effectLst/>
+                        </a:rPr>
+                        <a:t>Wayne</a:t>
+                      </a:r>
+                      <a:endParaRPr lang="en-US" sz="1100" b="0" i="0" u="none" strike="noStrike">
+                        <a:solidFill>
+                          <a:srgbClr val="000000"/>
+                        </a:solidFill>
+                        <a:effectLst/>
+                        <a:latin typeface="Calibri" panose="020F0502020204030204" pitchFamily="34" charset="0"/>
+                      </a:endParaRPr>
+                    </a:p>
+                  </a:txBody>
+                  <a:tcPr marL="6350" marR="6350" marT="6350" marB="0" anchor="b"/>
+                </a:tc>
+                <a:tc>
+                  <a:txBody>
+                    <a:bodyPr/>
+                    <a:lstStyle/>
+                    <a:p>
+                      <a:pPr algn="ctr" fontAlgn="b"/>
+                      <a:r>
+                        <a:rPr lang="en-US" sz="1100" u="none" strike="noStrike" dirty="0">
+                          <a:effectLst/>
+                        </a:rPr>
+                        <a:t>Male</a:t>
+                      </a:r>
+                      <a:endParaRPr lang="en-US" sz="1100" b="0" i="0" u="none" strike="noStrike" dirty="0">
+                        <a:solidFill>
+                          <a:srgbClr val="000000"/>
+                        </a:solidFill>
+                        <a:effectLst/>
+                        <a:latin typeface="Calibri" panose="020F0502020204030204" pitchFamily="34" charset="0"/>
+                      </a:endParaRPr>
+                    </a:p>
+                  </a:txBody>
+                  <a:tcPr marL="6350" marR="6350" marT="6350" marB="0" anchor="b"/>
+                </a:tc>
+                <a:tc>
+                  <a:txBody>
+                    <a:bodyPr/>
+                    <a:lstStyle/>
+                    <a:p>
+                      <a:pPr algn="ctr" fontAlgn="b"/>
+                      <a:r>
+                        <a:rPr lang="en-US" sz="1100" u="none" strike="noStrike" dirty="0">
+                          <a:effectLst/>
+                        </a:rPr>
+                        <a:t>5000</a:t>
+                      </a:r>
+                      <a:endParaRPr lang="en-US" sz="1100" b="0" i="0" u="none" strike="noStrike" dirty="0">
+                        <a:solidFill>
+                          <a:srgbClr val="000000"/>
+                        </a:solidFill>
+                        <a:effectLst/>
+                        <a:latin typeface="Calibri" panose="020F0502020204030204" pitchFamily="34" charset="0"/>
+                      </a:endParaRPr>
+                    </a:p>
+                  </a:txBody>
+                  <a:tcPr marL="6350" marR="6350" marT="6350" marB="0" anchor="b"/>
+                </a:tc>
+                <a:tc>
+                  <a:txBody>
+                    <a:bodyPr/>
+                    <a:lstStyle/>
+                    <a:p>
+                      <a:pPr algn="ctr" fontAlgn="b"/>
+                      <a:r>
+                        <a:rPr lang="en-US" sz="1100" u="none" strike="noStrike" dirty="0">
+                          <a:effectLst/>
+                        </a:rPr>
+                        <a:t>Finance</a:t>
+                      </a:r>
+                      <a:endParaRPr lang="en-US" sz="1100" b="0" i="0" u="none" strike="noStrike" dirty="0">
+                        <a:solidFill>
+                          <a:srgbClr val="000000"/>
+                        </a:solidFill>
+                        <a:effectLst/>
+                        <a:latin typeface="Calibri" panose="020F0502020204030204" pitchFamily="34" charset="0"/>
+                      </a:endParaRPr>
+                    </a:p>
+                  </a:txBody>
+                  <a:tcPr marL="6350" marR="6350" marT="6350" marB="0" anchor="b"/>
+                </a:tc>
+              </a:tr>
+            </a:tbl>
+          </a:graphicData>
+        </a:graphic>
+      </p:graphicFrame>
+      <p:pic>
+        <p:nvPicPr>
+          <p:cNvPr id="12" name="Picture 11"/>
+          <p:cNvPicPr/>
+          <p:nvPr/>
+        </p:nvPicPr>
+        <p:blipFill>
+          <a:blip r:embed="rId3"/>
+          <a:stretch>
+            <a:fillRect/>
+          </a:stretch>
+        </p:blipFill>
+        <p:spPr>
+          <a:xfrm>
+            <a:off x="8441871" y="3367607"/>
+            <a:ext cx="1665515" cy="2266270"/>
+          </a:xfrm>
+          <a:prstGeom prst="rect">
+            <a:avLst/>
+          </a:prstGeom>
+        </p:spPr>
+      </p:pic>
+      <p:pic>
+        <p:nvPicPr>
+          <p:cNvPr id="13" name="Picture 12"/>
+          <p:cNvPicPr/>
+          <p:nvPr/>
+        </p:nvPicPr>
+        <p:blipFill>
+          <a:blip r:embed="rId4"/>
+          <a:stretch>
+            <a:fillRect/>
+          </a:stretch>
+        </p:blipFill>
+        <p:spPr>
+          <a:xfrm>
+            <a:off x="10148207" y="3584121"/>
+            <a:ext cx="2027465" cy="3238278"/>
+          </a:xfrm>
+          <a:prstGeom prst="rect">
+            <a:avLst/>
+          </a:prstGeom>
+        </p:spPr>
+      </p:pic>
+      <p:sp>
+        <p:nvSpPr>
+          <p:cNvPr id="3" name="Rectangle 2"/>
+          <p:cNvSpPr/>
+          <p:nvPr/>
+        </p:nvSpPr>
+        <p:spPr>
+          <a:xfrm>
+            <a:off x="8614219" y="2886857"/>
+            <a:ext cx="1221809" cy="369332"/>
+          </a:xfrm>
+          <a:prstGeom prst="rect">
+            <a:avLst/>
+          </a:prstGeom>
+        </p:spPr>
+        <p:txBody>
+          <a:bodyPr wrap="none">
+            <a:spAutoFit/>
+          </a:bodyPr>
+          <a:lstStyle/>
+          <a:p>
+            <a:pPr lvl="0"/>
+            <a:r>
+              <a:rPr lang="en-US" dirty="0">
+                <a:latin typeface="Cambria" panose="02040503050406030204" pitchFamily="18" charset="0"/>
+                <a:ea typeface="Cambria" panose="02040503050406030204" pitchFamily="18" charset="0"/>
+              </a:rPr>
+              <a:t> </a:t>
+            </a:r>
+            <a:r>
+              <a:rPr lang="en-US" sz="1100" b="1" dirty="0">
+                <a:solidFill>
+                  <a:schemeClr val="dk1"/>
+                </a:solidFill>
+                <a:latin typeface="Cambria" panose="02040503050406030204" pitchFamily="18" charset="0"/>
+                <a:ea typeface="Cambria" panose="02040503050406030204" pitchFamily="18" charset="0"/>
+              </a:rPr>
+              <a:t>Rollup output:-</a:t>
+            </a:r>
+          </a:p>
+        </p:txBody>
+      </p:sp>
+      <p:sp>
+        <p:nvSpPr>
+          <p:cNvPr id="4" name="Rectangle 3"/>
+          <p:cNvSpPr/>
+          <p:nvPr/>
+        </p:nvSpPr>
+        <p:spPr>
+          <a:xfrm>
+            <a:off x="10613551" y="3182941"/>
+            <a:ext cx="1141659" cy="369332"/>
+          </a:xfrm>
+          <a:prstGeom prst="rect">
+            <a:avLst/>
+          </a:prstGeom>
+        </p:spPr>
+        <p:txBody>
+          <a:bodyPr wrap="none">
+            <a:spAutoFit/>
+          </a:bodyPr>
+          <a:lstStyle/>
+          <a:p>
+            <a:pPr lvl="0"/>
+            <a:r>
+              <a:rPr lang="en-US" b="1" dirty="0">
+                <a:latin typeface="Cambria" panose="02040503050406030204" pitchFamily="18" charset="0"/>
+                <a:ea typeface="Cambria" panose="02040503050406030204" pitchFamily="18" charset="0"/>
+              </a:rPr>
+              <a:t> </a:t>
+            </a:r>
+            <a:r>
+              <a:rPr lang="en-US" sz="1100" b="1" dirty="0">
+                <a:solidFill>
+                  <a:schemeClr val="dk1"/>
+                </a:solidFill>
+                <a:latin typeface="Cambria" panose="02040503050406030204" pitchFamily="18" charset="0"/>
+                <a:ea typeface="Cambria" panose="02040503050406030204" pitchFamily="18" charset="0"/>
+              </a:rPr>
+              <a:t>CUBE output:-</a:t>
+            </a:r>
+          </a:p>
+        </p:txBody>
+      </p:sp>
+    </p:spTree>
+    <p:extLst>
+      <p:ext uri="{BB962C8B-B14F-4D97-AF65-F5344CB8AC3E}">
+        <p14:creationId xmlns:p14="http://schemas.microsoft.com/office/powerpoint/2010/main" val="430381596"/>
+      </p:ext>
+    </p:extLst>
+  </p:cSld>
+  <p:clrMapOvr>
+    <a:masterClrMapping/>
+  </p:clrMapOvr>
 </p:sld>
 </file>
 
@@ -27296,7 +36377,7 @@
               <a:t>SELECT  * FROM </a:t>
             </a:r>
             <a:r>
-              <a:rPr lang="en-US" sz="1200" b="1" dirty="0" err="1">
+              <a:rPr lang="en-US" sz="1200" b="1" dirty="0" err="1" smtClean="0">
                 <a:solidFill>
                   <a:srgbClr val="FF0000"/>
                 </a:solidFill>
@@ -27306,7 +36387,7 @@
               <a:t>sys.schemas</a:t>
             </a:r>
             <a:r>
-              <a:rPr lang="en-US" sz="1200" b="1" dirty="0">
+              <a:rPr lang="en-US" sz="1200" b="1" dirty="0" smtClean="0">
                 <a:solidFill>
                   <a:srgbClr val="FF0000"/>
                 </a:solidFill>
@@ -27315,6 +36396,13 @@
               </a:rPr>
               <a:t> </a:t>
             </a:r>
+            <a:endParaRPr lang="en-US" sz="1200" b="1" dirty="0">
+              <a:solidFill>
+                <a:srgbClr val="FF0000"/>
+              </a:solidFill>
+              <a:latin typeface="Times New Roman" panose="02020603050405020304" pitchFamily="18" charset="0"/>
+              <a:ea typeface="Arial Unicode MS" panose="020B0604020202020204" pitchFamily="34" charset="-128"/>
+            </a:endParaRPr>
           </a:p>
         </p:txBody>
       </p:sp>
@@ -27972,7 +37060,27 @@
                 <a:latin typeface="Cambria" panose="02040503050406030204" pitchFamily="18" charset="0"/>
                 <a:ea typeface="Cambria" panose="02040503050406030204" pitchFamily="18" charset="0"/>
               </a:rPr>
-              <a:t>SELECT * FROM EMP WHERE CNAME=NULL</a:t>
+              <a:t>SELECT * FROM </a:t>
+            </a:r>
+            <a:r>
+              <a:rPr lang="en-US" sz="1200" b="1" dirty="0" smtClean="0">
+                <a:solidFill>
+                  <a:srgbClr val="FF0000"/>
+                </a:solidFill>
+                <a:latin typeface="Cambria" panose="02040503050406030204" pitchFamily="18" charset="0"/>
+                <a:ea typeface="Cambria" panose="02040503050406030204" pitchFamily="18" charset="0"/>
+              </a:rPr>
+              <a:t>BANK WHERE </a:t>
+            </a:r>
+            <a:r>
+              <a:rPr lang="en-US" sz="1200" b="1" dirty="0">
+                <a:solidFill>
+                  <a:srgbClr val="FF0000"/>
+                </a:solidFill>
+                <a:latin typeface="Cambria" panose="02040503050406030204" pitchFamily="18" charset="0"/>
+                <a:ea typeface="Cambria" panose="02040503050406030204" pitchFamily="18" charset="0"/>
+              </a:rPr>
+              <a:t>CNAME=NULL</a:t>
             </a:r>
           </a:p>
           <a:p>
@@ -28008,7 +37116,27 @@
                 <a:latin typeface="Cambria" panose="02040503050406030204" pitchFamily="18" charset="0"/>
                 <a:ea typeface="Cambria" panose="02040503050406030204" pitchFamily="18" charset="0"/>
               </a:rPr>
-              <a:t>SELECT * FROM EMP WHERE CNAME IS NULL</a:t>
+              <a:t>SELECT * FROM </a:t>
+            </a:r>
+            <a:r>
+              <a:rPr lang="en-US" sz="1200" b="1" dirty="0" smtClean="0">
+                <a:solidFill>
+                  <a:srgbClr val="FF0000"/>
+                </a:solidFill>
+                <a:latin typeface="Cambria" panose="02040503050406030204" pitchFamily="18" charset="0"/>
+                <a:ea typeface="Cambria" panose="02040503050406030204" pitchFamily="18" charset="0"/>
+              </a:rPr>
+              <a:t>BANK WHERE </a:t>
+            </a:r>
+            <a:r>
+              <a:rPr lang="en-US" sz="1200" b="1" dirty="0">
+                <a:solidFill>
+                  <a:srgbClr val="FF0000"/>
+                </a:solidFill>
+                <a:latin typeface="Cambria" panose="02040503050406030204" pitchFamily="18" charset="0"/>
+                <a:ea typeface="Cambria" panose="02040503050406030204" pitchFamily="18" charset="0"/>
+              </a:rPr>
+              <a:t>CNAME IS NULL</a:t>
             </a:r>
           </a:p>
         </p:txBody>
@@ -29584,8 +38712,8 @@
         </p:nvSpPr>
         <p:spPr>
           <a:xfrm>
-            <a:off x="6617185" y="2406166"/>
-            <a:ext cx="5574815" cy="1477328"/>
+            <a:off x="6617186" y="2520466"/>
+            <a:ext cx="4559722" cy="1477328"/>
           </a:xfrm>
           <a:prstGeom prst="rect">
             <a:avLst/>
@@ -30706,7 +39834,7 @@
         </p:nvSpPr>
         <p:spPr>
           <a:xfrm>
-            <a:off x="722719" y="1196050"/>
+            <a:off x="722719" y="1212378"/>
             <a:ext cx="5350014" cy="1938992"/>
           </a:xfrm>
           <a:prstGeom prst="rect">
@@ -30997,7 +40125,7 @@
         </p:nvSpPr>
         <p:spPr>
           <a:xfrm>
-            <a:off x="6714564" y="1111695"/>
+            <a:off x="6712009" y="776042"/>
             <a:ext cx="4365812" cy="2123658"/>
           </a:xfrm>
           <a:prstGeom prst="rect">
@@ -32823,4 +41951,265 @@
     </a:ext>
   </a:extLst>
 </a:theme>
+</file>
+
+<file path=ppt/theme/theme2.xml><?xml version="1.0" encoding="utf-8"?>
+<a:theme xmlns:a="http://schemas.openxmlformats.org/drawingml/2006/main" name="Office Theme">
+  <a:themeElements>
+    <a:clrScheme name="Office">
+      <a:dk1>
+        <a:sysClr val="windowText" lastClr="000000"/>
+      </a:dk1>
+      <a:lt1>
+        <a:sysClr val="window" lastClr="FFFFFF"/>
+      </a:lt1>
+      <a:dk2>
+        <a:srgbClr val="44546A"/>
+      </a:dk2>
+      <a:lt2>
+        <a:srgbClr val="E7E6E6"/>
+      </a:lt2>
+      <a:accent1>
+        <a:srgbClr val="5B9BD5"/>
+      </a:accent1>
+      <a:accent2>
+        <a:srgbClr val="ED7D31"/>
+      </a:accent2>
+      <a:accent3>
+        <a:srgbClr val="A5A5A5"/>
+      </a:accent3>
+      <a:accent4>
+        <a:srgbClr val="FFC000"/>
+      </a:accent4>
+      <a:accent5>
+        <a:srgbClr val="4472C4"/>
+      </a:accent5>
+      <a:accent6>
+        <a:srgbClr val="70AD47"/>
+      </a:accent6>
+      <a:hlink>
+        <a:srgbClr val="0563C1"/>
+      </a:hlink>
+      <a:folHlink>
+        <a:srgbClr val="954F72"/>
+      </a:folHlink>
+    </a:clrScheme>
+    <a:fontScheme name="Office">
+      <a:majorFont>
+        <a:latin typeface="Calibri Light" panose="020F0302020204030204"/>
+        <a:ea typeface=""/>
+        <a:cs typeface=""/>
+        <a:font script="Jpan" typeface="ＭＳ Ｐゴシック"/>
+        <a:font script="Hang" typeface="맑은 고딕"/>
+        <a:font script="Hans" typeface="宋体"/>
+        <a:font script="Hant" typeface="新細明體"/>
+        <a:font script="Arab" typeface="Times New Roman"/>
+        <a:font script="Hebr" typeface="Times New Roman"/>
+        <a:font script="Thai" typeface="Angsana New"/>
+        <a:font script="Ethi" typeface="Nyala"/>
+        <a:font script="Beng" typeface="Vrinda"/>
+        <a:font script="Gujr" typeface="Shruti"/>
+        <a:font script="Khmr" typeface="MoolBoran"/>
+        <a:font script="Knda" typeface="Tunga"/>
+        <a:font script="Guru" typeface="Raavi"/>
+        <a:font script="Cans" typeface="Euphemia"/>
+        <a:font script="Cher" typeface="Plantagenet Cherokee"/>
+        <a:font script="Yiii" typeface="Microsoft Yi Baiti"/>
+        <a:font script="Tibt" typeface="Microsoft Himalaya"/>
+        <a:font script="Thaa" typeface="MV Boli"/>
+        <a:font script="Deva" typeface="Mangal"/>
+        <a:font script="Telu" typeface="Gautami"/>
+        <a:font script="Taml" typeface="Latha"/>
+        <a:font script="Syrc" typeface="Estrangelo Edessa"/>
+        <a:font script="Orya" typeface="Kalinga"/>
+        <a:font script="Mlym" typeface="Kartika"/>
+        <a:font script="Laoo" typeface="DokChampa"/>
+        <a:font script="Sinh" typeface="Iskoola Pota"/>
+        <a:font script="Mong" typeface="Mongolian Baiti"/>
+        <a:font script="Viet" typeface="Times New Roman"/>
+        <a:font script="Uigh" typeface="Microsoft Uighur"/>
+        <a:font script="Geor" typeface="Sylfaen"/>
+      </a:majorFont>
+      <a:minorFont>
+        <a:latin typeface="Calibri" panose="020F0502020204030204"/>
+        <a:ea typeface=""/>
+        <a:cs typeface=""/>
+        <a:font script="Jpan" typeface="ＭＳ Ｐゴシック"/>
+        <a:font script="Hang" typeface="맑은 고딕"/>
+        <a:font script="Hans" typeface="宋体"/>
+        <a:font script="Hant" typeface="新細明體"/>
+        <a:font script="Arab" typeface="Arial"/>
+        <a:font script="Hebr" typeface="Arial"/>
+        <a:font script="Thai" typeface="Cordia New"/>
+        <a:font script="Ethi" typeface="Nyala"/>
+        <a:font script="Beng" typeface="Vrinda"/>
+        <a:font script="Gujr" typeface="Shruti"/>
+        <a:font script="Khmr" typeface="DaunPenh"/>
+        <a:font script="Knda" typeface="Tunga"/>
+        <a:font script="Guru" typeface="Raavi"/>
+        <a:font script="Cans" typeface="Euphemia"/>
+        <a:font script="Cher" typeface="Plantagenet Cherokee"/>
+        <a:font script="Yiii" typeface="Microsoft Yi Baiti"/>
+        <a:font script="Tibt" typeface="Microsoft Himalaya"/>
+        <a:font script="Thaa" typeface="MV Boli"/>
+        <a:font script="Deva" typeface="Mangal"/>
+        <a:font script="Telu" typeface="Gautami"/>
+        <a:font script="Taml" typeface="Latha"/>
+        <a:font script="Syrc" typeface="Estrangelo Edessa"/>
+        <a:font script="Orya" typeface="Kalinga"/>
+        <a:font script="Mlym" typeface="Kartika"/>
+        <a:font script="Laoo" typeface="DokChampa"/>
+        <a:font script="Sinh" typeface="Iskoola Pota"/>
+        <a:font script="Mong" typeface="Mongolian Baiti"/>
+        <a:font script="Viet" typeface="Arial"/>
+        <a:font script="Uigh" typeface="Microsoft Uighur"/>
+        <a:font script="Geor" typeface="Sylfaen"/>
+      </a:minorFont>
+    </a:fontScheme>
+    <a:fmtScheme name="Office">
+      <a:fillStyleLst>
+        <a:solidFill>
+          <a:schemeClr val="phClr"/>
+        </a:solidFill>
+        <a:gradFill rotWithShape="1">
+          <a:gsLst>
+            <a:gs pos="0">
+              <a:schemeClr val="phClr">
+                <a:lumMod val="110000"/>
+                <a:satMod val="105000"/>
+                <a:tint val="67000"/>
+              </a:schemeClr>
+            </a:gs>
+            <a:gs pos="50000">
+              <a:schemeClr val="phClr">
+                <a:lumMod val="105000"/>
+                <a:satMod val="103000"/>
+                <a:tint val="73000"/>
+              </a:schemeClr>
+            </a:gs>
+            <a:gs pos="100000">
+              <a:schemeClr val="phClr">
+                <a:lumMod val="105000"/>
+                <a:satMod val="109000"/>
+                <a:tint val="81000"/>
+              </a:schemeClr>
+            </a:gs>
+          </a:gsLst>
+          <a:lin ang="5400000" scaled="0"/>
+        </a:gradFill>
+        <a:gradFill rotWithShape="1">
+          <a:gsLst>
+            <a:gs pos="0">
+              <a:schemeClr val="phClr">
+                <a:satMod val="103000"/>
+                <a:lumMod val="102000"/>
+                <a:tint val="94000"/>
+              </a:schemeClr>
+            </a:gs>
+            <a:gs pos="50000">
+              <a:schemeClr val="phClr">
+                <a:satMod val="110000"/>
+                <a:lumMod val="100000"/>
+                <a:shade val="100000"/>
+              </a:schemeClr>
+            </a:gs>
+            <a:gs pos="100000">
+              <a:schemeClr val="phClr">
+                <a:lumMod val="99000"/>
+                <a:satMod val="120000"/>
+                <a:shade val="78000"/>
+              </a:schemeClr>
+            </a:gs>
+          </a:gsLst>
+          <a:lin ang="5400000" scaled="0"/>
+        </a:gradFill>
+      </a:fillStyleLst>
+      <a:lnStyleLst>
+        <a:ln w="6350" cap="flat" cmpd="sng" algn="ctr">
+          <a:solidFill>
+            <a:schemeClr val="phClr"/>
+          </a:solidFill>
+          <a:prstDash val="solid"/>
+          <a:miter lim="800000"/>
+        </a:ln>
+        <a:ln w="12700" cap="flat" cmpd="sng" algn="ctr">
+          <a:solidFill>
+            <a:schemeClr val="phClr"/>
+          </a:solidFill>
+          <a:prstDash val="solid"/>
+          <a:miter lim="800000"/>
+        </a:ln>
+        <a:ln w="19050" cap="flat" cmpd="sng" algn="ctr">
+          <a:solidFill>
+            <a:schemeClr val="phClr"/>
+          </a:solidFill>
+          <a:prstDash val="solid"/>
+          <a:miter lim="800000"/>
+        </a:ln>
+      </a:lnStyleLst>
+      <a:effectStyleLst>
+        <a:effectStyle>
+          <a:effectLst/>
+        </a:effectStyle>
+        <a:effectStyle>
+          <a:effectLst/>
+        </a:effectStyle>
+        <a:effectStyle>
+          <a:effectLst>
+            <a:outerShdw blurRad="57150" dist="19050" dir="5400000" algn="ctr" rotWithShape="0">
+              <a:srgbClr val="000000">
+                <a:alpha val="63000"/>
+              </a:srgbClr>
+            </a:outerShdw>
+          </a:effectLst>
+        </a:effectStyle>
+      </a:effectStyleLst>
+      <a:bgFillStyleLst>
+        <a:solidFill>
+          <a:schemeClr val="phClr"/>
+        </a:solidFill>
+        <a:solidFill>
+          <a:schemeClr val="phClr">
+            <a:tint val="95000"/>
+            <a:satMod val="170000"/>
+          </a:schemeClr>
+        </a:solidFill>
+        <a:gradFill rotWithShape="1">
+          <a:gsLst>
+            <a:gs pos="0">
+              <a:schemeClr val="phClr">
+                <a:tint val="93000"/>
+                <a:satMod val="150000"/>
+                <a:shade val="98000"/>
+                <a:lumMod val="102000"/>
+              </a:schemeClr>
+            </a:gs>
+            <a:gs pos="50000">
+              <a:schemeClr val="phClr">
+                <a:tint val="98000"/>
+                <a:satMod val="130000"/>
+                <a:shade val="90000"/>
+                <a:lumMod val="103000"/>
+              </a:schemeClr>
+            </a:gs>
+            <a:gs pos="100000">
+              <a:schemeClr val="phClr">
+                <a:shade val="63000"/>
+                <a:satMod val="120000"/>
+              </a:schemeClr>
+            </a:gs>
+          </a:gsLst>
+          <a:lin ang="5400000" scaled="0"/>
+        </a:gradFill>
+      </a:bgFillStyleLst>
+    </a:fmtScheme>
+  </a:themeElements>
+  <a:objectDefaults/>
+  <a:extraClrSchemeLst/>
+  <a:extLst>
+    <a:ext uri="{05A4C25C-085E-4340-85A3-A5531E510DB2}">
+      <thm15:themeFamily xmlns:thm15="http://schemas.microsoft.com/office/thememl/2012/main" name="Office Theme" id="{62F939B6-93AF-4DB8-9C6B-D6C7DFDC589F}" vid="{4A3C46E8-61CC-4603-A589-7422A47A8E4A}"/>
+    </a:ext>
+  </a:extLst>
+</a:theme>
 </file>